--- a/提出物/チーム漢_成果発表会プレゼン資料.pptx
+++ b/提出物/チーム漢_成果発表会プレゼン資料.pptx
@@ -4,6 +4,9 @@
   <p:sldMasterIdLst>
     <p:sldMasterId id="2147483648" r:id="rId1"/>
   </p:sldMasterIdLst>
+  <p:handoutMasterIdLst>
+    <p:handoutMasterId r:id="rId14"/>
+  </p:handoutMasterIdLst>
   <p:sldIdLst>
     <p:sldId id="256" r:id="rId2"/>
     <p:sldId id="257" r:id="rId3"/>
@@ -115,7 +118,201 @@
       </a:defRPr>
     </a:lvl9pPr>
   </p:defaultTextStyle>
+  <p:extLst>
+    <p:ext uri="{EFAFB233-063F-42B5-8137-9DF3F51BA10A}">
+      <p15:sldGuideLst xmlns:p15="http://schemas.microsoft.com/office/powerpoint/2012/main"/>
+    </p:ext>
+  </p:extLst>
 </p:presentation>
+</file>
+
+<file path=ppt/handoutMasters/handoutMaster1.xml><?xml version="1.0" encoding="utf-8"?>
+<p:handoutMaster xmlns:a="http://schemas.openxmlformats.org/drawingml/2006/main" xmlns:r="http://schemas.openxmlformats.org/officeDocument/2006/relationships" xmlns:p="http://schemas.openxmlformats.org/presentationml/2006/main">
+  <p:cSld>
+    <p:bg>
+      <p:bgRef idx="1001">
+        <a:schemeClr val="bg1"/>
+      </p:bgRef>
+    </p:bg>
+    <p:spTree>
+      <p:nvGrpSpPr>
+        <p:cNvPr id="1" name=""/>
+        <p:cNvGrpSpPr/>
+        <p:nvPr/>
+      </p:nvGrpSpPr>
+      <p:grpSpPr>
+        <a:xfrm>
+          <a:off x="0" y="0"/>
+          <a:ext cx="0" cy="0"/>
+          <a:chOff x="0" y="0"/>
+          <a:chExt cx="0" cy="0"/>
+        </a:xfrm>
+      </p:grpSpPr>
+      <p:sp>
+        <p:nvSpPr>
+          <p:cNvPr id="2" name="ヘッダー プレースホルダー 1">
+            <a:extLst>
+              <a:ext uri="{FF2B5EF4-FFF2-40B4-BE49-F238E27FC236}">
+                <a16:creationId xmlns:a16="http://schemas.microsoft.com/office/drawing/2014/main" id="{9A0B6B2A-9B14-4EDB-9D6C-C4AB659AB7A9}"/>
+              </a:ext>
+            </a:extLst>
+          </p:cNvPr>
+          <p:cNvSpPr>
+            <a:spLocks noGrp="1"/>
+          </p:cNvSpPr>
+          <p:nvPr>
+            <p:ph type="hdr" sz="quarter"/>
+          </p:nvPr>
+        </p:nvSpPr>
+        <p:spPr>
+          <a:xfrm>
+            <a:off x="0" y="0"/>
+            <a:ext cx="2971800" cy="458788"/>
+          </a:xfrm>
+          <a:prstGeom prst="rect">
+            <a:avLst/>
+          </a:prstGeom>
+        </p:spPr>
+        <p:txBody>
+          <a:bodyPr vert="horz" lIns="91440" tIns="45720" rIns="91440" bIns="45720" rtlCol="0"/>
+          <a:lstStyle>
+            <a:lvl1pPr algn="l">
+              <a:defRPr sz="1200"/>
+            </a:lvl1pPr>
+          </a:lstStyle>
+          <a:p>
+            <a:endParaRPr kumimoji="1" lang="ja-JP" altLang="en-US"/>
+          </a:p>
+        </p:txBody>
+      </p:sp>
+      <p:sp>
+        <p:nvSpPr>
+          <p:cNvPr id="3" name="日付プレースホルダー 2">
+            <a:extLst>
+              <a:ext uri="{FF2B5EF4-FFF2-40B4-BE49-F238E27FC236}">
+                <a16:creationId xmlns:a16="http://schemas.microsoft.com/office/drawing/2014/main" id="{40368B5D-2559-4F83-9587-098D476896E5}"/>
+              </a:ext>
+            </a:extLst>
+          </p:cNvPr>
+          <p:cNvSpPr>
+            <a:spLocks noGrp="1"/>
+          </p:cNvSpPr>
+          <p:nvPr>
+            <p:ph type="dt" sz="quarter" idx="1"/>
+          </p:nvPr>
+        </p:nvSpPr>
+        <p:spPr>
+          <a:xfrm>
+            <a:off x="3884613" y="0"/>
+            <a:ext cx="2971800" cy="458788"/>
+          </a:xfrm>
+          <a:prstGeom prst="rect">
+            <a:avLst/>
+          </a:prstGeom>
+        </p:spPr>
+        <p:txBody>
+          <a:bodyPr vert="horz" lIns="91440" tIns="45720" rIns="91440" bIns="45720" rtlCol="0"/>
+          <a:lstStyle>
+            <a:lvl1pPr algn="r">
+              <a:defRPr sz="1200"/>
+            </a:lvl1pPr>
+          </a:lstStyle>
+          <a:p>
+            <a:fld id="{4CED67AD-833E-4394-A053-51126191BB46}" type="datetimeFigureOut">
+              <a:rPr kumimoji="1" lang="ja-JP" altLang="en-US" smtClean="0"/>
+              <a:t>2021/5/26</a:t>
+            </a:fld>
+            <a:endParaRPr kumimoji="1" lang="ja-JP" altLang="en-US"/>
+          </a:p>
+        </p:txBody>
+      </p:sp>
+      <p:sp>
+        <p:nvSpPr>
+          <p:cNvPr id="4" name="フッター プレースホルダー 3">
+            <a:extLst>
+              <a:ext uri="{FF2B5EF4-FFF2-40B4-BE49-F238E27FC236}">
+                <a16:creationId xmlns:a16="http://schemas.microsoft.com/office/drawing/2014/main" id="{FFC0B75E-FAEC-45F7-8D74-8C665871EDF7}"/>
+              </a:ext>
+            </a:extLst>
+          </p:cNvPr>
+          <p:cNvSpPr>
+            <a:spLocks noGrp="1"/>
+          </p:cNvSpPr>
+          <p:nvPr>
+            <p:ph type="ftr" sz="quarter" idx="2"/>
+          </p:nvPr>
+        </p:nvSpPr>
+        <p:spPr>
+          <a:xfrm>
+            <a:off x="0" y="8685213"/>
+            <a:ext cx="2971800" cy="458787"/>
+          </a:xfrm>
+          <a:prstGeom prst="rect">
+            <a:avLst/>
+          </a:prstGeom>
+        </p:spPr>
+        <p:txBody>
+          <a:bodyPr vert="horz" lIns="91440" tIns="45720" rIns="91440" bIns="45720" rtlCol="0" anchor="b"/>
+          <a:lstStyle>
+            <a:lvl1pPr algn="l">
+              <a:defRPr sz="1200"/>
+            </a:lvl1pPr>
+          </a:lstStyle>
+          <a:p>
+            <a:endParaRPr kumimoji="1" lang="ja-JP" altLang="en-US"/>
+          </a:p>
+        </p:txBody>
+      </p:sp>
+      <p:sp>
+        <p:nvSpPr>
+          <p:cNvPr id="5" name="スライド番号プレースホルダー 4">
+            <a:extLst>
+              <a:ext uri="{FF2B5EF4-FFF2-40B4-BE49-F238E27FC236}">
+                <a16:creationId xmlns:a16="http://schemas.microsoft.com/office/drawing/2014/main" id="{724E9C1E-C4E5-4533-91E3-A7475E792A36}"/>
+              </a:ext>
+            </a:extLst>
+          </p:cNvPr>
+          <p:cNvSpPr>
+            <a:spLocks noGrp="1"/>
+          </p:cNvSpPr>
+          <p:nvPr>
+            <p:ph type="sldNum" sz="quarter" idx="3"/>
+          </p:nvPr>
+        </p:nvSpPr>
+        <p:spPr>
+          <a:xfrm>
+            <a:off x="3884613" y="8685213"/>
+            <a:ext cx="2971800" cy="458787"/>
+          </a:xfrm>
+          <a:prstGeom prst="rect">
+            <a:avLst/>
+          </a:prstGeom>
+        </p:spPr>
+        <p:txBody>
+          <a:bodyPr vert="horz" lIns="91440" tIns="45720" rIns="91440" bIns="45720" rtlCol="0" anchor="b"/>
+          <a:lstStyle>
+            <a:lvl1pPr algn="r">
+              <a:defRPr sz="1200"/>
+            </a:lvl1pPr>
+          </a:lstStyle>
+          <a:p>
+            <a:fld id="{56D9B10F-688B-469F-A4EA-011E99E2022B}" type="slidenum">
+              <a:rPr kumimoji="1" lang="ja-JP" altLang="en-US" smtClean="0"/>
+              <a:t>‹#›</a:t>
+            </a:fld>
+            <a:endParaRPr kumimoji="1" lang="ja-JP" altLang="en-US"/>
+          </a:p>
+        </p:txBody>
+      </p:sp>
+    </p:spTree>
+    <p:extLst>
+      <p:ext uri="{BB962C8B-B14F-4D97-AF65-F5344CB8AC3E}">
+        <p14:creationId xmlns:p14="http://schemas.microsoft.com/office/powerpoint/2010/main" val="1971974729"/>
+      </p:ext>
+    </p:extLst>
+  </p:cSld>
+  <p:clrMap bg1="lt1" tx1="dk1" bg2="lt2" tx2="dk2" accent1="accent1" accent2="accent2" accent3="accent3" accent4="accent4" accent5="accent5" accent6="accent6" hlink="hlink" folHlink="folHlink"/>
+</p:handoutMaster>
 </file>
 
 <file path=ppt/slideLayouts/slideLayout1.xml><?xml version="1.0" encoding="utf-8"?>
@@ -135,6 +332,116 @@
           <a:chExt cx="0" cy="0"/>
         </a:xfrm>
       </p:grpSpPr>
+      <p:sp>
+        <p:nvSpPr>
+          <p:cNvPr id="8" name="楕円 7">
+            <a:extLst>
+              <a:ext uri="{FF2B5EF4-FFF2-40B4-BE49-F238E27FC236}">
+                <a16:creationId xmlns:a16="http://schemas.microsoft.com/office/drawing/2014/main" id="{F57CD1C5-EEEC-424D-AA49-86DE5CAAE055}"/>
+              </a:ext>
+            </a:extLst>
+          </p:cNvPr>
+          <p:cNvSpPr/>
+          <p:nvPr userDrawn="1"/>
+        </p:nvSpPr>
+        <p:spPr>
+          <a:xfrm>
+            <a:off x="7860302" y="2717800"/>
+            <a:ext cx="5237018" cy="5286894"/>
+          </a:xfrm>
+          <a:prstGeom prst="ellipse">
+            <a:avLst/>
+          </a:prstGeom>
+          <a:solidFill>
+            <a:schemeClr val="accent1">
+              <a:lumMod val="20000"/>
+              <a:lumOff val="80000"/>
+            </a:schemeClr>
+          </a:solidFill>
+          <a:ln>
+            <a:noFill/>
+          </a:ln>
+        </p:spPr>
+        <p:style>
+          <a:lnRef idx="2">
+            <a:schemeClr val="accent1">
+              <a:shade val="50000"/>
+            </a:schemeClr>
+          </a:lnRef>
+          <a:fillRef idx="1">
+            <a:schemeClr val="accent1"/>
+          </a:fillRef>
+          <a:effectRef idx="0">
+            <a:schemeClr val="accent1"/>
+          </a:effectRef>
+          <a:fontRef idx="minor">
+            <a:schemeClr val="lt1"/>
+          </a:fontRef>
+        </p:style>
+        <p:txBody>
+          <a:bodyPr rtlCol="0" anchor="ctr"/>
+          <a:lstStyle/>
+          <a:p>
+            <a:pPr algn="ctr"/>
+            <a:endParaRPr kumimoji="1" lang="ja-JP" altLang="en-US"/>
+          </a:p>
+        </p:txBody>
+      </p:sp>
+      <p:sp>
+        <p:nvSpPr>
+          <p:cNvPr id="7" name="楕円 6">
+            <a:extLst>
+              <a:ext uri="{FF2B5EF4-FFF2-40B4-BE49-F238E27FC236}">
+                <a16:creationId xmlns:a16="http://schemas.microsoft.com/office/drawing/2014/main" id="{C191E6A1-7E94-44CA-A39F-755DFB927D45}"/>
+              </a:ext>
+            </a:extLst>
+          </p:cNvPr>
+          <p:cNvSpPr/>
+          <p:nvPr userDrawn="1"/>
+        </p:nvSpPr>
+        <p:spPr>
+          <a:xfrm>
+            <a:off x="-896851" y="-1043247"/>
+            <a:ext cx="5237018" cy="5286894"/>
+          </a:xfrm>
+          <a:prstGeom prst="ellipse">
+            <a:avLst/>
+          </a:prstGeom>
+          <a:solidFill>
+            <a:schemeClr val="accent1">
+              <a:lumMod val="20000"/>
+              <a:lumOff val="80000"/>
+            </a:schemeClr>
+          </a:solidFill>
+          <a:ln>
+            <a:noFill/>
+          </a:ln>
+        </p:spPr>
+        <p:style>
+          <a:lnRef idx="2">
+            <a:schemeClr val="accent1">
+              <a:shade val="50000"/>
+            </a:schemeClr>
+          </a:lnRef>
+          <a:fillRef idx="1">
+            <a:schemeClr val="accent1"/>
+          </a:fillRef>
+          <a:effectRef idx="0">
+            <a:schemeClr val="accent1"/>
+          </a:effectRef>
+          <a:fontRef idx="minor">
+            <a:schemeClr val="lt1"/>
+          </a:fontRef>
+        </p:style>
+        <p:txBody>
+          <a:bodyPr rtlCol="0" anchor="ctr"/>
+          <a:lstStyle/>
+          <a:p>
+            <a:pPr algn="ctr"/>
+            <a:endParaRPr kumimoji="1" lang="ja-JP" altLang="en-US"/>
+          </a:p>
+        </p:txBody>
+      </p:sp>
       <p:sp>
         <p:nvSpPr>
           <p:cNvPr id="2" name="タイトル 1">
@@ -827,6 +1134,123 @@
       </p:grpSpPr>
       <p:sp>
         <p:nvSpPr>
+          <p:cNvPr id="8" name="楕円 7">
+            <a:extLst>
+              <a:ext uri="{FF2B5EF4-FFF2-40B4-BE49-F238E27FC236}">
+                <a16:creationId xmlns:a16="http://schemas.microsoft.com/office/drawing/2014/main" id="{94137477-381B-4A3A-8EC6-8BE9B911274E}"/>
+              </a:ext>
+            </a:extLst>
+          </p:cNvPr>
+          <p:cNvSpPr/>
+          <p:nvPr userDrawn="1"/>
+        </p:nvSpPr>
+        <p:spPr>
+          <a:xfrm>
+            <a:off x="2659310" y="957240"/>
+            <a:ext cx="1258349" cy="1258349"/>
+          </a:xfrm>
+          <a:prstGeom prst="ellipse">
+            <a:avLst/>
+          </a:prstGeom>
+          <a:solidFill>
+            <a:schemeClr val="accent1">
+              <a:lumMod val="20000"/>
+              <a:lumOff val="80000"/>
+            </a:schemeClr>
+          </a:solidFill>
+          <a:ln>
+            <a:noFill/>
+          </a:ln>
+        </p:spPr>
+        <p:style>
+          <a:lnRef idx="2">
+            <a:schemeClr val="accent1">
+              <a:shade val="50000"/>
+            </a:schemeClr>
+          </a:lnRef>
+          <a:fillRef idx="1">
+            <a:schemeClr val="accent1"/>
+          </a:fillRef>
+          <a:effectRef idx="0">
+            <a:schemeClr val="accent1"/>
+          </a:effectRef>
+          <a:fontRef idx="minor">
+            <a:schemeClr val="lt1"/>
+          </a:fontRef>
+        </p:style>
+        <p:txBody>
+          <a:bodyPr rtlCol="0" anchor="ctr"/>
+          <a:lstStyle/>
+          <a:p>
+            <a:pPr algn="ctr"/>
+            <a:endParaRPr kumimoji="1" lang="ja-JP" altLang="en-US"/>
+          </a:p>
+        </p:txBody>
+      </p:sp>
+      <p:sp>
+        <p:nvSpPr>
+          <p:cNvPr id="7" name="楕円 6">
+            <a:extLst>
+              <a:ext uri="{FF2B5EF4-FFF2-40B4-BE49-F238E27FC236}">
+                <a16:creationId xmlns:a16="http://schemas.microsoft.com/office/drawing/2014/main" id="{C34FED6B-A2D5-4D97-82B8-1123604594D9}"/>
+              </a:ext>
+            </a:extLst>
+          </p:cNvPr>
+          <p:cNvSpPr/>
+          <p:nvPr userDrawn="1"/>
+        </p:nvSpPr>
+        <p:spPr>
+          <a:xfrm>
+            <a:off x="-751514" y="-1048624"/>
+            <a:ext cx="3179428" cy="3221372"/>
+          </a:xfrm>
+          <a:prstGeom prst="ellipse">
+            <a:avLst/>
+          </a:prstGeom>
+          <a:solidFill>
+            <a:schemeClr val="accent1">
+              <a:lumMod val="20000"/>
+              <a:lumOff val="80000"/>
+            </a:schemeClr>
+          </a:solidFill>
+          <a:ln>
+            <a:noFill/>
+          </a:ln>
+        </p:spPr>
+        <p:style>
+          <a:lnRef idx="2">
+            <a:schemeClr val="accent1">
+              <a:shade val="50000"/>
+            </a:schemeClr>
+          </a:lnRef>
+          <a:fillRef idx="1">
+            <a:schemeClr val="accent1"/>
+          </a:fillRef>
+          <a:effectRef idx="0">
+            <a:schemeClr val="accent1"/>
+          </a:effectRef>
+          <a:fontRef idx="minor">
+            <a:schemeClr val="lt1"/>
+          </a:fontRef>
+        </p:style>
+        <p:txBody>
+          <a:bodyPr rtlCol="0" anchor="ctr"/>
+          <a:lstStyle/>
+          <a:p>
+            <a:pPr algn="ctr"/>
+            <a:endParaRPr kumimoji="1" lang="ja-JP" altLang="en-US">
+              <a:solidFill>
+                <a:schemeClr val="tx1">
+                  <a:lumMod val="75000"/>
+                  <a:lumOff val="25000"/>
+                </a:schemeClr>
+              </a:solidFill>
+            </a:endParaRPr>
+          </a:p>
+        </p:txBody>
+      </p:sp>
+      <p:sp>
+        <p:nvSpPr>
           <p:cNvPr id="2" name="タイトル 1">
             <a:extLst>
               <a:ext uri="{FF2B5EF4-FFF2-40B4-BE49-F238E27FC236}">
@@ -847,7 +1271,7 @@
           <a:lstStyle/>
           <a:p>
             <a:r>
-              <a:rPr kumimoji="1" lang="ja-JP" altLang="en-US"/>
+              <a:rPr kumimoji="1" lang="ja-JP" altLang="en-US" dirty="0"/>
               <a:t>マスター タイトルの書式設定</a:t>
             </a:r>
           </a:p>
@@ -872,71 +1296,122 @@
         <p:spPr/>
         <p:txBody>
           <a:bodyPr/>
-          <a:lstStyle/>
+          <a:lstStyle>
+            <a:lvl1pPr>
+              <a:defRPr>
+                <a:solidFill>
+                  <a:schemeClr val="tx1">
+                    <a:lumMod val="75000"/>
+                    <a:lumOff val="25000"/>
+                  </a:schemeClr>
+                </a:solidFill>
+              </a:defRPr>
+            </a:lvl1pPr>
+            <a:lvl2pPr>
+              <a:defRPr>
+                <a:solidFill>
+                  <a:schemeClr val="tx1">
+                    <a:lumMod val="75000"/>
+                    <a:lumOff val="25000"/>
+                  </a:schemeClr>
+                </a:solidFill>
+              </a:defRPr>
+            </a:lvl2pPr>
+            <a:lvl3pPr>
+              <a:defRPr>
+                <a:solidFill>
+                  <a:schemeClr val="tx1">
+                    <a:lumMod val="75000"/>
+                    <a:lumOff val="25000"/>
+                  </a:schemeClr>
+                </a:solidFill>
+              </a:defRPr>
+            </a:lvl3pPr>
+            <a:lvl4pPr>
+              <a:defRPr>
+                <a:solidFill>
+                  <a:schemeClr val="tx1">
+                    <a:lumMod val="75000"/>
+                    <a:lumOff val="25000"/>
+                  </a:schemeClr>
+                </a:solidFill>
+              </a:defRPr>
+            </a:lvl4pPr>
+            <a:lvl5pPr>
+              <a:defRPr>
+                <a:solidFill>
+                  <a:schemeClr val="tx1">
+                    <a:lumMod val="75000"/>
+                    <a:lumOff val="25000"/>
+                  </a:schemeClr>
+                </a:solidFill>
+              </a:defRPr>
+            </a:lvl5pPr>
+          </a:lstStyle>
           <a:p>
             <a:pPr lvl="0"/>
             <a:r>
-              <a:rPr kumimoji="1" lang="ja-JP" altLang="en-US"/>
+              <a:rPr kumimoji="1" lang="ja-JP" altLang="en-US" dirty="0"/>
               <a:t>マスター テキストの書式設定</a:t>
             </a:r>
           </a:p>
           <a:p>
             <a:pPr lvl="1"/>
             <a:r>
-              <a:rPr kumimoji="1" lang="ja-JP" altLang="en-US"/>
+              <a:rPr kumimoji="1" lang="ja-JP" altLang="en-US" dirty="0"/>
               <a:t>第 </a:t>
             </a:r>
             <a:r>
-              <a:rPr kumimoji="1" lang="en-US" altLang="ja-JP"/>
+              <a:rPr kumimoji="1" lang="en-US" altLang="ja-JP" dirty="0"/>
               <a:t>2 </a:t>
             </a:r>
             <a:r>
-              <a:rPr kumimoji="1" lang="ja-JP" altLang="en-US"/>
+              <a:rPr kumimoji="1" lang="ja-JP" altLang="en-US" dirty="0"/>
               <a:t>レベル</a:t>
             </a:r>
           </a:p>
           <a:p>
             <a:pPr lvl="2"/>
             <a:r>
-              <a:rPr kumimoji="1" lang="ja-JP" altLang="en-US"/>
+              <a:rPr kumimoji="1" lang="ja-JP" altLang="en-US" dirty="0"/>
               <a:t>第 </a:t>
             </a:r>
             <a:r>
-              <a:rPr kumimoji="1" lang="en-US" altLang="ja-JP"/>
+              <a:rPr kumimoji="1" lang="en-US" altLang="ja-JP" dirty="0"/>
               <a:t>3 </a:t>
             </a:r>
             <a:r>
-              <a:rPr kumimoji="1" lang="ja-JP" altLang="en-US"/>
+              <a:rPr kumimoji="1" lang="ja-JP" altLang="en-US" dirty="0"/>
               <a:t>レベル</a:t>
             </a:r>
           </a:p>
           <a:p>
             <a:pPr lvl="3"/>
             <a:r>
-              <a:rPr kumimoji="1" lang="ja-JP" altLang="en-US"/>
+              <a:rPr kumimoji="1" lang="ja-JP" altLang="en-US" dirty="0"/>
               <a:t>第 </a:t>
             </a:r>
             <a:r>
-              <a:rPr kumimoji="1" lang="en-US" altLang="ja-JP"/>
+              <a:rPr kumimoji="1" lang="en-US" altLang="ja-JP" dirty="0"/>
               <a:t>4 </a:t>
             </a:r>
             <a:r>
-              <a:rPr kumimoji="1" lang="ja-JP" altLang="en-US"/>
+              <a:rPr kumimoji="1" lang="ja-JP" altLang="en-US" dirty="0"/>
               <a:t>レベル</a:t>
             </a:r>
           </a:p>
           <a:p>
             <a:pPr lvl="4"/>
             <a:r>
-              <a:rPr kumimoji="1" lang="ja-JP" altLang="en-US"/>
+              <a:rPr kumimoji="1" lang="ja-JP" altLang="en-US" dirty="0"/>
               <a:t>第 </a:t>
             </a:r>
             <a:r>
-              <a:rPr kumimoji="1" lang="en-US" altLang="ja-JP"/>
+              <a:rPr kumimoji="1" lang="en-US" altLang="ja-JP" dirty="0"/>
               <a:t>5 </a:t>
             </a:r>
             <a:r>
-              <a:rPr kumimoji="1" lang="ja-JP" altLang="en-US"/>
+              <a:rPr kumimoji="1" lang="ja-JP" altLang="en-US" dirty="0"/>
               <a:t>レベル</a:t>
             </a:r>
           </a:p>
@@ -1025,6 +1500,42 @@
           </a:p>
         </p:txBody>
       </p:sp>
+      <p:pic>
+        <p:nvPicPr>
+          <p:cNvPr id="9" name="図 8">
+            <a:extLst>
+              <a:ext uri="{FF2B5EF4-FFF2-40B4-BE49-F238E27FC236}">
+                <a16:creationId xmlns:a16="http://schemas.microsoft.com/office/drawing/2014/main" id="{B6AD3A05-FE4F-40FE-B033-B5172B8F51C8}"/>
+              </a:ext>
+            </a:extLst>
+          </p:cNvPr>
+          <p:cNvPicPr>
+            <a:picLocks noChangeAspect="1"/>
+          </p:cNvPicPr>
+          <p:nvPr userDrawn="1"/>
+        </p:nvPicPr>
+        <p:blipFill>
+          <a:blip r:embed="rId2">
+            <a:extLst>
+              <a:ext uri="{28A0092B-C50C-407E-A947-70E740481C1C}">
+                <a14:useLocalDpi xmlns:a14="http://schemas.microsoft.com/office/drawing/2010/main" val="0"/>
+              </a:ext>
+            </a:extLst>
+          </a:blip>
+          <a:stretch>
+            <a:fillRect/>
+          </a:stretch>
+        </p:blipFill>
+        <p:spPr>
+          <a:xfrm>
+            <a:off x="10547757" y="246783"/>
+            <a:ext cx="1258349" cy="1258349"/>
+          </a:xfrm>
+          <a:prstGeom prst="rect">
+            <a:avLst/>
+          </a:prstGeom>
+        </p:spPr>
+      </p:pic>
     </p:spTree>
     <p:extLst>
       <p:ext uri="{BB962C8B-B14F-4D97-AF65-F5344CB8AC3E}">
@@ -3650,7 +4161,7 @@
               <a:rPr kumimoji="1" lang="ja-JP" altLang="en-US" u="sng" dirty="0">
                 <a:solidFill>
                   <a:schemeClr val="accent5">
-                    <a:lumMod val="75000"/>
+                    <a:lumMod val="50000"/>
                   </a:schemeClr>
                 </a:solidFill>
                 <a:latin typeface="メイリオ" panose="020B0604030504040204" pitchFamily="50" charset="-128"/>
@@ -3662,7 +4173,7 @@
               <a:rPr kumimoji="1" lang="en-US" altLang="ja-JP" u="sng" dirty="0">
                 <a:solidFill>
                   <a:schemeClr val="accent5">
-                    <a:lumMod val="75000"/>
+                    <a:lumMod val="50000"/>
                   </a:schemeClr>
                 </a:solidFill>
                 <a:latin typeface="メイリオ" panose="020B0604030504040204" pitchFamily="50" charset="-128"/>
@@ -3674,7 +4185,7 @@
               <a:rPr kumimoji="1" lang="ja-JP" altLang="en-US" u="sng" dirty="0">
                 <a:solidFill>
                   <a:schemeClr val="accent5">
-                    <a:lumMod val="75000"/>
+                    <a:lumMod val="50000"/>
                   </a:schemeClr>
                 </a:solidFill>
                 <a:latin typeface="メイリオ" panose="020B0604030504040204" pitchFamily="50" charset="-128"/>
@@ -3717,7 +4228,7 @@
               <a:rPr kumimoji="1" lang="ja-JP" altLang="en-US" sz="3200" dirty="0">
                 <a:solidFill>
                   <a:schemeClr val="accent5">
-                    <a:lumMod val="75000"/>
+                    <a:lumMod val="50000"/>
                   </a:schemeClr>
                 </a:solidFill>
                 <a:latin typeface="メイリオ" panose="020B0604030504040204" pitchFamily="50" charset="-128"/>
@@ -3729,7 +4240,7 @@
               <a:rPr lang="ja-JP" altLang="en-US" sz="3200" dirty="0">
                 <a:solidFill>
                   <a:schemeClr val="accent5">
-                    <a:lumMod val="75000"/>
+                    <a:lumMod val="50000"/>
                   </a:schemeClr>
                 </a:solidFill>
                 <a:latin typeface="メイリオ" panose="020B0604030504040204" pitchFamily="50" charset="-128"/>
@@ -3740,7 +4251,7 @@
             <a:endParaRPr kumimoji="1" lang="ja-JP" altLang="en-US" sz="3200" dirty="0">
               <a:solidFill>
                 <a:schemeClr val="accent5">
-                  <a:lumMod val="75000"/>
+                  <a:lumMod val="50000"/>
                 </a:schemeClr>
               </a:solidFill>
               <a:latin typeface="メイリオ" panose="020B0604030504040204" pitchFamily="50" charset="-128"/>
@@ -3817,61 +4328,6 @@
       </p:grpSpPr>
       <p:sp>
         <p:nvSpPr>
-          <p:cNvPr id="6" name="楕円 5">
-            <a:extLst>
-              <a:ext uri="{FF2B5EF4-FFF2-40B4-BE49-F238E27FC236}">
-                <a16:creationId xmlns:a16="http://schemas.microsoft.com/office/drawing/2014/main" id="{48D13D17-E790-447A-A56F-414702513662}"/>
-              </a:ext>
-            </a:extLst>
-          </p:cNvPr>
-          <p:cNvSpPr/>
-          <p:nvPr/>
-        </p:nvSpPr>
-        <p:spPr>
-          <a:xfrm>
-            <a:off x="2659311" y="957241"/>
-            <a:ext cx="872455" cy="851789"/>
-          </a:xfrm>
-          <a:prstGeom prst="ellipse">
-            <a:avLst/>
-          </a:prstGeom>
-          <a:solidFill>
-            <a:schemeClr val="accent1">
-              <a:lumMod val="20000"/>
-              <a:lumOff val="80000"/>
-            </a:schemeClr>
-          </a:solidFill>
-          <a:ln>
-            <a:noFill/>
-          </a:ln>
-        </p:spPr>
-        <p:style>
-          <a:lnRef idx="2">
-            <a:schemeClr val="accent1">
-              <a:shade val="50000"/>
-            </a:schemeClr>
-          </a:lnRef>
-          <a:fillRef idx="1">
-            <a:schemeClr val="accent1"/>
-          </a:fillRef>
-          <a:effectRef idx="0">
-            <a:schemeClr val="accent1"/>
-          </a:effectRef>
-          <a:fontRef idx="minor">
-            <a:schemeClr val="lt1"/>
-          </a:fontRef>
-        </p:style>
-        <p:txBody>
-          <a:bodyPr rtlCol="0" anchor="ctr"/>
-          <a:lstStyle/>
-          <a:p>
-            <a:pPr algn="ctr"/>
-            <a:endParaRPr kumimoji="1" lang="ja-JP" altLang="en-US"/>
-          </a:p>
-        </p:txBody>
-      </p:sp>
-      <p:sp>
-        <p:nvSpPr>
           <p:cNvPr id="5" name="楕円 4">
             <a:extLst>
               <a:ext uri="{FF2B5EF4-FFF2-40B4-BE49-F238E27FC236}">
@@ -4056,61 +4512,6 @@
       </p:grpSpPr>
       <p:sp>
         <p:nvSpPr>
-          <p:cNvPr id="6" name="楕円 5">
-            <a:extLst>
-              <a:ext uri="{FF2B5EF4-FFF2-40B4-BE49-F238E27FC236}">
-                <a16:creationId xmlns:a16="http://schemas.microsoft.com/office/drawing/2014/main" id="{FC2DB3B6-64D6-47C1-A71B-EE40025DDBC2}"/>
-              </a:ext>
-            </a:extLst>
-          </p:cNvPr>
-          <p:cNvSpPr/>
-          <p:nvPr/>
-        </p:nvSpPr>
-        <p:spPr>
-          <a:xfrm>
-            <a:off x="2659311" y="957241"/>
-            <a:ext cx="872455" cy="851789"/>
-          </a:xfrm>
-          <a:prstGeom prst="ellipse">
-            <a:avLst/>
-          </a:prstGeom>
-          <a:solidFill>
-            <a:schemeClr val="accent1">
-              <a:lumMod val="20000"/>
-              <a:lumOff val="80000"/>
-            </a:schemeClr>
-          </a:solidFill>
-          <a:ln>
-            <a:noFill/>
-          </a:ln>
-        </p:spPr>
-        <p:style>
-          <a:lnRef idx="2">
-            <a:schemeClr val="accent1">
-              <a:shade val="50000"/>
-            </a:schemeClr>
-          </a:lnRef>
-          <a:fillRef idx="1">
-            <a:schemeClr val="accent1"/>
-          </a:fillRef>
-          <a:effectRef idx="0">
-            <a:schemeClr val="accent1"/>
-          </a:effectRef>
-          <a:fontRef idx="minor">
-            <a:schemeClr val="lt1"/>
-          </a:fontRef>
-        </p:style>
-        <p:txBody>
-          <a:bodyPr rtlCol="0" anchor="ctr"/>
-          <a:lstStyle/>
-          <a:p>
-            <a:pPr algn="ctr"/>
-            <a:endParaRPr kumimoji="1" lang="ja-JP" altLang="en-US"/>
-          </a:p>
-        </p:txBody>
-      </p:sp>
-      <p:sp>
-        <p:nvSpPr>
           <p:cNvPr id="5" name="楕円 4">
             <a:extLst>
               <a:ext uri="{FF2B5EF4-FFF2-40B4-BE49-F238E27FC236}">
@@ -4391,61 +4792,6 @@
       </p:grpSpPr>
       <p:sp>
         <p:nvSpPr>
-          <p:cNvPr id="6" name="楕円 5">
-            <a:extLst>
-              <a:ext uri="{FF2B5EF4-FFF2-40B4-BE49-F238E27FC236}">
-                <a16:creationId xmlns:a16="http://schemas.microsoft.com/office/drawing/2014/main" id="{6135D92D-9B11-4E77-B048-A70CC8683573}"/>
-              </a:ext>
-            </a:extLst>
-          </p:cNvPr>
-          <p:cNvSpPr/>
-          <p:nvPr/>
-        </p:nvSpPr>
-        <p:spPr>
-          <a:xfrm>
-            <a:off x="2659311" y="957241"/>
-            <a:ext cx="872455" cy="851789"/>
-          </a:xfrm>
-          <a:prstGeom prst="ellipse">
-            <a:avLst/>
-          </a:prstGeom>
-          <a:solidFill>
-            <a:schemeClr val="accent1">
-              <a:lumMod val="20000"/>
-              <a:lumOff val="80000"/>
-            </a:schemeClr>
-          </a:solidFill>
-          <a:ln>
-            <a:noFill/>
-          </a:ln>
-        </p:spPr>
-        <p:style>
-          <a:lnRef idx="2">
-            <a:schemeClr val="accent1">
-              <a:shade val="50000"/>
-            </a:schemeClr>
-          </a:lnRef>
-          <a:fillRef idx="1">
-            <a:schemeClr val="accent1"/>
-          </a:fillRef>
-          <a:effectRef idx="0">
-            <a:schemeClr val="accent1"/>
-          </a:effectRef>
-          <a:fontRef idx="minor">
-            <a:schemeClr val="lt1"/>
-          </a:fontRef>
-        </p:style>
-        <p:txBody>
-          <a:bodyPr rtlCol="0" anchor="ctr"/>
-          <a:lstStyle/>
-          <a:p>
-            <a:pPr algn="ctr"/>
-            <a:endParaRPr kumimoji="1" lang="ja-JP" altLang="en-US"/>
-          </a:p>
-        </p:txBody>
-      </p:sp>
-      <p:sp>
-        <p:nvSpPr>
           <p:cNvPr id="5" name="楕円 4">
             <a:extLst>
               <a:ext uri="{FF2B5EF4-FFF2-40B4-BE49-F238E27FC236}">
@@ -4742,61 +5088,6 @@
       </p:grpSpPr>
       <p:sp>
         <p:nvSpPr>
-          <p:cNvPr id="8" name="楕円 7">
-            <a:extLst>
-              <a:ext uri="{FF2B5EF4-FFF2-40B4-BE49-F238E27FC236}">
-                <a16:creationId xmlns:a16="http://schemas.microsoft.com/office/drawing/2014/main" id="{3A6FE54D-3EC2-4EF6-BCE1-560E41CC8F63}"/>
-              </a:ext>
-            </a:extLst>
-          </p:cNvPr>
-          <p:cNvSpPr/>
-          <p:nvPr/>
-        </p:nvSpPr>
-        <p:spPr>
-          <a:xfrm>
-            <a:off x="2659311" y="957241"/>
-            <a:ext cx="872455" cy="851789"/>
-          </a:xfrm>
-          <a:prstGeom prst="ellipse">
-            <a:avLst/>
-          </a:prstGeom>
-          <a:solidFill>
-            <a:schemeClr val="accent1">
-              <a:lumMod val="20000"/>
-              <a:lumOff val="80000"/>
-            </a:schemeClr>
-          </a:solidFill>
-          <a:ln>
-            <a:noFill/>
-          </a:ln>
-        </p:spPr>
-        <p:style>
-          <a:lnRef idx="2">
-            <a:schemeClr val="accent1">
-              <a:shade val="50000"/>
-            </a:schemeClr>
-          </a:lnRef>
-          <a:fillRef idx="1">
-            <a:schemeClr val="accent1"/>
-          </a:fillRef>
-          <a:effectRef idx="0">
-            <a:schemeClr val="accent1"/>
-          </a:effectRef>
-          <a:fontRef idx="minor">
-            <a:schemeClr val="lt1"/>
-          </a:fontRef>
-        </p:style>
-        <p:txBody>
-          <a:bodyPr rtlCol="0" anchor="ctr"/>
-          <a:lstStyle/>
-          <a:p>
-            <a:pPr algn="ctr"/>
-            <a:endParaRPr kumimoji="1" lang="ja-JP" altLang="en-US"/>
-          </a:p>
-        </p:txBody>
-      </p:sp>
-      <p:sp>
-        <p:nvSpPr>
           <p:cNvPr id="7" name="楕円 6">
             <a:extLst>
               <a:ext uri="{FF2B5EF4-FFF2-40B4-BE49-F238E27FC236}">
@@ -5056,61 +5347,6 @@
       </p:grpSpPr>
       <p:sp>
         <p:nvSpPr>
-          <p:cNvPr id="6" name="楕円 5">
-            <a:extLst>
-              <a:ext uri="{FF2B5EF4-FFF2-40B4-BE49-F238E27FC236}">
-                <a16:creationId xmlns:a16="http://schemas.microsoft.com/office/drawing/2014/main" id="{8D00D80F-C020-408D-84B4-F542A03B86AD}"/>
-              </a:ext>
-            </a:extLst>
-          </p:cNvPr>
-          <p:cNvSpPr/>
-          <p:nvPr/>
-        </p:nvSpPr>
-        <p:spPr>
-          <a:xfrm>
-            <a:off x="2659311" y="957241"/>
-            <a:ext cx="872455" cy="851789"/>
-          </a:xfrm>
-          <a:prstGeom prst="ellipse">
-            <a:avLst/>
-          </a:prstGeom>
-          <a:solidFill>
-            <a:schemeClr val="accent1">
-              <a:lumMod val="20000"/>
-              <a:lumOff val="80000"/>
-            </a:schemeClr>
-          </a:solidFill>
-          <a:ln>
-            <a:noFill/>
-          </a:ln>
-        </p:spPr>
-        <p:style>
-          <a:lnRef idx="2">
-            <a:schemeClr val="accent1">
-              <a:shade val="50000"/>
-            </a:schemeClr>
-          </a:lnRef>
-          <a:fillRef idx="1">
-            <a:schemeClr val="accent1"/>
-          </a:fillRef>
-          <a:effectRef idx="0">
-            <a:schemeClr val="accent1"/>
-          </a:effectRef>
-          <a:fontRef idx="minor">
-            <a:schemeClr val="lt1"/>
-          </a:fontRef>
-        </p:style>
-        <p:txBody>
-          <a:bodyPr rtlCol="0" anchor="ctr"/>
-          <a:lstStyle/>
-          <a:p>
-            <a:pPr algn="ctr"/>
-            <a:endParaRPr kumimoji="1" lang="ja-JP" altLang="en-US"/>
-          </a:p>
-        </p:txBody>
-      </p:sp>
-      <p:sp>
-        <p:nvSpPr>
           <p:cNvPr id="5" name="楕円 4">
             <a:extLst>
               <a:ext uri="{FF2B5EF4-FFF2-40B4-BE49-F238E27FC236}">
@@ -5361,61 +5597,6 @@
       </p:grpSpPr>
       <p:sp>
         <p:nvSpPr>
-          <p:cNvPr id="6" name="楕円 5">
-            <a:extLst>
-              <a:ext uri="{FF2B5EF4-FFF2-40B4-BE49-F238E27FC236}">
-                <a16:creationId xmlns:a16="http://schemas.microsoft.com/office/drawing/2014/main" id="{8B692DFD-1C6B-4368-9E9F-10FE02C9CE54}"/>
-              </a:ext>
-            </a:extLst>
-          </p:cNvPr>
-          <p:cNvSpPr/>
-          <p:nvPr/>
-        </p:nvSpPr>
-        <p:spPr>
-          <a:xfrm>
-            <a:off x="2659311" y="957241"/>
-            <a:ext cx="872455" cy="851789"/>
-          </a:xfrm>
-          <a:prstGeom prst="ellipse">
-            <a:avLst/>
-          </a:prstGeom>
-          <a:solidFill>
-            <a:schemeClr val="accent1">
-              <a:lumMod val="20000"/>
-              <a:lumOff val="80000"/>
-            </a:schemeClr>
-          </a:solidFill>
-          <a:ln>
-            <a:noFill/>
-          </a:ln>
-        </p:spPr>
-        <p:style>
-          <a:lnRef idx="2">
-            <a:schemeClr val="accent1">
-              <a:shade val="50000"/>
-            </a:schemeClr>
-          </a:lnRef>
-          <a:fillRef idx="1">
-            <a:schemeClr val="accent1"/>
-          </a:fillRef>
-          <a:effectRef idx="0">
-            <a:schemeClr val="accent1"/>
-          </a:effectRef>
-          <a:fontRef idx="minor">
-            <a:schemeClr val="lt1"/>
-          </a:fontRef>
-        </p:style>
-        <p:txBody>
-          <a:bodyPr rtlCol="0" anchor="ctr"/>
-          <a:lstStyle/>
-          <a:p>
-            <a:pPr algn="ctr"/>
-            <a:endParaRPr kumimoji="1" lang="ja-JP" altLang="en-US"/>
-          </a:p>
-        </p:txBody>
-      </p:sp>
-      <p:sp>
-        <p:nvSpPr>
           <p:cNvPr id="5" name="楕円 4">
             <a:extLst>
               <a:ext uri="{FF2B5EF4-FFF2-40B4-BE49-F238E27FC236}">
@@ -5646,61 +5827,6 @@
       </p:grpSpPr>
       <p:sp>
         <p:nvSpPr>
-          <p:cNvPr id="6" name="楕円 5">
-            <a:extLst>
-              <a:ext uri="{FF2B5EF4-FFF2-40B4-BE49-F238E27FC236}">
-                <a16:creationId xmlns:a16="http://schemas.microsoft.com/office/drawing/2014/main" id="{EFF34142-687C-49DD-8317-884B41E9C09B}"/>
-              </a:ext>
-            </a:extLst>
-          </p:cNvPr>
-          <p:cNvSpPr/>
-          <p:nvPr/>
-        </p:nvSpPr>
-        <p:spPr>
-          <a:xfrm>
-            <a:off x="2659311" y="957241"/>
-            <a:ext cx="872455" cy="851789"/>
-          </a:xfrm>
-          <a:prstGeom prst="ellipse">
-            <a:avLst/>
-          </a:prstGeom>
-          <a:solidFill>
-            <a:schemeClr val="accent1">
-              <a:lumMod val="20000"/>
-              <a:lumOff val="80000"/>
-            </a:schemeClr>
-          </a:solidFill>
-          <a:ln>
-            <a:noFill/>
-          </a:ln>
-        </p:spPr>
-        <p:style>
-          <a:lnRef idx="2">
-            <a:schemeClr val="accent1">
-              <a:shade val="50000"/>
-            </a:schemeClr>
-          </a:lnRef>
-          <a:fillRef idx="1">
-            <a:schemeClr val="accent1"/>
-          </a:fillRef>
-          <a:effectRef idx="0">
-            <a:schemeClr val="accent1"/>
-          </a:effectRef>
-          <a:fontRef idx="minor">
-            <a:schemeClr val="lt1"/>
-          </a:fontRef>
-        </p:style>
-        <p:txBody>
-          <a:bodyPr rtlCol="0" anchor="ctr"/>
-          <a:lstStyle/>
-          <a:p>
-            <a:pPr algn="ctr"/>
-            <a:endParaRPr kumimoji="1" lang="ja-JP" altLang="en-US"/>
-          </a:p>
-        </p:txBody>
-      </p:sp>
-      <p:sp>
-        <p:nvSpPr>
           <p:cNvPr id="5" name="楕円 4">
             <a:extLst>
               <a:ext uri="{FF2B5EF4-FFF2-40B4-BE49-F238E27FC236}">
@@ -5919,61 +6045,6 @@
       </p:grpSpPr>
       <p:sp>
         <p:nvSpPr>
-          <p:cNvPr id="6" name="楕円 5">
-            <a:extLst>
-              <a:ext uri="{FF2B5EF4-FFF2-40B4-BE49-F238E27FC236}">
-                <a16:creationId xmlns:a16="http://schemas.microsoft.com/office/drawing/2014/main" id="{92773649-A396-4EDA-B49D-D859686BC64D}"/>
-              </a:ext>
-            </a:extLst>
-          </p:cNvPr>
-          <p:cNvSpPr/>
-          <p:nvPr/>
-        </p:nvSpPr>
-        <p:spPr>
-          <a:xfrm>
-            <a:off x="2659311" y="957241"/>
-            <a:ext cx="872455" cy="851789"/>
-          </a:xfrm>
-          <a:prstGeom prst="ellipse">
-            <a:avLst/>
-          </a:prstGeom>
-          <a:solidFill>
-            <a:schemeClr val="accent1">
-              <a:lumMod val="20000"/>
-              <a:lumOff val="80000"/>
-            </a:schemeClr>
-          </a:solidFill>
-          <a:ln>
-            <a:noFill/>
-          </a:ln>
-        </p:spPr>
-        <p:style>
-          <a:lnRef idx="2">
-            <a:schemeClr val="accent1">
-              <a:shade val="50000"/>
-            </a:schemeClr>
-          </a:lnRef>
-          <a:fillRef idx="1">
-            <a:schemeClr val="accent1"/>
-          </a:fillRef>
-          <a:effectRef idx="0">
-            <a:schemeClr val="accent1"/>
-          </a:effectRef>
-          <a:fontRef idx="minor">
-            <a:schemeClr val="lt1"/>
-          </a:fontRef>
-        </p:style>
-        <p:txBody>
-          <a:bodyPr rtlCol="0" anchor="ctr"/>
-          <a:lstStyle/>
-          <a:p>
-            <a:pPr algn="ctr"/>
-            <a:endParaRPr kumimoji="1" lang="ja-JP" altLang="en-US"/>
-          </a:p>
-        </p:txBody>
-      </p:sp>
-      <p:sp>
-        <p:nvSpPr>
           <p:cNvPr id="5" name="楕円 4">
             <a:extLst>
               <a:ext uri="{FF2B5EF4-FFF2-40B4-BE49-F238E27FC236}">
@@ -6170,61 +6241,6 @@
       </p:grpSpPr>
       <p:sp>
         <p:nvSpPr>
-          <p:cNvPr id="7" name="楕円 6">
-            <a:extLst>
-              <a:ext uri="{FF2B5EF4-FFF2-40B4-BE49-F238E27FC236}">
-                <a16:creationId xmlns:a16="http://schemas.microsoft.com/office/drawing/2014/main" id="{57FCDC4C-3052-4EBE-96D5-39EE8BEDA53B}"/>
-              </a:ext>
-            </a:extLst>
-          </p:cNvPr>
-          <p:cNvSpPr/>
-          <p:nvPr/>
-        </p:nvSpPr>
-        <p:spPr>
-          <a:xfrm>
-            <a:off x="2659311" y="957241"/>
-            <a:ext cx="872455" cy="851789"/>
-          </a:xfrm>
-          <a:prstGeom prst="ellipse">
-            <a:avLst/>
-          </a:prstGeom>
-          <a:solidFill>
-            <a:schemeClr val="accent1">
-              <a:lumMod val="20000"/>
-              <a:lumOff val="80000"/>
-            </a:schemeClr>
-          </a:solidFill>
-          <a:ln>
-            <a:noFill/>
-          </a:ln>
-        </p:spPr>
-        <p:style>
-          <a:lnRef idx="2">
-            <a:schemeClr val="accent1">
-              <a:shade val="50000"/>
-            </a:schemeClr>
-          </a:lnRef>
-          <a:fillRef idx="1">
-            <a:schemeClr val="accent1"/>
-          </a:fillRef>
-          <a:effectRef idx="0">
-            <a:schemeClr val="accent1"/>
-          </a:effectRef>
-          <a:fontRef idx="minor">
-            <a:schemeClr val="lt1"/>
-          </a:fontRef>
-        </p:style>
-        <p:txBody>
-          <a:bodyPr rtlCol="0" anchor="ctr"/>
-          <a:lstStyle/>
-          <a:p>
-            <a:pPr algn="ctr"/>
-            <a:endParaRPr kumimoji="1" lang="ja-JP" altLang="en-US"/>
-          </a:p>
-        </p:txBody>
-      </p:sp>
-      <p:sp>
-        <p:nvSpPr>
           <p:cNvPr id="5" name="楕円 4">
             <a:extLst>
               <a:ext uri="{FF2B5EF4-FFF2-40B4-BE49-F238E27FC236}">
@@ -6410,61 +6426,6 @@
           <a:chExt cx="0" cy="0"/>
         </a:xfrm>
       </p:grpSpPr>
-      <p:sp>
-        <p:nvSpPr>
-          <p:cNvPr id="6" name="楕円 5">
-            <a:extLst>
-              <a:ext uri="{FF2B5EF4-FFF2-40B4-BE49-F238E27FC236}">
-                <a16:creationId xmlns:a16="http://schemas.microsoft.com/office/drawing/2014/main" id="{B689F820-75F7-44E2-B2E3-39EE075D5507}"/>
-              </a:ext>
-            </a:extLst>
-          </p:cNvPr>
-          <p:cNvSpPr/>
-          <p:nvPr/>
-        </p:nvSpPr>
-        <p:spPr>
-          <a:xfrm>
-            <a:off x="2659311" y="957241"/>
-            <a:ext cx="872455" cy="851789"/>
-          </a:xfrm>
-          <a:prstGeom prst="ellipse">
-            <a:avLst/>
-          </a:prstGeom>
-          <a:solidFill>
-            <a:schemeClr val="accent1">
-              <a:lumMod val="20000"/>
-              <a:lumOff val="80000"/>
-            </a:schemeClr>
-          </a:solidFill>
-          <a:ln>
-            <a:noFill/>
-          </a:ln>
-        </p:spPr>
-        <p:style>
-          <a:lnRef idx="2">
-            <a:schemeClr val="accent1">
-              <a:shade val="50000"/>
-            </a:schemeClr>
-          </a:lnRef>
-          <a:fillRef idx="1">
-            <a:schemeClr val="accent1"/>
-          </a:fillRef>
-          <a:effectRef idx="0">
-            <a:schemeClr val="accent1"/>
-          </a:effectRef>
-          <a:fontRef idx="minor">
-            <a:schemeClr val="lt1"/>
-          </a:fontRef>
-        </p:style>
-        <p:txBody>
-          <a:bodyPr rtlCol="0" anchor="ctr"/>
-          <a:lstStyle/>
-          <a:p>
-            <a:pPr algn="ctr"/>
-            <a:endParaRPr kumimoji="1" lang="ja-JP" altLang="en-US"/>
-          </a:p>
-        </p:txBody>
-      </p:sp>
       <p:sp>
         <p:nvSpPr>
           <p:cNvPr id="5" name="楕円 4">
@@ -6906,4 +6867,299 @@
     </a:ext>
   </a:extLst>
 </a:theme>
+</file>
+
+<file path=ppt/theme/theme2.xml><?xml version="1.0" encoding="utf-8"?>
+<a:theme xmlns:a="http://schemas.openxmlformats.org/drawingml/2006/main" name="Office テーマ">
+  <a:themeElements>
+    <a:clrScheme name="Office">
+      <a:dk1>
+        <a:sysClr val="windowText" lastClr="000000"/>
+      </a:dk1>
+      <a:lt1>
+        <a:sysClr val="window" lastClr="FFFFFF"/>
+      </a:lt1>
+      <a:dk2>
+        <a:srgbClr val="44546A"/>
+      </a:dk2>
+      <a:lt2>
+        <a:srgbClr val="E7E6E6"/>
+      </a:lt2>
+      <a:accent1>
+        <a:srgbClr val="4472C4"/>
+      </a:accent1>
+      <a:accent2>
+        <a:srgbClr val="ED7D31"/>
+      </a:accent2>
+      <a:accent3>
+        <a:srgbClr val="A5A5A5"/>
+      </a:accent3>
+      <a:accent4>
+        <a:srgbClr val="FFC000"/>
+      </a:accent4>
+      <a:accent5>
+        <a:srgbClr val="5B9BD5"/>
+      </a:accent5>
+      <a:accent6>
+        <a:srgbClr val="70AD47"/>
+      </a:accent6>
+      <a:hlink>
+        <a:srgbClr val="0563C1"/>
+      </a:hlink>
+      <a:folHlink>
+        <a:srgbClr val="954F72"/>
+      </a:folHlink>
+    </a:clrScheme>
+    <a:fontScheme name="Office">
+      <a:majorFont>
+        <a:latin typeface="游ゴシック Light" panose="020F0302020204030204"/>
+        <a:ea typeface=""/>
+        <a:cs typeface=""/>
+        <a:font script="Jpan" typeface="游ゴシック Light"/>
+        <a:font script="Hang" typeface="맑은 고딕"/>
+        <a:font script="Hans" typeface="等线 Light"/>
+        <a:font script="Hant" typeface="新細明體"/>
+        <a:font script="Arab" typeface="Times New Roman"/>
+        <a:font script="Hebr" typeface="Times New Roman"/>
+        <a:font script="Thai" typeface="Angsana New"/>
+        <a:font script="Ethi" typeface="Nyala"/>
+        <a:font script="Beng" typeface="Vrinda"/>
+        <a:font script="Gujr" typeface="Shruti"/>
+        <a:font script="Khmr" typeface="MoolBoran"/>
+        <a:font script="Knda" typeface="Tunga"/>
+        <a:font script="Guru" typeface="Raavi"/>
+        <a:font script="Cans" typeface="Euphemia"/>
+        <a:font script="Cher" typeface="Plantagenet Cherokee"/>
+        <a:font script="Yiii" typeface="Microsoft Yi Baiti"/>
+        <a:font script="Tibt" typeface="Microsoft Himalaya"/>
+        <a:font script="Thaa" typeface="MV Boli"/>
+        <a:font script="Deva" typeface="Mangal"/>
+        <a:font script="Telu" typeface="Gautami"/>
+        <a:font script="Taml" typeface="Latha"/>
+        <a:font script="Syrc" typeface="Estrangelo Edessa"/>
+        <a:font script="Orya" typeface="Kalinga"/>
+        <a:font script="Mlym" typeface="Kartika"/>
+        <a:font script="Laoo" typeface="DokChampa"/>
+        <a:font script="Sinh" typeface="Iskoola Pota"/>
+        <a:font script="Mong" typeface="Mongolian Baiti"/>
+        <a:font script="Viet" typeface="Times New Roman"/>
+        <a:font script="Uigh" typeface="Microsoft Uighur"/>
+        <a:font script="Geor" typeface="Sylfaen"/>
+        <a:font script="Armn" typeface="Arial"/>
+        <a:font script="Bugi" typeface="Leelawadee UI"/>
+        <a:font script="Bopo" typeface="Microsoft JhengHei"/>
+        <a:font script="Java" typeface="Javanese Text"/>
+        <a:font script="Lisu" typeface="Segoe UI"/>
+        <a:font script="Mymr" typeface="Myanmar Text"/>
+        <a:font script="Nkoo" typeface="Ebrima"/>
+        <a:font script="Olck" typeface="Nirmala UI"/>
+        <a:font script="Osma" typeface="Ebrima"/>
+        <a:font script="Phag" typeface="Phagspa"/>
+        <a:font script="Syrn" typeface="Estrangelo Edessa"/>
+        <a:font script="Syrj" typeface="Estrangelo Edessa"/>
+        <a:font script="Syre" typeface="Estrangelo Edessa"/>
+        <a:font script="Sora" typeface="Nirmala UI"/>
+        <a:font script="Tale" typeface="Microsoft Tai Le"/>
+        <a:font script="Talu" typeface="Microsoft New Tai Lue"/>
+        <a:font script="Tfng" typeface="Ebrima"/>
+      </a:majorFont>
+      <a:minorFont>
+        <a:latin typeface="游ゴシック" panose="020F0502020204030204"/>
+        <a:ea typeface=""/>
+        <a:cs typeface=""/>
+        <a:font script="Jpan" typeface="游ゴシック"/>
+        <a:font script="Hang" typeface="맑은 고딕"/>
+        <a:font script="Hans" typeface="等线"/>
+        <a:font script="Hant" typeface="新細明體"/>
+        <a:font script="Arab" typeface="Arial"/>
+        <a:font script="Hebr" typeface="Arial"/>
+        <a:font script="Thai" typeface="Cordia New"/>
+        <a:font script="Ethi" typeface="Nyala"/>
+        <a:font script="Beng" typeface="Vrinda"/>
+        <a:font script="Gujr" typeface="Shruti"/>
+        <a:font script="Khmr" typeface="DaunPenh"/>
+        <a:font script="Knda" typeface="Tunga"/>
+        <a:font script="Guru" typeface="Raavi"/>
+        <a:font script="Cans" typeface="Euphemia"/>
+        <a:font script="Cher" typeface="Plantagenet Cherokee"/>
+        <a:font script="Yiii" typeface="Microsoft Yi Baiti"/>
+        <a:font script="Tibt" typeface="Microsoft Himalaya"/>
+        <a:font script="Thaa" typeface="MV Boli"/>
+        <a:font script="Deva" typeface="Mangal"/>
+        <a:font script="Telu" typeface="Gautami"/>
+        <a:font script="Taml" typeface="Latha"/>
+        <a:font script="Syrc" typeface="Estrangelo Edessa"/>
+        <a:font script="Orya" typeface="Kalinga"/>
+        <a:font script="Mlym" typeface="Kartika"/>
+        <a:font script="Laoo" typeface="DokChampa"/>
+        <a:font script="Sinh" typeface="Iskoola Pota"/>
+        <a:font script="Mong" typeface="Mongolian Baiti"/>
+        <a:font script="Viet" typeface="Arial"/>
+        <a:font script="Uigh" typeface="Microsoft Uighur"/>
+        <a:font script="Geor" typeface="Sylfaen"/>
+        <a:font script="Armn" typeface="Arial"/>
+        <a:font script="Bugi" typeface="Leelawadee UI"/>
+        <a:font script="Bopo" typeface="Microsoft JhengHei"/>
+        <a:font script="Java" typeface="Javanese Text"/>
+        <a:font script="Lisu" typeface="Segoe UI"/>
+        <a:font script="Mymr" typeface="Myanmar Text"/>
+        <a:font script="Nkoo" typeface="Ebrima"/>
+        <a:font script="Olck" typeface="Nirmala UI"/>
+        <a:font script="Osma" typeface="Ebrima"/>
+        <a:font script="Phag" typeface="Phagspa"/>
+        <a:font script="Syrn" typeface="Estrangelo Edessa"/>
+        <a:font script="Syrj" typeface="Estrangelo Edessa"/>
+        <a:font script="Syre" typeface="Estrangelo Edessa"/>
+        <a:font script="Sora" typeface="Nirmala UI"/>
+        <a:font script="Tale" typeface="Microsoft Tai Le"/>
+        <a:font script="Talu" typeface="Microsoft New Tai Lue"/>
+        <a:font script="Tfng" typeface="Ebrima"/>
+      </a:minorFont>
+    </a:fontScheme>
+    <a:fmtScheme name="Office">
+      <a:fillStyleLst>
+        <a:solidFill>
+          <a:schemeClr val="phClr"/>
+        </a:solidFill>
+        <a:gradFill rotWithShape="1">
+          <a:gsLst>
+            <a:gs pos="0">
+              <a:schemeClr val="phClr">
+                <a:lumMod val="110000"/>
+                <a:satMod val="105000"/>
+                <a:tint val="67000"/>
+              </a:schemeClr>
+            </a:gs>
+            <a:gs pos="50000">
+              <a:schemeClr val="phClr">
+                <a:lumMod val="105000"/>
+                <a:satMod val="103000"/>
+                <a:tint val="73000"/>
+              </a:schemeClr>
+            </a:gs>
+            <a:gs pos="100000">
+              <a:schemeClr val="phClr">
+                <a:lumMod val="105000"/>
+                <a:satMod val="109000"/>
+                <a:tint val="81000"/>
+              </a:schemeClr>
+            </a:gs>
+          </a:gsLst>
+          <a:lin ang="5400000" scaled="0"/>
+        </a:gradFill>
+        <a:gradFill rotWithShape="1">
+          <a:gsLst>
+            <a:gs pos="0">
+              <a:schemeClr val="phClr">
+                <a:satMod val="103000"/>
+                <a:lumMod val="102000"/>
+                <a:tint val="94000"/>
+              </a:schemeClr>
+            </a:gs>
+            <a:gs pos="50000">
+              <a:schemeClr val="phClr">
+                <a:satMod val="110000"/>
+                <a:lumMod val="100000"/>
+                <a:shade val="100000"/>
+              </a:schemeClr>
+            </a:gs>
+            <a:gs pos="100000">
+              <a:schemeClr val="phClr">
+                <a:lumMod val="99000"/>
+                <a:satMod val="120000"/>
+                <a:shade val="78000"/>
+              </a:schemeClr>
+            </a:gs>
+          </a:gsLst>
+          <a:lin ang="5400000" scaled="0"/>
+        </a:gradFill>
+      </a:fillStyleLst>
+      <a:lnStyleLst>
+        <a:ln w="6350" cap="flat" cmpd="sng" algn="ctr">
+          <a:solidFill>
+            <a:schemeClr val="phClr"/>
+          </a:solidFill>
+          <a:prstDash val="solid"/>
+          <a:miter lim="800000"/>
+        </a:ln>
+        <a:ln w="12700" cap="flat" cmpd="sng" algn="ctr">
+          <a:solidFill>
+            <a:schemeClr val="phClr"/>
+          </a:solidFill>
+          <a:prstDash val="solid"/>
+          <a:miter lim="800000"/>
+        </a:ln>
+        <a:ln w="19050" cap="flat" cmpd="sng" algn="ctr">
+          <a:solidFill>
+            <a:schemeClr val="phClr"/>
+          </a:solidFill>
+          <a:prstDash val="solid"/>
+          <a:miter lim="800000"/>
+        </a:ln>
+      </a:lnStyleLst>
+      <a:effectStyleLst>
+        <a:effectStyle>
+          <a:effectLst/>
+        </a:effectStyle>
+        <a:effectStyle>
+          <a:effectLst/>
+        </a:effectStyle>
+        <a:effectStyle>
+          <a:effectLst>
+            <a:outerShdw blurRad="57150" dist="19050" dir="5400000" algn="ctr" rotWithShape="0">
+              <a:srgbClr val="000000">
+                <a:alpha val="63000"/>
+              </a:srgbClr>
+            </a:outerShdw>
+          </a:effectLst>
+        </a:effectStyle>
+      </a:effectStyleLst>
+      <a:bgFillStyleLst>
+        <a:solidFill>
+          <a:schemeClr val="phClr"/>
+        </a:solidFill>
+        <a:solidFill>
+          <a:schemeClr val="phClr">
+            <a:tint val="95000"/>
+            <a:satMod val="170000"/>
+          </a:schemeClr>
+        </a:solidFill>
+        <a:gradFill rotWithShape="1">
+          <a:gsLst>
+            <a:gs pos="0">
+              <a:schemeClr val="phClr">
+                <a:tint val="93000"/>
+                <a:satMod val="150000"/>
+                <a:shade val="98000"/>
+                <a:lumMod val="102000"/>
+              </a:schemeClr>
+            </a:gs>
+            <a:gs pos="50000">
+              <a:schemeClr val="phClr">
+                <a:tint val="98000"/>
+                <a:satMod val="130000"/>
+                <a:shade val="90000"/>
+                <a:lumMod val="103000"/>
+              </a:schemeClr>
+            </a:gs>
+            <a:gs pos="100000">
+              <a:schemeClr val="phClr">
+                <a:shade val="63000"/>
+                <a:satMod val="120000"/>
+              </a:schemeClr>
+            </a:gs>
+          </a:gsLst>
+          <a:lin ang="5400000" scaled="0"/>
+        </a:gradFill>
+      </a:bgFillStyleLst>
+    </a:fmtScheme>
+  </a:themeElements>
+  <a:objectDefaults/>
+  <a:extraClrSchemeLst/>
+  <a:extLst>
+    <a:ext uri="{05A4C25C-085E-4340-85A3-A5531E510DB2}">
+      <thm15:themeFamily xmlns:thm15="http://schemas.microsoft.com/office/thememl/2012/main" name="Office Theme" id="{62F939B6-93AF-4DB8-9C6B-D6C7DFDC589F}" vid="{4A3C46E8-61CC-4603-A589-7422A47A8E4A}"/>
+    </a:ext>
+  </a:extLst>
+</a:theme>
 </file>
--- a/提出物/チーム漢_成果発表会プレゼン資料.pptx
+++ b/提出物/チーム漢_成果発表会プレゼン資料.pptx
@@ -4,22 +4,27 @@
   <p:sldMasterIdLst>
     <p:sldMasterId id="2147483648" r:id="rId1"/>
   </p:sldMasterIdLst>
+  <p:notesMasterIdLst>
+    <p:notesMasterId r:id="rId16"/>
+  </p:notesMasterIdLst>
   <p:handoutMasterIdLst>
-    <p:handoutMasterId r:id="rId14"/>
+    <p:handoutMasterId r:id="rId17"/>
   </p:handoutMasterIdLst>
   <p:sldIdLst>
     <p:sldId id="256" r:id="rId2"/>
     <p:sldId id="257" r:id="rId3"/>
-    <p:sldId id="258" r:id="rId4"/>
-    <p:sldId id="259" r:id="rId5"/>
-    <p:sldId id="265" r:id="rId6"/>
-    <p:sldId id="260" r:id="rId7"/>
-    <p:sldId id="266" r:id="rId8"/>
-    <p:sldId id="261" r:id="rId9"/>
-    <p:sldId id="262" r:id="rId10"/>
-    <p:sldId id="267" r:id="rId11"/>
-    <p:sldId id="263" r:id="rId12"/>
-    <p:sldId id="264" r:id="rId13"/>
+    <p:sldId id="268" r:id="rId4"/>
+    <p:sldId id="258" r:id="rId5"/>
+    <p:sldId id="259" r:id="rId6"/>
+    <p:sldId id="265" r:id="rId7"/>
+    <p:sldId id="260" r:id="rId8"/>
+    <p:sldId id="266" r:id="rId9"/>
+    <p:sldId id="261" r:id="rId10"/>
+    <p:sldId id="262" r:id="rId11"/>
+    <p:sldId id="269" r:id="rId12"/>
+    <p:sldId id="267" r:id="rId13"/>
+    <p:sldId id="263" r:id="rId14"/>
+    <p:sldId id="264" r:id="rId15"/>
   </p:sldIdLst>
   <p:sldSz cx="12192000" cy="6858000"/>
   <p:notesSz cx="6858000" cy="9144000"/>
@@ -122,6 +127,9 @@
     <p:ext uri="{EFAFB233-063F-42B5-8137-9DF3F51BA10A}">
       <p15:sldGuideLst xmlns:p15="http://schemas.microsoft.com/office/powerpoint/2012/main"/>
     </p:ext>
+    <p:ext uri="{2D200454-40CA-4A62-9FC3-DE9A4176ACB9}">
+      <p15:notesGuideLst xmlns:p15="http://schemas.microsoft.com/office/powerpoint/2012/main"/>
+    </p:ext>
   </p:extLst>
 </p:presentation>
 </file>
@@ -220,7 +228,7 @@
           <a:p>
             <a:fld id="{4CED67AD-833E-4394-A053-51126191BB46}" type="datetimeFigureOut">
               <a:rPr kumimoji="1" lang="ja-JP" altLang="en-US" smtClean="0"/>
-              <a:t>2021/5/26</a:t>
+              <a:t>2021/5/27</a:t>
             </a:fld>
             <a:endParaRPr kumimoji="1" lang="ja-JP" altLang="en-US"/>
           </a:p>
@@ -312,7 +320,1833 @@
     </p:extLst>
   </p:cSld>
   <p:clrMap bg1="lt1" tx1="dk1" bg2="lt2" tx2="dk2" accent1="accent1" accent2="accent2" accent3="accent3" accent4="accent4" accent5="accent5" accent6="accent6" hlink="hlink" folHlink="folHlink"/>
+  <p:hf hdr="0" ftr="0" dt="0"/>
 </p:handoutMaster>
+</file>
+
+<file path=ppt/notesMasters/notesMaster1.xml><?xml version="1.0" encoding="utf-8"?>
+<p:notesMaster xmlns:a="http://schemas.openxmlformats.org/drawingml/2006/main" xmlns:r="http://schemas.openxmlformats.org/officeDocument/2006/relationships" xmlns:p="http://schemas.openxmlformats.org/presentationml/2006/main">
+  <p:cSld>
+    <p:bg>
+      <p:bgRef idx="1001">
+        <a:schemeClr val="bg1"/>
+      </p:bgRef>
+    </p:bg>
+    <p:spTree>
+      <p:nvGrpSpPr>
+        <p:cNvPr id="1" name=""/>
+        <p:cNvGrpSpPr/>
+        <p:nvPr/>
+      </p:nvGrpSpPr>
+      <p:grpSpPr>
+        <a:xfrm>
+          <a:off x="0" y="0"/>
+          <a:ext cx="0" cy="0"/>
+          <a:chOff x="0" y="0"/>
+          <a:chExt cx="0" cy="0"/>
+        </a:xfrm>
+      </p:grpSpPr>
+      <p:sp>
+        <p:nvSpPr>
+          <p:cNvPr id="2" name="ヘッダー プレースホルダー 1"/>
+          <p:cNvSpPr>
+            <a:spLocks noGrp="1"/>
+          </p:cNvSpPr>
+          <p:nvPr>
+            <p:ph type="hdr" sz="quarter"/>
+          </p:nvPr>
+        </p:nvSpPr>
+        <p:spPr>
+          <a:xfrm>
+            <a:off x="0" y="0"/>
+            <a:ext cx="2971800" cy="458788"/>
+          </a:xfrm>
+          <a:prstGeom prst="rect">
+            <a:avLst/>
+          </a:prstGeom>
+        </p:spPr>
+        <p:txBody>
+          <a:bodyPr vert="horz" lIns="91440" tIns="45720" rIns="91440" bIns="45720" rtlCol="0"/>
+          <a:lstStyle>
+            <a:lvl1pPr algn="l">
+              <a:defRPr sz="1200"/>
+            </a:lvl1pPr>
+          </a:lstStyle>
+          <a:p>
+            <a:endParaRPr kumimoji="1" lang="ja-JP" altLang="en-US"/>
+          </a:p>
+        </p:txBody>
+      </p:sp>
+      <p:sp>
+        <p:nvSpPr>
+          <p:cNvPr id="3" name="日付プレースホルダー 2"/>
+          <p:cNvSpPr>
+            <a:spLocks noGrp="1"/>
+          </p:cNvSpPr>
+          <p:nvPr>
+            <p:ph type="dt" idx="1"/>
+          </p:nvPr>
+        </p:nvSpPr>
+        <p:spPr>
+          <a:xfrm>
+            <a:off x="3884613" y="0"/>
+            <a:ext cx="2971800" cy="458788"/>
+          </a:xfrm>
+          <a:prstGeom prst="rect">
+            <a:avLst/>
+          </a:prstGeom>
+        </p:spPr>
+        <p:txBody>
+          <a:bodyPr vert="horz" lIns="91440" tIns="45720" rIns="91440" bIns="45720" rtlCol="0"/>
+          <a:lstStyle>
+            <a:lvl1pPr algn="r">
+              <a:defRPr sz="1200"/>
+            </a:lvl1pPr>
+          </a:lstStyle>
+          <a:p>
+            <a:fld id="{6534E251-8A8A-4EC2-8937-554E0E192158}" type="datetimeFigureOut">
+              <a:rPr kumimoji="1" lang="ja-JP" altLang="en-US" smtClean="0"/>
+              <a:t>2021/5/27</a:t>
+            </a:fld>
+            <a:endParaRPr kumimoji="1" lang="ja-JP" altLang="en-US"/>
+          </a:p>
+        </p:txBody>
+      </p:sp>
+      <p:sp>
+        <p:nvSpPr>
+          <p:cNvPr id="4" name="スライド イメージ プレースホルダー 3"/>
+          <p:cNvSpPr>
+            <a:spLocks noGrp="1" noRot="1" noChangeAspect="1"/>
+          </p:cNvSpPr>
+          <p:nvPr>
+            <p:ph type="sldImg" idx="2"/>
+          </p:nvPr>
+        </p:nvSpPr>
+        <p:spPr>
+          <a:xfrm>
+            <a:off x="685800" y="1143000"/>
+            <a:ext cx="5486400" cy="3086100"/>
+          </a:xfrm>
+          <a:prstGeom prst="rect">
+            <a:avLst/>
+          </a:prstGeom>
+          <a:noFill/>
+          <a:ln w="12700">
+            <a:solidFill>
+              <a:prstClr val="black"/>
+            </a:solidFill>
+          </a:ln>
+        </p:spPr>
+        <p:txBody>
+          <a:bodyPr vert="horz" lIns="91440" tIns="45720" rIns="91440" bIns="45720" rtlCol="0" anchor="ctr"/>
+          <a:lstStyle/>
+          <a:p>
+            <a:endParaRPr lang="ja-JP" altLang="en-US"/>
+          </a:p>
+        </p:txBody>
+      </p:sp>
+      <p:sp>
+        <p:nvSpPr>
+          <p:cNvPr id="5" name="ノート プレースホルダー 4"/>
+          <p:cNvSpPr>
+            <a:spLocks noGrp="1"/>
+          </p:cNvSpPr>
+          <p:nvPr>
+            <p:ph type="body" sz="quarter" idx="3"/>
+          </p:nvPr>
+        </p:nvSpPr>
+        <p:spPr>
+          <a:xfrm>
+            <a:off x="685800" y="4400550"/>
+            <a:ext cx="5486400" cy="3600450"/>
+          </a:xfrm>
+          <a:prstGeom prst="rect">
+            <a:avLst/>
+          </a:prstGeom>
+        </p:spPr>
+        <p:txBody>
+          <a:bodyPr vert="horz" lIns="91440" tIns="45720" rIns="91440" bIns="45720" rtlCol="0"/>
+          <a:lstStyle/>
+          <a:p>
+            <a:pPr lvl="0"/>
+            <a:r>
+              <a:rPr kumimoji="1" lang="ja-JP" altLang="en-US"/>
+              <a:t>マスター テキストの書式設定</a:t>
+            </a:r>
+          </a:p>
+          <a:p>
+            <a:pPr lvl="1"/>
+            <a:r>
+              <a:rPr kumimoji="1" lang="ja-JP" altLang="en-US"/>
+              <a:t>第 </a:t>
+            </a:r>
+            <a:r>
+              <a:rPr kumimoji="1" lang="en-US" altLang="ja-JP"/>
+              <a:t>2 </a:t>
+            </a:r>
+            <a:r>
+              <a:rPr kumimoji="1" lang="ja-JP" altLang="en-US"/>
+              <a:t>レベル</a:t>
+            </a:r>
+          </a:p>
+          <a:p>
+            <a:pPr lvl="2"/>
+            <a:r>
+              <a:rPr kumimoji="1" lang="ja-JP" altLang="en-US"/>
+              <a:t>第 </a:t>
+            </a:r>
+            <a:r>
+              <a:rPr kumimoji="1" lang="en-US" altLang="ja-JP"/>
+              <a:t>3 </a:t>
+            </a:r>
+            <a:r>
+              <a:rPr kumimoji="1" lang="ja-JP" altLang="en-US"/>
+              <a:t>レベル</a:t>
+            </a:r>
+          </a:p>
+          <a:p>
+            <a:pPr lvl="3"/>
+            <a:r>
+              <a:rPr kumimoji="1" lang="ja-JP" altLang="en-US"/>
+              <a:t>第 </a:t>
+            </a:r>
+            <a:r>
+              <a:rPr kumimoji="1" lang="en-US" altLang="ja-JP"/>
+              <a:t>4 </a:t>
+            </a:r>
+            <a:r>
+              <a:rPr kumimoji="1" lang="ja-JP" altLang="en-US"/>
+              <a:t>レベル</a:t>
+            </a:r>
+          </a:p>
+          <a:p>
+            <a:pPr lvl="4"/>
+            <a:r>
+              <a:rPr kumimoji="1" lang="ja-JP" altLang="en-US"/>
+              <a:t>第 </a:t>
+            </a:r>
+            <a:r>
+              <a:rPr kumimoji="1" lang="en-US" altLang="ja-JP"/>
+              <a:t>5 </a:t>
+            </a:r>
+            <a:r>
+              <a:rPr kumimoji="1" lang="ja-JP" altLang="en-US"/>
+              <a:t>レベル</a:t>
+            </a:r>
+          </a:p>
+        </p:txBody>
+      </p:sp>
+      <p:sp>
+        <p:nvSpPr>
+          <p:cNvPr id="6" name="フッター プレースホルダー 5"/>
+          <p:cNvSpPr>
+            <a:spLocks noGrp="1"/>
+          </p:cNvSpPr>
+          <p:nvPr>
+            <p:ph type="ftr" sz="quarter" idx="4"/>
+          </p:nvPr>
+        </p:nvSpPr>
+        <p:spPr>
+          <a:xfrm>
+            <a:off x="0" y="8685213"/>
+            <a:ext cx="2971800" cy="458787"/>
+          </a:xfrm>
+          <a:prstGeom prst="rect">
+            <a:avLst/>
+          </a:prstGeom>
+        </p:spPr>
+        <p:txBody>
+          <a:bodyPr vert="horz" lIns="91440" tIns="45720" rIns="91440" bIns="45720" rtlCol="0" anchor="b"/>
+          <a:lstStyle>
+            <a:lvl1pPr algn="l">
+              <a:defRPr sz="1200"/>
+            </a:lvl1pPr>
+          </a:lstStyle>
+          <a:p>
+            <a:endParaRPr kumimoji="1" lang="ja-JP" altLang="en-US"/>
+          </a:p>
+        </p:txBody>
+      </p:sp>
+      <p:sp>
+        <p:nvSpPr>
+          <p:cNvPr id="7" name="スライド番号プレースホルダー 6"/>
+          <p:cNvSpPr>
+            <a:spLocks noGrp="1"/>
+          </p:cNvSpPr>
+          <p:nvPr>
+            <p:ph type="sldNum" sz="quarter" idx="5"/>
+          </p:nvPr>
+        </p:nvSpPr>
+        <p:spPr>
+          <a:xfrm>
+            <a:off x="3884613" y="8685213"/>
+            <a:ext cx="2971800" cy="458787"/>
+          </a:xfrm>
+          <a:prstGeom prst="rect">
+            <a:avLst/>
+          </a:prstGeom>
+        </p:spPr>
+        <p:txBody>
+          <a:bodyPr vert="horz" lIns="91440" tIns="45720" rIns="91440" bIns="45720" rtlCol="0" anchor="b"/>
+          <a:lstStyle>
+            <a:lvl1pPr algn="r">
+              <a:defRPr sz="1200"/>
+            </a:lvl1pPr>
+          </a:lstStyle>
+          <a:p>
+            <a:fld id="{EDA51397-57FA-4C3E-8E3E-2B310B7137DA}" type="slidenum">
+              <a:rPr kumimoji="1" lang="ja-JP" altLang="en-US" smtClean="0"/>
+              <a:t>‹#›</a:t>
+            </a:fld>
+            <a:endParaRPr kumimoji="1" lang="ja-JP" altLang="en-US"/>
+          </a:p>
+        </p:txBody>
+      </p:sp>
+    </p:spTree>
+    <p:extLst>
+      <p:ext uri="{BB962C8B-B14F-4D97-AF65-F5344CB8AC3E}">
+        <p14:creationId xmlns:p14="http://schemas.microsoft.com/office/powerpoint/2010/main" val="3552577671"/>
+      </p:ext>
+    </p:extLst>
+  </p:cSld>
+  <p:clrMap bg1="lt1" tx1="dk1" bg2="lt2" tx2="dk2" accent1="accent1" accent2="accent2" accent3="accent3" accent4="accent4" accent5="accent5" accent6="accent6" hlink="hlink" folHlink="folHlink"/>
+  <p:hf hdr="0" ftr="0" dt="0"/>
+  <p:notesStyle>
+    <a:lvl1pPr marL="0" algn="l" defTabSz="914400" rtl="0" eaLnBrk="1" latinLnBrk="0" hangingPunct="1">
+      <a:defRPr kumimoji="1" sz="1200" kern="1200">
+        <a:solidFill>
+          <a:schemeClr val="tx1"/>
+        </a:solidFill>
+        <a:latin typeface="+mn-lt"/>
+        <a:ea typeface="+mn-ea"/>
+        <a:cs typeface="+mn-cs"/>
+      </a:defRPr>
+    </a:lvl1pPr>
+    <a:lvl2pPr marL="457200" algn="l" defTabSz="914400" rtl="0" eaLnBrk="1" latinLnBrk="0" hangingPunct="1">
+      <a:defRPr kumimoji="1" sz="1200" kern="1200">
+        <a:solidFill>
+          <a:schemeClr val="tx1"/>
+        </a:solidFill>
+        <a:latin typeface="+mn-lt"/>
+        <a:ea typeface="+mn-ea"/>
+        <a:cs typeface="+mn-cs"/>
+      </a:defRPr>
+    </a:lvl2pPr>
+    <a:lvl3pPr marL="914400" algn="l" defTabSz="914400" rtl="0" eaLnBrk="1" latinLnBrk="0" hangingPunct="1">
+      <a:defRPr kumimoji="1" sz="1200" kern="1200">
+        <a:solidFill>
+          <a:schemeClr val="tx1"/>
+        </a:solidFill>
+        <a:latin typeface="+mn-lt"/>
+        <a:ea typeface="+mn-ea"/>
+        <a:cs typeface="+mn-cs"/>
+      </a:defRPr>
+    </a:lvl3pPr>
+    <a:lvl4pPr marL="1371600" algn="l" defTabSz="914400" rtl="0" eaLnBrk="1" latinLnBrk="0" hangingPunct="1">
+      <a:defRPr kumimoji="1" sz="1200" kern="1200">
+        <a:solidFill>
+          <a:schemeClr val="tx1"/>
+        </a:solidFill>
+        <a:latin typeface="+mn-lt"/>
+        <a:ea typeface="+mn-ea"/>
+        <a:cs typeface="+mn-cs"/>
+      </a:defRPr>
+    </a:lvl4pPr>
+    <a:lvl5pPr marL="1828800" algn="l" defTabSz="914400" rtl="0" eaLnBrk="1" latinLnBrk="0" hangingPunct="1">
+      <a:defRPr kumimoji="1" sz="1200" kern="1200">
+        <a:solidFill>
+          <a:schemeClr val="tx1"/>
+        </a:solidFill>
+        <a:latin typeface="+mn-lt"/>
+        <a:ea typeface="+mn-ea"/>
+        <a:cs typeface="+mn-cs"/>
+      </a:defRPr>
+    </a:lvl5pPr>
+    <a:lvl6pPr marL="2286000" algn="l" defTabSz="914400" rtl="0" eaLnBrk="1" latinLnBrk="0" hangingPunct="1">
+      <a:defRPr kumimoji="1" sz="1200" kern="1200">
+        <a:solidFill>
+          <a:schemeClr val="tx1"/>
+        </a:solidFill>
+        <a:latin typeface="+mn-lt"/>
+        <a:ea typeface="+mn-ea"/>
+        <a:cs typeface="+mn-cs"/>
+      </a:defRPr>
+    </a:lvl6pPr>
+    <a:lvl7pPr marL="2743200" algn="l" defTabSz="914400" rtl="0" eaLnBrk="1" latinLnBrk="0" hangingPunct="1">
+      <a:defRPr kumimoji="1" sz="1200" kern="1200">
+        <a:solidFill>
+          <a:schemeClr val="tx1"/>
+        </a:solidFill>
+        <a:latin typeface="+mn-lt"/>
+        <a:ea typeface="+mn-ea"/>
+        <a:cs typeface="+mn-cs"/>
+      </a:defRPr>
+    </a:lvl7pPr>
+    <a:lvl8pPr marL="3200400" algn="l" defTabSz="914400" rtl="0" eaLnBrk="1" latinLnBrk="0" hangingPunct="1">
+      <a:defRPr kumimoji="1" sz="1200" kern="1200">
+        <a:solidFill>
+          <a:schemeClr val="tx1"/>
+        </a:solidFill>
+        <a:latin typeface="+mn-lt"/>
+        <a:ea typeface="+mn-ea"/>
+        <a:cs typeface="+mn-cs"/>
+      </a:defRPr>
+    </a:lvl8pPr>
+    <a:lvl9pPr marL="3657600" algn="l" defTabSz="914400" rtl="0" eaLnBrk="1" latinLnBrk="0" hangingPunct="1">
+      <a:defRPr kumimoji="1" sz="1200" kern="1200">
+        <a:solidFill>
+          <a:schemeClr val="tx1"/>
+        </a:solidFill>
+        <a:latin typeface="+mn-lt"/>
+        <a:ea typeface="+mn-ea"/>
+        <a:cs typeface="+mn-cs"/>
+      </a:defRPr>
+    </a:lvl9pPr>
+  </p:notesStyle>
+</p:notesMaster>
+</file>
+
+<file path=ppt/notesSlides/notesSlide1.xml><?xml version="1.0" encoding="utf-8"?>
+<p:notes xmlns:a="http://schemas.openxmlformats.org/drawingml/2006/main" xmlns:r="http://schemas.openxmlformats.org/officeDocument/2006/relationships" xmlns:p="http://schemas.openxmlformats.org/presentationml/2006/main">
+  <p:cSld>
+    <p:spTree>
+      <p:nvGrpSpPr>
+        <p:cNvPr id="1" name=""/>
+        <p:cNvGrpSpPr/>
+        <p:nvPr/>
+      </p:nvGrpSpPr>
+      <p:grpSpPr>
+        <a:xfrm>
+          <a:off x="0" y="0"/>
+          <a:ext cx="0" cy="0"/>
+          <a:chOff x="0" y="0"/>
+          <a:chExt cx="0" cy="0"/>
+        </a:xfrm>
+      </p:grpSpPr>
+      <p:sp>
+        <p:nvSpPr>
+          <p:cNvPr id="2" name="スライド イメージ プレースホルダー 1"/>
+          <p:cNvSpPr>
+            <a:spLocks noGrp="1" noRot="1" noChangeAspect="1"/>
+          </p:cNvSpPr>
+          <p:nvPr>
+            <p:ph type="sldImg"/>
+          </p:nvPr>
+        </p:nvSpPr>
+        <p:spPr/>
+      </p:sp>
+      <p:sp>
+        <p:nvSpPr>
+          <p:cNvPr id="3" name="ノート プレースホルダー 2"/>
+          <p:cNvSpPr>
+            <a:spLocks noGrp="1"/>
+          </p:cNvSpPr>
+          <p:nvPr>
+            <p:ph type="body" idx="1"/>
+          </p:nvPr>
+        </p:nvSpPr>
+        <p:spPr/>
+        <p:txBody>
+          <a:bodyPr/>
+          <a:lstStyle/>
+          <a:p>
+            <a:r>
+              <a:rPr kumimoji="1" lang="ja-JP" altLang="en-US" dirty="0"/>
+              <a:t>これからチーム漢のチーム開発演習の成果発表を始めさせていただきます。</a:t>
+            </a:r>
+            <a:endParaRPr kumimoji="1" lang="en-US" altLang="ja-JP" dirty="0"/>
+          </a:p>
+          <a:p>
+            <a:r>
+              <a:rPr lang="ja-JP" altLang="en-US" dirty="0"/>
+              <a:t>よろしくお願いします。</a:t>
+            </a:r>
+            <a:endParaRPr lang="en-US" altLang="ja-JP" dirty="0"/>
+          </a:p>
+          <a:p>
+            <a:r>
+              <a:rPr kumimoji="1" lang="ja-JP" altLang="en-US" dirty="0"/>
+              <a:t>私たちのチームは「あなたの健康の第一歩を後押しする」リサーチ</a:t>
+            </a:r>
+            <a:r>
+              <a:rPr kumimoji="1" lang="en-US" altLang="ja-JP" dirty="0"/>
+              <a:t>GO</a:t>
+            </a:r>
+            <a:r>
+              <a:rPr kumimoji="1" lang="ja-JP" altLang="en-US" dirty="0"/>
+              <a:t>というアプリを作成いたしました。</a:t>
+            </a:r>
+          </a:p>
+        </p:txBody>
+      </p:sp>
+      <p:sp>
+        <p:nvSpPr>
+          <p:cNvPr id="4" name="スライド番号プレースホルダー 3"/>
+          <p:cNvSpPr>
+            <a:spLocks noGrp="1"/>
+          </p:cNvSpPr>
+          <p:nvPr>
+            <p:ph type="sldNum" sz="quarter" idx="5"/>
+          </p:nvPr>
+        </p:nvSpPr>
+        <p:spPr/>
+        <p:txBody>
+          <a:bodyPr/>
+          <a:lstStyle/>
+          <a:p>
+            <a:fld id="{EDA51397-57FA-4C3E-8E3E-2B310B7137DA}" type="slidenum">
+              <a:rPr kumimoji="1" lang="ja-JP" altLang="en-US" smtClean="0"/>
+              <a:t>1</a:t>
+            </a:fld>
+            <a:endParaRPr kumimoji="1" lang="ja-JP" altLang="en-US"/>
+          </a:p>
+        </p:txBody>
+      </p:sp>
+    </p:spTree>
+    <p:extLst>
+      <p:ext uri="{BB962C8B-B14F-4D97-AF65-F5344CB8AC3E}">
+        <p14:creationId xmlns:p14="http://schemas.microsoft.com/office/powerpoint/2010/main" val="2897296615"/>
+      </p:ext>
+    </p:extLst>
+  </p:cSld>
+  <p:clrMapOvr>
+    <a:masterClrMapping/>
+  </p:clrMapOvr>
+</p:notes>
+</file>
+
+<file path=ppt/notesSlides/notesSlide10.xml><?xml version="1.0" encoding="utf-8"?>
+<p:notes xmlns:a="http://schemas.openxmlformats.org/drawingml/2006/main" xmlns:r="http://schemas.openxmlformats.org/officeDocument/2006/relationships" xmlns:p="http://schemas.openxmlformats.org/presentationml/2006/main">
+  <p:cSld>
+    <p:spTree>
+      <p:nvGrpSpPr>
+        <p:cNvPr id="1" name=""/>
+        <p:cNvGrpSpPr/>
+        <p:nvPr/>
+      </p:nvGrpSpPr>
+      <p:grpSpPr>
+        <a:xfrm>
+          <a:off x="0" y="0"/>
+          <a:ext cx="0" cy="0"/>
+          <a:chOff x="0" y="0"/>
+          <a:chExt cx="0" cy="0"/>
+        </a:xfrm>
+      </p:grpSpPr>
+      <p:sp>
+        <p:nvSpPr>
+          <p:cNvPr id="2" name="スライド イメージ プレースホルダー 1"/>
+          <p:cNvSpPr>
+            <a:spLocks noGrp="1" noRot="1" noChangeAspect="1"/>
+          </p:cNvSpPr>
+          <p:nvPr>
+            <p:ph type="sldImg"/>
+          </p:nvPr>
+        </p:nvSpPr>
+        <p:spPr/>
+      </p:sp>
+      <p:sp>
+        <p:nvSpPr>
+          <p:cNvPr id="3" name="ノート プレースホルダー 2"/>
+          <p:cNvSpPr>
+            <a:spLocks noGrp="1"/>
+          </p:cNvSpPr>
+          <p:nvPr>
+            <p:ph type="body" idx="1"/>
+          </p:nvPr>
+        </p:nvSpPr>
+        <p:spPr/>
+        <p:txBody>
+          <a:bodyPr/>
+          <a:lstStyle/>
+          <a:p>
+            <a:r>
+              <a:rPr kumimoji="1" lang="ja-JP" altLang="en-US" dirty="0"/>
+              <a:t>　続いて、私たちがこのシステムを制作するうえで、苦労した点、工夫した点、反省点を一人一人、順に発表したいと思います。</a:t>
+            </a:r>
+            <a:endParaRPr kumimoji="1" lang="en-US" altLang="ja-JP" dirty="0"/>
+          </a:p>
+          <a:p>
+            <a:r>
+              <a:rPr lang="ja-JP" altLang="en-US" dirty="0"/>
+              <a:t>　まず、苦労した点は、</a:t>
+            </a:r>
+            <a:endParaRPr kumimoji="1" lang="ja-JP" altLang="en-US" dirty="0"/>
+          </a:p>
+        </p:txBody>
+      </p:sp>
+      <p:sp>
+        <p:nvSpPr>
+          <p:cNvPr id="4" name="スライド番号プレースホルダー 3"/>
+          <p:cNvSpPr>
+            <a:spLocks noGrp="1"/>
+          </p:cNvSpPr>
+          <p:nvPr>
+            <p:ph type="sldNum" sz="quarter" idx="5"/>
+          </p:nvPr>
+        </p:nvSpPr>
+        <p:spPr/>
+        <p:txBody>
+          <a:bodyPr/>
+          <a:lstStyle/>
+          <a:p>
+            <a:fld id="{EDA51397-57FA-4C3E-8E3E-2B310B7137DA}" type="slidenum">
+              <a:rPr kumimoji="1" lang="ja-JP" altLang="en-US" smtClean="0"/>
+              <a:t>10</a:t>
+            </a:fld>
+            <a:endParaRPr kumimoji="1" lang="ja-JP" altLang="en-US"/>
+          </a:p>
+        </p:txBody>
+      </p:sp>
+    </p:spTree>
+    <p:extLst>
+      <p:ext uri="{BB962C8B-B14F-4D97-AF65-F5344CB8AC3E}">
+        <p14:creationId xmlns:p14="http://schemas.microsoft.com/office/powerpoint/2010/main" val="2758748724"/>
+      </p:ext>
+    </p:extLst>
+  </p:cSld>
+  <p:clrMapOvr>
+    <a:masterClrMapping/>
+  </p:clrMapOvr>
+</p:notes>
+</file>
+
+<file path=ppt/notesSlides/notesSlide11.xml><?xml version="1.0" encoding="utf-8"?>
+<p:notes xmlns:a="http://schemas.openxmlformats.org/drawingml/2006/main" xmlns:r="http://schemas.openxmlformats.org/officeDocument/2006/relationships" xmlns:p="http://schemas.openxmlformats.org/presentationml/2006/main">
+  <p:cSld>
+    <p:spTree>
+      <p:nvGrpSpPr>
+        <p:cNvPr id="1" name=""/>
+        <p:cNvGrpSpPr/>
+        <p:nvPr/>
+      </p:nvGrpSpPr>
+      <p:grpSpPr>
+        <a:xfrm>
+          <a:off x="0" y="0"/>
+          <a:ext cx="0" cy="0"/>
+          <a:chOff x="0" y="0"/>
+          <a:chExt cx="0" cy="0"/>
+        </a:xfrm>
+      </p:grpSpPr>
+      <p:sp>
+        <p:nvSpPr>
+          <p:cNvPr id="2" name="スライド イメージ プレースホルダー 1"/>
+          <p:cNvSpPr>
+            <a:spLocks noGrp="1" noRot="1" noChangeAspect="1"/>
+          </p:cNvSpPr>
+          <p:nvPr>
+            <p:ph type="sldImg"/>
+          </p:nvPr>
+        </p:nvSpPr>
+        <p:spPr/>
+      </p:sp>
+      <p:sp>
+        <p:nvSpPr>
+          <p:cNvPr id="3" name="ノート プレースホルダー 2"/>
+          <p:cNvSpPr>
+            <a:spLocks noGrp="1"/>
+          </p:cNvSpPr>
+          <p:nvPr>
+            <p:ph type="body" idx="1"/>
+          </p:nvPr>
+        </p:nvSpPr>
+        <p:spPr/>
+        <p:txBody>
+          <a:bodyPr/>
+          <a:lstStyle/>
+          <a:p>
+            <a:r>
+              <a:rPr kumimoji="1" lang="ja-JP" altLang="en-US" dirty="0"/>
+              <a:t>　続いて、私たちがこのシステムを制作するうえで、苦労した点、工夫した点、反省点を順に発表したいと思います。</a:t>
+            </a:r>
+            <a:endParaRPr kumimoji="1" lang="en-US" altLang="ja-JP" dirty="0"/>
+          </a:p>
+          <a:p>
+            <a:r>
+              <a:rPr lang="ja-JP" altLang="en-US" dirty="0"/>
+              <a:t>　工夫した点は、</a:t>
+            </a:r>
+            <a:endParaRPr kumimoji="1" lang="ja-JP" altLang="en-US" dirty="0"/>
+          </a:p>
+        </p:txBody>
+      </p:sp>
+      <p:sp>
+        <p:nvSpPr>
+          <p:cNvPr id="4" name="スライド番号プレースホルダー 3"/>
+          <p:cNvSpPr>
+            <a:spLocks noGrp="1"/>
+          </p:cNvSpPr>
+          <p:nvPr>
+            <p:ph type="sldNum" sz="quarter" idx="5"/>
+          </p:nvPr>
+        </p:nvSpPr>
+        <p:spPr/>
+        <p:txBody>
+          <a:bodyPr/>
+          <a:lstStyle/>
+          <a:p>
+            <a:fld id="{EDA51397-57FA-4C3E-8E3E-2B310B7137DA}" type="slidenum">
+              <a:rPr kumimoji="1" lang="ja-JP" altLang="en-US" smtClean="0"/>
+              <a:t>11</a:t>
+            </a:fld>
+            <a:endParaRPr kumimoji="1" lang="ja-JP" altLang="en-US"/>
+          </a:p>
+        </p:txBody>
+      </p:sp>
+    </p:spTree>
+    <p:extLst>
+      <p:ext uri="{BB962C8B-B14F-4D97-AF65-F5344CB8AC3E}">
+        <p14:creationId xmlns:p14="http://schemas.microsoft.com/office/powerpoint/2010/main" val="1849524492"/>
+      </p:ext>
+    </p:extLst>
+  </p:cSld>
+  <p:clrMapOvr>
+    <a:masterClrMapping/>
+  </p:clrMapOvr>
+</p:notes>
+</file>
+
+<file path=ppt/notesSlides/notesSlide12.xml><?xml version="1.0" encoding="utf-8"?>
+<p:notes xmlns:a="http://schemas.openxmlformats.org/drawingml/2006/main" xmlns:r="http://schemas.openxmlformats.org/officeDocument/2006/relationships" xmlns:p="http://schemas.openxmlformats.org/presentationml/2006/main">
+  <p:cSld>
+    <p:spTree>
+      <p:nvGrpSpPr>
+        <p:cNvPr id="1" name=""/>
+        <p:cNvGrpSpPr/>
+        <p:nvPr/>
+      </p:nvGrpSpPr>
+      <p:grpSpPr>
+        <a:xfrm>
+          <a:off x="0" y="0"/>
+          <a:ext cx="0" cy="0"/>
+          <a:chOff x="0" y="0"/>
+          <a:chExt cx="0" cy="0"/>
+        </a:xfrm>
+      </p:grpSpPr>
+      <p:sp>
+        <p:nvSpPr>
+          <p:cNvPr id="2" name="スライド イメージ プレースホルダー 1"/>
+          <p:cNvSpPr>
+            <a:spLocks noGrp="1" noRot="1" noChangeAspect="1"/>
+          </p:cNvSpPr>
+          <p:nvPr>
+            <p:ph type="sldImg"/>
+          </p:nvPr>
+        </p:nvSpPr>
+        <p:spPr/>
+      </p:sp>
+      <p:sp>
+        <p:nvSpPr>
+          <p:cNvPr id="3" name="ノート プレースホルダー 2"/>
+          <p:cNvSpPr>
+            <a:spLocks noGrp="1"/>
+          </p:cNvSpPr>
+          <p:nvPr>
+            <p:ph type="body" idx="1"/>
+          </p:nvPr>
+        </p:nvSpPr>
+        <p:spPr/>
+        <p:txBody>
+          <a:bodyPr/>
+          <a:lstStyle/>
+          <a:p>
+            <a:r>
+              <a:rPr lang="ja-JP" altLang="en-US" dirty="0"/>
+              <a:t>　続いて、私たちがこのシステムを制作するうえで、苦労した点、工夫した点、反省点を順に発表したいと思います。</a:t>
+            </a:r>
+          </a:p>
+          <a:p>
+            <a:r>
+              <a:rPr kumimoji="1" lang="ja-JP" altLang="en-US" dirty="0"/>
+              <a:t>　反省点は、</a:t>
+            </a:r>
+          </a:p>
+        </p:txBody>
+      </p:sp>
+      <p:sp>
+        <p:nvSpPr>
+          <p:cNvPr id="4" name="スライド番号プレースホルダー 3"/>
+          <p:cNvSpPr>
+            <a:spLocks noGrp="1"/>
+          </p:cNvSpPr>
+          <p:nvPr>
+            <p:ph type="sldNum" sz="quarter" idx="5"/>
+          </p:nvPr>
+        </p:nvSpPr>
+        <p:spPr/>
+        <p:txBody>
+          <a:bodyPr/>
+          <a:lstStyle/>
+          <a:p>
+            <a:fld id="{EDA51397-57FA-4C3E-8E3E-2B310B7137DA}" type="slidenum">
+              <a:rPr kumimoji="1" lang="ja-JP" altLang="en-US" smtClean="0"/>
+              <a:t>12</a:t>
+            </a:fld>
+            <a:endParaRPr kumimoji="1" lang="ja-JP" altLang="en-US"/>
+          </a:p>
+        </p:txBody>
+      </p:sp>
+    </p:spTree>
+    <p:extLst>
+      <p:ext uri="{BB962C8B-B14F-4D97-AF65-F5344CB8AC3E}">
+        <p14:creationId xmlns:p14="http://schemas.microsoft.com/office/powerpoint/2010/main" val="1353224975"/>
+      </p:ext>
+    </p:extLst>
+  </p:cSld>
+  <p:clrMapOvr>
+    <a:masterClrMapping/>
+  </p:clrMapOvr>
+</p:notes>
+</file>
+
+<file path=ppt/notesSlides/notesSlide13.xml><?xml version="1.0" encoding="utf-8"?>
+<p:notes xmlns:a="http://schemas.openxmlformats.org/drawingml/2006/main" xmlns:r="http://schemas.openxmlformats.org/officeDocument/2006/relationships" xmlns:p="http://schemas.openxmlformats.org/presentationml/2006/main">
+  <p:cSld>
+    <p:spTree>
+      <p:nvGrpSpPr>
+        <p:cNvPr id="1" name=""/>
+        <p:cNvGrpSpPr/>
+        <p:nvPr/>
+      </p:nvGrpSpPr>
+      <p:grpSpPr>
+        <a:xfrm>
+          <a:off x="0" y="0"/>
+          <a:ext cx="0" cy="0"/>
+          <a:chOff x="0" y="0"/>
+          <a:chExt cx="0" cy="0"/>
+        </a:xfrm>
+      </p:grpSpPr>
+      <p:sp>
+        <p:nvSpPr>
+          <p:cNvPr id="2" name="スライド イメージ プレースホルダー 1"/>
+          <p:cNvSpPr>
+            <a:spLocks noGrp="1" noRot="1" noChangeAspect="1"/>
+          </p:cNvSpPr>
+          <p:nvPr>
+            <p:ph type="sldImg"/>
+          </p:nvPr>
+        </p:nvSpPr>
+        <p:spPr/>
+      </p:sp>
+      <p:sp>
+        <p:nvSpPr>
+          <p:cNvPr id="3" name="ノート プレースホルダー 2"/>
+          <p:cNvSpPr>
+            <a:spLocks noGrp="1"/>
+          </p:cNvSpPr>
+          <p:nvPr>
+            <p:ph type="body" idx="1"/>
+          </p:nvPr>
+        </p:nvSpPr>
+        <p:spPr/>
+        <p:txBody>
+          <a:bodyPr/>
+          <a:lstStyle/>
+          <a:p>
+            <a:r>
+              <a:rPr kumimoji="1" lang="ja-JP" altLang="en-US" dirty="0"/>
+              <a:t>　最後にチーム漢でチーム開発演習を行ってきて、～～～～</a:t>
+            </a:r>
+          </a:p>
+        </p:txBody>
+      </p:sp>
+      <p:sp>
+        <p:nvSpPr>
+          <p:cNvPr id="4" name="スライド番号プレースホルダー 3"/>
+          <p:cNvSpPr>
+            <a:spLocks noGrp="1"/>
+          </p:cNvSpPr>
+          <p:nvPr>
+            <p:ph type="sldNum" sz="quarter" idx="5"/>
+          </p:nvPr>
+        </p:nvSpPr>
+        <p:spPr/>
+        <p:txBody>
+          <a:bodyPr/>
+          <a:lstStyle/>
+          <a:p>
+            <a:fld id="{EDA51397-57FA-4C3E-8E3E-2B310B7137DA}" type="slidenum">
+              <a:rPr kumimoji="1" lang="ja-JP" altLang="en-US" smtClean="0"/>
+              <a:t>13</a:t>
+            </a:fld>
+            <a:endParaRPr kumimoji="1" lang="ja-JP" altLang="en-US"/>
+          </a:p>
+        </p:txBody>
+      </p:sp>
+    </p:spTree>
+    <p:extLst>
+      <p:ext uri="{BB962C8B-B14F-4D97-AF65-F5344CB8AC3E}">
+        <p14:creationId xmlns:p14="http://schemas.microsoft.com/office/powerpoint/2010/main" val="813323362"/>
+      </p:ext>
+    </p:extLst>
+  </p:cSld>
+  <p:clrMapOvr>
+    <a:masterClrMapping/>
+  </p:clrMapOvr>
+</p:notes>
+</file>
+
+<file path=ppt/notesSlides/notesSlide14.xml><?xml version="1.0" encoding="utf-8"?>
+<p:notes xmlns:a="http://schemas.openxmlformats.org/drawingml/2006/main" xmlns:r="http://schemas.openxmlformats.org/officeDocument/2006/relationships" xmlns:p="http://schemas.openxmlformats.org/presentationml/2006/main">
+  <p:cSld>
+    <p:spTree>
+      <p:nvGrpSpPr>
+        <p:cNvPr id="1" name=""/>
+        <p:cNvGrpSpPr/>
+        <p:nvPr/>
+      </p:nvGrpSpPr>
+      <p:grpSpPr>
+        <a:xfrm>
+          <a:off x="0" y="0"/>
+          <a:ext cx="0" cy="0"/>
+          <a:chOff x="0" y="0"/>
+          <a:chExt cx="0" cy="0"/>
+        </a:xfrm>
+      </p:grpSpPr>
+      <p:sp>
+        <p:nvSpPr>
+          <p:cNvPr id="2" name="スライド イメージ プレースホルダー 1"/>
+          <p:cNvSpPr>
+            <a:spLocks noGrp="1" noRot="1" noChangeAspect="1"/>
+          </p:cNvSpPr>
+          <p:nvPr>
+            <p:ph type="sldImg"/>
+          </p:nvPr>
+        </p:nvSpPr>
+        <p:spPr/>
+      </p:sp>
+      <p:sp>
+        <p:nvSpPr>
+          <p:cNvPr id="3" name="ノート プレースホルダー 2"/>
+          <p:cNvSpPr>
+            <a:spLocks noGrp="1"/>
+          </p:cNvSpPr>
+          <p:nvPr>
+            <p:ph type="body" idx="1"/>
+          </p:nvPr>
+        </p:nvSpPr>
+        <p:spPr/>
+        <p:txBody>
+          <a:bodyPr/>
+          <a:lstStyle/>
+          <a:p>
+            <a:r>
+              <a:rPr kumimoji="1" lang="ja-JP" altLang="en-US" dirty="0"/>
+              <a:t>以上でチーム漢の開発演習の成果発表会を終了します。</a:t>
+            </a:r>
+            <a:endParaRPr kumimoji="1" lang="en-US" altLang="ja-JP" dirty="0"/>
+          </a:p>
+          <a:p>
+            <a:r>
+              <a:rPr lang="ja-JP" altLang="en-US" dirty="0"/>
+              <a:t>ご清聴ありがとうございました。</a:t>
+            </a:r>
+            <a:endParaRPr kumimoji="1" lang="ja-JP" altLang="en-US" dirty="0"/>
+          </a:p>
+        </p:txBody>
+      </p:sp>
+      <p:sp>
+        <p:nvSpPr>
+          <p:cNvPr id="4" name="スライド番号プレースホルダー 3"/>
+          <p:cNvSpPr>
+            <a:spLocks noGrp="1"/>
+          </p:cNvSpPr>
+          <p:nvPr>
+            <p:ph type="sldNum" sz="quarter" idx="5"/>
+          </p:nvPr>
+        </p:nvSpPr>
+        <p:spPr/>
+        <p:txBody>
+          <a:bodyPr/>
+          <a:lstStyle/>
+          <a:p>
+            <a:fld id="{EDA51397-57FA-4C3E-8E3E-2B310B7137DA}" type="slidenum">
+              <a:rPr kumimoji="1" lang="ja-JP" altLang="en-US" smtClean="0"/>
+              <a:t>14</a:t>
+            </a:fld>
+            <a:endParaRPr kumimoji="1" lang="ja-JP" altLang="en-US"/>
+          </a:p>
+        </p:txBody>
+      </p:sp>
+    </p:spTree>
+    <p:extLst>
+      <p:ext uri="{BB962C8B-B14F-4D97-AF65-F5344CB8AC3E}">
+        <p14:creationId xmlns:p14="http://schemas.microsoft.com/office/powerpoint/2010/main" val="903723853"/>
+      </p:ext>
+    </p:extLst>
+  </p:cSld>
+  <p:clrMapOvr>
+    <a:masterClrMapping/>
+  </p:clrMapOvr>
+</p:notes>
+</file>
+
+<file path=ppt/notesSlides/notesSlide2.xml><?xml version="1.0" encoding="utf-8"?>
+<p:notes xmlns:a="http://schemas.openxmlformats.org/drawingml/2006/main" xmlns:r="http://schemas.openxmlformats.org/officeDocument/2006/relationships" xmlns:p="http://schemas.openxmlformats.org/presentationml/2006/main">
+  <p:cSld>
+    <p:spTree>
+      <p:nvGrpSpPr>
+        <p:cNvPr id="1" name=""/>
+        <p:cNvGrpSpPr/>
+        <p:nvPr/>
+      </p:nvGrpSpPr>
+      <p:grpSpPr>
+        <a:xfrm>
+          <a:off x="0" y="0"/>
+          <a:ext cx="0" cy="0"/>
+          <a:chOff x="0" y="0"/>
+          <a:chExt cx="0" cy="0"/>
+        </a:xfrm>
+      </p:grpSpPr>
+      <p:sp>
+        <p:nvSpPr>
+          <p:cNvPr id="2" name="スライド イメージ プレースホルダー 1"/>
+          <p:cNvSpPr>
+            <a:spLocks noGrp="1" noRot="1" noChangeAspect="1"/>
+          </p:cNvSpPr>
+          <p:nvPr>
+            <p:ph type="sldImg"/>
+          </p:nvPr>
+        </p:nvSpPr>
+        <p:spPr/>
+      </p:sp>
+      <p:sp>
+        <p:nvSpPr>
+          <p:cNvPr id="3" name="ノート プレースホルダー 2"/>
+          <p:cNvSpPr>
+            <a:spLocks noGrp="1"/>
+          </p:cNvSpPr>
+          <p:nvPr>
+            <p:ph type="body" idx="1"/>
+          </p:nvPr>
+        </p:nvSpPr>
+        <p:spPr/>
+        <p:txBody>
+          <a:bodyPr/>
+          <a:lstStyle/>
+          <a:p>
+            <a:r>
+              <a:rPr kumimoji="1" lang="ja-JP" altLang="en-US" dirty="0"/>
+              <a:t>発表の流れはスライドの通りになります。</a:t>
+            </a:r>
+          </a:p>
+        </p:txBody>
+      </p:sp>
+      <p:sp>
+        <p:nvSpPr>
+          <p:cNvPr id="4" name="スライド番号プレースホルダー 3"/>
+          <p:cNvSpPr>
+            <a:spLocks noGrp="1"/>
+          </p:cNvSpPr>
+          <p:nvPr>
+            <p:ph type="sldNum" sz="quarter" idx="5"/>
+          </p:nvPr>
+        </p:nvSpPr>
+        <p:spPr/>
+        <p:txBody>
+          <a:bodyPr/>
+          <a:lstStyle/>
+          <a:p>
+            <a:fld id="{EDA51397-57FA-4C3E-8E3E-2B310B7137DA}" type="slidenum">
+              <a:rPr kumimoji="1" lang="ja-JP" altLang="en-US" smtClean="0"/>
+              <a:t>2</a:t>
+            </a:fld>
+            <a:endParaRPr kumimoji="1" lang="ja-JP" altLang="en-US"/>
+          </a:p>
+        </p:txBody>
+      </p:sp>
+    </p:spTree>
+    <p:extLst>
+      <p:ext uri="{BB962C8B-B14F-4D97-AF65-F5344CB8AC3E}">
+        <p14:creationId xmlns:p14="http://schemas.microsoft.com/office/powerpoint/2010/main" val="940885435"/>
+      </p:ext>
+    </p:extLst>
+  </p:cSld>
+  <p:clrMapOvr>
+    <a:masterClrMapping/>
+  </p:clrMapOvr>
+</p:notes>
+</file>
+
+<file path=ppt/notesSlides/notesSlide3.xml><?xml version="1.0" encoding="utf-8"?>
+<p:notes xmlns:a="http://schemas.openxmlformats.org/drawingml/2006/main" xmlns:r="http://schemas.openxmlformats.org/officeDocument/2006/relationships" xmlns:p="http://schemas.openxmlformats.org/presentationml/2006/main">
+  <p:cSld>
+    <p:spTree>
+      <p:nvGrpSpPr>
+        <p:cNvPr id="1" name=""/>
+        <p:cNvGrpSpPr/>
+        <p:nvPr/>
+      </p:nvGrpSpPr>
+      <p:grpSpPr>
+        <a:xfrm>
+          <a:off x="0" y="0"/>
+          <a:ext cx="0" cy="0"/>
+          <a:chOff x="0" y="0"/>
+          <a:chExt cx="0" cy="0"/>
+        </a:xfrm>
+      </p:grpSpPr>
+      <p:sp>
+        <p:nvSpPr>
+          <p:cNvPr id="2" name="スライド イメージ プレースホルダー 1"/>
+          <p:cNvSpPr>
+            <a:spLocks noGrp="1" noRot="1" noChangeAspect="1"/>
+          </p:cNvSpPr>
+          <p:nvPr>
+            <p:ph type="sldImg"/>
+          </p:nvPr>
+        </p:nvSpPr>
+        <p:spPr/>
+      </p:sp>
+      <p:sp>
+        <p:nvSpPr>
+          <p:cNvPr id="3" name="ノート プレースホルダー 2"/>
+          <p:cNvSpPr>
+            <a:spLocks noGrp="1"/>
+          </p:cNvSpPr>
+          <p:nvPr>
+            <p:ph type="body" idx="1"/>
+          </p:nvPr>
+        </p:nvSpPr>
+        <p:spPr/>
+        <p:txBody>
+          <a:bodyPr/>
+          <a:lstStyle/>
+          <a:p>
+            <a:r>
+              <a:rPr lang="ja-JP" altLang="en-US" dirty="0"/>
+              <a:t>　まず初めに私たちのチームのコンセプトを説明したいと思います。</a:t>
+            </a:r>
+            <a:endParaRPr lang="en-US" altLang="ja-JP" dirty="0"/>
+          </a:p>
+          <a:p>
+            <a:r>
+              <a:rPr lang="ja-JP" altLang="en-US" dirty="0"/>
+              <a:t>　まず、私たちが製造した</a:t>
+            </a:r>
+            <a:r>
+              <a:rPr lang="en-US" altLang="ja-JP" dirty="0"/>
+              <a:t>web</a:t>
+            </a:r>
+            <a:r>
+              <a:rPr lang="ja-JP" altLang="en-US" dirty="0"/>
+              <a:t>アプリのターゲットとしましては、健康志向を持つユーザーの方向けになります。</a:t>
+            </a:r>
+            <a:endParaRPr lang="en-US" altLang="ja-JP" dirty="0"/>
+          </a:p>
+          <a:p>
+            <a:r>
+              <a:rPr lang="ja-JP" altLang="en-US" dirty="0"/>
+              <a:t>　次に、機能は歩行距離や走行距離等のマイレージを記録、管理する</a:t>
+            </a:r>
+            <a:r>
+              <a:rPr lang="en-US" altLang="ja-JP" dirty="0"/>
+              <a:t>web</a:t>
+            </a:r>
+            <a:r>
+              <a:rPr lang="ja-JP" altLang="en-US" dirty="0"/>
+              <a:t>アプリです。簡単に説明しますと、健康のために歩いたり、走ったりした距離を入力することで、今までどれくらいの距離を移動したかが分かるようになっています。</a:t>
+            </a:r>
+            <a:endParaRPr lang="en-US" altLang="ja-JP" dirty="0"/>
+          </a:p>
+        </p:txBody>
+      </p:sp>
+      <p:sp>
+        <p:nvSpPr>
+          <p:cNvPr id="4" name="スライド番号プレースホルダー 3"/>
+          <p:cNvSpPr>
+            <a:spLocks noGrp="1"/>
+          </p:cNvSpPr>
+          <p:nvPr>
+            <p:ph type="sldNum" sz="quarter" idx="5"/>
+          </p:nvPr>
+        </p:nvSpPr>
+        <p:spPr/>
+        <p:txBody>
+          <a:bodyPr/>
+          <a:lstStyle/>
+          <a:p>
+            <a:fld id="{EDA51397-57FA-4C3E-8E3E-2B310B7137DA}" type="slidenum">
+              <a:rPr kumimoji="1" lang="ja-JP" altLang="en-US" smtClean="0"/>
+              <a:t>3</a:t>
+            </a:fld>
+            <a:endParaRPr kumimoji="1" lang="ja-JP" altLang="en-US"/>
+          </a:p>
+        </p:txBody>
+      </p:sp>
+    </p:spTree>
+    <p:extLst>
+      <p:ext uri="{BB962C8B-B14F-4D97-AF65-F5344CB8AC3E}">
+        <p14:creationId xmlns:p14="http://schemas.microsoft.com/office/powerpoint/2010/main" val="2798901413"/>
+      </p:ext>
+    </p:extLst>
+  </p:cSld>
+  <p:clrMapOvr>
+    <a:masterClrMapping/>
+  </p:clrMapOvr>
+</p:notes>
+</file>
+
+<file path=ppt/notesSlides/notesSlide4.xml><?xml version="1.0" encoding="utf-8"?>
+<p:notes xmlns:a="http://schemas.openxmlformats.org/drawingml/2006/main" xmlns:r="http://schemas.openxmlformats.org/officeDocument/2006/relationships" xmlns:p="http://schemas.openxmlformats.org/presentationml/2006/main">
+  <p:cSld>
+    <p:spTree>
+      <p:nvGrpSpPr>
+        <p:cNvPr id="1" name=""/>
+        <p:cNvGrpSpPr/>
+        <p:nvPr/>
+      </p:nvGrpSpPr>
+      <p:grpSpPr>
+        <a:xfrm>
+          <a:off x="0" y="0"/>
+          <a:ext cx="0" cy="0"/>
+          <a:chOff x="0" y="0"/>
+          <a:chExt cx="0" cy="0"/>
+        </a:xfrm>
+      </p:grpSpPr>
+      <p:sp>
+        <p:nvSpPr>
+          <p:cNvPr id="2" name="スライド イメージ プレースホルダー 1"/>
+          <p:cNvSpPr>
+            <a:spLocks noGrp="1" noRot="1" noChangeAspect="1"/>
+          </p:cNvSpPr>
+          <p:nvPr>
+            <p:ph type="sldImg"/>
+          </p:nvPr>
+        </p:nvSpPr>
+        <p:spPr/>
+      </p:sp>
+      <p:sp>
+        <p:nvSpPr>
+          <p:cNvPr id="3" name="ノート プレースホルダー 2"/>
+          <p:cNvSpPr>
+            <a:spLocks noGrp="1"/>
+          </p:cNvSpPr>
+          <p:nvPr>
+            <p:ph type="body" idx="1"/>
+          </p:nvPr>
+        </p:nvSpPr>
+        <p:spPr/>
+        <p:txBody>
+          <a:bodyPr/>
+          <a:lstStyle/>
+          <a:p>
+            <a:r>
+              <a:rPr kumimoji="1" lang="ja-JP" altLang="en-US" dirty="0"/>
+              <a:t>　続いて、チーム紹介に移ります。</a:t>
+            </a:r>
+            <a:endParaRPr kumimoji="1" lang="en-US" altLang="ja-JP" dirty="0"/>
+          </a:p>
+          <a:p>
+            <a:r>
+              <a:rPr kumimoji="1" lang="ja-JP" altLang="en-US" dirty="0"/>
+              <a:t>　チーム名はスライドに書いてある通り、「チーム漢」です。</a:t>
+            </a:r>
+            <a:endParaRPr kumimoji="1" lang="en-US" altLang="ja-JP" dirty="0"/>
+          </a:p>
+          <a:p>
+            <a:r>
+              <a:rPr lang="ja-JP" altLang="en-US" dirty="0"/>
+              <a:t>メンバーはリーダーが花岡宗史、サブリーダーが伊藤明洋、書記が秦伊吹です。</a:t>
+            </a:r>
+            <a:endParaRPr lang="en-US" altLang="ja-JP" dirty="0"/>
+          </a:p>
+          <a:p>
+            <a:endParaRPr kumimoji="1" lang="ja-JP" altLang="en-US" dirty="0"/>
+          </a:p>
+        </p:txBody>
+      </p:sp>
+      <p:sp>
+        <p:nvSpPr>
+          <p:cNvPr id="4" name="スライド番号プレースホルダー 3"/>
+          <p:cNvSpPr>
+            <a:spLocks noGrp="1"/>
+          </p:cNvSpPr>
+          <p:nvPr>
+            <p:ph type="sldNum" sz="quarter" idx="5"/>
+          </p:nvPr>
+        </p:nvSpPr>
+        <p:spPr/>
+        <p:txBody>
+          <a:bodyPr/>
+          <a:lstStyle/>
+          <a:p>
+            <a:fld id="{EDA51397-57FA-4C3E-8E3E-2B310B7137DA}" type="slidenum">
+              <a:rPr kumimoji="1" lang="ja-JP" altLang="en-US" smtClean="0"/>
+              <a:t>4</a:t>
+            </a:fld>
+            <a:endParaRPr kumimoji="1" lang="ja-JP" altLang="en-US"/>
+          </a:p>
+        </p:txBody>
+      </p:sp>
+    </p:spTree>
+    <p:extLst>
+      <p:ext uri="{BB962C8B-B14F-4D97-AF65-F5344CB8AC3E}">
+        <p14:creationId xmlns:p14="http://schemas.microsoft.com/office/powerpoint/2010/main" val="2121741262"/>
+      </p:ext>
+    </p:extLst>
+  </p:cSld>
+  <p:clrMapOvr>
+    <a:masterClrMapping/>
+  </p:clrMapOvr>
+</p:notes>
+</file>
+
+<file path=ppt/notesSlides/notesSlide5.xml><?xml version="1.0" encoding="utf-8"?>
+<p:notes xmlns:a="http://schemas.openxmlformats.org/drawingml/2006/main" xmlns:r="http://schemas.openxmlformats.org/officeDocument/2006/relationships" xmlns:p="http://schemas.openxmlformats.org/presentationml/2006/main">
+  <p:cSld>
+    <p:spTree>
+      <p:nvGrpSpPr>
+        <p:cNvPr id="1" name=""/>
+        <p:cNvGrpSpPr/>
+        <p:nvPr/>
+      </p:nvGrpSpPr>
+      <p:grpSpPr>
+        <a:xfrm>
+          <a:off x="0" y="0"/>
+          <a:ext cx="0" cy="0"/>
+          <a:chOff x="0" y="0"/>
+          <a:chExt cx="0" cy="0"/>
+        </a:xfrm>
+      </p:grpSpPr>
+      <p:sp>
+        <p:nvSpPr>
+          <p:cNvPr id="2" name="スライド イメージ プレースホルダー 1"/>
+          <p:cNvSpPr>
+            <a:spLocks noGrp="1" noRot="1" noChangeAspect="1"/>
+          </p:cNvSpPr>
+          <p:nvPr>
+            <p:ph type="sldImg"/>
+          </p:nvPr>
+        </p:nvSpPr>
+        <p:spPr/>
+      </p:sp>
+      <p:sp>
+        <p:nvSpPr>
+          <p:cNvPr id="3" name="ノート プレースホルダー 2"/>
+          <p:cNvSpPr>
+            <a:spLocks noGrp="1"/>
+          </p:cNvSpPr>
+          <p:nvPr>
+            <p:ph type="body" idx="1"/>
+          </p:nvPr>
+        </p:nvSpPr>
+        <p:spPr/>
+        <p:txBody>
+          <a:bodyPr/>
+          <a:lstStyle/>
+          <a:p>
+            <a:r>
+              <a:rPr lang="ja-JP" altLang="en-US" dirty="0"/>
+              <a:t>　続いて、システムの品質と規模の説明に移ります。</a:t>
+            </a:r>
+            <a:endParaRPr lang="en-US" altLang="ja-JP" dirty="0"/>
+          </a:p>
+          <a:p>
+            <a:r>
+              <a:rPr kumimoji="1" lang="ja-JP" altLang="en-US" dirty="0"/>
+              <a:t>　スライドに記載の通り、私たちの作成したシステムは、画面数が</a:t>
+            </a:r>
+            <a:r>
+              <a:rPr kumimoji="1" lang="en-US" altLang="ja-JP" dirty="0"/>
+              <a:t>15</a:t>
+            </a:r>
+            <a:r>
+              <a:rPr lang="ja-JP" altLang="en-US" dirty="0" err="1"/>
+              <a:t>、</a:t>
+            </a:r>
+            <a:r>
+              <a:rPr lang="ja-JP" altLang="en-US" dirty="0"/>
+              <a:t>ファイル数が</a:t>
+            </a:r>
+            <a:r>
+              <a:rPr lang="en-US" altLang="ja-JP" dirty="0"/>
+              <a:t>37</a:t>
+            </a:r>
+            <a:r>
+              <a:rPr lang="ja-JP" altLang="en-US" dirty="0"/>
+              <a:t>になります。</a:t>
+            </a:r>
+            <a:endParaRPr lang="en-US" altLang="ja-JP" dirty="0"/>
+          </a:p>
+          <a:p>
+            <a:r>
+              <a:rPr lang="ja-JP" altLang="en-US" dirty="0"/>
+              <a:t>　次に、このシステムのテスト数が</a:t>
+            </a:r>
+            <a:r>
+              <a:rPr lang="en-US" altLang="ja-JP" dirty="0"/>
+              <a:t>62</a:t>
+            </a:r>
+            <a:r>
+              <a:rPr lang="ja-JP" altLang="en-US" dirty="0"/>
+              <a:t>回、テスト実施し、出現したバグ数が</a:t>
+            </a:r>
+            <a:r>
+              <a:rPr lang="en-US" altLang="ja-JP" dirty="0"/>
+              <a:t>50</a:t>
+            </a:r>
+            <a:r>
+              <a:rPr lang="ja-JP" altLang="en-US" dirty="0"/>
+              <a:t>回となっています。バグについては現在修正済みです。</a:t>
+            </a:r>
+            <a:endParaRPr lang="en-US" altLang="ja-JP" dirty="0"/>
+          </a:p>
+        </p:txBody>
+      </p:sp>
+      <p:sp>
+        <p:nvSpPr>
+          <p:cNvPr id="4" name="スライド番号プレースホルダー 3"/>
+          <p:cNvSpPr>
+            <a:spLocks noGrp="1"/>
+          </p:cNvSpPr>
+          <p:nvPr>
+            <p:ph type="sldNum" sz="quarter" idx="5"/>
+          </p:nvPr>
+        </p:nvSpPr>
+        <p:spPr/>
+        <p:txBody>
+          <a:bodyPr/>
+          <a:lstStyle/>
+          <a:p>
+            <a:fld id="{EDA51397-57FA-4C3E-8E3E-2B310B7137DA}" type="slidenum">
+              <a:rPr kumimoji="1" lang="ja-JP" altLang="en-US" smtClean="0"/>
+              <a:t>5</a:t>
+            </a:fld>
+            <a:endParaRPr kumimoji="1" lang="ja-JP" altLang="en-US"/>
+          </a:p>
+        </p:txBody>
+      </p:sp>
+    </p:spTree>
+    <p:extLst>
+      <p:ext uri="{BB962C8B-B14F-4D97-AF65-F5344CB8AC3E}">
+        <p14:creationId xmlns:p14="http://schemas.microsoft.com/office/powerpoint/2010/main" val="1963163330"/>
+      </p:ext>
+    </p:extLst>
+  </p:cSld>
+  <p:clrMapOvr>
+    <a:masterClrMapping/>
+  </p:clrMapOvr>
+</p:notes>
+</file>
+
+<file path=ppt/notesSlides/notesSlide6.xml><?xml version="1.0" encoding="utf-8"?>
+<p:notes xmlns:a="http://schemas.openxmlformats.org/drawingml/2006/main" xmlns:r="http://schemas.openxmlformats.org/officeDocument/2006/relationships" xmlns:p="http://schemas.openxmlformats.org/presentationml/2006/main">
+  <p:cSld>
+    <p:spTree>
+      <p:nvGrpSpPr>
+        <p:cNvPr id="1" name=""/>
+        <p:cNvGrpSpPr/>
+        <p:nvPr/>
+      </p:nvGrpSpPr>
+      <p:grpSpPr>
+        <a:xfrm>
+          <a:off x="0" y="0"/>
+          <a:ext cx="0" cy="0"/>
+          <a:chOff x="0" y="0"/>
+          <a:chExt cx="0" cy="0"/>
+        </a:xfrm>
+      </p:grpSpPr>
+      <p:sp>
+        <p:nvSpPr>
+          <p:cNvPr id="2" name="スライド イメージ プレースホルダー 1"/>
+          <p:cNvSpPr>
+            <a:spLocks noGrp="1" noRot="1" noChangeAspect="1"/>
+          </p:cNvSpPr>
+          <p:nvPr>
+            <p:ph type="sldImg"/>
+          </p:nvPr>
+        </p:nvSpPr>
+        <p:spPr/>
+      </p:sp>
+      <p:sp>
+        <p:nvSpPr>
+          <p:cNvPr id="3" name="ノート プレースホルダー 2"/>
+          <p:cNvSpPr>
+            <a:spLocks noGrp="1"/>
+          </p:cNvSpPr>
+          <p:nvPr>
+            <p:ph type="body" idx="1"/>
+          </p:nvPr>
+        </p:nvSpPr>
+        <p:spPr/>
+        <p:txBody>
+          <a:bodyPr/>
+          <a:lstStyle/>
+          <a:p>
+            <a:r>
+              <a:rPr kumimoji="1" lang="ja-JP" altLang="en-US" dirty="0"/>
+              <a:t>　続いて、開発工程の説明に移ります。</a:t>
+            </a:r>
+            <a:endParaRPr kumimoji="1" lang="en-US" altLang="ja-JP" dirty="0"/>
+          </a:p>
+          <a:p>
+            <a:r>
+              <a:rPr lang="ja-JP" altLang="en-US" dirty="0"/>
+              <a:t>　開発工程はスライドの通り、まず、要件定義書の作成。</a:t>
+            </a:r>
+            <a:endParaRPr lang="en-US" altLang="ja-JP" dirty="0"/>
+          </a:p>
+          <a:p>
+            <a:r>
+              <a:rPr lang="ja-JP" altLang="en-US" dirty="0"/>
+              <a:t>　次に、基本設計書の作成、ここでは、開発規約や機能一覧、画面遷移図、</a:t>
+            </a:r>
+            <a:r>
+              <a:rPr lang="en-US" altLang="ja-JP" dirty="0"/>
+              <a:t>ER</a:t>
+            </a:r>
+            <a:r>
+              <a:rPr lang="ja-JP" altLang="en-US" dirty="0"/>
+              <a:t>図といった開発の基になる設計書を作成しました。</a:t>
+            </a:r>
+            <a:endParaRPr lang="en-US" altLang="ja-JP" dirty="0"/>
+          </a:p>
+          <a:p>
+            <a:r>
+              <a:rPr lang="ja-JP" altLang="en-US" dirty="0"/>
+              <a:t>　次に、作業工程表の作成、ここでは、基本設計書を参考にし、作業の細分化や作成、製造にあたってのスケジュール、また、誰がどこの作業を担当するのかという担当者の設定を決定しました。</a:t>
+            </a:r>
+            <a:endParaRPr kumimoji="1" lang="en-US" altLang="ja-JP" dirty="0"/>
+          </a:p>
+        </p:txBody>
+      </p:sp>
+      <p:sp>
+        <p:nvSpPr>
+          <p:cNvPr id="4" name="スライド番号プレースホルダー 3"/>
+          <p:cNvSpPr>
+            <a:spLocks noGrp="1"/>
+          </p:cNvSpPr>
+          <p:nvPr>
+            <p:ph type="sldNum" sz="quarter" idx="5"/>
+          </p:nvPr>
+        </p:nvSpPr>
+        <p:spPr/>
+        <p:txBody>
+          <a:bodyPr/>
+          <a:lstStyle/>
+          <a:p>
+            <a:fld id="{EDA51397-57FA-4C3E-8E3E-2B310B7137DA}" type="slidenum">
+              <a:rPr kumimoji="1" lang="ja-JP" altLang="en-US" smtClean="0"/>
+              <a:t>6</a:t>
+            </a:fld>
+            <a:endParaRPr kumimoji="1" lang="ja-JP" altLang="en-US"/>
+          </a:p>
+        </p:txBody>
+      </p:sp>
+    </p:spTree>
+    <p:extLst>
+      <p:ext uri="{BB962C8B-B14F-4D97-AF65-F5344CB8AC3E}">
+        <p14:creationId xmlns:p14="http://schemas.microsoft.com/office/powerpoint/2010/main" val="20851009"/>
+      </p:ext>
+    </p:extLst>
+  </p:cSld>
+  <p:clrMapOvr>
+    <a:masterClrMapping/>
+  </p:clrMapOvr>
+</p:notes>
+</file>
+
+<file path=ppt/notesSlides/notesSlide7.xml><?xml version="1.0" encoding="utf-8"?>
+<p:notes xmlns:a="http://schemas.openxmlformats.org/drawingml/2006/main" xmlns:r="http://schemas.openxmlformats.org/officeDocument/2006/relationships" xmlns:p="http://schemas.openxmlformats.org/presentationml/2006/main">
+  <p:cSld>
+    <p:spTree>
+      <p:nvGrpSpPr>
+        <p:cNvPr id="1" name=""/>
+        <p:cNvGrpSpPr/>
+        <p:nvPr/>
+      </p:nvGrpSpPr>
+      <p:grpSpPr>
+        <a:xfrm>
+          <a:off x="0" y="0"/>
+          <a:ext cx="0" cy="0"/>
+          <a:chOff x="0" y="0"/>
+          <a:chExt cx="0" cy="0"/>
+        </a:xfrm>
+      </p:grpSpPr>
+      <p:sp>
+        <p:nvSpPr>
+          <p:cNvPr id="2" name="スライド イメージ プレースホルダー 1"/>
+          <p:cNvSpPr>
+            <a:spLocks noGrp="1" noRot="1" noChangeAspect="1"/>
+          </p:cNvSpPr>
+          <p:nvPr>
+            <p:ph type="sldImg"/>
+          </p:nvPr>
+        </p:nvSpPr>
+        <p:spPr/>
+      </p:sp>
+      <p:sp>
+        <p:nvSpPr>
+          <p:cNvPr id="3" name="ノート プレースホルダー 2"/>
+          <p:cNvSpPr>
+            <a:spLocks noGrp="1"/>
+          </p:cNvSpPr>
+          <p:nvPr>
+            <p:ph type="body" idx="1"/>
+          </p:nvPr>
+        </p:nvSpPr>
+        <p:spPr/>
+        <p:txBody>
+          <a:bodyPr/>
+          <a:lstStyle/>
+          <a:p>
+            <a:r>
+              <a:rPr lang="ja-JP" altLang="en-US" dirty="0"/>
+              <a:t>　続いて、詳細設計書の作成を行いました。詳細設計書の作成では基本設計書よりもさらに詳細な製造にあたっての画面のレイアウトや画面入出力の洗い出しを行い、製造をする際に悩むことがないように設計書を作成いたしました。</a:t>
+            </a:r>
+            <a:endParaRPr lang="en-US" altLang="ja-JP" dirty="0"/>
+          </a:p>
+          <a:p>
+            <a:r>
+              <a:rPr lang="ja-JP" altLang="en-US" dirty="0"/>
+              <a:t>　そして、詳細設計書に基づきながらプログラミング、製造を行いました。ここでは製造を行いながら並行して、単体テストや結合テストを行い、バグを洗い出しながら進めることでシステムテストを行う際に、バグの発生を少しでも抑えることができるように工夫しました。</a:t>
+            </a:r>
+            <a:endParaRPr lang="en-US" altLang="ja-JP" dirty="0"/>
+          </a:p>
+          <a:p>
+            <a:r>
+              <a:rPr kumimoji="1" lang="ja-JP" altLang="en-US" dirty="0"/>
+              <a:t>　</a:t>
+            </a:r>
+          </a:p>
+        </p:txBody>
+      </p:sp>
+      <p:sp>
+        <p:nvSpPr>
+          <p:cNvPr id="4" name="スライド番号プレースホルダー 3"/>
+          <p:cNvSpPr>
+            <a:spLocks noGrp="1"/>
+          </p:cNvSpPr>
+          <p:nvPr>
+            <p:ph type="sldNum" sz="quarter" idx="5"/>
+          </p:nvPr>
+        </p:nvSpPr>
+        <p:spPr/>
+        <p:txBody>
+          <a:bodyPr/>
+          <a:lstStyle/>
+          <a:p>
+            <a:fld id="{EDA51397-57FA-4C3E-8E3E-2B310B7137DA}" type="slidenum">
+              <a:rPr kumimoji="1" lang="ja-JP" altLang="en-US" smtClean="0"/>
+              <a:t>7</a:t>
+            </a:fld>
+            <a:endParaRPr kumimoji="1" lang="ja-JP" altLang="en-US"/>
+          </a:p>
+        </p:txBody>
+      </p:sp>
+    </p:spTree>
+    <p:extLst>
+      <p:ext uri="{BB962C8B-B14F-4D97-AF65-F5344CB8AC3E}">
+        <p14:creationId xmlns:p14="http://schemas.microsoft.com/office/powerpoint/2010/main" val="2205322532"/>
+      </p:ext>
+    </p:extLst>
+  </p:cSld>
+  <p:clrMapOvr>
+    <a:masterClrMapping/>
+  </p:clrMapOvr>
+</p:notes>
+</file>
+
+<file path=ppt/notesSlides/notesSlide8.xml><?xml version="1.0" encoding="utf-8"?>
+<p:notes xmlns:a="http://schemas.openxmlformats.org/drawingml/2006/main" xmlns:r="http://schemas.openxmlformats.org/officeDocument/2006/relationships" xmlns:p="http://schemas.openxmlformats.org/presentationml/2006/main">
+  <p:cSld>
+    <p:spTree>
+      <p:nvGrpSpPr>
+        <p:cNvPr id="1" name=""/>
+        <p:cNvGrpSpPr/>
+        <p:nvPr/>
+      </p:nvGrpSpPr>
+      <p:grpSpPr>
+        <a:xfrm>
+          <a:off x="0" y="0"/>
+          <a:ext cx="0" cy="0"/>
+          <a:chOff x="0" y="0"/>
+          <a:chExt cx="0" cy="0"/>
+        </a:xfrm>
+      </p:grpSpPr>
+      <p:sp>
+        <p:nvSpPr>
+          <p:cNvPr id="2" name="スライド イメージ プレースホルダー 1"/>
+          <p:cNvSpPr>
+            <a:spLocks noGrp="1" noRot="1" noChangeAspect="1"/>
+          </p:cNvSpPr>
+          <p:nvPr>
+            <p:ph type="sldImg"/>
+          </p:nvPr>
+        </p:nvSpPr>
+        <p:spPr/>
+      </p:sp>
+      <p:sp>
+        <p:nvSpPr>
+          <p:cNvPr id="3" name="ノート プレースホルダー 2"/>
+          <p:cNvSpPr>
+            <a:spLocks noGrp="1"/>
+          </p:cNvSpPr>
+          <p:nvPr>
+            <p:ph type="body" idx="1"/>
+          </p:nvPr>
+        </p:nvSpPr>
+        <p:spPr/>
+        <p:txBody>
+          <a:bodyPr/>
+          <a:lstStyle/>
+          <a:p>
+            <a:r>
+              <a:rPr kumimoji="1" lang="ja-JP" altLang="en-US" dirty="0"/>
+              <a:t>　最後にテスト仕様書を作成し、それに基づいたテストを行いました。ここでは、システムを実際に稼働した際に予想される動きや入出力を洗い出し、テスト項目に追加しました</a:t>
+            </a:r>
+            <a:r>
+              <a:rPr lang="ja-JP" altLang="en-US" dirty="0"/>
+              <a:t>。</a:t>
+            </a:r>
+            <a:endParaRPr lang="en-US" altLang="ja-JP" dirty="0"/>
+          </a:p>
+          <a:p>
+            <a:r>
+              <a:rPr lang="ja-JP" altLang="en-US" dirty="0"/>
+              <a:t>　テスト仕様書を作成した後は、実際にテスト項目通りのテストを行い、テストの結果を記入しながらテストを進めていきました。ここでは、製造の段階で単体テストや結合テストを詳細に行ったこともあり、テストの際にバグの発生数を抑えることができました。</a:t>
+            </a:r>
+            <a:endParaRPr lang="en-US" altLang="ja-JP" dirty="0"/>
+          </a:p>
+          <a:p>
+            <a:endParaRPr lang="en-US" altLang="ja-JP" dirty="0"/>
+          </a:p>
+        </p:txBody>
+      </p:sp>
+      <p:sp>
+        <p:nvSpPr>
+          <p:cNvPr id="4" name="スライド番号プレースホルダー 3"/>
+          <p:cNvSpPr>
+            <a:spLocks noGrp="1"/>
+          </p:cNvSpPr>
+          <p:nvPr>
+            <p:ph type="sldNum" sz="quarter" idx="5"/>
+          </p:nvPr>
+        </p:nvSpPr>
+        <p:spPr/>
+        <p:txBody>
+          <a:bodyPr/>
+          <a:lstStyle/>
+          <a:p>
+            <a:fld id="{EDA51397-57FA-4C3E-8E3E-2B310B7137DA}" type="slidenum">
+              <a:rPr kumimoji="1" lang="ja-JP" altLang="en-US" smtClean="0"/>
+              <a:t>8</a:t>
+            </a:fld>
+            <a:endParaRPr kumimoji="1" lang="ja-JP" altLang="en-US"/>
+          </a:p>
+        </p:txBody>
+      </p:sp>
+    </p:spTree>
+    <p:extLst>
+      <p:ext uri="{BB962C8B-B14F-4D97-AF65-F5344CB8AC3E}">
+        <p14:creationId xmlns:p14="http://schemas.microsoft.com/office/powerpoint/2010/main" val="3911657906"/>
+      </p:ext>
+    </p:extLst>
+  </p:cSld>
+  <p:clrMapOvr>
+    <a:masterClrMapping/>
+  </p:clrMapOvr>
+</p:notes>
+</file>
+
+<file path=ppt/notesSlides/notesSlide9.xml><?xml version="1.0" encoding="utf-8"?>
+<p:notes xmlns:a="http://schemas.openxmlformats.org/drawingml/2006/main" xmlns:r="http://schemas.openxmlformats.org/officeDocument/2006/relationships" xmlns:p="http://schemas.openxmlformats.org/presentationml/2006/main">
+  <p:cSld>
+    <p:spTree>
+      <p:nvGrpSpPr>
+        <p:cNvPr id="1" name=""/>
+        <p:cNvGrpSpPr/>
+        <p:nvPr/>
+      </p:nvGrpSpPr>
+      <p:grpSpPr>
+        <a:xfrm>
+          <a:off x="0" y="0"/>
+          <a:ext cx="0" cy="0"/>
+          <a:chOff x="0" y="0"/>
+          <a:chExt cx="0" cy="0"/>
+        </a:xfrm>
+      </p:grpSpPr>
+      <p:sp>
+        <p:nvSpPr>
+          <p:cNvPr id="2" name="スライド イメージ プレースホルダー 1"/>
+          <p:cNvSpPr>
+            <a:spLocks noGrp="1" noRot="1" noChangeAspect="1"/>
+          </p:cNvSpPr>
+          <p:nvPr>
+            <p:ph type="sldImg"/>
+          </p:nvPr>
+        </p:nvSpPr>
+        <p:spPr/>
+      </p:sp>
+      <p:sp>
+        <p:nvSpPr>
+          <p:cNvPr id="3" name="ノート プレースホルダー 2"/>
+          <p:cNvSpPr>
+            <a:spLocks noGrp="1"/>
+          </p:cNvSpPr>
+          <p:nvPr>
+            <p:ph type="body" idx="1"/>
+          </p:nvPr>
+        </p:nvSpPr>
+        <p:spPr/>
+        <p:txBody>
+          <a:bodyPr/>
+          <a:lstStyle/>
+          <a:p>
+            <a:r>
+              <a:rPr kumimoji="1" lang="ja-JP" altLang="en-US" dirty="0"/>
+              <a:t>　それでは、実際に私たちのシステムのデモンストレーションを行いたいと思います。</a:t>
+            </a:r>
+            <a:endParaRPr kumimoji="1" lang="en-US" altLang="ja-JP" dirty="0"/>
+          </a:p>
+          <a:p>
+            <a:r>
+              <a:rPr lang="ja-JP" altLang="en-US" dirty="0"/>
+              <a:t>　以上で私たちのシステムのデモンストレーションを終了いたします。</a:t>
+            </a:r>
+            <a:endParaRPr kumimoji="1" lang="en-US" altLang="ja-JP" dirty="0"/>
+          </a:p>
+          <a:p>
+            <a:endParaRPr lang="en-US" altLang="ja-JP" dirty="0"/>
+          </a:p>
+          <a:p>
+            <a:endParaRPr kumimoji="1" lang="ja-JP" altLang="en-US" dirty="0"/>
+          </a:p>
+        </p:txBody>
+      </p:sp>
+      <p:sp>
+        <p:nvSpPr>
+          <p:cNvPr id="4" name="スライド番号プレースホルダー 3"/>
+          <p:cNvSpPr>
+            <a:spLocks noGrp="1"/>
+          </p:cNvSpPr>
+          <p:nvPr>
+            <p:ph type="sldNum" sz="quarter" idx="5"/>
+          </p:nvPr>
+        </p:nvSpPr>
+        <p:spPr/>
+        <p:txBody>
+          <a:bodyPr/>
+          <a:lstStyle/>
+          <a:p>
+            <a:fld id="{EDA51397-57FA-4C3E-8E3E-2B310B7137DA}" type="slidenum">
+              <a:rPr kumimoji="1" lang="ja-JP" altLang="en-US" smtClean="0"/>
+              <a:t>9</a:t>
+            </a:fld>
+            <a:endParaRPr kumimoji="1" lang="ja-JP" altLang="en-US"/>
+          </a:p>
+        </p:txBody>
+      </p:sp>
+    </p:spTree>
+    <p:extLst>
+      <p:ext uri="{BB962C8B-B14F-4D97-AF65-F5344CB8AC3E}">
+        <p14:creationId xmlns:p14="http://schemas.microsoft.com/office/powerpoint/2010/main" val="218725803"/>
+      </p:ext>
+    </p:extLst>
+  </p:cSld>
+  <p:clrMapOvr>
+    <a:masterClrMapping/>
+  </p:clrMapOvr>
+</p:notes>
 </file>
 
 <file path=ppt/slideLayouts/slideLayout1.xml><?xml version="1.0" encoding="utf-8"?>
@@ -570,9 +2404,9 @@
           <a:bodyPr/>
           <a:lstStyle/>
           <a:p>
-            <a:fld id="{E76CA8F2-D03E-4001-9DD1-07176A16D547}" type="datetimeFigureOut">
+            <a:fld id="{2C62FF21-2326-4700-8268-390BEC3E221B}" type="datetime1">
               <a:rPr kumimoji="1" lang="ja-JP" altLang="en-US" smtClean="0"/>
-              <a:t>2021/5/26</a:t>
+              <a:t>2021/5/27</a:t>
             </a:fld>
             <a:endParaRPr kumimoji="1" lang="ja-JP" altLang="en-US"/>
           </a:p>
@@ -599,7 +2433,19 @@
           <a:bodyPr/>
           <a:lstStyle/>
           <a:p>
-            <a:endParaRPr kumimoji="1" lang="ja-JP" altLang="en-US"/>
+            <a:r>
+              <a:rPr lang="en-US" altLang="ja-JP" dirty="0"/>
+              <a:t>Copyright © 2021 </a:t>
+            </a:r>
+            <a:r>
+              <a:rPr lang="ja-JP" altLang="en-US" dirty="0"/>
+              <a:t>チーム漢</a:t>
+            </a:r>
+            <a:r>
+              <a:rPr lang="en-US" altLang="ja-JP" dirty="0"/>
+              <a:t>. All rights reserved.</a:t>
+            </a:r>
+            <a:endParaRPr lang="ja-JP" altLang="en-US" dirty="0"/>
           </a:p>
         </p:txBody>
       </p:sp>
@@ -800,9 +2646,9 @@
           <a:bodyPr/>
           <a:lstStyle/>
           <a:p>
-            <a:fld id="{E76CA8F2-D03E-4001-9DD1-07176A16D547}" type="datetimeFigureOut">
+            <a:fld id="{6B7E9110-3B53-4C4B-A429-3F7C813CE798}" type="datetime1">
               <a:rPr kumimoji="1" lang="ja-JP" altLang="en-US" smtClean="0"/>
-              <a:t>2021/5/26</a:t>
+              <a:t>2021/5/27</a:t>
             </a:fld>
             <a:endParaRPr kumimoji="1" lang="ja-JP" altLang="en-US"/>
           </a:p>
@@ -829,6 +2675,18 @@
           <a:bodyPr/>
           <a:lstStyle/>
           <a:p>
+            <a:r>
+              <a:rPr kumimoji="1" lang="en-US" altLang="ja-JP"/>
+              <a:t>Copyright © 2021 </a:t>
+            </a:r>
+            <a:r>
+              <a:rPr kumimoji="1" lang="ja-JP" altLang="en-US"/>
+              <a:t>チーム漢</a:t>
+            </a:r>
+            <a:r>
+              <a:rPr kumimoji="1" lang="en-US" altLang="ja-JP"/>
+              <a:t>. All rights reserved.</a:t>
+            </a:r>
             <a:endParaRPr kumimoji="1" lang="ja-JP" altLang="en-US"/>
           </a:p>
         </p:txBody>
@@ -1040,9 +2898,9 @@
           <a:bodyPr/>
           <a:lstStyle/>
           <a:p>
-            <a:fld id="{E76CA8F2-D03E-4001-9DD1-07176A16D547}" type="datetimeFigureOut">
+            <a:fld id="{DB58D0B0-C0A3-407A-8BB8-3EC02D141471}" type="datetime1">
               <a:rPr kumimoji="1" lang="ja-JP" altLang="en-US" smtClean="0"/>
-              <a:t>2021/5/26</a:t>
+              <a:t>2021/5/27</a:t>
             </a:fld>
             <a:endParaRPr kumimoji="1" lang="ja-JP" altLang="en-US"/>
           </a:p>
@@ -1069,6 +2927,18 @@
           <a:bodyPr/>
           <a:lstStyle/>
           <a:p>
+            <a:r>
+              <a:rPr kumimoji="1" lang="en-US" altLang="ja-JP"/>
+              <a:t>Copyright © 2021 </a:t>
+            </a:r>
+            <a:r>
+              <a:rPr kumimoji="1" lang="ja-JP" altLang="en-US"/>
+              <a:t>チーム漢</a:t>
+            </a:r>
+            <a:r>
+              <a:rPr kumimoji="1" lang="en-US" altLang="ja-JP"/>
+              <a:t>. All rights reserved.</a:t>
+            </a:r>
             <a:endParaRPr kumimoji="1" lang="ja-JP" altLang="en-US"/>
           </a:p>
         </p:txBody>
@@ -1438,9 +3308,9 @@
           <a:bodyPr/>
           <a:lstStyle/>
           <a:p>
-            <a:fld id="{E76CA8F2-D03E-4001-9DD1-07176A16D547}" type="datetimeFigureOut">
+            <a:fld id="{350012E4-3F19-46A1-B372-61B4BDE65CBF}" type="datetime1">
               <a:rPr kumimoji="1" lang="ja-JP" altLang="en-US" smtClean="0"/>
-              <a:t>2021/5/26</a:t>
+              <a:t>2021/5/27</a:t>
             </a:fld>
             <a:endParaRPr kumimoji="1" lang="ja-JP" altLang="en-US"/>
           </a:p>
@@ -1467,7 +3337,19 @@
           <a:bodyPr/>
           <a:lstStyle/>
           <a:p>
-            <a:endParaRPr kumimoji="1" lang="ja-JP" altLang="en-US"/>
+            <a:r>
+              <a:rPr lang="en-US" altLang="ja-JP" dirty="0"/>
+              <a:t>Copyright © 2021 </a:t>
+            </a:r>
+            <a:r>
+              <a:rPr lang="ja-JP" altLang="en-US" dirty="0"/>
+              <a:t>チーム漢</a:t>
+            </a:r>
+            <a:r>
+              <a:rPr lang="en-US" altLang="ja-JP" dirty="0"/>
+              <a:t>. All rights reserved.</a:t>
+            </a:r>
+            <a:endParaRPr lang="ja-JP" altLang="en-US" dirty="0"/>
           </a:p>
         </p:txBody>
       </p:sp>
@@ -1749,9 +3631,9 @@
           <a:bodyPr/>
           <a:lstStyle/>
           <a:p>
-            <a:fld id="{E76CA8F2-D03E-4001-9DD1-07176A16D547}" type="datetimeFigureOut">
+            <a:fld id="{F3BA0D83-E630-46C7-B2C3-8369BD75DB40}" type="datetime1">
               <a:rPr kumimoji="1" lang="ja-JP" altLang="en-US" smtClean="0"/>
-              <a:t>2021/5/26</a:t>
+              <a:t>2021/5/27</a:t>
             </a:fld>
             <a:endParaRPr kumimoji="1" lang="ja-JP" altLang="en-US"/>
           </a:p>
@@ -1778,6 +3660,18 @@
           <a:bodyPr/>
           <a:lstStyle/>
           <a:p>
+            <a:r>
+              <a:rPr kumimoji="1" lang="en-US" altLang="ja-JP"/>
+              <a:t>Copyright © 2021 </a:t>
+            </a:r>
+            <a:r>
+              <a:rPr kumimoji="1" lang="ja-JP" altLang="en-US"/>
+              <a:t>チーム漢</a:t>
+            </a:r>
+            <a:r>
+              <a:rPr kumimoji="1" lang="en-US" altLang="ja-JP"/>
+              <a:t>. All rights reserved.</a:t>
+            </a:r>
             <a:endParaRPr kumimoji="1" lang="ja-JP" altLang="en-US"/>
           </a:p>
         </p:txBody>
@@ -2078,9 +3972,9 @@
           <a:bodyPr/>
           <a:lstStyle/>
           <a:p>
-            <a:fld id="{E76CA8F2-D03E-4001-9DD1-07176A16D547}" type="datetimeFigureOut">
+            <a:fld id="{E51A32F4-D974-4269-9BFB-9A87CCD40522}" type="datetime1">
               <a:rPr kumimoji="1" lang="ja-JP" altLang="en-US" smtClean="0"/>
-              <a:t>2021/5/26</a:t>
+              <a:t>2021/5/27</a:t>
             </a:fld>
             <a:endParaRPr kumimoji="1" lang="ja-JP" altLang="en-US"/>
           </a:p>
@@ -2107,6 +4001,18 @@
           <a:bodyPr/>
           <a:lstStyle/>
           <a:p>
+            <a:r>
+              <a:rPr kumimoji="1" lang="en-US" altLang="ja-JP"/>
+              <a:t>Copyright © 2021 </a:t>
+            </a:r>
+            <a:r>
+              <a:rPr kumimoji="1" lang="ja-JP" altLang="en-US"/>
+              <a:t>チーム漢</a:t>
+            </a:r>
+            <a:r>
+              <a:rPr kumimoji="1" lang="en-US" altLang="ja-JP"/>
+              <a:t>. All rights reserved.</a:t>
+            </a:r>
             <a:endParaRPr kumimoji="1" lang="ja-JP" altLang="en-US"/>
           </a:p>
         </p:txBody>
@@ -2554,9 +4460,9 @@
           <a:bodyPr/>
           <a:lstStyle/>
           <a:p>
-            <a:fld id="{E76CA8F2-D03E-4001-9DD1-07176A16D547}" type="datetimeFigureOut">
+            <a:fld id="{77D3B64B-5411-4E10-B3F1-0A047EF61333}" type="datetime1">
               <a:rPr kumimoji="1" lang="ja-JP" altLang="en-US" smtClean="0"/>
-              <a:t>2021/5/26</a:t>
+              <a:t>2021/5/27</a:t>
             </a:fld>
             <a:endParaRPr kumimoji="1" lang="ja-JP" altLang="en-US"/>
           </a:p>
@@ -2583,6 +4489,18 @@
           <a:bodyPr/>
           <a:lstStyle/>
           <a:p>
+            <a:r>
+              <a:rPr kumimoji="1" lang="en-US" altLang="ja-JP"/>
+              <a:t>Copyright © 2021 </a:t>
+            </a:r>
+            <a:r>
+              <a:rPr kumimoji="1" lang="ja-JP" altLang="en-US"/>
+              <a:t>チーム漢</a:t>
+            </a:r>
+            <a:r>
+              <a:rPr kumimoji="1" lang="en-US" altLang="ja-JP"/>
+              <a:t>. All rights reserved.</a:t>
+            </a:r>
             <a:endParaRPr kumimoji="1" lang="ja-JP" altLang="en-US"/>
           </a:p>
         </p:txBody>
@@ -2648,6 +4566,116 @@
       </p:grpSpPr>
       <p:sp>
         <p:nvSpPr>
+          <p:cNvPr id="7" name="楕円 6">
+            <a:extLst>
+              <a:ext uri="{FF2B5EF4-FFF2-40B4-BE49-F238E27FC236}">
+                <a16:creationId xmlns:a16="http://schemas.microsoft.com/office/drawing/2014/main" id="{299E2618-2E37-4146-9853-4F7A7BD2F8BB}"/>
+              </a:ext>
+            </a:extLst>
+          </p:cNvPr>
+          <p:cNvSpPr/>
+          <p:nvPr userDrawn="1"/>
+        </p:nvSpPr>
+        <p:spPr>
+          <a:xfrm>
+            <a:off x="7860302" y="2717800"/>
+            <a:ext cx="5237018" cy="5286894"/>
+          </a:xfrm>
+          <a:prstGeom prst="ellipse">
+            <a:avLst/>
+          </a:prstGeom>
+          <a:solidFill>
+            <a:schemeClr val="accent1">
+              <a:lumMod val="20000"/>
+              <a:lumOff val="80000"/>
+            </a:schemeClr>
+          </a:solidFill>
+          <a:ln>
+            <a:noFill/>
+          </a:ln>
+        </p:spPr>
+        <p:style>
+          <a:lnRef idx="2">
+            <a:schemeClr val="accent1">
+              <a:shade val="50000"/>
+            </a:schemeClr>
+          </a:lnRef>
+          <a:fillRef idx="1">
+            <a:schemeClr val="accent1"/>
+          </a:fillRef>
+          <a:effectRef idx="0">
+            <a:schemeClr val="accent1"/>
+          </a:effectRef>
+          <a:fontRef idx="minor">
+            <a:schemeClr val="lt1"/>
+          </a:fontRef>
+        </p:style>
+        <p:txBody>
+          <a:bodyPr rtlCol="0" anchor="ctr"/>
+          <a:lstStyle/>
+          <a:p>
+            <a:pPr algn="ctr"/>
+            <a:endParaRPr kumimoji="1" lang="ja-JP" altLang="en-US"/>
+          </a:p>
+        </p:txBody>
+      </p:sp>
+      <p:sp>
+        <p:nvSpPr>
+          <p:cNvPr id="6" name="楕円 5">
+            <a:extLst>
+              <a:ext uri="{FF2B5EF4-FFF2-40B4-BE49-F238E27FC236}">
+                <a16:creationId xmlns:a16="http://schemas.microsoft.com/office/drawing/2014/main" id="{7311769B-5050-4760-9F11-543E5715D1E9}"/>
+              </a:ext>
+            </a:extLst>
+          </p:cNvPr>
+          <p:cNvSpPr/>
+          <p:nvPr userDrawn="1"/>
+        </p:nvSpPr>
+        <p:spPr>
+          <a:xfrm>
+            <a:off x="-896851" y="-1043247"/>
+            <a:ext cx="5237018" cy="5286894"/>
+          </a:xfrm>
+          <a:prstGeom prst="ellipse">
+            <a:avLst/>
+          </a:prstGeom>
+          <a:solidFill>
+            <a:schemeClr val="accent1">
+              <a:lumMod val="20000"/>
+              <a:lumOff val="80000"/>
+            </a:schemeClr>
+          </a:solidFill>
+          <a:ln>
+            <a:noFill/>
+          </a:ln>
+        </p:spPr>
+        <p:style>
+          <a:lnRef idx="2">
+            <a:schemeClr val="accent1">
+              <a:shade val="50000"/>
+            </a:schemeClr>
+          </a:lnRef>
+          <a:fillRef idx="1">
+            <a:schemeClr val="accent1"/>
+          </a:fillRef>
+          <a:effectRef idx="0">
+            <a:schemeClr val="accent1"/>
+          </a:effectRef>
+          <a:fontRef idx="minor">
+            <a:schemeClr val="lt1"/>
+          </a:fontRef>
+        </p:style>
+        <p:txBody>
+          <a:bodyPr rtlCol="0" anchor="ctr"/>
+          <a:lstStyle/>
+          <a:p>
+            <a:pPr algn="ctr"/>
+            <a:endParaRPr kumimoji="1" lang="ja-JP" altLang="en-US"/>
+          </a:p>
+        </p:txBody>
+      </p:sp>
+      <p:sp>
+        <p:nvSpPr>
           <p:cNvPr id="2" name="タイトル 1">
             <a:extLst>
               <a:ext uri="{FF2B5EF4-FFF2-40B4-BE49-F238E27FC236}">
@@ -2695,9 +4723,9 @@
           <a:bodyPr/>
           <a:lstStyle/>
           <a:p>
-            <a:fld id="{E76CA8F2-D03E-4001-9DD1-07176A16D547}" type="datetimeFigureOut">
+            <a:fld id="{D867A0B0-0CFF-45AF-8C62-9A13ED4DAB5B}" type="datetime1">
               <a:rPr kumimoji="1" lang="ja-JP" altLang="en-US" smtClean="0"/>
-              <a:t>2021/5/26</a:t>
+              <a:t>2021/5/27</a:t>
             </a:fld>
             <a:endParaRPr kumimoji="1" lang="ja-JP" altLang="en-US"/>
           </a:p>
@@ -2724,7 +4752,19 @@
           <a:bodyPr/>
           <a:lstStyle/>
           <a:p>
-            <a:endParaRPr kumimoji="1" lang="ja-JP" altLang="en-US"/>
+            <a:r>
+              <a:rPr lang="en-US" altLang="ja-JP" dirty="0"/>
+              <a:t>Copyright © 2021 </a:t>
+            </a:r>
+            <a:r>
+              <a:rPr lang="ja-JP" altLang="en-US" dirty="0"/>
+              <a:t>チーム漢</a:t>
+            </a:r>
+            <a:r>
+              <a:rPr lang="en-US" altLang="ja-JP" dirty="0"/>
+              <a:t>. All rights reserved.</a:t>
+            </a:r>
+            <a:endParaRPr lang="ja-JP" altLang="en-US" dirty="0"/>
           </a:p>
         </p:txBody>
       </p:sp>
@@ -2808,9 +4848,9 @@
           <a:bodyPr/>
           <a:lstStyle/>
           <a:p>
-            <a:fld id="{E76CA8F2-D03E-4001-9DD1-07176A16D547}" type="datetimeFigureOut">
+            <a:fld id="{B6FD6580-8722-401D-AC3C-204B4576987E}" type="datetime1">
               <a:rPr kumimoji="1" lang="ja-JP" altLang="en-US" smtClean="0"/>
-              <a:t>2021/5/26</a:t>
+              <a:t>2021/5/27</a:t>
             </a:fld>
             <a:endParaRPr kumimoji="1" lang="ja-JP" altLang="en-US"/>
           </a:p>
@@ -2837,6 +4877,18 @@
           <a:bodyPr/>
           <a:lstStyle/>
           <a:p>
+            <a:r>
+              <a:rPr kumimoji="1" lang="en-US" altLang="ja-JP"/>
+              <a:t>Copyright © 2021 </a:t>
+            </a:r>
+            <a:r>
+              <a:rPr kumimoji="1" lang="ja-JP" altLang="en-US"/>
+              <a:t>チーム漢</a:t>
+            </a:r>
+            <a:r>
+              <a:rPr kumimoji="1" lang="en-US" altLang="ja-JP"/>
+              <a:t>. All rights reserved.</a:t>
+            </a:r>
             <a:endParaRPr kumimoji="1" lang="ja-JP" altLang="en-US"/>
           </a:p>
         </p:txBody>
@@ -3151,9 +5203,9 @@
           <a:bodyPr/>
           <a:lstStyle/>
           <a:p>
-            <a:fld id="{E76CA8F2-D03E-4001-9DD1-07176A16D547}" type="datetimeFigureOut">
+            <a:fld id="{C341192A-712C-40AC-9B6C-AA227D1C2F28}" type="datetime1">
               <a:rPr kumimoji="1" lang="ja-JP" altLang="en-US" smtClean="0"/>
-              <a:t>2021/5/26</a:t>
+              <a:t>2021/5/27</a:t>
             </a:fld>
             <a:endParaRPr kumimoji="1" lang="ja-JP" altLang="en-US"/>
           </a:p>
@@ -3180,6 +5232,18 @@
           <a:bodyPr/>
           <a:lstStyle/>
           <a:p>
+            <a:r>
+              <a:rPr kumimoji="1" lang="en-US" altLang="ja-JP"/>
+              <a:t>Copyright © 2021 </a:t>
+            </a:r>
+            <a:r>
+              <a:rPr kumimoji="1" lang="ja-JP" altLang="en-US"/>
+              <a:t>チーム漢</a:t>
+            </a:r>
+            <a:r>
+              <a:rPr kumimoji="1" lang="en-US" altLang="ja-JP"/>
+              <a:t>. All rights reserved.</a:t>
+            </a:r>
             <a:endParaRPr kumimoji="1" lang="ja-JP" altLang="en-US"/>
           </a:p>
         </p:txBody>
@@ -3439,9 +5503,9 @@
           <a:bodyPr/>
           <a:lstStyle/>
           <a:p>
-            <a:fld id="{E76CA8F2-D03E-4001-9DD1-07176A16D547}" type="datetimeFigureOut">
+            <a:fld id="{4191F092-DE35-4DFD-8CE5-435FDCB03430}" type="datetime1">
               <a:rPr kumimoji="1" lang="ja-JP" altLang="en-US" smtClean="0"/>
-              <a:t>2021/5/26</a:t>
+              <a:t>2021/5/27</a:t>
             </a:fld>
             <a:endParaRPr kumimoji="1" lang="ja-JP" altLang="en-US"/>
           </a:p>
@@ -3468,6 +5532,18 @@
           <a:bodyPr/>
           <a:lstStyle/>
           <a:p>
+            <a:r>
+              <a:rPr kumimoji="1" lang="en-US" altLang="ja-JP"/>
+              <a:t>Copyright © 2021 </a:t>
+            </a:r>
+            <a:r>
+              <a:rPr kumimoji="1" lang="ja-JP" altLang="en-US"/>
+              <a:t>チーム漢</a:t>
+            </a:r>
+            <a:r>
+              <a:rPr kumimoji="1" lang="en-US" altLang="ja-JP"/>
+              <a:t>. All rights reserved.</a:t>
+            </a:r>
             <a:endParaRPr kumimoji="1" lang="ja-JP" altLang="en-US"/>
           </a:p>
         </p:txBody>
@@ -3712,9 +5788,9 @@
             </a:lvl1pPr>
           </a:lstStyle>
           <a:p>
-            <a:fld id="{E76CA8F2-D03E-4001-9DD1-07176A16D547}" type="datetimeFigureOut">
+            <a:fld id="{50D49ECA-AFA2-4A95-9EE4-155B2E9F4BBB}" type="datetime1">
               <a:rPr kumimoji="1" lang="ja-JP" altLang="en-US" smtClean="0"/>
-              <a:t>2021/5/26</a:t>
+              <a:t>2021/5/27</a:t>
             </a:fld>
             <a:endParaRPr kumimoji="1" lang="ja-JP" altLang="en-US"/>
           </a:p>
@@ -3759,6 +5835,18 @@
             </a:lvl1pPr>
           </a:lstStyle>
           <a:p>
+            <a:r>
+              <a:rPr kumimoji="1" lang="en-US" altLang="ja-JP"/>
+              <a:t>Copyright © 2021 </a:t>
+            </a:r>
+            <a:r>
+              <a:rPr kumimoji="1" lang="ja-JP" altLang="en-US"/>
+              <a:t>チーム漢</a:t>
+            </a:r>
+            <a:r>
+              <a:rPr kumimoji="1" lang="en-US" altLang="ja-JP"/>
+              <a:t>. All rights reserved.</a:t>
+            </a:r>
             <a:endParaRPr kumimoji="1" lang="ja-JP" altLang="en-US"/>
           </a:p>
         </p:txBody>
@@ -3831,6 +5919,7 @@
     <p:sldLayoutId id="2147483658" r:id="rId10"/>
     <p:sldLayoutId id="2147483659" r:id="rId11"/>
   </p:sldLayoutIdLst>
+  <p:hf hdr="0"/>
   <p:txStyles>
     <p:titleStyle>
       <a:lvl1pPr algn="l" defTabSz="914400" rtl="0" eaLnBrk="1" latinLnBrk="0" hangingPunct="1">
@@ -4158,7 +6247,7 @@
           <a:lstStyle/>
           <a:p>
             <a:r>
-              <a:rPr kumimoji="1" lang="ja-JP" altLang="en-US" u="sng" dirty="0">
+              <a:rPr kumimoji="1" lang="ja-JP" altLang="en-US" b="1" u="sng" dirty="0">
                 <a:solidFill>
                   <a:schemeClr val="accent5">
                     <a:lumMod val="50000"/>
@@ -4170,7 +6259,7 @@
               <a:t>リサーチ</a:t>
             </a:r>
             <a:r>
-              <a:rPr kumimoji="1" lang="en-US" altLang="ja-JP" u="sng" dirty="0">
+              <a:rPr kumimoji="1" lang="en-US" altLang="ja-JP" b="1" u="sng" dirty="0">
                 <a:solidFill>
                   <a:schemeClr val="accent5">
                     <a:lumMod val="50000"/>
@@ -4182,7 +6271,7 @@
               <a:t>GO</a:t>
             </a:r>
             <a:r>
-              <a:rPr kumimoji="1" lang="ja-JP" altLang="en-US" u="sng" dirty="0">
+              <a:rPr kumimoji="1" lang="ja-JP" altLang="en-US" b="1" u="sng" dirty="0">
                 <a:solidFill>
                   <a:schemeClr val="accent5">
                     <a:lumMod val="50000"/>
@@ -4225,7 +6314,7 @@
           <a:lstStyle/>
           <a:p>
             <a:r>
-              <a:rPr kumimoji="1" lang="ja-JP" altLang="en-US" sz="3200" dirty="0">
+              <a:rPr kumimoji="1" lang="ja-JP" altLang="en-US" sz="3200" b="1" dirty="0">
                 <a:solidFill>
                   <a:schemeClr val="accent5">
                     <a:lumMod val="50000"/>
@@ -4237,7 +6326,7 @@
               <a:t>～あなたの健康の第一歩を後押し</a:t>
             </a:r>
             <a:r>
-              <a:rPr lang="ja-JP" altLang="en-US" sz="3200" dirty="0">
+              <a:rPr lang="ja-JP" altLang="en-US" sz="3200" b="1" dirty="0">
                 <a:solidFill>
                   <a:schemeClr val="accent5">
                     <a:lumMod val="50000"/>
@@ -4248,7 +6337,7 @@
               </a:rPr>
               <a:t>する～</a:t>
             </a:r>
-            <a:endParaRPr kumimoji="1" lang="ja-JP" altLang="en-US" sz="3200" dirty="0">
+            <a:endParaRPr kumimoji="1" lang="ja-JP" altLang="en-US" sz="3200" b="1" dirty="0">
               <a:solidFill>
                 <a:schemeClr val="accent5">
                   <a:lumMod val="50000"/>
@@ -4275,7 +6364,7 @@
           <p:nvPr/>
         </p:nvPicPr>
         <p:blipFill>
-          <a:blip r:embed="rId2">
+          <a:blip r:embed="rId3">
             <a:extLst>
               <a:ext uri="{28A0092B-C50C-407E-A947-70E740481C1C}">
                 <a14:useLocalDpi xmlns:a14="http://schemas.microsoft.com/office/drawing/2010/main" val="0"/>
@@ -4296,6 +6385,101 @@
           </a:prstGeom>
         </p:spPr>
       </p:pic>
+      <p:sp>
+        <p:nvSpPr>
+          <p:cNvPr id="4" name="フッター プレースホルダー 3">
+            <a:extLst>
+              <a:ext uri="{FF2B5EF4-FFF2-40B4-BE49-F238E27FC236}">
+                <a16:creationId xmlns:a16="http://schemas.microsoft.com/office/drawing/2014/main" id="{75557818-58F4-451B-8AE6-BA8217C499D0}"/>
+              </a:ext>
+            </a:extLst>
+          </p:cNvPr>
+          <p:cNvSpPr>
+            <a:spLocks noGrp="1"/>
+          </p:cNvSpPr>
+          <p:nvPr>
+            <p:ph type="ftr" sz="quarter" idx="11"/>
+          </p:nvPr>
+        </p:nvSpPr>
+        <p:spPr/>
+        <p:txBody>
+          <a:bodyPr/>
+          <a:lstStyle/>
+          <a:p>
+            <a:r>
+              <a:rPr lang="en-US" altLang="ja-JP"/>
+              <a:t>Copyright © 2021 </a:t>
+            </a:r>
+            <a:r>
+              <a:rPr lang="ja-JP" altLang="en-US"/>
+              <a:t>チーム漢</a:t>
+            </a:r>
+            <a:r>
+              <a:rPr lang="en-US" altLang="ja-JP"/>
+              <a:t>. All rights reserved.</a:t>
+            </a:r>
+            <a:endParaRPr lang="ja-JP" altLang="en-US" dirty="0"/>
+          </a:p>
+        </p:txBody>
+      </p:sp>
+      <p:sp>
+        <p:nvSpPr>
+          <p:cNvPr id="6" name="日付プレースホルダー 5">
+            <a:extLst>
+              <a:ext uri="{FF2B5EF4-FFF2-40B4-BE49-F238E27FC236}">
+                <a16:creationId xmlns:a16="http://schemas.microsoft.com/office/drawing/2014/main" id="{5271EDCD-040B-44C5-AEFC-FDF78D89C97B}"/>
+              </a:ext>
+            </a:extLst>
+          </p:cNvPr>
+          <p:cNvSpPr>
+            <a:spLocks noGrp="1"/>
+          </p:cNvSpPr>
+          <p:nvPr>
+            <p:ph type="dt" sz="half" idx="10"/>
+          </p:nvPr>
+        </p:nvSpPr>
+        <p:spPr/>
+        <p:txBody>
+          <a:bodyPr/>
+          <a:lstStyle/>
+          <a:p>
+            <a:fld id="{75537065-4BF9-4A4F-ACDC-E7FA998B3470}" type="datetime1">
+              <a:rPr kumimoji="1" lang="ja-JP" altLang="en-US" smtClean="0"/>
+              <a:t>2021/5/27</a:t>
+            </a:fld>
+            <a:endParaRPr kumimoji="1" lang="ja-JP" altLang="en-US"/>
+          </a:p>
+        </p:txBody>
+      </p:sp>
+      <p:sp>
+        <p:nvSpPr>
+          <p:cNvPr id="7" name="スライド番号プレースホルダー 6">
+            <a:extLst>
+              <a:ext uri="{FF2B5EF4-FFF2-40B4-BE49-F238E27FC236}">
+                <a16:creationId xmlns:a16="http://schemas.microsoft.com/office/drawing/2014/main" id="{046A9DE5-3823-4AC8-A7B1-52BD7E7C881F}"/>
+              </a:ext>
+            </a:extLst>
+          </p:cNvPr>
+          <p:cNvSpPr>
+            <a:spLocks noGrp="1"/>
+          </p:cNvSpPr>
+          <p:nvPr>
+            <p:ph type="sldNum" sz="quarter" idx="12"/>
+          </p:nvPr>
+        </p:nvSpPr>
+        <p:spPr/>
+        <p:txBody>
+          <a:bodyPr/>
+          <a:lstStyle/>
+          <a:p>
+            <a:fld id="{D674207F-D268-470F-8874-8C684F840A9A}" type="slidenum">
+              <a:rPr kumimoji="1" lang="ja-JP" altLang="en-US" smtClean="0"/>
+              <a:t>1</a:t>
+            </a:fld>
+            <a:endParaRPr kumimoji="1" lang="ja-JP" altLang="en-US"/>
+          </a:p>
+        </p:txBody>
+      </p:sp>
     </p:spTree>
     <p:extLst>
       <p:ext uri="{BB962C8B-B14F-4D97-AF65-F5344CB8AC3E}">
@@ -4328,61 +6512,6 @@
       </p:grpSpPr>
       <p:sp>
         <p:nvSpPr>
-          <p:cNvPr id="5" name="楕円 4">
-            <a:extLst>
-              <a:ext uri="{FF2B5EF4-FFF2-40B4-BE49-F238E27FC236}">
-                <a16:creationId xmlns:a16="http://schemas.microsoft.com/office/drawing/2014/main" id="{ED7CC97B-D4BF-421A-BEDC-1A5A556A0C21}"/>
-              </a:ext>
-            </a:extLst>
-          </p:cNvPr>
-          <p:cNvSpPr/>
-          <p:nvPr/>
-        </p:nvSpPr>
-        <p:spPr>
-          <a:xfrm>
-            <a:off x="-751514" y="-1048624"/>
-            <a:ext cx="3179428" cy="3221372"/>
-          </a:xfrm>
-          <a:prstGeom prst="ellipse">
-            <a:avLst/>
-          </a:prstGeom>
-          <a:solidFill>
-            <a:schemeClr val="accent1">
-              <a:lumMod val="20000"/>
-              <a:lumOff val="80000"/>
-            </a:schemeClr>
-          </a:solidFill>
-          <a:ln>
-            <a:noFill/>
-          </a:ln>
-        </p:spPr>
-        <p:style>
-          <a:lnRef idx="2">
-            <a:schemeClr val="accent1">
-              <a:shade val="50000"/>
-            </a:schemeClr>
-          </a:lnRef>
-          <a:fillRef idx="1">
-            <a:schemeClr val="accent1"/>
-          </a:fillRef>
-          <a:effectRef idx="0">
-            <a:schemeClr val="accent1"/>
-          </a:effectRef>
-          <a:fontRef idx="minor">
-            <a:schemeClr val="lt1"/>
-          </a:fontRef>
-        </p:style>
-        <p:txBody>
-          <a:bodyPr rtlCol="0" anchor="ctr"/>
-          <a:lstStyle/>
-          <a:p>
-            <a:pPr algn="ctr"/>
-            <a:endParaRPr kumimoji="1" lang="ja-JP" altLang="en-US"/>
-          </a:p>
-        </p:txBody>
-      </p:sp>
-      <p:sp>
-        <p:nvSpPr>
           <p:cNvPr id="2" name="タイトル 1">
             <a:extLst>
               <a:ext uri="{FF2B5EF4-FFF2-40B4-BE49-F238E27FC236}">
@@ -4437,10 +6566,28 @@
           <a:lstStyle/>
           <a:p>
             <a:r>
-              <a:rPr lang="ja-JP" altLang="en-US" dirty="0"/>
-              <a:t>反省点</a:t>
+              <a:rPr kumimoji="1" lang="ja-JP" altLang="en-US" dirty="0"/>
+              <a:t>苦労した点</a:t>
             </a:r>
             <a:endParaRPr kumimoji="1" lang="en-US" altLang="ja-JP" dirty="0"/>
+          </a:p>
+          <a:p>
+            <a:endParaRPr lang="en-US" altLang="ja-JP" dirty="0"/>
+          </a:p>
+          <a:p>
+            <a:pPr marL="0" indent="0">
+              <a:buNone/>
+            </a:pPr>
+            <a:endParaRPr kumimoji="1" lang="en-US" altLang="ja-JP" dirty="0"/>
+          </a:p>
+          <a:p>
+            <a:endParaRPr lang="en-US" altLang="ja-JP" dirty="0"/>
+          </a:p>
+          <a:p>
+            <a:pPr marL="0" indent="0">
+              <a:buNone/>
+            </a:pPr>
+            <a:endParaRPr kumimoji="1" lang="ja-JP" altLang="en-US" dirty="0"/>
           </a:p>
         </p:txBody>
       </p:sp>
@@ -4449,7 +6596,7 @@
           <p:cNvPr id="4" name="図 3">
             <a:extLst>
               <a:ext uri="{FF2B5EF4-FFF2-40B4-BE49-F238E27FC236}">
-                <a16:creationId xmlns:a16="http://schemas.microsoft.com/office/drawing/2014/main" id="{8AEABE03-8D0F-483F-AF5D-72F4741E9044}"/>
+                <a16:creationId xmlns:a16="http://schemas.microsoft.com/office/drawing/2014/main" id="{73461CC8-80FC-4FFA-BDCC-DF1691EC1017}"/>
               </a:ext>
             </a:extLst>
           </p:cNvPr>
@@ -4459,7 +6606,7 @@
           <p:nvPr/>
         </p:nvPicPr>
         <p:blipFill>
-          <a:blip r:embed="rId2">
+          <a:blip r:embed="rId3">
             <a:extLst>
               <a:ext uri="{28A0092B-C50C-407E-A947-70E740481C1C}">
                 <a14:useLocalDpi xmlns:a14="http://schemas.microsoft.com/office/drawing/2010/main" val="0"/>
@@ -4480,10 +6627,105 @@
           </a:prstGeom>
         </p:spPr>
       </p:pic>
+      <p:sp>
+        <p:nvSpPr>
+          <p:cNvPr id="6" name="フッター プレースホルダー 5">
+            <a:extLst>
+              <a:ext uri="{FF2B5EF4-FFF2-40B4-BE49-F238E27FC236}">
+                <a16:creationId xmlns:a16="http://schemas.microsoft.com/office/drawing/2014/main" id="{E8BA6522-5952-4D98-997A-AB50A64A0606}"/>
+              </a:ext>
+            </a:extLst>
+          </p:cNvPr>
+          <p:cNvSpPr>
+            <a:spLocks noGrp="1"/>
+          </p:cNvSpPr>
+          <p:nvPr>
+            <p:ph type="ftr" sz="quarter" idx="11"/>
+          </p:nvPr>
+        </p:nvSpPr>
+        <p:spPr/>
+        <p:txBody>
+          <a:bodyPr/>
+          <a:lstStyle/>
+          <a:p>
+            <a:r>
+              <a:rPr lang="en-US" altLang="ja-JP"/>
+              <a:t>Copyright © 2021 </a:t>
+            </a:r>
+            <a:r>
+              <a:rPr lang="ja-JP" altLang="en-US"/>
+              <a:t>チーム漢</a:t>
+            </a:r>
+            <a:r>
+              <a:rPr lang="en-US" altLang="ja-JP"/>
+              <a:t>. All rights reserved.</a:t>
+            </a:r>
+            <a:endParaRPr lang="ja-JP" altLang="en-US" dirty="0"/>
+          </a:p>
+        </p:txBody>
+      </p:sp>
+      <p:sp>
+        <p:nvSpPr>
+          <p:cNvPr id="7" name="日付プレースホルダー 6">
+            <a:extLst>
+              <a:ext uri="{FF2B5EF4-FFF2-40B4-BE49-F238E27FC236}">
+                <a16:creationId xmlns:a16="http://schemas.microsoft.com/office/drawing/2014/main" id="{175A45E7-8EAB-4A32-8B97-FD5EB8C128AB}"/>
+              </a:ext>
+            </a:extLst>
+          </p:cNvPr>
+          <p:cNvSpPr>
+            <a:spLocks noGrp="1"/>
+          </p:cNvSpPr>
+          <p:nvPr>
+            <p:ph type="dt" sz="half" idx="10"/>
+          </p:nvPr>
+        </p:nvSpPr>
+        <p:spPr/>
+        <p:txBody>
+          <a:bodyPr/>
+          <a:lstStyle/>
+          <a:p>
+            <a:fld id="{A8DF7C92-90DF-4CC0-9B6B-7A3CFFE2386F}" type="datetime1">
+              <a:rPr kumimoji="1" lang="ja-JP" altLang="en-US" smtClean="0"/>
+              <a:t>2021/5/27</a:t>
+            </a:fld>
+            <a:endParaRPr kumimoji="1" lang="ja-JP" altLang="en-US"/>
+          </a:p>
+        </p:txBody>
+      </p:sp>
+      <p:sp>
+        <p:nvSpPr>
+          <p:cNvPr id="8" name="スライド番号プレースホルダー 7">
+            <a:extLst>
+              <a:ext uri="{FF2B5EF4-FFF2-40B4-BE49-F238E27FC236}">
+                <a16:creationId xmlns:a16="http://schemas.microsoft.com/office/drawing/2014/main" id="{1C572DF7-3ACF-49EB-A4B2-E07FA23ED910}"/>
+              </a:ext>
+            </a:extLst>
+          </p:cNvPr>
+          <p:cNvSpPr>
+            <a:spLocks noGrp="1"/>
+          </p:cNvSpPr>
+          <p:nvPr>
+            <p:ph type="sldNum" sz="quarter" idx="12"/>
+          </p:nvPr>
+        </p:nvSpPr>
+        <p:spPr/>
+        <p:txBody>
+          <a:bodyPr/>
+          <a:lstStyle/>
+          <a:p>
+            <a:fld id="{D674207F-D268-470F-8874-8C684F840A9A}" type="slidenum">
+              <a:rPr kumimoji="1" lang="ja-JP" altLang="en-US" smtClean="0"/>
+              <a:t>10</a:t>
+            </a:fld>
+            <a:endParaRPr kumimoji="1" lang="ja-JP" altLang="en-US"/>
+          </a:p>
+        </p:txBody>
+      </p:sp>
     </p:spTree>
     <p:extLst>
       <p:ext uri="{BB962C8B-B14F-4D97-AF65-F5344CB8AC3E}">
-        <p14:creationId xmlns:p14="http://schemas.microsoft.com/office/powerpoint/2010/main" val="2501646519"/>
+        <p14:creationId xmlns:p14="http://schemas.microsoft.com/office/powerpoint/2010/main" val="3439745565"/>
       </p:ext>
     </p:extLst>
   </p:cSld>
@@ -4512,65 +6754,10 @@
       </p:grpSpPr>
       <p:sp>
         <p:nvSpPr>
-          <p:cNvPr id="5" name="楕円 4">
-            <a:extLst>
-              <a:ext uri="{FF2B5EF4-FFF2-40B4-BE49-F238E27FC236}">
-                <a16:creationId xmlns:a16="http://schemas.microsoft.com/office/drawing/2014/main" id="{F7C97099-8425-4862-B6D4-AF169F348963}"/>
-              </a:ext>
-            </a:extLst>
-          </p:cNvPr>
-          <p:cNvSpPr/>
-          <p:nvPr/>
-        </p:nvSpPr>
-        <p:spPr>
-          <a:xfrm>
-            <a:off x="-751514" y="-1048624"/>
-            <a:ext cx="3179428" cy="3221372"/>
-          </a:xfrm>
-          <a:prstGeom prst="ellipse">
-            <a:avLst/>
-          </a:prstGeom>
-          <a:solidFill>
-            <a:schemeClr val="accent1">
-              <a:lumMod val="20000"/>
-              <a:lumOff val="80000"/>
-            </a:schemeClr>
-          </a:solidFill>
-          <a:ln>
-            <a:noFill/>
-          </a:ln>
-        </p:spPr>
-        <p:style>
-          <a:lnRef idx="2">
-            <a:schemeClr val="accent1">
-              <a:shade val="50000"/>
-            </a:schemeClr>
-          </a:lnRef>
-          <a:fillRef idx="1">
-            <a:schemeClr val="accent1"/>
-          </a:fillRef>
-          <a:effectRef idx="0">
-            <a:schemeClr val="accent1"/>
-          </a:effectRef>
-          <a:fontRef idx="minor">
-            <a:schemeClr val="lt1"/>
-          </a:fontRef>
-        </p:style>
-        <p:txBody>
-          <a:bodyPr rtlCol="0" anchor="ctr"/>
-          <a:lstStyle/>
-          <a:p>
-            <a:pPr algn="ctr"/>
-            <a:endParaRPr kumimoji="1" lang="ja-JP" altLang="en-US"/>
-          </a:p>
-        </p:txBody>
-      </p:sp>
-      <p:sp>
-        <p:nvSpPr>
           <p:cNvPr id="2" name="タイトル 1">
             <a:extLst>
               <a:ext uri="{FF2B5EF4-FFF2-40B4-BE49-F238E27FC236}">
-                <a16:creationId xmlns:a16="http://schemas.microsoft.com/office/drawing/2014/main" id="{3485FE46-7F30-48B5-9E79-AB6589427101}"/>
+                <a16:creationId xmlns:a16="http://schemas.microsoft.com/office/drawing/2014/main" id="{D8A27A3C-8EB0-4994-92B9-AAA22E166222}"/>
               </a:ext>
             </a:extLst>
           </p:cNvPr>
@@ -4594,7 +6781,7 @@
                   </a:schemeClr>
                 </a:solidFill>
               </a:rPr>
-              <a:t>最後に</a:t>
+              <a:t>苦労した点、工夫した点、反省点</a:t>
             </a:r>
           </a:p>
         </p:txBody>
@@ -4604,7 +6791,7 @@
           <p:cNvPr id="3" name="コンテンツ プレースホルダー 2">
             <a:extLst>
               <a:ext uri="{FF2B5EF4-FFF2-40B4-BE49-F238E27FC236}">
-                <a16:creationId xmlns:a16="http://schemas.microsoft.com/office/drawing/2014/main" id="{B484320F-C54E-4F29-9011-B8A6768EC2DC}"/>
+                <a16:creationId xmlns:a16="http://schemas.microsoft.com/office/drawing/2014/main" id="{1D9CC0F8-5650-4161-9409-7B64983E26A2}"/>
               </a:ext>
             </a:extLst>
           </p:cNvPr>
@@ -4620,7 +6807,26 @@
           <a:bodyPr/>
           <a:lstStyle/>
           <a:p>
-            <a:endParaRPr kumimoji="1" lang="ja-JP" altLang="en-US"/>
+            <a:r>
+              <a:rPr kumimoji="1" lang="ja-JP" altLang="en-US" dirty="0"/>
+              <a:t>工夫した点</a:t>
+            </a:r>
+            <a:endParaRPr kumimoji="1" lang="en-US" altLang="ja-JP" dirty="0"/>
+          </a:p>
+          <a:p>
+            <a:endParaRPr lang="en-US" altLang="ja-JP" dirty="0"/>
+          </a:p>
+          <a:p>
+            <a:pPr marL="0" indent="0">
+              <a:buNone/>
+            </a:pPr>
+            <a:endParaRPr kumimoji="1" lang="en-US" altLang="ja-JP" dirty="0"/>
+          </a:p>
+          <a:p>
+            <a:pPr marL="0" indent="0">
+              <a:buNone/>
+            </a:pPr>
+            <a:endParaRPr lang="en-US" altLang="ja-JP" dirty="0"/>
           </a:p>
         </p:txBody>
       </p:sp>
@@ -4629,7 +6835,7 @@
           <p:cNvPr id="4" name="図 3">
             <a:extLst>
               <a:ext uri="{FF2B5EF4-FFF2-40B4-BE49-F238E27FC236}">
-                <a16:creationId xmlns:a16="http://schemas.microsoft.com/office/drawing/2014/main" id="{22A9AA2A-F24F-4989-9AD0-F53D2D548655}"/>
+                <a16:creationId xmlns:a16="http://schemas.microsoft.com/office/drawing/2014/main" id="{73461CC8-80FC-4FFA-BDCC-DF1691EC1017}"/>
               </a:ext>
             </a:extLst>
           </p:cNvPr>
@@ -4639,7 +6845,7 @@
           <p:nvPr/>
         </p:nvPicPr>
         <p:blipFill>
-          <a:blip r:embed="rId2">
+          <a:blip r:embed="rId3">
             <a:extLst>
               <a:ext uri="{28A0092B-C50C-407E-A947-70E740481C1C}">
                 <a14:useLocalDpi xmlns:a14="http://schemas.microsoft.com/office/drawing/2010/main" val="0"/>
@@ -4660,10 +6866,105 @@
           </a:prstGeom>
         </p:spPr>
       </p:pic>
+      <p:sp>
+        <p:nvSpPr>
+          <p:cNvPr id="6" name="フッター プレースホルダー 5">
+            <a:extLst>
+              <a:ext uri="{FF2B5EF4-FFF2-40B4-BE49-F238E27FC236}">
+                <a16:creationId xmlns:a16="http://schemas.microsoft.com/office/drawing/2014/main" id="{E8BA6522-5952-4D98-997A-AB50A64A0606}"/>
+              </a:ext>
+            </a:extLst>
+          </p:cNvPr>
+          <p:cNvSpPr>
+            <a:spLocks noGrp="1"/>
+          </p:cNvSpPr>
+          <p:nvPr>
+            <p:ph type="ftr" sz="quarter" idx="11"/>
+          </p:nvPr>
+        </p:nvSpPr>
+        <p:spPr/>
+        <p:txBody>
+          <a:bodyPr/>
+          <a:lstStyle/>
+          <a:p>
+            <a:r>
+              <a:rPr lang="en-US" altLang="ja-JP"/>
+              <a:t>Copyright © 2021 </a:t>
+            </a:r>
+            <a:r>
+              <a:rPr lang="ja-JP" altLang="en-US"/>
+              <a:t>チーム漢</a:t>
+            </a:r>
+            <a:r>
+              <a:rPr lang="en-US" altLang="ja-JP"/>
+              <a:t>. All rights reserved.</a:t>
+            </a:r>
+            <a:endParaRPr lang="ja-JP" altLang="en-US" dirty="0"/>
+          </a:p>
+        </p:txBody>
+      </p:sp>
+      <p:sp>
+        <p:nvSpPr>
+          <p:cNvPr id="7" name="日付プレースホルダー 6">
+            <a:extLst>
+              <a:ext uri="{FF2B5EF4-FFF2-40B4-BE49-F238E27FC236}">
+                <a16:creationId xmlns:a16="http://schemas.microsoft.com/office/drawing/2014/main" id="{175A45E7-8EAB-4A32-8B97-FD5EB8C128AB}"/>
+              </a:ext>
+            </a:extLst>
+          </p:cNvPr>
+          <p:cNvSpPr>
+            <a:spLocks noGrp="1"/>
+          </p:cNvSpPr>
+          <p:nvPr>
+            <p:ph type="dt" sz="half" idx="10"/>
+          </p:nvPr>
+        </p:nvSpPr>
+        <p:spPr/>
+        <p:txBody>
+          <a:bodyPr/>
+          <a:lstStyle/>
+          <a:p>
+            <a:fld id="{A8DF7C92-90DF-4CC0-9B6B-7A3CFFE2386F}" type="datetime1">
+              <a:rPr kumimoji="1" lang="ja-JP" altLang="en-US" smtClean="0"/>
+              <a:t>2021/5/27</a:t>
+            </a:fld>
+            <a:endParaRPr kumimoji="1" lang="ja-JP" altLang="en-US"/>
+          </a:p>
+        </p:txBody>
+      </p:sp>
+      <p:sp>
+        <p:nvSpPr>
+          <p:cNvPr id="8" name="スライド番号プレースホルダー 7">
+            <a:extLst>
+              <a:ext uri="{FF2B5EF4-FFF2-40B4-BE49-F238E27FC236}">
+                <a16:creationId xmlns:a16="http://schemas.microsoft.com/office/drawing/2014/main" id="{1C572DF7-3ACF-49EB-A4B2-E07FA23ED910}"/>
+              </a:ext>
+            </a:extLst>
+          </p:cNvPr>
+          <p:cNvSpPr>
+            <a:spLocks noGrp="1"/>
+          </p:cNvSpPr>
+          <p:nvPr>
+            <p:ph type="sldNum" sz="quarter" idx="12"/>
+          </p:nvPr>
+        </p:nvSpPr>
+        <p:spPr/>
+        <p:txBody>
+          <a:bodyPr/>
+          <a:lstStyle/>
+          <a:p>
+            <a:fld id="{D674207F-D268-470F-8874-8C684F840A9A}" type="slidenum">
+              <a:rPr kumimoji="1" lang="ja-JP" altLang="en-US" smtClean="0"/>
+              <a:t>11</a:t>
+            </a:fld>
+            <a:endParaRPr kumimoji="1" lang="ja-JP" altLang="en-US"/>
+          </a:p>
+        </p:txBody>
+      </p:sp>
     </p:spTree>
     <p:extLst>
       <p:ext uri="{BB962C8B-B14F-4D97-AF65-F5344CB8AC3E}">
-        <p14:creationId xmlns:p14="http://schemas.microsoft.com/office/powerpoint/2010/main" val="165431970"/>
+        <p14:creationId xmlns:p14="http://schemas.microsoft.com/office/powerpoint/2010/main" val="734977483"/>
       </p:ext>
     </p:extLst>
   </p:cSld>
@@ -4695,7 +6996,7 @@
           <p:cNvPr id="2" name="タイトル 1">
             <a:extLst>
               <a:ext uri="{FF2B5EF4-FFF2-40B4-BE49-F238E27FC236}">
-                <a16:creationId xmlns:a16="http://schemas.microsoft.com/office/drawing/2014/main" id="{4B2BC391-AAE1-49E5-B6F1-A7AF3AF42939}"/>
+                <a16:creationId xmlns:a16="http://schemas.microsoft.com/office/drawing/2014/main" id="{D8A27A3C-8EB0-4994-92B9-AAA22E166222}"/>
               </a:ext>
             </a:extLst>
           </p:cNvPr>
@@ -4706,21 +7007,50 @@
             <p:ph type="title"/>
           </p:nvPr>
         </p:nvSpPr>
-        <p:spPr>
-          <a:xfrm>
-            <a:off x="838200" y="2797575"/>
-            <a:ext cx="10515600" cy="1262849"/>
-          </a:xfrm>
-        </p:spPr>
-        <p:txBody>
-          <a:bodyPr/>
-          <a:lstStyle/>
-          <a:p>
-            <a:pPr algn="ctr"/>
-            <a:r>
-              <a:rPr kumimoji="1" lang="ja-JP" altLang="en-US" dirty="0"/>
-              <a:t>ご清聴ありがとうございました。</a:t>
-            </a:r>
+        <p:spPr/>
+        <p:txBody>
+          <a:bodyPr/>
+          <a:lstStyle/>
+          <a:p>
+            <a:r>
+              <a:rPr kumimoji="1" lang="ja-JP" altLang="en-US" b="1" u="sng" dirty="0">
+                <a:solidFill>
+                  <a:schemeClr val="accent5">
+                    <a:lumMod val="75000"/>
+                  </a:schemeClr>
+                </a:solidFill>
+              </a:rPr>
+              <a:t>苦労した点、工夫した点、反省点</a:t>
+            </a:r>
+          </a:p>
+        </p:txBody>
+      </p:sp>
+      <p:sp>
+        <p:nvSpPr>
+          <p:cNvPr id="3" name="コンテンツ プレースホルダー 2">
+            <a:extLst>
+              <a:ext uri="{FF2B5EF4-FFF2-40B4-BE49-F238E27FC236}">
+                <a16:creationId xmlns:a16="http://schemas.microsoft.com/office/drawing/2014/main" id="{1D9CC0F8-5650-4161-9409-7B64983E26A2}"/>
+              </a:ext>
+            </a:extLst>
+          </p:cNvPr>
+          <p:cNvSpPr>
+            <a:spLocks noGrp="1"/>
+          </p:cNvSpPr>
+          <p:nvPr>
+            <p:ph idx="1"/>
+          </p:nvPr>
+        </p:nvSpPr>
+        <p:spPr/>
+        <p:txBody>
+          <a:bodyPr/>
+          <a:lstStyle/>
+          <a:p>
+            <a:r>
+              <a:rPr lang="ja-JP" altLang="en-US" dirty="0"/>
+              <a:t>反省点</a:t>
+            </a:r>
+            <a:endParaRPr kumimoji="1" lang="en-US" altLang="ja-JP" dirty="0"/>
           </a:p>
         </p:txBody>
       </p:sp>
@@ -4729,7 +7059,7 @@
           <p:cNvPr id="4" name="図 3">
             <a:extLst>
               <a:ext uri="{FF2B5EF4-FFF2-40B4-BE49-F238E27FC236}">
-                <a16:creationId xmlns:a16="http://schemas.microsoft.com/office/drawing/2014/main" id="{AECB063F-C422-4CE9-B1D0-F33218A03371}"/>
+                <a16:creationId xmlns:a16="http://schemas.microsoft.com/office/drawing/2014/main" id="{8AEABE03-8D0F-483F-AF5D-72F4741E9044}"/>
               </a:ext>
             </a:extLst>
           </p:cNvPr>
@@ -4739,7 +7069,7 @@
           <p:nvPr/>
         </p:nvPicPr>
         <p:blipFill>
-          <a:blip r:embed="rId2">
+          <a:blip r:embed="rId3">
             <a:extLst>
               <a:ext uri="{28A0092B-C50C-407E-A947-70E740481C1C}">
                 <a14:useLocalDpi xmlns:a14="http://schemas.microsoft.com/office/drawing/2010/main" val="0"/>
@@ -4760,6 +7090,516 @@
           </a:prstGeom>
         </p:spPr>
       </p:pic>
+      <p:sp>
+        <p:nvSpPr>
+          <p:cNvPr id="6" name="フッター プレースホルダー 5">
+            <a:extLst>
+              <a:ext uri="{FF2B5EF4-FFF2-40B4-BE49-F238E27FC236}">
+                <a16:creationId xmlns:a16="http://schemas.microsoft.com/office/drawing/2014/main" id="{699CD81F-A6E0-4D07-B56C-00BF9AE0DF85}"/>
+              </a:ext>
+            </a:extLst>
+          </p:cNvPr>
+          <p:cNvSpPr>
+            <a:spLocks noGrp="1"/>
+          </p:cNvSpPr>
+          <p:nvPr>
+            <p:ph type="ftr" sz="quarter" idx="11"/>
+          </p:nvPr>
+        </p:nvSpPr>
+        <p:spPr/>
+        <p:txBody>
+          <a:bodyPr/>
+          <a:lstStyle/>
+          <a:p>
+            <a:r>
+              <a:rPr lang="en-US" altLang="ja-JP"/>
+              <a:t>Copyright © 2021 </a:t>
+            </a:r>
+            <a:r>
+              <a:rPr lang="ja-JP" altLang="en-US"/>
+              <a:t>チーム漢</a:t>
+            </a:r>
+            <a:r>
+              <a:rPr lang="en-US" altLang="ja-JP"/>
+              <a:t>. All rights reserved.</a:t>
+            </a:r>
+            <a:endParaRPr lang="ja-JP" altLang="en-US" dirty="0"/>
+          </a:p>
+        </p:txBody>
+      </p:sp>
+      <p:sp>
+        <p:nvSpPr>
+          <p:cNvPr id="7" name="日付プレースホルダー 6">
+            <a:extLst>
+              <a:ext uri="{FF2B5EF4-FFF2-40B4-BE49-F238E27FC236}">
+                <a16:creationId xmlns:a16="http://schemas.microsoft.com/office/drawing/2014/main" id="{89AEEC80-FA91-44E2-8ADB-D5629678755E}"/>
+              </a:ext>
+            </a:extLst>
+          </p:cNvPr>
+          <p:cNvSpPr>
+            <a:spLocks noGrp="1"/>
+          </p:cNvSpPr>
+          <p:nvPr>
+            <p:ph type="dt" sz="half" idx="10"/>
+          </p:nvPr>
+        </p:nvSpPr>
+        <p:spPr/>
+        <p:txBody>
+          <a:bodyPr/>
+          <a:lstStyle/>
+          <a:p>
+            <a:fld id="{865D8649-0DAE-408E-8D13-BD8D7DEAFCC5}" type="datetime1">
+              <a:rPr kumimoji="1" lang="ja-JP" altLang="en-US" smtClean="0"/>
+              <a:t>2021/5/27</a:t>
+            </a:fld>
+            <a:endParaRPr kumimoji="1" lang="ja-JP" altLang="en-US"/>
+          </a:p>
+        </p:txBody>
+      </p:sp>
+      <p:sp>
+        <p:nvSpPr>
+          <p:cNvPr id="8" name="スライド番号プレースホルダー 7">
+            <a:extLst>
+              <a:ext uri="{FF2B5EF4-FFF2-40B4-BE49-F238E27FC236}">
+                <a16:creationId xmlns:a16="http://schemas.microsoft.com/office/drawing/2014/main" id="{059A2945-78E0-4466-9CB9-646062ABB20A}"/>
+              </a:ext>
+            </a:extLst>
+          </p:cNvPr>
+          <p:cNvSpPr>
+            <a:spLocks noGrp="1"/>
+          </p:cNvSpPr>
+          <p:nvPr>
+            <p:ph type="sldNum" sz="quarter" idx="12"/>
+          </p:nvPr>
+        </p:nvSpPr>
+        <p:spPr/>
+        <p:txBody>
+          <a:bodyPr/>
+          <a:lstStyle/>
+          <a:p>
+            <a:fld id="{D674207F-D268-470F-8874-8C684F840A9A}" type="slidenum">
+              <a:rPr kumimoji="1" lang="ja-JP" altLang="en-US" smtClean="0"/>
+              <a:t>12</a:t>
+            </a:fld>
+            <a:endParaRPr kumimoji="1" lang="ja-JP" altLang="en-US"/>
+          </a:p>
+        </p:txBody>
+      </p:sp>
+    </p:spTree>
+    <p:extLst>
+      <p:ext uri="{BB962C8B-B14F-4D97-AF65-F5344CB8AC3E}">
+        <p14:creationId xmlns:p14="http://schemas.microsoft.com/office/powerpoint/2010/main" val="2501646519"/>
+      </p:ext>
+    </p:extLst>
+  </p:cSld>
+  <p:clrMapOvr>
+    <a:masterClrMapping/>
+  </p:clrMapOvr>
+</p:sld>
+</file>
+
+<file path=ppt/slides/slide13.xml><?xml version="1.0" encoding="utf-8"?>
+<p:sld xmlns:a="http://schemas.openxmlformats.org/drawingml/2006/main" xmlns:r="http://schemas.openxmlformats.org/officeDocument/2006/relationships" xmlns:p="http://schemas.openxmlformats.org/presentationml/2006/main">
+  <p:cSld>
+    <p:spTree>
+      <p:nvGrpSpPr>
+        <p:cNvPr id="1" name=""/>
+        <p:cNvGrpSpPr/>
+        <p:nvPr/>
+      </p:nvGrpSpPr>
+      <p:grpSpPr>
+        <a:xfrm>
+          <a:off x="0" y="0"/>
+          <a:ext cx="0" cy="0"/>
+          <a:chOff x="0" y="0"/>
+          <a:chExt cx="0" cy="0"/>
+        </a:xfrm>
+      </p:grpSpPr>
+      <p:sp>
+        <p:nvSpPr>
+          <p:cNvPr id="2" name="タイトル 1">
+            <a:extLst>
+              <a:ext uri="{FF2B5EF4-FFF2-40B4-BE49-F238E27FC236}">
+                <a16:creationId xmlns:a16="http://schemas.microsoft.com/office/drawing/2014/main" id="{3485FE46-7F30-48B5-9E79-AB6589427101}"/>
+              </a:ext>
+            </a:extLst>
+          </p:cNvPr>
+          <p:cNvSpPr>
+            <a:spLocks noGrp="1"/>
+          </p:cNvSpPr>
+          <p:nvPr>
+            <p:ph type="title"/>
+          </p:nvPr>
+        </p:nvSpPr>
+        <p:spPr/>
+        <p:txBody>
+          <a:bodyPr/>
+          <a:lstStyle/>
+          <a:p>
+            <a:r>
+              <a:rPr kumimoji="1" lang="ja-JP" altLang="en-US" b="1" u="sng" dirty="0">
+                <a:solidFill>
+                  <a:schemeClr val="accent5">
+                    <a:lumMod val="75000"/>
+                  </a:schemeClr>
+                </a:solidFill>
+              </a:rPr>
+              <a:t>最後に</a:t>
+            </a:r>
+          </a:p>
+        </p:txBody>
+      </p:sp>
+      <p:sp>
+        <p:nvSpPr>
+          <p:cNvPr id="3" name="コンテンツ プレースホルダー 2">
+            <a:extLst>
+              <a:ext uri="{FF2B5EF4-FFF2-40B4-BE49-F238E27FC236}">
+                <a16:creationId xmlns:a16="http://schemas.microsoft.com/office/drawing/2014/main" id="{B484320F-C54E-4F29-9011-B8A6768EC2DC}"/>
+              </a:ext>
+            </a:extLst>
+          </p:cNvPr>
+          <p:cNvSpPr>
+            <a:spLocks noGrp="1"/>
+          </p:cNvSpPr>
+          <p:nvPr>
+            <p:ph idx="1"/>
+          </p:nvPr>
+        </p:nvSpPr>
+        <p:spPr/>
+        <p:txBody>
+          <a:bodyPr/>
+          <a:lstStyle/>
+          <a:p>
+            <a:endParaRPr kumimoji="1" lang="ja-JP" altLang="en-US" dirty="0"/>
+          </a:p>
+        </p:txBody>
+      </p:sp>
+      <p:pic>
+        <p:nvPicPr>
+          <p:cNvPr id="4" name="図 3">
+            <a:extLst>
+              <a:ext uri="{FF2B5EF4-FFF2-40B4-BE49-F238E27FC236}">
+                <a16:creationId xmlns:a16="http://schemas.microsoft.com/office/drawing/2014/main" id="{22A9AA2A-F24F-4989-9AD0-F53D2D548655}"/>
+              </a:ext>
+            </a:extLst>
+          </p:cNvPr>
+          <p:cNvPicPr>
+            <a:picLocks noChangeAspect="1"/>
+          </p:cNvPicPr>
+          <p:nvPr/>
+        </p:nvPicPr>
+        <p:blipFill>
+          <a:blip r:embed="rId3">
+            <a:extLst>
+              <a:ext uri="{28A0092B-C50C-407E-A947-70E740481C1C}">
+                <a14:useLocalDpi xmlns:a14="http://schemas.microsoft.com/office/drawing/2010/main" val="0"/>
+              </a:ext>
+            </a:extLst>
+          </a:blip>
+          <a:stretch>
+            <a:fillRect/>
+          </a:stretch>
+        </p:blipFill>
+        <p:spPr>
+          <a:xfrm>
+            <a:off x="10547757" y="246783"/>
+            <a:ext cx="1258349" cy="1258349"/>
+          </a:xfrm>
+          <a:prstGeom prst="rect">
+            <a:avLst/>
+          </a:prstGeom>
+        </p:spPr>
+      </p:pic>
+      <p:sp>
+        <p:nvSpPr>
+          <p:cNvPr id="6" name="フッター プレースホルダー 5">
+            <a:extLst>
+              <a:ext uri="{FF2B5EF4-FFF2-40B4-BE49-F238E27FC236}">
+                <a16:creationId xmlns:a16="http://schemas.microsoft.com/office/drawing/2014/main" id="{99CC050F-F368-48CF-A4CC-4A9EB0612421}"/>
+              </a:ext>
+            </a:extLst>
+          </p:cNvPr>
+          <p:cNvSpPr>
+            <a:spLocks noGrp="1"/>
+          </p:cNvSpPr>
+          <p:nvPr>
+            <p:ph type="ftr" sz="quarter" idx="11"/>
+          </p:nvPr>
+        </p:nvSpPr>
+        <p:spPr/>
+        <p:txBody>
+          <a:bodyPr/>
+          <a:lstStyle/>
+          <a:p>
+            <a:r>
+              <a:rPr lang="en-US" altLang="ja-JP"/>
+              <a:t>Copyright © 2021 </a:t>
+            </a:r>
+            <a:r>
+              <a:rPr lang="ja-JP" altLang="en-US"/>
+              <a:t>チーム漢</a:t>
+            </a:r>
+            <a:r>
+              <a:rPr lang="en-US" altLang="ja-JP"/>
+              <a:t>. All rights reserved.</a:t>
+            </a:r>
+            <a:endParaRPr lang="ja-JP" altLang="en-US" dirty="0"/>
+          </a:p>
+        </p:txBody>
+      </p:sp>
+      <p:sp>
+        <p:nvSpPr>
+          <p:cNvPr id="7" name="日付プレースホルダー 6">
+            <a:extLst>
+              <a:ext uri="{FF2B5EF4-FFF2-40B4-BE49-F238E27FC236}">
+                <a16:creationId xmlns:a16="http://schemas.microsoft.com/office/drawing/2014/main" id="{25F2C2EB-F93A-41F5-8AF0-994780ADC869}"/>
+              </a:ext>
+            </a:extLst>
+          </p:cNvPr>
+          <p:cNvSpPr>
+            <a:spLocks noGrp="1"/>
+          </p:cNvSpPr>
+          <p:nvPr>
+            <p:ph type="dt" sz="half" idx="10"/>
+          </p:nvPr>
+        </p:nvSpPr>
+        <p:spPr/>
+        <p:txBody>
+          <a:bodyPr/>
+          <a:lstStyle/>
+          <a:p>
+            <a:fld id="{A3C00A49-8260-46B8-AEBE-5BDEBDBB7B13}" type="datetime1">
+              <a:rPr kumimoji="1" lang="ja-JP" altLang="en-US" smtClean="0"/>
+              <a:t>2021/5/27</a:t>
+            </a:fld>
+            <a:endParaRPr kumimoji="1" lang="ja-JP" altLang="en-US"/>
+          </a:p>
+        </p:txBody>
+      </p:sp>
+      <p:sp>
+        <p:nvSpPr>
+          <p:cNvPr id="8" name="スライド番号プレースホルダー 7">
+            <a:extLst>
+              <a:ext uri="{FF2B5EF4-FFF2-40B4-BE49-F238E27FC236}">
+                <a16:creationId xmlns:a16="http://schemas.microsoft.com/office/drawing/2014/main" id="{22B16A0A-1A5F-4611-9536-413D40BB4EE5}"/>
+              </a:ext>
+            </a:extLst>
+          </p:cNvPr>
+          <p:cNvSpPr>
+            <a:spLocks noGrp="1"/>
+          </p:cNvSpPr>
+          <p:nvPr>
+            <p:ph type="sldNum" sz="quarter" idx="12"/>
+          </p:nvPr>
+        </p:nvSpPr>
+        <p:spPr/>
+        <p:txBody>
+          <a:bodyPr/>
+          <a:lstStyle/>
+          <a:p>
+            <a:fld id="{D674207F-D268-470F-8874-8C684F840A9A}" type="slidenum">
+              <a:rPr kumimoji="1" lang="ja-JP" altLang="en-US" smtClean="0"/>
+              <a:t>13</a:t>
+            </a:fld>
+            <a:endParaRPr kumimoji="1" lang="ja-JP" altLang="en-US"/>
+          </a:p>
+        </p:txBody>
+      </p:sp>
+    </p:spTree>
+    <p:extLst>
+      <p:ext uri="{BB962C8B-B14F-4D97-AF65-F5344CB8AC3E}">
+        <p14:creationId xmlns:p14="http://schemas.microsoft.com/office/powerpoint/2010/main" val="165431970"/>
+      </p:ext>
+    </p:extLst>
+  </p:cSld>
+  <p:clrMapOvr>
+    <a:masterClrMapping/>
+  </p:clrMapOvr>
+</p:sld>
+</file>
+
+<file path=ppt/slides/slide14.xml><?xml version="1.0" encoding="utf-8"?>
+<p:sld xmlns:a="http://schemas.openxmlformats.org/drawingml/2006/main" xmlns:r="http://schemas.openxmlformats.org/officeDocument/2006/relationships" xmlns:p="http://schemas.openxmlformats.org/presentationml/2006/main">
+  <p:cSld>
+    <p:spTree>
+      <p:nvGrpSpPr>
+        <p:cNvPr id="1" name=""/>
+        <p:cNvGrpSpPr/>
+        <p:nvPr/>
+      </p:nvGrpSpPr>
+      <p:grpSpPr>
+        <a:xfrm>
+          <a:off x="0" y="0"/>
+          <a:ext cx="0" cy="0"/>
+          <a:chOff x="0" y="0"/>
+          <a:chExt cx="0" cy="0"/>
+        </a:xfrm>
+      </p:grpSpPr>
+      <p:sp>
+        <p:nvSpPr>
+          <p:cNvPr id="2" name="タイトル 1">
+            <a:extLst>
+              <a:ext uri="{FF2B5EF4-FFF2-40B4-BE49-F238E27FC236}">
+                <a16:creationId xmlns:a16="http://schemas.microsoft.com/office/drawing/2014/main" id="{4B2BC391-AAE1-49E5-B6F1-A7AF3AF42939}"/>
+              </a:ext>
+            </a:extLst>
+          </p:cNvPr>
+          <p:cNvSpPr>
+            <a:spLocks noGrp="1"/>
+          </p:cNvSpPr>
+          <p:nvPr>
+            <p:ph type="title"/>
+          </p:nvPr>
+        </p:nvSpPr>
+        <p:spPr>
+          <a:xfrm>
+            <a:off x="838200" y="2797575"/>
+            <a:ext cx="10515600" cy="1262849"/>
+          </a:xfrm>
+        </p:spPr>
+        <p:txBody>
+          <a:bodyPr/>
+          <a:lstStyle/>
+          <a:p>
+            <a:pPr algn="ctr"/>
+            <a:r>
+              <a:rPr kumimoji="1" lang="ja-JP" altLang="en-US" dirty="0"/>
+              <a:t>ご清聴ありがとうございました。</a:t>
+            </a:r>
+          </a:p>
+        </p:txBody>
+      </p:sp>
+      <p:pic>
+        <p:nvPicPr>
+          <p:cNvPr id="4" name="図 3">
+            <a:extLst>
+              <a:ext uri="{FF2B5EF4-FFF2-40B4-BE49-F238E27FC236}">
+                <a16:creationId xmlns:a16="http://schemas.microsoft.com/office/drawing/2014/main" id="{AECB063F-C422-4CE9-B1D0-F33218A03371}"/>
+              </a:ext>
+            </a:extLst>
+          </p:cNvPr>
+          <p:cNvPicPr>
+            <a:picLocks noChangeAspect="1"/>
+          </p:cNvPicPr>
+          <p:nvPr/>
+        </p:nvPicPr>
+        <p:blipFill>
+          <a:blip r:embed="rId3">
+            <a:extLst>
+              <a:ext uri="{28A0092B-C50C-407E-A947-70E740481C1C}">
+                <a14:useLocalDpi xmlns:a14="http://schemas.microsoft.com/office/drawing/2010/main" val="0"/>
+              </a:ext>
+            </a:extLst>
+          </a:blip>
+          <a:stretch>
+            <a:fillRect/>
+          </a:stretch>
+        </p:blipFill>
+        <p:spPr>
+          <a:xfrm>
+            <a:off x="10547757" y="246783"/>
+            <a:ext cx="1258349" cy="1258349"/>
+          </a:xfrm>
+          <a:prstGeom prst="rect">
+            <a:avLst/>
+          </a:prstGeom>
+        </p:spPr>
+      </p:pic>
+      <p:sp>
+        <p:nvSpPr>
+          <p:cNvPr id="3" name="フッター プレースホルダー 2">
+            <a:extLst>
+              <a:ext uri="{FF2B5EF4-FFF2-40B4-BE49-F238E27FC236}">
+                <a16:creationId xmlns:a16="http://schemas.microsoft.com/office/drawing/2014/main" id="{564F8D17-1874-4EE4-B84F-6175E8FFA12D}"/>
+              </a:ext>
+            </a:extLst>
+          </p:cNvPr>
+          <p:cNvSpPr>
+            <a:spLocks noGrp="1"/>
+          </p:cNvSpPr>
+          <p:nvPr>
+            <p:ph type="ftr" sz="quarter" idx="11"/>
+          </p:nvPr>
+        </p:nvSpPr>
+        <p:spPr/>
+        <p:txBody>
+          <a:bodyPr/>
+          <a:lstStyle/>
+          <a:p>
+            <a:r>
+              <a:rPr lang="en-US" altLang="ja-JP"/>
+              <a:t>Copyright © 2021 </a:t>
+            </a:r>
+            <a:r>
+              <a:rPr lang="ja-JP" altLang="en-US"/>
+              <a:t>チーム漢</a:t>
+            </a:r>
+            <a:r>
+              <a:rPr lang="en-US" altLang="ja-JP"/>
+              <a:t>. All rights reserved.</a:t>
+            </a:r>
+            <a:endParaRPr lang="ja-JP" altLang="en-US" dirty="0"/>
+          </a:p>
+        </p:txBody>
+      </p:sp>
+      <p:sp>
+        <p:nvSpPr>
+          <p:cNvPr id="5" name="日付プレースホルダー 4">
+            <a:extLst>
+              <a:ext uri="{FF2B5EF4-FFF2-40B4-BE49-F238E27FC236}">
+                <a16:creationId xmlns:a16="http://schemas.microsoft.com/office/drawing/2014/main" id="{C204C4B0-3242-4AFB-87F1-94FCF9D8736E}"/>
+              </a:ext>
+            </a:extLst>
+          </p:cNvPr>
+          <p:cNvSpPr>
+            <a:spLocks noGrp="1"/>
+          </p:cNvSpPr>
+          <p:nvPr>
+            <p:ph type="dt" sz="half" idx="10"/>
+          </p:nvPr>
+        </p:nvSpPr>
+        <p:spPr/>
+        <p:txBody>
+          <a:bodyPr/>
+          <a:lstStyle/>
+          <a:p>
+            <a:fld id="{21693455-9EF6-4C2F-ABC8-BA44E75E5EE0}" type="datetime1">
+              <a:rPr kumimoji="1" lang="ja-JP" altLang="en-US" smtClean="0"/>
+              <a:t>2021/5/27</a:t>
+            </a:fld>
+            <a:endParaRPr kumimoji="1" lang="ja-JP" altLang="en-US"/>
+          </a:p>
+        </p:txBody>
+      </p:sp>
+      <p:sp>
+        <p:nvSpPr>
+          <p:cNvPr id="6" name="スライド番号プレースホルダー 5">
+            <a:extLst>
+              <a:ext uri="{FF2B5EF4-FFF2-40B4-BE49-F238E27FC236}">
+                <a16:creationId xmlns:a16="http://schemas.microsoft.com/office/drawing/2014/main" id="{E62BFE0A-0CFF-45CA-A421-D69E74FB1D3F}"/>
+              </a:ext>
+            </a:extLst>
+          </p:cNvPr>
+          <p:cNvSpPr>
+            <a:spLocks noGrp="1"/>
+          </p:cNvSpPr>
+          <p:nvPr>
+            <p:ph type="sldNum" sz="quarter" idx="12"/>
+          </p:nvPr>
+        </p:nvSpPr>
+        <p:spPr/>
+        <p:txBody>
+          <a:bodyPr/>
+          <a:lstStyle/>
+          <a:p>
+            <a:fld id="{D674207F-D268-470F-8874-8C684F840A9A}" type="slidenum">
+              <a:rPr kumimoji="1" lang="ja-JP" altLang="en-US" smtClean="0"/>
+              <a:t>14</a:t>
+            </a:fld>
+            <a:endParaRPr kumimoji="1" lang="ja-JP" altLang="en-US"/>
+          </a:p>
+        </p:txBody>
+      </p:sp>
     </p:spTree>
     <p:extLst>
       <p:ext uri="{BB962C8B-B14F-4D97-AF65-F5344CB8AC3E}">
@@ -4792,61 +7632,6 @@
       </p:grpSpPr>
       <p:sp>
         <p:nvSpPr>
-          <p:cNvPr id="5" name="楕円 4">
-            <a:extLst>
-              <a:ext uri="{FF2B5EF4-FFF2-40B4-BE49-F238E27FC236}">
-                <a16:creationId xmlns:a16="http://schemas.microsoft.com/office/drawing/2014/main" id="{BFAB3104-BAA5-4F70-9DC3-FF6AAF3C53F5}"/>
-              </a:ext>
-            </a:extLst>
-          </p:cNvPr>
-          <p:cNvSpPr/>
-          <p:nvPr/>
-        </p:nvSpPr>
-        <p:spPr>
-          <a:xfrm>
-            <a:off x="-751514" y="-1048624"/>
-            <a:ext cx="3179428" cy="3221372"/>
-          </a:xfrm>
-          <a:prstGeom prst="ellipse">
-            <a:avLst/>
-          </a:prstGeom>
-          <a:solidFill>
-            <a:schemeClr val="accent1">
-              <a:lumMod val="20000"/>
-              <a:lumOff val="80000"/>
-            </a:schemeClr>
-          </a:solidFill>
-          <a:ln>
-            <a:noFill/>
-          </a:ln>
-        </p:spPr>
-        <p:style>
-          <a:lnRef idx="2">
-            <a:schemeClr val="accent1">
-              <a:shade val="50000"/>
-            </a:schemeClr>
-          </a:lnRef>
-          <a:fillRef idx="1">
-            <a:schemeClr val="accent1"/>
-          </a:fillRef>
-          <a:effectRef idx="0">
-            <a:schemeClr val="accent1"/>
-          </a:effectRef>
-          <a:fontRef idx="minor">
-            <a:schemeClr val="lt1"/>
-          </a:fontRef>
-        </p:style>
-        <p:txBody>
-          <a:bodyPr rtlCol="0" anchor="ctr"/>
-          <a:lstStyle/>
-          <a:p>
-            <a:pPr algn="ctr"/>
-            <a:endParaRPr kumimoji="1" lang="ja-JP" altLang="en-US"/>
-          </a:p>
-        </p:txBody>
-      </p:sp>
-      <p:sp>
-        <p:nvSpPr>
           <p:cNvPr id="2" name="タイトル 1">
             <a:extLst>
               <a:ext uri="{FF2B5EF4-FFF2-40B4-BE49-F238E27FC236}">
@@ -4931,7 +7716,7 @@
                 <a:latin typeface="メイリオ" panose="020B0604030504040204" pitchFamily="50" charset="-128"/>
                 <a:ea typeface="メイリオ" panose="020B0604030504040204" pitchFamily="50" charset="-128"/>
               </a:rPr>
-              <a:t>１，チーム紹介</a:t>
+              <a:t>１、コンセプト</a:t>
             </a:r>
             <a:endParaRPr kumimoji="1" lang="en-US" altLang="ja-JP" sz="3600" dirty="0">
               <a:latin typeface="メイリオ" panose="020B0604030504040204" pitchFamily="50" charset="-128"/>
@@ -4947,7 +7732,13 @@
                 <a:latin typeface="メイリオ" panose="020B0604030504040204" pitchFamily="50" charset="-128"/>
                 <a:ea typeface="メイリオ" panose="020B0604030504040204" pitchFamily="50" charset="-128"/>
               </a:rPr>
-              <a:t>２，システム品質と規模</a:t>
+              <a:t>２、</a:t>
+            </a:r>
+            <a:r>
+              <a:rPr lang="ja-JP" altLang="en-US" sz="3600" dirty="0">
+                <a:latin typeface="メイリオ" panose="020B0604030504040204" pitchFamily="50" charset="-128"/>
+              </a:rPr>
+              <a:t>チーム紹介</a:t>
             </a:r>
             <a:endParaRPr lang="en-US" altLang="ja-JP" sz="3600" dirty="0">
               <a:latin typeface="メイリオ" panose="020B0604030504040204" pitchFamily="50" charset="-128"/>
@@ -4959,11 +7750,34 @@
               <a:buNone/>
             </a:pPr>
             <a:r>
+              <a:rPr lang="ja-JP" altLang="en-US" sz="3600" dirty="0">
+                <a:latin typeface="メイリオ" panose="020B0604030504040204" pitchFamily="50" charset="-128"/>
+                <a:ea typeface="メイリオ" panose="020B0604030504040204" pitchFamily="50" charset="-128"/>
+              </a:rPr>
+              <a:t>３、システム品質と規模</a:t>
+            </a:r>
+            <a:endParaRPr lang="en-US" altLang="ja-JP" sz="3600" dirty="0">
+              <a:latin typeface="メイリオ" panose="020B0604030504040204" pitchFamily="50" charset="-128"/>
+              <a:ea typeface="メイリオ" panose="020B0604030504040204" pitchFamily="50" charset="-128"/>
+            </a:endParaRPr>
+          </a:p>
+          <a:p>
+            <a:pPr marL="0" indent="0">
+              <a:buNone/>
+            </a:pPr>
+            <a:r>
+              <a:rPr lang="ja-JP" altLang="en-US" sz="3600" dirty="0">
+                <a:latin typeface="メイリオ" panose="020B0604030504040204" pitchFamily="50" charset="-128"/>
+                <a:ea typeface="メイリオ" panose="020B0604030504040204" pitchFamily="50" charset="-128"/>
+              </a:rPr>
+              <a:t>４</a:t>
+            </a:r>
+            <a:r>
               <a:rPr kumimoji="1" lang="ja-JP" altLang="en-US" sz="3600" dirty="0">
                 <a:latin typeface="メイリオ" panose="020B0604030504040204" pitchFamily="50" charset="-128"/>
                 <a:ea typeface="メイリオ" panose="020B0604030504040204" pitchFamily="50" charset="-128"/>
               </a:rPr>
-              <a:t>３，開発工程説明</a:t>
+              <a:t>、開発工程説明</a:t>
             </a:r>
             <a:endParaRPr kumimoji="1" lang="en-US" altLang="ja-JP" sz="3600" dirty="0">
               <a:latin typeface="メイリオ" panose="020B0604030504040204" pitchFamily="50" charset="-128"/>
@@ -4979,7 +7793,7 @@
                 <a:latin typeface="メイリオ" panose="020B0604030504040204" pitchFamily="50" charset="-128"/>
                 <a:ea typeface="メイリオ" panose="020B0604030504040204" pitchFamily="50" charset="-128"/>
               </a:rPr>
-              <a:t>４，デモンストレーション</a:t>
+              <a:t>５、デモンストレーション</a:t>
             </a:r>
             <a:endParaRPr lang="en-US" altLang="ja-JP" sz="3600" dirty="0">
               <a:latin typeface="メイリオ" panose="020B0604030504040204" pitchFamily="50" charset="-128"/>
@@ -4991,11 +7805,18 @@
               <a:buNone/>
             </a:pPr>
             <a:r>
+              <a:rPr lang="ja-JP" altLang="en-US" sz="3600" dirty="0">
+                <a:latin typeface="メイリオ" panose="020B0604030504040204" pitchFamily="50" charset="-128"/>
+                <a:ea typeface="メイリオ" panose="020B0604030504040204" pitchFamily="50" charset="-128"/>
+              </a:rPr>
+              <a:t>６</a:t>
+            </a:r>
+            <a:r>
               <a:rPr kumimoji="1" lang="ja-JP" altLang="en-US" sz="3600" dirty="0">
                 <a:latin typeface="メイリオ" panose="020B0604030504040204" pitchFamily="50" charset="-128"/>
                 <a:ea typeface="メイリオ" panose="020B0604030504040204" pitchFamily="50" charset="-128"/>
               </a:rPr>
-              <a:t>５，苦労した点、工夫した点、反省点</a:t>
+              <a:t>、苦労した点、工夫した点、反省点</a:t>
             </a:r>
             <a:endParaRPr kumimoji="1" lang="en-US" altLang="ja-JP" sz="3600" dirty="0">
               <a:latin typeface="メイリオ" panose="020B0604030504040204" pitchFamily="50" charset="-128"/>
@@ -5011,7 +7832,7 @@
                 <a:latin typeface="メイリオ" panose="020B0604030504040204" pitchFamily="50" charset="-128"/>
                 <a:ea typeface="メイリオ" panose="020B0604030504040204" pitchFamily="50" charset="-128"/>
               </a:rPr>
-              <a:t>６，最後に（まとめ）</a:t>
+              <a:t>７、最後に（まとめ）</a:t>
             </a:r>
             <a:endParaRPr kumimoji="1" lang="en-US" altLang="ja-JP" sz="3600" dirty="0">
               <a:latin typeface="メイリオ" panose="020B0604030504040204" pitchFamily="50" charset="-128"/>
@@ -5035,7 +7856,7 @@
           <p:nvPr/>
         </p:nvPicPr>
         <p:blipFill>
-          <a:blip r:embed="rId2">
+          <a:blip r:embed="rId3">
             <a:extLst>
               <a:ext uri="{28A0092B-C50C-407E-A947-70E740481C1C}">
                 <a14:useLocalDpi xmlns:a14="http://schemas.microsoft.com/office/drawing/2010/main" val="0"/>
@@ -5056,6 +7877,101 @@
           </a:prstGeom>
         </p:spPr>
       </p:pic>
+      <p:sp>
+        <p:nvSpPr>
+          <p:cNvPr id="6" name="フッター プレースホルダー 5">
+            <a:extLst>
+              <a:ext uri="{FF2B5EF4-FFF2-40B4-BE49-F238E27FC236}">
+                <a16:creationId xmlns:a16="http://schemas.microsoft.com/office/drawing/2014/main" id="{4AE9D552-7FFA-405E-9836-200F76DF1789}"/>
+              </a:ext>
+            </a:extLst>
+          </p:cNvPr>
+          <p:cNvSpPr>
+            <a:spLocks noGrp="1"/>
+          </p:cNvSpPr>
+          <p:nvPr>
+            <p:ph type="ftr" sz="quarter" idx="11"/>
+          </p:nvPr>
+        </p:nvSpPr>
+        <p:spPr/>
+        <p:txBody>
+          <a:bodyPr/>
+          <a:lstStyle/>
+          <a:p>
+            <a:r>
+              <a:rPr lang="en-US" altLang="ja-JP"/>
+              <a:t>Copyright © 2021 </a:t>
+            </a:r>
+            <a:r>
+              <a:rPr lang="ja-JP" altLang="en-US"/>
+              <a:t>チーム漢</a:t>
+            </a:r>
+            <a:r>
+              <a:rPr lang="en-US" altLang="ja-JP"/>
+              <a:t>. All rights reserved.</a:t>
+            </a:r>
+            <a:endParaRPr lang="ja-JP" altLang="en-US" dirty="0"/>
+          </a:p>
+        </p:txBody>
+      </p:sp>
+      <p:sp>
+        <p:nvSpPr>
+          <p:cNvPr id="7" name="日付プレースホルダー 6">
+            <a:extLst>
+              <a:ext uri="{FF2B5EF4-FFF2-40B4-BE49-F238E27FC236}">
+                <a16:creationId xmlns:a16="http://schemas.microsoft.com/office/drawing/2014/main" id="{62A39819-4210-4F91-AA8D-58E6AF276740}"/>
+              </a:ext>
+            </a:extLst>
+          </p:cNvPr>
+          <p:cNvSpPr>
+            <a:spLocks noGrp="1"/>
+          </p:cNvSpPr>
+          <p:nvPr>
+            <p:ph type="dt" sz="half" idx="10"/>
+          </p:nvPr>
+        </p:nvSpPr>
+        <p:spPr/>
+        <p:txBody>
+          <a:bodyPr/>
+          <a:lstStyle/>
+          <a:p>
+            <a:fld id="{873DE344-8DFD-4570-B3D4-0DFF6CD59ABC}" type="datetime1">
+              <a:rPr kumimoji="1" lang="ja-JP" altLang="en-US" smtClean="0"/>
+              <a:t>2021/5/27</a:t>
+            </a:fld>
+            <a:endParaRPr kumimoji="1" lang="ja-JP" altLang="en-US"/>
+          </a:p>
+        </p:txBody>
+      </p:sp>
+      <p:sp>
+        <p:nvSpPr>
+          <p:cNvPr id="8" name="スライド番号プレースホルダー 7">
+            <a:extLst>
+              <a:ext uri="{FF2B5EF4-FFF2-40B4-BE49-F238E27FC236}">
+                <a16:creationId xmlns:a16="http://schemas.microsoft.com/office/drawing/2014/main" id="{9A01C50E-A594-4242-A461-64ECDA36CBA1}"/>
+              </a:ext>
+            </a:extLst>
+          </p:cNvPr>
+          <p:cNvSpPr>
+            <a:spLocks noGrp="1"/>
+          </p:cNvSpPr>
+          <p:nvPr>
+            <p:ph type="sldNum" sz="quarter" idx="12"/>
+          </p:nvPr>
+        </p:nvSpPr>
+        <p:spPr/>
+        <p:txBody>
+          <a:bodyPr/>
+          <a:lstStyle/>
+          <a:p>
+            <a:fld id="{D674207F-D268-470F-8874-8C684F840A9A}" type="slidenum">
+              <a:rPr kumimoji="1" lang="ja-JP" altLang="en-US" smtClean="0"/>
+              <a:t>2</a:t>
+            </a:fld>
+            <a:endParaRPr kumimoji="1" lang="ja-JP" altLang="en-US"/>
+          </a:p>
+        </p:txBody>
+      </p:sp>
     </p:spTree>
     <p:extLst>
       <p:ext uri="{BB962C8B-B14F-4D97-AF65-F5344CB8AC3E}">
@@ -5088,61 +8004,6 @@
       </p:grpSpPr>
       <p:sp>
         <p:nvSpPr>
-          <p:cNvPr id="7" name="楕円 6">
-            <a:extLst>
-              <a:ext uri="{FF2B5EF4-FFF2-40B4-BE49-F238E27FC236}">
-                <a16:creationId xmlns:a16="http://schemas.microsoft.com/office/drawing/2014/main" id="{9D6D40EF-8650-463C-9188-4EFD18BA0C0E}"/>
-              </a:ext>
-            </a:extLst>
-          </p:cNvPr>
-          <p:cNvSpPr/>
-          <p:nvPr/>
-        </p:nvSpPr>
-        <p:spPr>
-          <a:xfrm>
-            <a:off x="-751514" y="-1048624"/>
-            <a:ext cx="3179428" cy="3221372"/>
-          </a:xfrm>
-          <a:prstGeom prst="ellipse">
-            <a:avLst/>
-          </a:prstGeom>
-          <a:solidFill>
-            <a:schemeClr val="accent1">
-              <a:lumMod val="20000"/>
-              <a:lumOff val="80000"/>
-            </a:schemeClr>
-          </a:solidFill>
-          <a:ln>
-            <a:noFill/>
-          </a:ln>
-        </p:spPr>
-        <p:style>
-          <a:lnRef idx="2">
-            <a:schemeClr val="accent1">
-              <a:shade val="50000"/>
-            </a:schemeClr>
-          </a:lnRef>
-          <a:fillRef idx="1">
-            <a:schemeClr val="accent1"/>
-          </a:fillRef>
-          <a:effectRef idx="0">
-            <a:schemeClr val="accent1"/>
-          </a:effectRef>
-          <a:fontRef idx="minor">
-            <a:schemeClr val="lt1"/>
-          </a:fontRef>
-        </p:style>
-        <p:txBody>
-          <a:bodyPr rtlCol="0" anchor="ctr"/>
-          <a:lstStyle/>
-          <a:p>
-            <a:pPr algn="ctr"/>
-            <a:endParaRPr kumimoji="1" lang="ja-JP" altLang="en-US"/>
-          </a:p>
-        </p:txBody>
-      </p:sp>
-      <p:sp>
-        <p:nvSpPr>
           <p:cNvPr id="2" name="タイトル 1">
             <a:extLst>
               <a:ext uri="{FF2B5EF4-FFF2-40B4-BE49-F238E27FC236}">
@@ -5163,7 +8024,7 @@
           <a:lstStyle/>
           <a:p>
             <a:r>
-              <a:rPr kumimoji="1" lang="ja-JP" altLang="en-US" b="1" u="sng" dirty="0">
+              <a:rPr lang="ja-JP" altLang="en-US" b="1" u="sng" dirty="0">
                 <a:solidFill>
                   <a:schemeClr val="accent5">
                     <a:lumMod val="75000"/>
@@ -5172,8 +8033,17 @@
                 <a:latin typeface="メイリオ" panose="020B0604030504040204" pitchFamily="50" charset="-128"/>
                 <a:ea typeface="メイリオ" panose="020B0604030504040204" pitchFamily="50" charset="-128"/>
               </a:rPr>
-              <a:t>チーム紹介</a:t>
-            </a:r>
+              <a:t>コンセプト</a:t>
+            </a:r>
+            <a:endParaRPr kumimoji="1" lang="ja-JP" altLang="en-US" b="1" u="sng" dirty="0">
+              <a:solidFill>
+                <a:schemeClr val="accent5">
+                  <a:lumMod val="75000"/>
+                </a:schemeClr>
+              </a:solidFill>
+              <a:latin typeface="メイリオ" panose="020B0604030504040204" pitchFamily="50" charset="-128"/>
+              <a:ea typeface="メイリオ" panose="020B0604030504040204" pitchFamily="50" charset="-128"/>
+            </a:endParaRPr>
           </a:p>
         </p:txBody>
       </p:sp>
@@ -5195,8 +8065,8 @@
         </p:nvSpPr>
         <p:spPr>
           <a:xfrm>
-            <a:off x="838200" y="2361808"/>
-            <a:ext cx="10515600" cy="2906478"/>
+            <a:off x="838200" y="1623474"/>
+            <a:ext cx="10515600" cy="3644812"/>
           </a:xfrm>
         </p:spPr>
         <p:txBody>
@@ -5205,17 +8075,30 @@
           </a:bodyPr>
           <a:lstStyle/>
           <a:p>
+            <a:r>
+              <a:rPr kumimoji="1" lang="ja-JP" altLang="en-US" sz="3600" dirty="0">
+                <a:latin typeface="メイリオ" panose="020B0604030504040204" pitchFamily="50" charset="-128"/>
+                <a:ea typeface="メイリオ" panose="020B0604030504040204" pitchFamily="50" charset="-128"/>
+              </a:rPr>
+              <a:t>ターゲット</a:t>
+            </a:r>
+            <a:endParaRPr kumimoji="1" lang="en-US" altLang="ja-JP" sz="3600" dirty="0">
+              <a:latin typeface="メイリオ" panose="020B0604030504040204" pitchFamily="50" charset="-128"/>
+              <a:ea typeface="メイリオ" panose="020B0604030504040204" pitchFamily="50" charset="-128"/>
+            </a:endParaRPr>
+          </a:p>
+          <a:p>
             <a:pPr marL="0" indent="0">
               <a:buNone/>
             </a:pPr>
             <a:r>
-              <a:rPr lang="ja-JP" altLang="en-US" sz="4000" dirty="0">
+              <a:rPr kumimoji="1" lang="ja-JP" altLang="en-US" sz="3600" dirty="0">
                 <a:latin typeface="メイリオ" panose="020B0604030504040204" pitchFamily="50" charset="-128"/>
                 <a:ea typeface="メイリオ" panose="020B0604030504040204" pitchFamily="50" charset="-128"/>
               </a:rPr>
-              <a:t>チーム漢</a:t>
-            </a:r>
-            <a:endParaRPr lang="en-US" altLang="ja-JP" sz="4000" dirty="0">
+              <a:t>　健康志向を持つユーザー</a:t>
+            </a:r>
+            <a:endParaRPr kumimoji="1" lang="en-US" altLang="ja-JP" sz="3600" dirty="0">
               <a:latin typeface="メイリオ" panose="020B0604030504040204" pitchFamily="50" charset="-128"/>
               <a:ea typeface="メイリオ" panose="020B0604030504040204" pitchFamily="50" charset="-128"/>
             </a:endParaRPr>
@@ -5230,15 +8113,12 @@
             </a:endParaRPr>
           </a:p>
           <a:p>
-            <a:pPr marL="0" indent="0">
-              <a:buNone/>
-            </a:pPr>
             <a:r>
               <a:rPr lang="ja-JP" altLang="en-US" sz="3600" dirty="0">
                 <a:latin typeface="メイリオ" panose="020B0604030504040204" pitchFamily="50" charset="-128"/>
                 <a:ea typeface="メイリオ" panose="020B0604030504040204" pitchFamily="50" charset="-128"/>
               </a:rPr>
-              <a:t>・花岡　宗史（リーダー）</a:t>
+              <a:t>機能</a:t>
             </a:r>
             <a:endParaRPr lang="en-US" altLang="ja-JP" sz="3600" dirty="0">
               <a:latin typeface="メイリオ" panose="020B0604030504040204" pitchFamily="50" charset="-128"/>
@@ -5250,29 +8130,34 @@
               <a:buNone/>
             </a:pPr>
             <a:r>
-              <a:rPr kumimoji="1" lang="ja-JP" altLang="en-US" sz="3600" dirty="0">
+              <a:rPr lang="ja-JP" altLang="en-US" sz="3600" dirty="0">
                 <a:latin typeface="メイリオ" panose="020B0604030504040204" pitchFamily="50" charset="-128"/>
                 <a:ea typeface="メイリオ" panose="020B0604030504040204" pitchFamily="50" charset="-128"/>
               </a:rPr>
-              <a:t>・伊藤　明洋（サブリーダー）</a:t>
-            </a:r>
-            <a:endParaRPr kumimoji="1" lang="en-US" altLang="ja-JP" sz="3600" dirty="0">
-              <a:latin typeface="メイリオ" panose="020B0604030504040204" pitchFamily="50" charset="-128"/>
-              <a:ea typeface="メイリオ" panose="020B0604030504040204" pitchFamily="50" charset="-128"/>
-            </a:endParaRPr>
+              <a:t>　</a:t>
+            </a:r>
+            <a:r>
+              <a:rPr lang="ja-JP" altLang="ja-JP" dirty="0"/>
+              <a:t> </a:t>
+            </a:r>
+            <a:r>
+              <a:rPr lang="ja-JP" altLang="ja-JP" sz="3600" dirty="0"/>
+              <a:t>歩行距離や走行距離等のマイレージを記録、管理する</a:t>
+            </a:r>
+            <a:r>
+              <a:rPr lang="en-US" altLang="ja-JP" sz="3600" dirty="0"/>
+              <a:t>web</a:t>
+            </a:r>
+            <a:r>
+              <a:rPr lang="ja-JP" altLang="ja-JP" sz="3600" dirty="0"/>
+              <a:t>アプリ。</a:t>
+            </a:r>
           </a:p>
           <a:p>
             <a:pPr marL="0" indent="0">
               <a:buNone/>
             </a:pPr>
-            <a:r>
-              <a:rPr kumimoji="1" lang="ja-JP" altLang="en-US" sz="3600" dirty="0">
-                <a:latin typeface="メイリオ" panose="020B0604030504040204" pitchFamily="50" charset="-128"/>
-                <a:ea typeface="メイリオ" panose="020B0604030504040204" pitchFamily="50" charset="-128"/>
-              </a:rPr>
-              <a:t>・秦　伊吹（書記）</a:t>
-            </a:r>
-            <a:endParaRPr kumimoji="1" lang="en-US" altLang="ja-JP" sz="3600" dirty="0">
+            <a:endParaRPr lang="en-US" altLang="ja-JP" sz="3600" dirty="0">
               <a:latin typeface="メイリオ" panose="020B0604030504040204" pitchFamily="50" charset="-128"/>
               <a:ea typeface="メイリオ" panose="020B0604030504040204" pitchFamily="50" charset="-128"/>
             </a:endParaRPr>
@@ -5294,7 +8179,7 @@
           <p:nvPr/>
         </p:nvPicPr>
         <p:blipFill>
-          <a:blip r:embed="rId2">
+          <a:blip r:embed="rId3">
             <a:extLst>
               <a:ext uri="{28A0092B-C50C-407E-A947-70E740481C1C}">
                 <a14:useLocalDpi xmlns:a14="http://schemas.microsoft.com/office/drawing/2010/main" val="0"/>
@@ -5315,10 +8200,105 @@
           </a:prstGeom>
         </p:spPr>
       </p:pic>
+      <p:sp>
+        <p:nvSpPr>
+          <p:cNvPr id="4" name="フッター プレースホルダー 3">
+            <a:extLst>
+              <a:ext uri="{FF2B5EF4-FFF2-40B4-BE49-F238E27FC236}">
+                <a16:creationId xmlns:a16="http://schemas.microsoft.com/office/drawing/2014/main" id="{569E1963-C799-4932-84B6-A8708474DD17}"/>
+              </a:ext>
+            </a:extLst>
+          </p:cNvPr>
+          <p:cNvSpPr>
+            <a:spLocks noGrp="1"/>
+          </p:cNvSpPr>
+          <p:nvPr>
+            <p:ph type="ftr" sz="quarter" idx="11"/>
+          </p:nvPr>
+        </p:nvSpPr>
+        <p:spPr/>
+        <p:txBody>
+          <a:bodyPr/>
+          <a:lstStyle/>
+          <a:p>
+            <a:r>
+              <a:rPr lang="en-US" altLang="ja-JP"/>
+              <a:t>Copyright © 2021 </a:t>
+            </a:r>
+            <a:r>
+              <a:rPr lang="ja-JP" altLang="en-US"/>
+              <a:t>チーム漢</a:t>
+            </a:r>
+            <a:r>
+              <a:rPr lang="en-US" altLang="ja-JP"/>
+              <a:t>. All rights reserved.</a:t>
+            </a:r>
+            <a:endParaRPr lang="ja-JP" altLang="en-US" dirty="0"/>
+          </a:p>
+        </p:txBody>
+      </p:sp>
+      <p:sp>
+        <p:nvSpPr>
+          <p:cNvPr id="6" name="日付プレースホルダー 5">
+            <a:extLst>
+              <a:ext uri="{FF2B5EF4-FFF2-40B4-BE49-F238E27FC236}">
+                <a16:creationId xmlns:a16="http://schemas.microsoft.com/office/drawing/2014/main" id="{662635A1-EDA7-412E-912C-AF37358CB924}"/>
+              </a:ext>
+            </a:extLst>
+          </p:cNvPr>
+          <p:cNvSpPr>
+            <a:spLocks noGrp="1"/>
+          </p:cNvSpPr>
+          <p:nvPr>
+            <p:ph type="dt" sz="half" idx="10"/>
+          </p:nvPr>
+        </p:nvSpPr>
+        <p:spPr/>
+        <p:txBody>
+          <a:bodyPr/>
+          <a:lstStyle/>
+          <a:p>
+            <a:fld id="{05427840-0071-4AAE-A929-6F690A0ED457}" type="datetime1">
+              <a:rPr kumimoji="1" lang="ja-JP" altLang="en-US" smtClean="0"/>
+              <a:t>2021/5/27</a:t>
+            </a:fld>
+            <a:endParaRPr kumimoji="1" lang="ja-JP" altLang="en-US"/>
+          </a:p>
+        </p:txBody>
+      </p:sp>
+      <p:sp>
+        <p:nvSpPr>
+          <p:cNvPr id="8" name="スライド番号プレースホルダー 7">
+            <a:extLst>
+              <a:ext uri="{FF2B5EF4-FFF2-40B4-BE49-F238E27FC236}">
+                <a16:creationId xmlns:a16="http://schemas.microsoft.com/office/drawing/2014/main" id="{74B31CA5-3F7A-444E-9BDD-2CCA8BFB75F4}"/>
+              </a:ext>
+            </a:extLst>
+          </p:cNvPr>
+          <p:cNvSpPr>
+            <a:spLocks noGrp="1"/>
+          </p:cNvSpPr>
+          <p:nvPr>
+            <p:ph type="sldNum" sz="quarter" idx="12"/>
+          </p:nvPr>
+        </p:nvSpPr>
+        <p:spPr/>
+        <p:txBody>
+          <a:bodyPr/>
+          <a:lstStyle/>
+          <a:p>
+            <a:fld id="{D674207F-D268-470F-8874-8C684F840A9A}" type="slidenum">
+              <a:rPr kumimoji="1" lang="ja-JP" altLang="en-US" smtClean="0"/>
+              <a:t>3</a:t>
+            </a:fld>
+            <a:endParaRPr kumimoji="1" lang="ja-JP" altLang="en-US"/>
+          </a:p>
+        </p:txBody>
+      </p:sp>
     </p:spTree>
     <p:extLst>
       <p:ext uri="{BB962C8B-B14F-4D97-AF65-F5344CB8AC3E}">
-        <p14:creationId xmlns:p14="http://schemas.microsoft.com/office/powerpoint/2010/main" val="2664711447"/>
+        <p14:creationId xmlns:p14="http://schemas.microsoft.com/office/powerpoint/2010/main" val="3738660320"/>
       </p:ext>
     </p:extLst>
   </p:cSld>
@@ -5347,65 +8327,10 @@
       </p:grpSpPr>
       <p:sp>
         <p:nvSpPr>
-          <p:cNvPr id="5" name="楕円 4">
-            <a:extLst>
-              <a:ext uri="{FF2B5EF4-FFF2-40B4-BE49-F238E27FC236}">
-                <a16:creationId xmlns:a16="http://schemas.microsoft.com/office/drawing/2014/main" id="{C3CF4397-7CEB-49C3-A411-17250E34DA19}"/>
-              </a:ext>
-            </a:extLst>
-          </p:cNvPr>
-          <p:cNvSpPr/>
-          <p:nvPr/>
-        </p:nvSpPr>
-        <p:spPr>
-          <a:xfrm>
-            <a:off x="-751514" y="-1048624"/>
-            <a:ext cx="3179428" cy="3221372"/>
-          </a:xfrm>
-          <a:prstGeom prst="ellipse">
-            <a:avLst/>
-          </a:prstGeom>
-          <a:solidFill>
-            <a:schemeClr val="accent1">
-              <a:lumMod val="20000"/>
-              <a:lumOff val="80000"/>
-            </a:schemeClr>
-          </a:solidFill>
-          <a:ln>
-            <a:noFill/>
-          </a:ln>
-        </p:spPr>
-        <p:style>
-          <a:lnRef idx="2">
-            <a:schemeClr val="accent1">
-              <a:shade val="50000"/>
-            </a:schemeClr>
-          </a:lnRef>
-          <a:fillRef idx="1">
-            <a:schemeClr val="accent1"/>
-          </a:fillRef>
-          <a:effectRef idx="0">
-            <a:schemeClr val="accent1"/>
-          </a:effectRef>
-          <a:fontRef idx="minor">
-            <a:schemeClr val="lt1"/>
-          </a:fontRef>
-        </p:style>
-        <p:txBody>
-          <a:bodyPr rtlCol="0" anchor="ctr"/>
-          <a:lstStyle/>
-          <a:p>
-            <a:pPr algn="ctr"/>
-            <a:endParaRPr kumimoji="1" lang="ja-JP" altLang="en-US"/>
-          </a:p>
-        </p:txBody>
-      </p:sp>
-      <p:sp>
-        <p:nvSpPr>
           <p:cNvPr id="2" name="タイトル 1">
             <a:extLst>
               <a:ext uri="{FF2B5EF4-FFF2-40B4-BE49-F238E27FC236}">
-                <a16:creationId xmlns:a16="http://schemas.microsoft.com/office/drawing/2014/main" id="{844416AA-05F2-4684-A795-17C2AB232080}"/>
+                <a16:creationId xmlns:a16="http://schemas.microsoft.com/office/drawing/2014/main" id="{4237DEFD-8981-49F5-A30B-FA32BE75A443}"/>
               </a:ext>
             </a:extLst>
           </p:cNvPr>
@@ -5431,7 +8356,7 @@
                 <a:latin typeface="メイリオ" panose="020B0604030504040204" pitchFamily="50" charset="-128"/>
                 <a:ea typeface="メイリオ" panose="020B0604030504040204" pitchFamily="50" charset="-128"/>
               </a:rPr>
-              <a:t>システムの品質と規模</a:t>
+              <a:t>チーム紹介</a:t>
             </a:r>
           </a:p>
         </p:txBody>
@@ -5441,7 +8366,7 @@
           <p:cNvPr id="3" name="コンテンツ プレースホルダー 2">
             <a:extLst>
               <a:ext uri="{FF2B5EF4-FFF2-40B4-BE49-F238E27FC236}">
-                <a16:creationId xmlns:a16="http://schemas.microsoft.com/office/drawing/2014/main" id="{020E6206-6BB1-47C0-A4D6-1FD821173C7D}"/>
+                <a16:creationId xmlns:a16="http://schemas.microsoft.com/office/drawing/2014/main" id="{9F9C70CA-7A7C-4476-A476-BBDA5362AE3D}"/>
               </a:ext>
             </a:extLst>
           </p:cNvPr>
@@ -5454,60 +8379,25 @@
         </p:nvSpPr>
         <p:spPr>
           <a:xfrm>
-            <a:off x="838200" y="2030136"/>
-            <a:ext cx="10515600" cy="3442152"/>
+            <a:off x="838200" y="2361808"/>
+            <a:ext cx="10515600" cy="2906478"/>
           </a:xfrm>
         </p:spPr>
         <p:txBody>
           <a:bodyPr>
-            <a:normAutofit/>
+            <a:noAutofit/>
           </a:bodyPr>
           <a:lstStyle/>
           <a:p>
-            <a:r>
-              <a:rPr kumimoji="1" lang="ja-JP" altLang="en-US" sz="4000" dirty="0">
-                <a:latin typeface="メイリオ" panose="020B0604030504040204" pitchFamily="50" charset="-128"/>
-                <a:ea typeface="メイリオ" panose="020B0604030504040204" pitchFamily="50" charset="-128"/>
-              </a:rPr>
-              <a:t>画面数：</a:t>
-            </a:r>
-            <a:r>
-              <a:rPr kumimoji="1" lang="en-US" altLang="ja-JP" sz="4000" dirty="0">
-                <a:latin typeface="メイリオ" panose="020B0604030504040204" pitchFamily="50" charset="-128"/>
-                <a:ea typeface="メイリオ" panose="020B0604030504040204" pitchFamily="50" charset="-128"/>
-              </a:rPr>
-              <a:t>15</a:t>
-            </a:r>
-          </a:p>
-          <a:p>
+            <a:pPr marL="0" indent="0">
+              <a:buNone/>
+            </a:pPr>
             <a:r>
               <a:rPr lang="ja-JP" altLang="en-US" sz="4000" dirty="0">
                 <a:latin typeface="メイリオ" panose="020B0604030504040204" pitchFamily="50" charset="-128"/>
                 <a:ea typeface="メイリオ" panose="020B0604030504040204" pitchFamily="50" charset="-128"/>
               </a:rPr>
-              <a:t>ファイル数：</a:t>
-            </a:r>
-            <a:r>
-              <a:rPr lang="en-US" altLang="ja-JP" sz="4000" dirty="0">
-                <a:latin typeface="メイリオ" panose="020B0604030504040204" pitchFamily="50" charset="-128"/>
-                <a:ea typeface="メイリオ" panose="020B0604030504040204" pitchFamily="50" charset="-128"/>
-              </a:rPr>
-              <a:t>30</a:t>
-            </a:r>
-          </a:p>
-          <a:p>
-            <a:endParaRPr kumimoji="1" lang="en-US" altLang="ja-JP" sz="4000" dirty="0">
-              <a:latin typeface="メイリオ" panose="020B0604030504040204" pitchFamily="50" charset="-128"/>
-              <a:ea typeface="メイリオ" panose="020B0604030504040204" pitchFamily="50" charset="-128"/>
-            </a:endParaRPr>
-          </a:p>
-          <a:p>
-            <a:r>
-              <a:rPr lang="ja-JP" altLang="en-US" sz="4000" dirty="0">
-                <a:latin typeface="メイリオ" panose="020B0604030504040204" pitchFamily="50" charset="-128"/>
-                <a:ea typeface="メイリオ" panose="020B0604030504040204" pitchFamily="50" charset="-128"/>
-              </a:rPr>
-              <a:t>テスト数：</a:t>
+              <a:t>チーム漢</a:t>
             </a:r>
             <a:endParaRPr lang="en-US" altLang="ja-JP" sz="4000" dirty="0">
               <a:latin typeface="メイリオ" panose="020B0604030504040204" pitchFamily="50" charset="-128"/>
@@ -5515,26 +8405,70 @@
             </a:endParaRPr>
           </a:p>
           <a:p>
-            <a:r>
-              <a:rPr lang="ja-JP" altLang="en-US" sz="4000" dirty="0">
+            <a:pPr marL="0" indent="0">
+              <a:buNone/>
+            </a:pPr>
+            <a:endParaRPr lang="en-US" altLang="ja-JP" sz="3600" dirty="0">
+              <a:latin typeface="メイリオ" panose="020B0604030504040204" pitchFamily="50" charset="-128"/>
+              <a:ea typeface="メイリオ" panose="020B0604030504040204" pitchFamily="50" charset="-128"/>
+            </a:endParaRPr>
+          </a:p>
+          <a:p>
+            <a:pPr marL="0" indent="0">
+              <a:buNone/>
+            </a:pPr>
+            <a:r>
+              <a:rPr lang="ja-JP" altLang="en-US" sz="3600" dirty="0">
                 <a:latin typeface="メイリオ" panose="020B0604030504040204" pitchFamily="50" charset="-128"/>
                 <a:ea typeface="メイリオ" panose="020B0604030504040204" pitchFamily="50" charset="-128"/>
               </a:rPr>
-              <a:t>総バグ数：</a:t>
-            </a:r>
-            <a:endParaRPr kumimoji="1" lang="ja-JP" altLang="en-US" sz="4000" dirty="0">
+              <a:t>・花岡　宗史（リーダー）</a:t>
+            </a:r>
+            <a:endParaRPr lang="en-US" altLang="ja-JP" sz="3600" dirty="0">
               <a:latin typeface="メイリオ" panose="020B0604030504040204" pitchFamily="50" charset="-128"/>
               <a:ea typeface="メイリオ" panose="020B0604030504040204" pitchFamily="50" charset="-128"/>
             </a:endParaRPr>
           </a:p>
+          <a:p>
+            <a:pPr marL="0" indent="0">
+              <a:buNone/>
+            </a:pPr>
+            <a:r>
+              <a:rPr kumimoji="1" lang="ja-JP" altLang="en-US" sz="3600" dirty="0">
+                <a:latin typeface="メイリオ" panose="020B0604030504040204" pitchFamily="50" charset="-128"/>
+                <a:ea typeface="メイリオ" panose="020B0604030504040204" pitchFamily="50" charset="-128"/>
+              </a:rPr>
+              <a:t>・伊藤　明洋（サブリーダー）</a:t>
+            </a:r>
+            <a:endParaRPr kumimoji="1" lang="en-US" altLang="ja-JP" sz="3600" dirty="0">
+              <a:latin typeface="メイリオ" panose="020B0604030504040204" pitchFamily="50" charset="-128"/>
+              <a:ea typeface="メイリオ" panose="020B0604030504040204" pitchFamily="50" charset="-128"/>
+            </a:endParaRPr>
+          </a:p>
+          <a:p>
+            <a:pPr marL="0" indent="0">
+              <a:buNone/>
+            </a:pPr>
+            <a:r>
+              <a:rPr kumimoji="1" lang="ja-JP" altLang="en-US" sz="3600" dirty="0">
+                <a:latin typeface="メイリオ" panose="020B0604030504040204" pitchFamily="50" charset="-128"/>
+                <a:ea typeface="メイリオ" panose="020B0604030504040204" pitchFamily="50" charset="-128"/>
+              </a:rPr>
+              <a:t>・秦　伊吹（書記）</a:t>
+            </a:r>
+            <a:endParaRPr kumimoji="1" lang="en-US" altLang="ja-JP" sz="3600" dirty="0">
+              <a:latin typeface="メイリオ" panose="020B0604030504040204" pitchFamily="50" charset="-128"/>
+              <a:ea typeface="メイリオ" panose="020B0604030504040204" pitchFamily="50" charset="-128"/>
+            </a:endParaRPr>
+          </a:p>
         </p:txBody>
       </p:sp>
       <p:pic>
         <p:nvPicPr>
-          <p:cNvPr id="4" name="図 3">
-            <a:extLst>
-              <a:ext uri="{FF2B5EF4-FFF2-40B4-BE49-F238E27FC236}">
-                <a16:creationId xmlns:a16="http://schemas.microsoft.com/office/drawing/2014/main" id="{42E7586A-9F76-432D-A498-717ADA88B438}"/>
+          <p:cNvPr id="5" name="図 4">
+            <a:extLst>
+              <a:ext uri="{FF2B5EF4-FFF2-40B4-BE49-F238E27FC236}">
+                <a16:creationId xmlns:a16="http://schemas.microsoft.com/office/drawing/2014/main" id="{1F4892D7-A870-459D-8788-76449BFC9E67}"/>
               </a:ext>
             </a:extLst>
           </p:cNvPr>
@@ -5544,7 +8478,7 @@
           <p:nvPr/>
         </p:nvPicPr>
         <p:blipFill>
-          <a:blip r:embed="rId2">
+          <a:blip r:embed="rId3">
             <a:extLst>
               <a:ext uri="{28A0092B-C50C-407E-A947-70E740481C1C}">
                 <a14:useLocalDpi xmlns:a14="http://schemas.microsoft.com/office/drawing/2010/main" val="0"/>
@@ -5565,10 +8499,105 @@
           </a:prstGeom>
         </p:spPr>
       </p:pic>
+      <p:sp>
+        <p:nvSpPr>
+          <p:cNvPr id="4" name="フッター プレースホルダー 3">
+            <a:extLst>
+              <a:ext uri="{FF2B5EF4-FFF2-40B4-BE49-F238E27FC236}">
+                <a16:creationId xmlns:a16="http://schemas.microsoft.com/office/drawing/2014/main" id="{FFBB595E-333A-46EF-955B-11D16403D63C}"/>
+              </a:ext>
+            </a:extLst>
+          </p:cNvPr>
+          <p:cNvSpPr>
+            <a:spLocks noGrp="1"/>
+          </p:cNvSpPr>
+          <p:nvPr>
+            <p:ph type="ftr" sz="quarter" idx="11"/>
+          </p:nvPr>
+        </p:nvSpPr>
+        <p:spPr/>
+        <p:txBody>
+          <a:bodyPr/>
+          <a:lstStyle/>
+          <a:p>
+            <a:r>
+              <a:rPr lang="en-US" altLang="ja-JP"/>
+              <a:t>Copyright © 2021 </a:t>
+            </a:r>
+            <a:r>
+              <a:rPr lang="ja-JP" altLang="en-US"/>
+              <a:t>チーム漢</a:t>
+            </a:r>
+            <a:r>
+              <a:rPr lang="en-US" altLang="ja-JP"/>
+              <a:t>. All rights reserved.</a:t>
+            </a:r>
+            <a:endParaRPr lang="ja-JP" altLang="en-US" dirty="0"/>
+          </a:p>
+        </p:txBody>
+      </p:sp>
+      <p:sp>
+        <p:nvSpPr>
+          <p:cNvPr id="6" name="日付プレースホルダー 5">
+            <a:extLst>
+              <a:ext uri="{FF2B5EF4-FFF2-40B4-BE49-F238E27FC236}">
+                <a16:creationId xmlns:a16="http://schemas.microsoft.com/office/drawing/2014/main" id="{ADED8D4C-80C2-4814-A152-CEFC0535F5C8}"/>
+              </a:ext>
+            </a:extLst>
+          </p:cNvPr>
+          <p:cNvSpPr>
+            <a:spLocks noGrp="1"/>
+          </p:cNvSpPr>
+          <p:nvPr>
+            <p:ph type="dt" sz="half" idx="10"/>
+          </p:nvPr>
+        </p:nvSpPr>
+        <p:spPr/>
+        <p:txBody>
+          <a:bodyPr/>
+          <a:lstStyle/>
+          <a:p>
+            <a:fld id="{6D65D75F-71CE-4D2E-94FA-8FDF7A2999C4}" type="datetime1">
+              <a:rPr kumimoji="1" lang="ja-JP" altLang="en-US" smtClean="0"/>
+              <a:t>2021/5/27</a:t>
+            </a:fld>
+            <a:endParaRPr kumimoji="1" lang="ja-JP" altLang="en-US"/>
+          </a:p>
+        </p:txBody>
+      </p:sp>
+      <p:sp>
+        <p:nvSpPr>
+          <p:cNvPr id="8" name="スライド番号プレースホルダー 7">
+            <a:extLst>
+              <a:ext uri="{FF2B5EF4-FFF2-40B4-BE49-F238E27FC236}">
+                <a16:creationId xmlns:a16="http://schemas.microsoft.com/office/drawing/2014/main" id="{9C8CD80C-E184-4F7E-8598-770E45B8D045}"/>
+              </a:ext>
+            </a:extLst>
+          </p:cNvPr>
+          <p:cNvSpPr>
+            <a:spLocks noGrp="1"/>
+          </p:cNvSpPr>
+          <p:nvPr>
+            <p:ph type="sldNum" sz="quarter" idx="12"/>
+          </p:nvPr>
+        </p:nvSpPr>
+        <p:spPr/>
+        <p:txBody>
+          <a:bodyPr/>
+          <a:lstStyle/>
+          <a:p>
+            <a:fld id="{D674207F-D268-470F-8874-8C684F840A9A}" type="slidenum">
+              <a:rPr kumimoji="1" lang="ja-JP" altLang="en-US" smtClean="0"/>
+              <a:t>4</a:t>
+            </a:fld>
+            <a:endParaRPr kumimoji="1" lang="ja-JP" altLang="en-US"/>
+          </a:p>
+        </p:txBody>
+      </p:sp>
     </p:spTree>
     <p:extLst>
       <p:ext uri="{BB962C8B-B14F-4D97-AF65-F5344CB8AC3E}">
-        <p14:creationId xmlns:p14="http://schemas.microsoft.com/office/powerpoint/2010/main" val="1239508768"/>
+        <p14:creationId xmlns:p14="http://schemas.microsoft.com/office/powerpoint/2010/main" val="2664711447"/>
       </p:ext>
     </p:extLst>
   </p:cSld>
@@ -5597,65 +8626,10 @@
       </p:grpSpPr>
       <p:sp>
         <p:nvSpPr>
-          <p:cNvPr id="5" name="楕円 4">
-            <a:extLst>
-              <a:ext uri="{FF2B5EF4-FFF2-40B4-BE49-F238E27FC236}">
-                <a16:creationId xmlns:a16="http://schemas.microsoft.com/office/drawing/2014/main" id="{78E15050-A3DC-4E00-81BA-4FDF821D0906}"/>
-              </a:ext>
-            </a:extLst>
-          </p:cNvPr>
-          <p:cNvSpPr/>
-          <p:nvPr/>
-        </p:nvSpPr>
-        <p:spPr>
-          <a:xfrm>
-            <a:off x="-751514" y="-1048624"/>
-            <a:ext cx="3179428" cy="3221372"/>
-          </a:xfrm>
-          <a:prstGeom prst="ellipse">
-            <a:avLst/>
-          </a:prstGeom>
-          <a:solidFill>
-            <a:schemeClr val="accent1">
-              <a:lumMod val="20000"/>
-              <a:lumOff val="80000"/>
-            </a:schemeClr>
-          </a:solidFill>
-          <a:ln>
-            <a:noFill/>
-          </a:ln>
-        </p:spPr>
-        <p:style>
-          <a:lnRef idx="2">
-            <a:schemeClr val="accent1">
-              <a:shade val="50000"/>
-            </a:schemeClr>
-          </a:lnRef>
-          <a:fillRef idx="1">
-            <a:schemeClr val="accent1"/>
-          </a:fillRef>
-          <a:effectRef idx="0">
-            <a:schemeClr val="accent1"/>
-          </a:effectRef>
-          <a:fontRef idx="minor">
-            <a:schemeClr val="lt1"/>
-          </a:fontRef>
-        </p:style>
-        <p:txBody>
-          <a:bodyPr rtlCol="0" anchor="ctr"/>
-          <a:lstStyle/>
-          <a:p>
-            <a:pPr algn="ctr"/>
-            <a:endParaRPr kumimoji="1" lang="ja-JP" altLang="en-US"/>
-          </a:p>
-        </p:txBody>
-      </p:sp>
-      <p:sp>
-        <p:nvSpPr>
           <p:cNvPr id="2" name="タイトル 1">
             <a:extLst>
               <a:ext uri="{FF2B5EF4-FFF2-40B4-BE49-F238E27FC236}">
-                <a16:creationId xmlns:a16="http://schemas.microsoft.com/office/drawing/2014/main" id="{E4155BC1-D422-44AC-8C30-710F48277E4F}"/>
+                <a16:creationId xmlns:a16="http://schemas.microsoft.com/office/drawing/2014/main" id="{844416AA-05F2-4684-A795-17C2AB232080}"/>
               </a:ext>
             </a:extLst>
           </p:cNvPr>
@@ -5678,8 +8652,10 @@
                     <a:lumMod val="75000"/>
                   </a:schemeClr>
                 </a:solidFill>
+                <a:latin typeface="メイリオ" panose="020B0604030504040204" pitchFamily="50" charset="-128"/>
+                <a:ea typeface="メイリオ" panose="020B0604030504040204" pitchFamily="50" charset="-128"/>
               </a:rPr>
-              <a:t>開発工程説明</a:t>
+              <a:t>システムの品質と規模</a:t>
             </a:r>
           </a:p>
         </p:txBody>
@@ -5689,7 +8665,7 @@
           <p:cNvPr id="3" name="コンテンツ プレースホルダー 2">
             <a:extLst>
               <a:ext uri="{FF2B5EF4-FFF2-40B4-BE49-F238E27FC236}">
-                <a16:creationId xmlns:a16="http://schemas.microsoft.com/office/drawing/2014/main" id="{F48DDF12-66E1-4E5E-BDD3-701C6059A9DC}"/>
+                <a16:creationId xmlns:a16="http://schemas.microsoft.com/office/drawing/2014/main" id="{020E6206-6BB1-47C0-A4D6-1FD821173C7D}"/>
               </a:ext>
             </a:extLst>
           </p:cNvPr>
@@ -5702,59 +8678,109 @@
         </p:nvSpPr>
         <p:spPr>
           <a:xfrm>
-            <a:off x="838200" y="1825625"/>
-            <a:ext cx="10515600" cy="4351338"/>
+            <a:off x="838200" y="2172748"/>
+            <a:ext cx="10515600" cy="4026715"/>
           </a:xfrm>
         </p:spPr>
         <p:txBody>
-          <a:bodyPr/>
-          <a:lstStyle/>
-          <a:p>
-            <a:r>
-              <a:rPr kumimoji="1" lang="ja-JP" altLang="en-US" dirty="0"/>
-              <a:t>要件定義書の作成</a:t>
-            </a:r>
-            <a:endParaRPr kumimoji="1" lang="en-US" altLang="ja-JP" dirty="0"/>
+          <a:bodyPr>
+            <a:normAutofit lnSpcReduction="10000"/>
+          </a:bodyPr>
+          <a:lstStyle/>
+          <a:p>
+            <a:r>
+              <a:rPr kumimoji="1" lang="ja-JP" altLang="en-US" sz="4000" dirty="0">
+                <a:latin typeface="メイリオ" panose="020B0604030504040204" pitchFamily="50" charset="-128"/>
+                <a:ea typeface="メイリオ" panose="020B0604030504040204" pitchFamily="50" charset="-128"/>
+              </a:rPr>
+              <a:t>画面数：</a:t>
+            </a:r>
+            <a:r>
+              <a:rPr kumimoji="1" lang="en-US" altLang="ja-JP" sz="4000" dirty="0">
+                <a:latin typeface="メイリオ" panose="020B0604030504040204" pitchFamily="50" charset="-128"/>
+                <a:ea typeface="メイリオ" panose="020B0604030504040204" pitchFamily="50" charset="-128"/>
+              </a:rPr>
+              <a:t>15</a:t>
+            </a:r>
+          </a:p>
+          <a:p>
+            <a:r>
+              <a:rPr lang="ja-JP" altLang="en-US" sz="4000" dirty="0">
+                <a:latin typeface="メイリオ" panose="020B0604030504040204" pitchFamily="50" charset="-128"/>
+                <a:ea typeface="メイリオ" panose="020B0604030504040204" pitchFamily="50" charset="-128"/>
+              </a:rPr>
+              <a:t>ファイル数：</a:t>
+            </a:r>
+            <a:r>
+              <a:rPr lang="en-US" altLang="ja-JP" sz="4000" dirty="0">
+                <a:latin typeface="メイリオ" panose="020B0604030504040204" pitchFamily="50" charset="-128"/>
+                <a:ea typeface="メイリオ" panose="020B0604030504040204" pitchFamily="50" charset="-128"/>
+              </a:rPr>
+              <a:t>38</a:t>
+            </a:r>
+          </a:p>
+          <a:p>
+            <a:endParaRPr kumimoji="1" lang="en-US" altLang="ja-JP" sz="4000" dirty="0">
+              <a:latin typeface="メイリオ" panose="020B0604030504040204" pitchFamily="50" charset="-128"/>
+              <a:ea typeface="メイリオ" panose="020B0604030504040204" pitchFamily="50" charset="-128"/>
+            </a:endParaRPr>
+          </a:p>
+          <a:p>
+            <a:r>
+              <a:rPr lang="ja-JP" altLang="en-US" sz="4000" dirty="0">
+                <a:latin typeface="メイリオ" panose="020B0604030504040204" pitchFamily="50" charset="-128"/>
+                <a:ea typeface="メイリオ" panose="020B0604030504040204" pitchFamily="50" charset="-128"/>
+              </a:rPr>
+              <a:t>テスト数：</a:t>
+            </a:r>
+            <a:r>
+              <a:rPr lang="en-US" altLang="ja-JP" sz="4000" dirty="0">
+                <a:latin typeface="メイリオ" panose="020B0604030504040204" pitchFamily="50" charset="-128"/>
+                <a:ea typeface="メイリオ" panose="020B0604030504040204" pitchFamily="50" charset="-128"/>
+              </a:rPr>
+              <a:t>62</a:t>
+            </a:r>
+          </a:p>
+          <a:p>
+            <a:r>
+              <a:rPr lang="ja-JP" altLang="en-US" sz="4000" dirty="0">
+                <a:latin typeface="メイリオ" panose="020B0604030504040204" pitchFamily="50" charset="-128"/>
+                <a:ea typeface="メイリオ" panose="020B0604030504040204" pitchFamily="50" charset="-128"/>
+              </a:rPr>
+              <a:t>総バグ数：約</a:t>
+            </a:r>
+            <a:r>
+              <a:rPr lang="en-US" altLang="ja-JP" sz="4000" dirty="0">
+                <a:latin typeface="メイリオ" panose="020B0604030504040204" pitchFamily="50" charset="-128"/>
+                <a:ea typeface="メイリオ" panose="020B0604030504040204" pitchFamily="50" charset="-128"/>
+              </a:rPr>
+              <a:t>50</a:t>
+            </a:r>
           </a:p>
           <a:p>
             <a:pPr marL="0" indent="0">
               <a:buNone/>
             </a:pPr>
             <a:r>
-              <a:rPr kumimoji="1" lang="ja-JP" altLang="en-US" dirty="0"/>
+              <a:rPr kumimoji="1" lang="ja-JP" altLang="en-US" sz="4000" dirty="0">
+                <a:latin typeface="メイリオ" panose="020B0604030504040204" pitchFamily="50" charset="-128"/>
+                <a:ea typeface="メイリオ" panose="020B0604030504040204" pitchFamily="50" charset="-128"/>
+              </a:rPr>
               <a:t>　</a:t>
             </a:r>
-            <a:endParaRPr kumimoji="1" lang="en-US" altLang="ja-JP" dirty="0"/>
-          </a:p>
-          <a:p>
-            <a:pPr marL="0" indent="0">
-              <a:buNone/>
-            </a:pPr>
-            <a:endParaRPr lang="en-US" altLang="ja-JP" dirty="0"/>
-          </a:p>
-          <a:p>
-            <a:r>
-              <a:rPr kumimoji="1" lang="ja-JP" altLang="en-US" dirty="0"/>
-              <a:t>基本設計書の作成</a:t>
-            </a:r>
-            <a:endParaRPr kumimoji="1" lang="en-US" altLang="ja-JP" dirty="0"/>
-          </a:p>
-          <a:p>
-            <a:pPr marL="0" indent="0">
-              <a:buNone/>
-            </a:pPr>
-            <a:endParaRPr lang="en-US" altLang="ja-JP" dirty="0"/>
-          </a:p>
-          <a:p>
-            <a:pPr marL="0" indent="0">
-              <a:buNone/>
-            </a:pPr>
-            <a:endParaRPr lang="en-US" altLang="ja-JP" dirty="0"/>
-          </a:p>
-          <a:p>
-            <a:r>
-              <a:rPr kumimoji="1" lang="ja-JP" altLang="en-US" dirty="0"/>
-              <a:t>作業工程表の作成</a:t>
+            <a:r>
+              <a:rPr kumimoji="1" lang="en-US" altLang="ja-JP" sz="4000" dirty="0">
+                <a:latin typeface="メイリオ" panose="020B0604030504040204" pitchFamily="50" charset="-128"/>
+                <a:ea typeface="メイリオ" panose="020B0604030504040204" pitchFamily="50" charset="-128"/>
+              </a:rPr>
+              <a:t>※</a:t>
+            </a:r>
+            <a:r>
+              <a:rPr kumimoji="1" lang="ja-JP" altLang="en-US" sz="4000" dirty="0">
+                <a:latin typeface="メイリオ" panose="020B0604030504040204" pitchFamily="50" charset="-128"/>
+                <a:ea typeface="メイリオ" panose="020B0604030504040204" pitchFamily="50" charset="-128"/>
+              </a:rPr>
+              <a:t>バグは現在修正済み。</a:t>
             </a:r>
           </a:p>
         </p:txBody>
@@ -5764,7 +8790,7 @@
           <p:cNvPr id="4" name="図 3">
             <a:extLst>
               <a:ext uri="{FF2B5EF4-FFF2-40B4-BE49-F238E27FC236}">
-                <a16:creationId xmlns:a16="http://schemas.microsoft.com/office/drawing/2014/main" id="{BA38DD7B-B69E-48C7-ABE6-204B44684989}"/>
+                <a16:creationId xmlns:a16="http://schemas.microsoft.com/office/drawing/2014/main" id="{42E7586A-9F76-432D-A498-717ADA88B438}"/>
               </a:ext>
             </a:extLst>
           </p:cNvPr>
@@ -5774,7 +8800,7 @@
           <p:nvPr/>
         </p:nvPicPr>
         <p:blipFill>
-          <a:blip r:embed="rId2">
+          <a:blip r:embed="rId3">
             <a:extLst>
               <a:ext uri="{28A0092B-C50C-407E-A947-70E740481C1C}">
                 <a14:useLocalDpi xmlns:a14="http://schemas.microsoft.com/office/drawing/2010/main" val="0"/>
@@ -5795,10 +8821,105 @@
           </a:prstGeom>
         </p:spPr>
       </p:pic>
+      <p:sp>
+        <p:nvSpPr>
+          <p:cNvPr id="6" name="フッター プレースホルダー 5">
+            <a:extLst>
+              <a:ext uri="{FF2B5EF4-FFF2-40B4-BE49-F238E27FC236}">
+                <a16:creationId xmlns:a16="http://schemas.microsoft.com/office/drawing/2014/main" id="{9304E858-3AF3-4F27-93AB-93F5EE594820}"/>
+              </a:ext>
+            </a:extLst>
+          </p:cNvPr>
+          <p:cNvSpPr>
+            <a:spLocks noGrp="1"/>
+          </p:cNvSpPr>
+          <p:nvPr>
+            <p:ph type="ftr" sz="quarter" idx="11"/>
+          </p:nvPr>
+        </p:nvSpPr>
+        <p:spPr/>
+        <p:txBody>
+          <a:bodyPr/>
+          <a:lstStyle/>
+          <a:p>
+            <a:r>
+              <a:rPr lang="en-US" altLang="ja-JP"/>
+              <a:t>Copyright © 2021 </a:t>
+            </a:r>
+            <a:r>
+              <a:rPr lang="ja-JP" altLang="en-US"/>
+              <a:t>チーム漢</a:t>
+            </a:r>
+            <a:r>
+              <a:rPr lang="en-US" altLang="ja-JP"/>
+              <a:t>. All rights reserved.</a:t>
+            </a:r>
+            <a:endParaRPr lang="ja-JP" altLang="en-US" dirty="0"/>
+          </a:p>
+        </p:txBody>
+      </p:sp>
+      <p:sp>
+        <p:nvSpPr>
+          <p:cNvPr id="7" name="日付プレースホルダー 6">
+            <a:extLst>
+              <a:ext uri="{FF2B5EF4-FFF2-40B4-BE49-F238E27FC236}">
+                <a16:creationId xmlns:a16="http://schemas.microsoft.com/office/drawing/2014/main" id="{902C1D42-138E-4825-A6B8-487169802188}"/>
+              </a:ext>
+            </a:extLst>
+          </p:cNvPr>
+          <p:cNvSpPr>
+            <a:spLocks noGrp="1"/>
+          </p:cNvSpPr>
+          <p:nvPr>
+            <p:ph type="dt" sz="half" idx="10"/>
+          </p:nvPr>
+        </p:nvSpPr>
+        <p:spPr/>
+        <p:txBody>
+          <a:bodyPr/>
+          <a:lstStyle/>
+          <a:p>
+            <a:fld id="{10FB9CED-4ACB-437E-8352-B4B381866E8C}" type="datetime1">
+              <a:rPr kumimoji="1" lang="ja-JP" altLang="en-US" smtClean="0"/>
+              <a:t>2021/5/27</a:t>
+            </a:fld>
+            <a:endParaRPr kumimoji="1" lang="ja-JP" altLang="en-US"/>
+          </a:p>
+        </p:txBody>
+      </p:sp>
+      <p:sp>
+        <p:nvSpPr>
+          <p:cNvPr id="8" name="スライド番号プレースホルダー 7">
+            <a:extLst>
+              <a:ext uri="{FF2B5EF4-FFF2-40B4-BE49-F238E27FC236}">
+                <a16:creationId xmlns:a16="http://schemas.microsoft.com/office/drawing/2014/main" id="{93B691EB-300A-4E9D-81EA-F411947D1541}"/>
+              </a:ext>
+            </a:extLst>
+          </p:cNvPr>
+          <p:cNvSpPr>
+            <a:spLocks noGrp="1"/>
+          </p:cNvSpPr>
+          <p:nvPr>
+            <p:ph type="sldNum" sz="quarter" idx="12"/>
+          </p:nvPr>
+        </p:nvSpPr>
+        <p:spPr/>
+        <p:txBody>
+          <a:bodyPr/>
+          <a:lstStyle/>
+          <a:p>
+            <a:fld id="{D674207F-D268-470F-8874-8C684F840A9A}" type="slidenum">
+              <a:rPr kumimoji="1" lang="ja-JP" altLang="en-US" smtClean="0"/>
+              <a:t>5</a:t>
+            </a:fld>
+            <a:endParaRPr kumimoji="1" lang="ja-JP" altLang="en-US"/>
+          </a:p>
+        </p:txBody>
+      </p:sp>
     </p:spTree>
     <p:extLst>
       <p:ext uri="{BB962C8B-B14F-4D97-AF65-F5344CB8AC3E}">
-        <p14:creationId xmlns:p14="http://schemas.microsoft.com/office/powerpoint/2010/main" val="628941900"/>
+        <p14:creationId xmlns:p14="http://schemas.microsoft.com/office/powerpoint/2010/main" val="1239508768"/>
       </p:ext>
     </p:extLst>
   </p:cSld>
@@ -5827,61 +8948,6 @@
       </p:grpSpPr>
       <p:sp>
         <p:nvSpPr>
-          <p:cNvPr id="5" name="楕円 4">
-            <a:extLst>
-              <a:ext uri="{FF2B5EF4-FFF2-40B4-BE49-F238E27FC236}">
-                <a16:creationId xmlns:a16="http://schemas.microsoft.com/office/drawing/2014/main" id="{1A59E09E-FBEE-4E51-A47C-B76D3EC0B315}"/>
-              </a:ext>
-            </a:extLst>
-          </p:cNvPr>
-          <p:cNvSpPr/>
-          <p:nvPr/>
-        </p:nvSpPr>
-        <p:spPr>
-          <a:xfrm>
-            <a:off x="-751514" y="-1048624"/>
-            <a:ext cx="3179428" cy="3221372"/>
-          </a:xfrm>
-          <a:prstGeom prst="ellipse">
-            <a:avLst/>
-          </a:prstGeom>
-          <a:solidFill>
-            <a:schemeClr val="accent1">
-              <a:lumMod val="20000"/>
-              <a:lumOff val="80000"/>
-            </a:schemeClr>
-          </a:solidFill>
-          <a:ln>
-            <a:noFill/>
-          </a:ln>
-        </p:spPr>
-        <p:style>
-          <a:lnRef idx="2">
-            <a:schemeClr val="accent1">
-              <a:shade val="50000"/>
-            </a:schemeClr>
-          </a:lnRef>
-          <a:fillRef idx="1">
-            <a:schemeClr val="accent1"/>
-          </a:fillRef>
-          <a:effectRef idx="0">
-            <a:schemeClr val="accent1"/>
-          </a:effectRef>
-          <a:fontRef idx="minor">
-            <a:schemeClr val="lt1"/>
-          </a:fontRef>
-        </p:style>
-        <p:txBody>
-          <a:bodyPr rtlCol="0" anchor="ctr"/>
-          <a:lstStyle/>
-          <a:p>
-            <a:pPr algn="ctr"/>
-            <a:endParaRPr kumimoji="1" lang="ja-JP" altLang="en-US"/>
-          </a:p>
-        </p:txBody>
-      </p:sp>
-      <p:sp>
-        <p:nvSpPr>
           <p:cNvPr id="2" name="タイトル 1">
             <a:extLst>
               <a:ext uri="{FF2B5EF4-FFF2-40B4-BE49-F238E27FC236}">
@@ -5930,22 +8996,19 @@
             <p:ph idx="1"/>
           </p:nvPr>
         </p:nvSpPr>
-        <p:spPr/>
+        <p:spPr>
+          <a:xfrm>
+            <a:off x="838200" y="1825625"/>
+            <a:ext cx="10515600" cy="4351338"/>
+          </a:xfrm>
+        </p:spPr>
         <p:txBody>
           <a:bodyPr/>
           <a:lstStyle/>
           <a:p>
             <a:r>
               <a:rPr kumimoji="1" lang="ja-JP" altLang="en-US" dirty="0"/>
-              <a:t>詳細設計</a:t>
-            </a:r>
-            <a:r>
-              <a:rPr lang="ja-JP" altLang="en-US" dirty="0"/>
-              <a:t>書</a:t>
-            </a:r>
-            <a:r>
-              <a:rPr kumimoji="1" lang="ja-JP" altLang="en-US" dirty="0"/>
-              <a:t>の作成</a:t>
+              <a:t>要件定義書の作成</a:t>
             </a:r>
             <a:endParaRPr kumimoji="1" lang="en-US" altLang="ja-JP" dirty="0"/>
           </a:p>
@@ -5954,26 +9017,58 @@
               <a:buNone/>
             </a:pPr>
             <a:r>
+              <a:rPr kumimoji="1" lang="ja-JP" altLang="en-US" dirty="0"/>
+              <a:t>　</a:t>
+            </a:r>
+            <a:endParaRPr lang="en-US" altLang="ja-JP" dirty="0"/>
+          </a:p>
+          <a:p>
+            <a:r>
+              <a:rPr kumimoji="1" lang="ja-JP" altLang="en-US" dirty="0"/>
+              <a:t>基本設計書の作成</a:t>
+            </a:r>
+            <a:endParaRPr kumimoji="1" lang="en-US" altLang="ja-JP" dirty="0"/>
+          </a:p>
+          <a:p>
+            <a:pPr marL="0" indent="0">
+              <a:buNone/>
+            </a:pPr>
+            <a:r>
+              <a:rPr kumimoji="1" lang="ja-JP" altLang="en-US" dirty="0"/>
+              <a:t>　開発規約や機能一覧、画面遷移図、</a:t>
+            </a:r>
+            <a:r>
+              <a:rPr kumimoji="1" lang="en-US" altLang="ja-JP" dirty="0"/>
+              <a:t>ER</a:t>
+            </a:r>
+            <a:r>
+              <a:rPr kumimoji="1" lang="ja-JP" altLang="en-US" dirty="0"/>
+              <a:t>図を記載。</a:t>
+            </a:r>
+            <a:endParaRPr kumimoji="1" lang="en-US" altLang="ja-JP" dirty="0"/>
+          </a:p>
+          <a:p>
+            <a:pPr marL="0" indent="0">
+              <a:buNone/>
+            </a:pPr>
+            <a:endParaRPr lang="en-US" altLang="ja-JP" dirty="0"/>
+          </a:p>
+          <a:p>
+            <a:r>
+              <a:rPr kumimoji="1" lang="ja-JP" altLang="en-US" dirty="0"/>
+              <a:t>作業工程表の作成</a:t>
+            </a:r>
+            <a:endParaRPr kumimoji="1" lang="en-US" altLang="ja-JP" dirty="0"/>
+          </a:p>
+          <a:p>
+            <a:pPr marL="0" indent="0">
+              <a:buNone/>
+            </a:pPr>
+            <a:r>
               <a:rPr lang="ja-JP" altLang="en-US" dirty="0"/>
-              <a:t>　</a:t>
-            </a:r>
-            <a:endParaRPr kumimoji="1" lang="en-US" altLang="ja-JP" dirty="0"/>
-          </a:p>
-          <a:p>
-            <a:endParaRPr lang="en-US" altLang="ja-JP" dirty="0"/>
-          </a:p>
-          <a:p>
-            <a:endParaRPr kumimoji="1" lang="en-US" altLang="ja-JP" dirty="0"/>
-          </a:p>
-          <a:p>
-            <a:endParaRPr lang="en-US" altLang="ja-JP" dirty="0"/>
-          </a:p>
-          <a:p>
-            <a:r>
-              <a:rPr kumimoji="1" lang="ja-JP" altLang="en-US" dirty="0"/>
-              <a:t>プログラミング（製造）</a:t>
-            </a:r>
-            <a:endParaRPr kumimoji="1" lang="en-US" altLang="ja-JP" dirty="0"/>
+              <a:t>　作業の細分化やスケジュール、担当者の設定。</a:t>
+            </a:r>
+            <a:endParaRPr kumimoji="1" lang="ja-JP" altLang="en-US" dirty="0"/>
           </a:p>
         </p:txBody>
       </p:sp>
@@ -5982,7 +9077,7 @@
           <p:cNvPr id="4" name="図 3">
             <a:extLst>
               <a:ext uri="{FF2B5EF4-FFF2-40B4-BE49-F238E27FC236}">
-                <a16:creationId xmlns:a16="http://schemas.microsoft.com/office/drawing/2014/main" id="{E2C99A62-8345-4529-8F99-6596B083C754}"/>
+                <a16:creationId xmlns:a16="http://schemas.microsoft.com/office/drawing/2014/main" id="{BA38DD7B-B69E-48C7-ABE6-204B44684989}"/>
               </a:ext>
             </a:extLst>
           </p:cNvPr>
@@ -5992,7 +9087,7 @@
           <p:nvPr/>
         </p:nvPicPr>
         <p:blipFill>
-          <a:blip r:embed="rId2">
+          <a:blip r:embed="rId3">
             <a:extLst>
               <a:ext uri="{28A0092B-C50C-407E-A947-70E740481C1C}">
                 <a14:useLocalDpi xmlns:a14="http://schemas.microsoft.com/office/drawing/2010/main" val="0"/>
@@ -6013,10 +9108,105 @@
           </a:prstGeom>
         </p:spPr>
       </p:pic>
+      <p:sp>
+        <p:nvSpPr>
+          <p:cNvPr id="6" name="フッター プレースホルダー 5">
+            <a:extLst>
+              <a:ext uri="{FF2B5EF4-FFF2-40B4-BE49-F238E27FC236}">
+                <a16:creationId xmlns:a16="http://schemas.microsoft.com/office/drawing/2014/main" id="{4CD01862-CF23-4E19-B4E0-B7CB004FDB13}"/>
+              </a:ext>
+            </a:extLst>
+          </p:cNvPr>
+          <p:cNvSpPr>
+            <a:spLocks noGrp="1"/>
+          </p:cNvSpPr>
+          <p:nvPr>
+            <p:ph type="ftr" sz="quarter" idx="11"/>
+          </p:nvPr>
+        </p:nvSpPr>
+        <p:spPr/>
+        <p:txBody>
+          <a:bodyPr/>
+          <a:lstStyle/>
+          <a:p>
+            <a:r>
+              <a:rPr lang="en-US" altLang="ja-JP"/>
+              <a:t>Copyright © 2021 </a:t>
+            </a:r>
+            <a:r>
+              <a:rPr lang="ja-JP" altLang="en-US"/>
+              <a:t>チーム漢</a:t>
+            </a:r>
+            <a:r>
+              <a:rPr lang="en-US" altLang="ja-JP"/>
+              <a:t>. All rights reserved.</a:t>
+            </a:r>
+            <a:endParaRPr lang="ja-JP" altLang="en-US" dirty="0"/>
+          </a:p>
+        </p:txBody>
+      </p:sp>
+      <p:sp>
+        <p:nvSpPr>
+          <p:cNvPr id="7" name="日付プレースホルダー 6">
+            <a:extLst>
+              <a:ext uri="{FF2B5EF4-FFF2-40B4-BE49-F238E27FC236}">
+                <a16:creationId xmlns:a16="http://schemas.microsoft.com/office/drawing/2014/main" id="{A2BE5086-ABFA-44C8-9946-612DA2786386}"/>
+              </a:ext>
+            </a:extLst>
+          </p:cNvPr>
+          <p:cNvSpPr>
+            <a:spLocks noGrp="1"/>
+          </p:cNvSpPr>
+          <p:nvPr>
+            <p:ph type="dt" sz="half" idx="10"/>
+          </p:nvPr>
+        </p:nvSpPr>
+        <p:spPr/>
+        <p:txBody>
+          <a:bodyPr/>
+          <a:lstStyle/>
+          <a:p>
+            <a:fld id="{EF23AD8C-A451-488E-AEC1-8EB2879BAF5D}" type="datetime1">
+              <a:rPr kumimoji="1" lang="ja-JP" altLang="en-US" smtClean="0"/>
+              <a:t>2021/5/27</a:t>
+            </a:fld>
+            <a:endParaRPr kumimoji="1" lang="ja-JP" altLang="en-US"/>
+          </a:p>
+        </p:txBody>
+      </p:sp>
+      <p:sp>
+        <p:nvSpPr>
+          <p:cNvPr id="8" name="スライド番号プレースホルダー 7">
+            <a:extLst>
+              <a:ext uri="{FF2B5EF4-FFF2-40B4-BE49-F238E27FC236}">
+                <a16:creationId xmlns:a16="http://schemas.microsoft.com/office/drawing/2014/main" id="{305F8E16-324C-441D-912D-00B77172DA56}"/>
+              </a:ext>
+            </a:extLst>
+          </p:cNvPr>
+          <p:cNvSpPr>
+            <a:spLocks noGrp="1"/>
+          </p:cNvSpPr>
+          <p:nvPr>
+            <p:ph type="sldNum" sz="quarter" idx="12"/>
+          </p:nvPr>
+        </p:nvSpPr>
+        <p:spPr/>
+        <p:txBody>
+          <a:bodyPr/>
+          <a:lstStyle/>
+          <a:p>
+            <a:fld id="{D674207F-D268-470F-8874-8C684F840A9A}" type="slidenum">
+              <a:rPr kumimoji="1" lang="ja-JP" altLang="en-US" smtClean="0"/>
+              <a:t>6</a:t>
+            </a:fld>
+            <a:endParaRPr kumimoji="1" lang="ja-JP" altLang="en-US"/>
+          </a:p>
+        </p:txBody>
+      </p:sp>
     </p:spTree>
     <p:extLst>
       <p:ext uri="{BB962C8B-B14F-4D97-AF65-F5344CB8AC3E}">
-        <p14:creationId xmlns:p14="http://schemas.microsoft.com/office/powerpoint/2010/main" val="4284858479"/>
+        <p14:creationId xmlns:p14="http://schemas.microsoft.com/office/powerpoint/2010/main" val="628941900"/>
       </p:ext>
     </p:extLst>
   </p:cSld>
@@ -6045,61 +9235,6 @@
       </p:grpSpPr>
       <p:sp>
         <p:nvSpPr>
-          <p:cNvPr id="5" name="楕円 4">
-            <a:extLst>
-              <a:ext uri="{FF2B5EF4-FFF2-40B4-BE49-F238E27FC236}">
-                <a16:creationId xmlns:a16="http://schemas.microsoft.com/office/drawing/2014/main" id="{DB9D62D3-DED3-40AD-BA54-8FDA741EEE90}"/>
-              </a:ext>
-            </a:extLst>
-          </p:cNvPr>
-          <p:cNvSpPr/>
-          <p:nvPr/>
-        </p:nvSpPr>
-        <p:spPr>
-          <a:xfrm>
-            <a:off x="-751514" y="-1048624"/>
-            <a:ext cx="3179428" cy="3221372"/>
-          </a:xfrm>
-          <a:prstGeom prst="ellipse">
-            <a:avLst/>
-          </a:prstGeom>
-          <a:solidFill>
-            <a:schemeClr val="accent1">
-              <a:lumMod val="20000"/>
-              <a:lumOff val="80000"/>
-            </a:schemeClr>
-          </a:solidFill>
-          <a:ln>
-            <a:noFill/>
-          </a:ln>
-        </p:spPr>
-        <p:style>
-          <a:lnRef idx="2">
-            <a:schemeClr val="accent1">
-              <a:shade val="50000"/>
-            </a:schemeClr>
-          </a:lnRef>
-          <a:fillRef idx="1">
-            <a:schemeClr val="accent1"/>
-          </a:fillRef>
-          <a:effectRef idx="0">
-            <a:schemeClr val="accent1"/>
-          </a:effectRef>
-          <a:fontRef idx="minor">
-            <a:schemeClr val="lt1"/>
-          </a:fontRef>
-        </p:style>
-        <p:txBody>
-          <a:bodyPr rtlCol="0" anchor="ctr"/>
-          <a:lstStyle/>
-          <a:p>
-            <a:pPr algn="ctr"/>
-            <a:endParaRPr kumimoji="1" lang="ja-JP" altLang="en-US"/>
-          </a:p>
-        </p:txBody>
-      </p:sp>
-      <p:sp>
-        <p:nvSpPr>
           <p:cNvPr id="2" name="タイトル 1">
             <a:extLst>
               <a:ext uri="{FF2B5EF4-FFF2-40B4-BE49-F238E27FC236}">
@@ -6155,21 +9290,62 @@
           <a:p>
             <a:r>
               <a:rPr kumimoji="1" lang="ja-JP" altLang="en-US" dirty="0"/>
-              <a:t>テスト仕様書の作成</a:t>
+              <a:t>詳細設計</a:t>
+            </a:r>
+            <a:r>
+              <a:rPr lang="ja-JP" altLang="en-US" dirty="0"/>
+              <a:t>書</a:t>
+            </a:r>
+            <a:r>
+              <a:rPr kumimoji="1" lang="ja-JP" altLang="en-US" dirty="0"/>
+              <a:t>の作成</a:t>
             </a:r>
             <a:endParaRPr kumimoji="1" lang="en-US" altLang="ja-JP" dirty="0"/>
           </a:p>
           <a:p>
+            <a:pPr marL="0" indent="0">
+              <a:buNone/>
+            </a:pPr>
+            <a:r>
+              <a:rPr lang="ja-JP" altLang="en-US" dirty="0"/>
+              <a:t>　製造のための画面レイアウト（</a:t>
+            </a:r>
+            <a:r>
+              <a:rPr lang="en-US" altLang="ja-JP" dirty="0"/>
+              <a:t>PC</a:t>
+            </a:r>
+            <a:r>
+              <a:rPr lang="ja-JP" altLang="en-US" dirty="0" err="1"/>
+              <a:t>、</a:t>
+            </a:r>
+            <a:r>
+              <a:rPr lang="ja-JP" altLang="en-US" dirty="0"/>
+              <a:t>スマホ）や画面入出力の項目の洗い出し。</a:t>
+            </a:r>
             <a:endParaRPr lang="en-US" altLang="ja-JP" dirty="0"/>
           </a:p>
           <a:p>
+            <a:pPr marL="0" indent="0">
+              <a:buNone/>
+            </a:pPr>
+            <a:endParaRPr lang="en-US" altLang="ja-JP" dirty="0"/>
+          </a:p>
+          <a:p>
+            <a:r>
+              <a:rPr kumimoji="1" lang="ja-JP" altLang="en-US" dirty="0"/>
+              <a:t>プログラミング（製造）</a:t>
+            </a:r>
             <a:endParaRPr kumimoji="1" lang="en-US" altLang="ja-JP" dirty="0"/>
           </a:p>
           <a:p>
-            <a:endParaRPr lang="en-US" altLang="ja-JP" dirty="0"/>
-          </a:p>
-          <a:p>
-            <a:endParaRPr lang="en-US" altLang="ja-JP" dirty="0"/>
+            <a:pPr marL="0" indent="0">
+              <a:buNone/>
+            </a:pPr>
+            <a:r>
+              <a:rPr kumimoji="1" lang="ja-JP" altLang="en-US" dirty="0"/>
+              <a:t>　詳細設計書に基づき、製造を行った。</a:t>
+            </a:r>
+            <a:endParaRPr kumimoji="1" lang="en-US" altLang="ja-JP" dirty="0"/>
           </a:p>
         </p:txBody>
       </p:sp>
@@ -6178,7 +9354,7 @@
           <p:cNvPr id="4" name="図 3">
             <a:extLst>
               <a:ext uri="{FF2B5EF4-FFF2-40B4-BE49-F238E27FC236}">
-                <a16:creationId xmlns:a16="http://schemas.microsoft.com/office/drawing/2014/main" id="{96AF9A4B-4C5F-4BC3-BB9E-793BD27C9703}"/>
+                <a16:creationId xmlns:a16="http://schemas.microsoft.com/office/drawing/2014/main" id="{E2C99A62-8345-4529-8F99-6596B083C754}"/>
               </a:ext>
             </a:extLst>
           </p:cNvPr>
@@ -6188,7 +9364,7 @@
           <p:nvPr/>
         </p:nvPicPr>
         <p:blipFill>
-          <a:blip r:embed="rId2">
+          <a:blip r:embed="rId3">
             <a:extLst>
               <a:ext uri="{28A0092B-C50C-407E-A947-70E740481C1C}">
                 <a14:useLocalDpi xmlns:a14="http://schemas.microsoft.com/office/drawing/2010/main" val="0"/>
@@ -6209,10 +9385,105 @@
           </a:prstGeom>
         </p:spPr>
       </p:pic>
+      <p:sp>
+        <p:nvSpPr>
+          <p:cNvPr id="6" name="フッター プレースホルダー 5">
+            <a:extLst>
+              <a:ext uri="{FF2B5EF4-FFF2-40B4-BE49-F238E27FC236}">
+                <a16:creationId xmlns:a16="http://schemas.microsoft.com/office/drawing/2014/main" id="{2826C250-C347-4064-A7A9-9F967F7FAAA8}"/>
+              </a:ext>
+            </a:extLst>
+          </p:cNvPr>
+          <p:cNvSpPr>
+            <a:spLocks noGrp="1"/>
+          </p:cNvSpPr>
+          <p:nvPr>
+            <p:ph type="ftr" sz="quarter" idx="11"/>
+          </p:nvPr>
+        </p:nvSpPr>
+        <p:spPr/>
+        <p:txBody>
+          <a:bodyPr/>
+          <a:lstStyle/>
+          <a:p>
+            <a:r>
+              <a:rPr lang="en-US" altLang="ja-JP"/>
+              <a:t>Copyright © 2021 </a:t>
+            </a:r>
+            <a:r>
+              <a:rPr lang="ja-JP" altLang="en-US"/>
+              <a:t>チーム漢</a:t>
+            </a:r>
+            <a:r>
+              <a:rPr lang="en-US" altLang="ja-JP"/>
+              <a:t>. All rights reserved.</a:t>
+            </a:r>
+            <a:endParaRPr lang="ja-JP" altLang="en-US" dirty="0"/>
+          </a:p>
+        </p:txBody>
+      </p:sp>
+      <p:sp>
+        <p:nvSpPr>
+          <p:cNvPr id="7" name="日付プレースホルダー 6">
+            <a:extLst>
+              <a:ext uri="{FF2B5EF4-FFF2-40B4-BE49-F238E27FC236}">
+                <a16:creationId xmlns:a16="http://schemas.microsoft.com/office/drawing/2014/main" id="{44BD0219-9D28-4026-82EE-03A872F6243C}"/>
+              </a:ext>
+            </a:extLst>
+          </p:cNvPr>
+          <p:cNvSpPr>
+            <a:spLocks noGrp="1"/>
+          </p:cNvSpPr>
+          <p:nvPr>
+            <p:ph type="dt" sz="half" idx="10"/>
+          </p:nvPr>
+        </p:nvSpPr>
+        <p:spPr/>
+        <p:txBody>
+          <a:bodyPr/>
+          <a:lstStyle/>
+          <a:p>
+            <a:fld id="{86F13F70-260F-421C-9661-17789AEB7163}" type="datetime1">
+              <a:rPr kumimoji="1" lang="ja-JP" altLang="en-US" smtClean="0"/>
+              <a:t>2021/5/27</a:t>
+            </a:fld>
+            <a:endParaRPr kumimoji="1" lang="ja-JP" altLang="en-US"/>
+          </a:p>
+        </p:txBody>
+      </p:sp>
+      <p:sp>
+        <p:nvSpPr>
+          <p:cNvPr id="8" name="スライド番号プレースホルダー 7">
+            <a:extLst>
+              <a:ext uri="{FF2B5EF4-FFF2-40B4-BE49-F238E27FC236}">
+                <a16:creationId xmlns:a16="http://schemas.microsoft.com/office/drawing/2014/main" id="{7E57083C-B716-467F-BD6F-06694A9E05FE}"/>
+              </a:ext>
+            </a:extLst>
+          </p:cNvPr>
+          <p:cNvSpPr>
+            <a:spLocks noGrp="1"/>
+          </p:cNvSpPr>
+          <p:nvPr>
+            <p:ph type="sldNum" sz="quarter" idx="12"/>
+          </p:nvPr>
+        </p:nvSpPr>
+        <p:spPr/>
+        <p:txBody>
+          <a:bodyPr/>
+          <a:lstStyle/>
+          <a:p>
+            <a:fld id="{D674207F-D268-470F-8874-8C684F840A9A}" type="slidenum">
+              <a:rPr kumimoji="1" lang="ja-JP" altLang="en-US" smtClean="0"/>
+              <a:t>7</a:t>
+            </a:fld>
+            <a:endParaRPr kumimoji="1" lang="ja-JP" altLang="en-US"/>
+          </a:p>
+        </p:txBody>
+      </p:sp>
     </p:spTree>
     <p:extLst>
       <p:ext uri="{BB962C8B-B14F-4D97-AF65-F5344CB8AC3E}">
-        <p14:creationId xmlns:p14="http://schemas.microsoft.com/office/powerpoint/2010/main" val="3918233567"/>
+        <p14:creationId xmlns:p14="http://schemas.microsoft.com/office/powerpoint/2010/main" val="4284858479"/>
       </p:ext>
     </p:extLst>
   </p:cSld>
@@ -6241,65 +9512,10 @@
       </p:grpSpPr>
       <p:sp>
         <p:nvSpPr>
-          <p:cNvPr id="5" name="楕円 4">
-            <a:extLst>
-              <a:ext uri="{FF2B5EF4-FFF2-40B4-BE49-F238E27FC236}">
-                <a16:creationId xmlns:a16="http://schemas.microsoft.com/office/drawing/2014/main" id="{A75DA042-A83C-4EE0-9D67-89FC482B0EC9}"/>
-              </a:ext>
-            </a:extLst>
-          </p:cNvPr>
-          <p:cNvSpPr/>
-          <p:nvPr/>
-        </p:nvSpPr>
-        <p:spPr>
-          <a:xfrm>
-            <a:off x="-751514" y="-1048624"/>
-            <a:ext cx="3179428" cy="3221372"/>
-          </a:xfrm>
-          <a:prstGeom prst="ellipse">
-            <a:avLst/>
-          </a:prstGeom>
-          <a:solidFill>
-            <a:schemeClr val="accent1">
-              <a:lumMod val="20000"/>
-              <a:lumOff val="80000"/>
-            </a:schemeClr>
-          </a:solidFill>
-          <a:ln>
-            <a:noFill/>
-          </a:ln>
-        </p:spPr>
-        <p:style>
-          <a:lnRef idx="2">
-            <a:schemeClr val="accent1">
-              <a:shade val="50000"/>
-            </a:schemeClr>
-          </a:lnRef>
-          <a:fillRef idx="1">
-            <a:schemeClr val="accent1"/>
-          </a:fillRef>
-          <a:effectRef idx="0">
-            <a:schemeClr val="accent1"/>
-          </a:effectRef>
-          <a:fontRef idx="minor">
-            <a:schemeClr val="lt1"/>
-          </a:fontRef>
-        </p:style>
-        <p:txBody>
-          <a:bodyPr rtlCol="0" anchor="ctr"/>
-          <a:lstStyle/>
-          <a:p>
-            <a:pPr algn="ctr"/>
-            <a:endParaRPr kumimoji="1" lang="ja-JP" altLang="en-US"/>
-          </a:p>
-        </p:txBody>
-      </p:sp>
-      <p:sp>
-        <p:nvSpPr>
           <p:cNvPr id="2" name="タイトル 1">
             <a:extLst>
               <a:ext uri="{FF2B5EF4-FFF2-40B4-BE49-F238E27FC236}">
-                <a16:creationId xmlns:a16="http://schemas.microsoft.com/office/drawing/2014/main" id="{8B400807-0754-4F55-B22A-0B102E60724D}"/>
+                <a16:creationId xmlns:a16="http://schemas.microsoft.com/office/drawing/2014/main" id="{E4155BC1-D422-44AC-8C30-710F48277E4F}"/>
               </a:ext>
             </a:extLst>
           </p:cNvPr>
@@ -6316,22 +9532,15 @@
           <a:lstStyle/>
           <a:p>
             <a:r>
-              <a:rPr lang="ja-JP" altLang="en-US" b="1" u="sng" dirty="0">
+              <a:rPr kumimoji="1" lang="ja-JP" altLang="en-US" b="1" u="sng" dirty="0">
                 <a:solidFill>
                   <a:schemeClr val="accent5">
                     <a:lumMod val="75000"/>
                   </a:schemeClr>
                 </a:solidFill>
               </a:rPr>
-              <a:t>デモンストレーション</a:t>
-            </a:r>
-            <a:endParaRPr kumimoji="1" lang="ja-JP" altLang="en-US" b="1" u="sng" dirty="0">
-              <a:solidFill>
-                <a:schemeClr val="accent5">
-                  <a:lumMod val="75000"/>
-                </a:schemeClr>
-              </a:solidFill>
-            </a:endParaRPr>
+              <a:t>開発工程説明</a:t>
+            </a:r>
           </a:p>
         </p:txBody>
       </p:sp>
@@ -6340,7 +9549,7 @@
           <p:cNvPr id="3" name="コンテンツ プレースホルダー 2">
             <a:extLst>
               <a:ext uri="{FF2B5EF4-FFF2-40B4-BE49-F238E27FC236}">
-                <a16:creationId xmlns:a16="http://schemas.microsoft.com/office/drawing/2014/main" id="{2B158225-DA2B-4A26-9D37-B7DF62A04FA6}"/>
+                <a16:creationId xmlns:a16="http://schemas.microsoft.com/office/drawing/2014/main" id="{F48DDF12-66E1-4E5E-BDD3-701C6059A9DC}"/>
               </a:ext>
             </a:extLst>
           </p:cNvPr>
@@ -6356,7 +9565,47 @@
           <a:bodyPr/>
           <a:lstStyle/>
           <a:p>
-            <a:endParaRPr kumimoji="1" lang="ja-JP" altLang="en-US" dirty="0"/>
+            <a:r>
+              <a:rPr kumimoji="1" lang="ja-JP" altLang="en-US" dirty="0"/>
+              <a:t>テスト仕様書の作成</a:t>
+            </a:r>
+            <a:endParaRPr kumimoji="1" lang="en-US" altLang="ja-JP" dirty="0"/>
+          </a:p>
+          <a:p>
+            <a:pPr marL="0" indent="0">
+              <a:buNone/>
+            </a:pPr>
+            <a:r>
+              <a:rPr lang="ja-JP" altLang="en-US" dirty="0"/>
+              <a:t>　システムを稼働した際に予想される動きや出力を洗い出しテスト項目に追加。</a:t>
+            </a:r>
+            <a:endParaRPr lang="en-US" altLang="ja-JP" dirty="0"/>
+          </a:p>
+          <a:p>
+            <a:pPr marL="0" indent="0">
+              <a:buNone/>
+            </a:pPr>
+            <a:r>
+              <a:rPr kumimoji="1" lang="ja-JP" altLang="en-US" dirty="0"/>
+              <a:t>　その後</a:t>
+            </a:r>
+            <a:r>
+              <a:rPr lang="ja-JP" altLang="en-US" dirty="0"/>
+              <a:t>、作成したテスト仕様書に基づき、システムテストを実施。</a:t>
+            </a:r>
+            <a:endParaRPr kumimoji="1" lang="en-US" altLang="ja-JP" dirty="0"/>
+          </a:p>
+          <a:p>
+            <a:endParaRPr lang="en-US" altLang="ja-JP" dirty="0"/>
+          </a:p>
+          <a:p>
+            <a:endParaRPr kumimoji="1" lang="en-US" altLang="ja-JP" dirty="0"/>
+          </a:p>
+          <a:p>
+            <a:endParaRPr lang="en-US" altLang="ja-JP" dirty="0"/>
+          </a:p>
+          <a:p>
+            <a:endParaRPr lang="en-US" altLang="ja-JP" dirty="0"/>
           </a:p>
         </p:txBody>
       </p:sp>
@@ -6365,7 +9614,7 @@
           <p:cNvPr id="4" name="図 3">
             <a:extLst>
               <a:ext uri="{FF2B5EF4-FFF2-40B4-BE49-F238E27FC236}">
-                <a16:creationId xmlns:a16="http://schemas.microsoft.com/office/drawing/2014/main" id="{E1ECA738-7B63-4E34-A20E-2D6515C4D749}"/>
+                <a16:creationId xmlns:a16="http://schemas.microsoft.com/office/drawing/2014/main" id="{96AF9A4B-4C5F-4BC3-BB9E-793BD27C9703}"/>
               </a:ext>
             </a:extLst>
           </p:cNvPr>
@@ -6375,7 +9624,7 @@
           <p:nvPr/>
         </p:nvPicPr>
         <p:blipFill>
-          <a:blip r:embed="rId2">
+          <a:blip r:embed="rId3">
             <a:extLst>
               <a:ext uri="{28A0092B-C50C-407E-A947-70E740481C1C}">
                 <a14:useLocalDpi xmlns:a14="http://schemas.microsoft.com/office/drawing/2010/main" val="0"/>
@@ -6396,10 +9645,105 @@
           </a:prstGeom>
         </p:spPr>
       </p:pic>
+      <p:sp>
+        <p:nvSpPr>
+          <p:cNvPr id="6" name="フッター プレースホルダー 5">
+            <a:extLst>
+              <a:ext uri="{FF2B5EF4-FFF2-40B4-BE49-F238E27FC236}">
+                <a16:creationId xmlns:a16="http://schemas.microsoft.com/office/drawing/2014/main" id="{BE9C6389-772B-4C66-9749-49DABDE18E20}"/>
+              </a:ext>
+            </a:extLst>
+          </p:cNvPr>
+          <p:cNvSpPr>
+            <a:spLocks noGrp="1"/>
+          </p:cNvSpPr>
+          <p:nvPr>
+            <p:ph type="ftr" sz="quarter" idx="11"/>
+          </p:nvPr>
+        </p:nvSpPr>
+        <p:spPr/>
+        <p:txBody>
+          <a:bodyPr/>
+          <a:lstStyle/>
+          <a:p>
+            <a:r>
+              <a:rPr lang="en-US" altLang="ja-JP"/>
+              <a:t>Copyright © 2021 </a:t>
+            </a:r>
+            <a:r>
+              <a:rPr lang="ja-JP" altLang="en-US"/>
+              <a:t>チーム漢</a:t>
+            </a:r>
+            <a:r>
+              <a:rPr lang="en-US" altLang="ja-JP"/>
+              <a:t>. All rights reserved.</a:t>
+            </a:r>
+            <a:endParaRPr lang="ja-JP" altLang="en-US" dirty="0"/>
+          </a:p>
+        </p:txBody>
+      </p:sp>
+      <p:sp>
+        <p:nvSpPr>
+          <p:cNvPr id="7" name="日付プレースホルダー 6">
+            <a:extLst>
+              <a:ext uri="{FF2B5EF4-FFF2-40B4-BE49-F238E27FC236}">
+                <a16:creationId xmlns:a16="http://schemas.microsoft.com/office/drawing/2014/main" id="{8C86D9B0-6EA5-4715-8681-5E0D5B376461}"/>
+              </a:ext>
+            </a:extLst>
+          </p:cNvPr>
+          <p:cNvSpPr>
+            <a:spLocks noGrp="1"/>
+          </p:cNvSpPr>
+          <p:nvPr>
+            <p:ph type="dt" sz="half" idx="10"/>
+          </p:nvPr>
+        </p:nvSpPr>
+        <p:spPr/>
+        <p:txBody>
+          <a:bodyPr/>
+          <a:lstStyle/>
+          <a:p>
+            <a:fld id="{83E78F68-10B6-4D2B-94C4-2A657652BB4A}" type="datetime1">
+              <a:rPr kumimoji="1" lang="ja-JP" altLang="en-US" smtClean="0"/>
+              <a:t>2021/5/27</a:t>
+            </a:fld>
+            <a:endParaRPr kumimoji="1" lang="ja-JP" altLang="en-US"/>
+          </a:p>
+        </p:txBody>
+      </p:sp>
+      <p:sp>
+        <p:nvSpPr>
+          <p:cNvPr id="8" name="スライド番号プレースホルダー 7">
+            <a:extLst>
+              <a:ext uri="{FF2B5EF4-FFF2-40B4-BE49-F238E27FC236}">
+                <a16:creationId xmlns:a16="http://schemas.microsoft.com/office/drawing/2014/main" id="{D6EBC953-03DE-486D-93C7-9DF8118B5A8D}"/>
+              </a:ext>
+            </a:extLst>
+          </p:cNvPr>
+          <p:cNvSpPr>
+            <a:spLocks noGrp="1"/>
+          </p:cNvSpPr>
+          <p:nvPr>
+            <p:ph type="sldNum" sz="quarter" idx="12"/>
+          </p:nvPr>
+        </p:nvSpPr>
+        <p:spPr/>
+        <p:txBody>
+          <a:bodyPr/>
+          <a:lstStyle/>
+          <a:p>
+            <a:fld id="{D674207F-D268-470F-8874-8C684F840A9A}" type="slidenum">
+              <a:rPr kumimoji="1" lang="ja-JP" altLang="en-US" smtClean="0"/>
+              <a:t>8</a:t>
+            </a:fld>
+            <a:endParaRPr kumimoji="1" lang="ja-JP" altLang="en-US"/>
+          </a:p>
+        </p:txBody>
+      </p:sp>
     </p:spTree>
     <p:extLst>
       <p:ext uri="{BB962C8B-B14F-4D97-AF65-F5344CB8AC3E}">
-        <p14:creationId xmlns:p14="http://schemas.microsoft.com/office/powerpoint/2010/main" val="362552906"/>
+        <p14:creationId xmlns:p14="http://schemas.microsoft.com/office/powerpoint/2010/main" val="3918233567"/>
       </p:ext>
     </p:extLst>
   </p:cSld>
@@ -6428,65 +9772,10 @@
       </p:grpSpPr>
       <p:sp>
         <p:nvSpPr>
-          <p:cNvPr id="5" name="楕円 4">
-            <a:extLst>
-              <a:ext uri="{FF2B5EF4-FFF2-40B4-BE49-F238E27FC236}">
-                <a16:creationId xmlns:a16="http://schemas.microsoft.com/office/drawing/2014/main" id="{F250F00E-AD98-4C4D-BB80-04E43CE7F6D4}"/>
-              </a:ext>
-            </a:extLst>
-          </p:cNvPr>
-          <p:cNvSpPr/>
-          <p:nvPr/>
-        </p:nvSpPr>
-        <p:spPr>
-          <a:xfrm>
-            <a:off x="-751514" y="-1048624"/>
-            <a:ext cx="3179428" cy="3221372"/>
-          </a:xfrm>
-          <a:prstGeom prst="ellipse">
-            <a:avLst/>
-          </a:prstGeom>
-          <a:solidFill>
-            <a:schemeClr val="accent1">
-              <a:lumMod val="20000"/>
-              <a:lumOff val="80000"/>
-            </a:schemeClr>
-          </a:solidFill>
-          <a:ln>
-            <a:noFill/>
-          </a:ln>
-        </p:spPr>
-        <p:style>
-          <a:lnRef idx="2">
-            <a:schemeClr val="accent1">
-              <a:shade val="50000"/>
-            </a:schemeClr>
-          </a:lnRef>
-          <a:fillRef idx="1">
-            <a:schemeClr val="accent1"/>
-          </a:fillRef>
-          <a:effectRef idx="0">
-            <a:schemeClr val="accent1"/>
-          </a:effectRef>
-          <a:fontRef idx="minor">
-            <a:schemeClr val="lt1"/>
-          </a:fontRef>
-        </p:style>
-        <p:txBody>
-          <a:bodyPr rtlCol="0" anchor="ctr"/>
-          <a:lstStyle/>
-          <a:p>
-            <a:pPr algn="ctr"/>
-            <a:endParaRPr kumimoji="1" lang="ja-JP" altLang="en-US"/>
-          </a:p>
-        </p:txBody>
-      </p:sp>
-      <p:sp>
-        <p:nvSpPr>
           <p:cNvPr id="2" name="タイトル 1">
             <a:extLst>
               <a:ext uri="{FF2B5EF4-FFF2-40B4-BE49-F238E27FC236}">
-                <a16:creationId xmlns:a16="http://schemas.microsoft.com/office/drawing/2014/main" id="{D8A27A3C-8EB0-4994-92B9-AAA22E166222}"/>
+                <a16:creationId xmlns:a16="http://schemas.microsoft.com/office/drawing/2014/main" id="{8B400807-0754-4F55-B22A-0B102E60724D}"/>
               </a:ext>
             </a:extLst>
           </p:cNvPr>
@@ -6503,15 +9792,22 @@
           <a:lstStyle/>
           <a:p>
             <a:r>
-              <a:rPr kumimoji="1" lang="ja-JP" altLang="en-US" b="1" u="sng" dirty="0">
+              <a:rPr lang="ja-JP" altLang="en-US" b="1" u="sng" dirty="0">
                 <a:solidFill>
                   <a:schemeClr val="accent5">
                     <a:lumMod val="75000"/>
                   </a:schemeClr>
                 </a:solidFill>
               </a:rPr>
-              <a:t>苦労した点、工夫した点、反省点</a:t>
-            </a:r>
+              <a:t>デモンストレーション</a:t>
+            </a:r>
+            <a:endParaRPr kumimoji="1" lang="ja-JP" altLang="en-US" b="1" u="sng" dirty="0">
+              <a:solidFill>
+                <a:schemeClr val="accent5">
+                  <a:lumMod val="75000"/>
+                </a:schemeClr>
+              </a:solidFill>
+            </a:endParaRPr>
           </a:p>
         </p:txBody>
       </p:sp>
@@ -6520,7 +9816,7 @@
           <p:cNvPr id="3" name="コンテンツ プレースホルダー 2">
             <a:extLst>
               <a:ext uri="{FF2B5EF4-FFF2-40B4-BE49-F238E27FC236}">
-                <a16:creationId xmlns:a16="http://schemas.microsoft.com/office/drawing/2014/main" id="{1D9CC0F8-5650-4161-9409-7B64983E26A2}"/>
+                <a16:creationId xmlns:a16="http://schemas.microsoft.com/office/drawing/2014/main" id="{2B158225-DA2B-4A26-9D37-B7DF62A04FA6}"/>
               </a:ext>
             </a:extLst>
           </p:cNvPr>
@@ -6531,30 +9827,24 @@
             <p:ph idx="1"/>
           </p:nvPr>
         </p:nvSpPr>
-        <p:spPr/>
-        <p:txBody>
-          <a:bodyPr/>
-          <a:lstStyle/>
-          <a:p>
-            <a:r>
-              <a:rPr kumimoji="1" lang="ja-JP" altLang="en-US" dirty="0"/>
-              <a:t>苦労した点</a:t>
-            </a:r>
-            <a:endParaRPr kumimoji="1" lang="en-US" altLang="ja-JP" dirty="0"/>
-          </a:p>
-          <a:p>
-            <a:endParaRPr lang="en-US" altLang="ja-JP" dirty="0"/>
-          </a:p>
-          <a:p>
-            <a:endParaRPr kumimoji="1" lang="en-US" altLang="ja-JP" dirty="0"/>
-          </a:p>
-          <a:p>
-            <a:endParaRPr lang="en-US" altLang="ja-JP" dirty="0"/>
-          </a:p>
-          <a:p>
-            <a:r>
-              <a:rPr kumimoji="1" lang="ja-JP" altLang="en-US" dirty="0"/>
-              <a:t>工夫した点</a:t>
+        <p:spPr>
+          <a:xfrm>
+            <a:off x="838200" y="3193031"/>
+            <a:ext cx="10515600" cy="1278812"/>
+          </a:xfrm>
+        </p:spPr>
+        <p:txBody>
+          <a:bodyPr>
+            <a:normAutofit/>
+          </a:bodyPr>
+          <a:lstStyle/>
+          <a:p>
+            <a:pPr marL="0" indent="0" algn="ctr">
+              <a:buNone/>
+            </a:pPr>
+            <a:r>
+              <a:rPr kumimoji="1" lang="ja-JP" altLang="en-US" sz="4000" dirty="0"/>
+              <a:t>実際のシステム稼働画面をご覧ください。</a:t>
             </a:r>
           </a:p>
         </p:txBody>
@@ -6564,7 +9854,7 @@
           <p:cNvPr id="4" name="図 3">
             <a:extLst>
               <a:ext uri="{FF2B5EF4-FFF2-40B4-BE49-F238E27FC236}">
-                <a16:creationId xmlns:a16="http://schemas.microsoft.com/office/drawing/2014/main" id="{73461CC8-80FC-4FFA-BDCC-DF1691EC1017}"/>
+                <a16:creationId xmlns:a16="http://schemas.microsoft.com/office/drawing/2014/main" id="{E1ECA738-7B63-4E34-A20E-2D6515C4D749}"/>
               </a:ext>
             </a:extLst>
           </p:cNvPr>
@@ -6574,7 +9864,7 @@
           <p:nvPr/>
         </p:nvPicPr>
         <p:blipFill>
-          <a:blip r:embed="rId2">
+          <a:blip r:embed="rId3">
             <a:extLst>
               <a:ext uri="{28A0092B-C50C-407E-A947-70E740481C1C}">
                 <a14:useLocalDpi xmlns:a14="http://schemas.microsoft.com/office/drawing/2010/main" val="0"/>
@@ -6595,10 +9885,105 @@
           </a:prstGeom>
         </p:spPr>
       </p:pic>
+      <p:sp>
+        <p:nvSpPr>
+          <p:cNvPr id="6" name="フッター プレースホルダー 5">
+            <a:extLst>
+              <a:ext uri="{FF2B5EF4-FFF2-40B4-BE49-F238E27FC236}">
+                <a16:creationId xmlns:a16="http://schemas.microsoft.com/office/drawing/2014/main" id="{D1B8A722-D51A-432D-981E-B272CC23B664}"/>
+              </a:ext>
+            </a:extLst>
+          </p:cNvPr>
+          <p:cNvSpPr>
+            <a:spLocks noGrp="1"/>
+          </p:cNvSpPr>
+          <p:nvPr>
+            <p:ph type="ftr" sz="quarter" idx="11"/>
+          </p:nvPr>
+        </p:nvSpPr>
+        <p:spPr/>
+        <p:txBody>
+          <a:bodyPr/>
+          <a:lstStyle/>
+          <a:p>
+            <a:r>
+              <a:rPr lang="en-US" altLang="ja-JP"/>
+              <a:t>Copyright © 2021 </a:t>
+            </a:r>
+            <a:r>
+              <a:rPr lang="ja-JP" altLang="en-US"/>
+              <a:t>チーム漢</a:t>
+            </a:r>
+            <a:r>
+              <a:rPr lang="en-US" altLang="ja-JP"/>
+              <a:t>. All rights reserved.</a:t>
+            </a:r>
+            <a:endParaRPr lang="ja-JP" altLang="en-US" dirty="0"/>
+          </a:p>
+        </p:txBody>
+      </p:sp>
+      <p:sp>
+        <p:nvSpPr>
+          <p:cNvPr id="7" name="日付プレースホルダー 6">
+            <a:extLst>
+              <a:ext uri="{FF2B5EF4-FFF2-40B4-BE49-F238E27FC236}">
+                <a16:creationId xmlns:a16="http://schemas.microsoft.com/office/drawing/2014/main" id="{0CD731BF-48C1-47BA-8B65-C653B4AD9ACE}"/>
+              </a:ext>
+            </a:extLst>
+          </p:cNvPr>
+          <p:cNvSpPr>
+            <a:spLocks noGrp="1"/>
+          </p:cNvSpPr>
+          <p:nvPr>
+            <p:ph type="dt" sz="half" idx="10"/>
+          </p:nvPr>
+        </p:nvSpPr>
+        <p:spPr/>
+        <p:txBody>
+          <a:bodyPr/>
+          <a:lstStyle/>
+          <a:p>
+            <a:fld id="{913BF489-C46D-45A4-BB24-79C16966522A}" type="datetime1">
+              <a:rPr kumimoji="1" lang="ja-JP" altLang="en-US" smtClean="0"/>
+              <a:t>2021/5/27</a:t>
+            </a:fld>
+            <a:endParaRPr kumimoji="1" lang="ja-JP" altLang="en-US"/>
+          </a:p>
+        </p:txBody>
+      </p:sp>
+      <p:sp>
+        <p:nvSpPr>
+          <p:cNvPr id="8" name="スライド番号プレースホルダー 7">
+            <a:extLst>
+              <a:ext uri="{FF2B5EF4-FFF2-40B4-BE49-F238E27FC236}">
+                <a16:creationId xmlns:a16="http://schemas.microsoft.com/office/drawing/2014/main" id="{1864FF29-3DCD-46F7-9BBB-ACC4D79160FE}"/>
+              </a:ext>
+            </a:extLst>
+          </p:cNvPr>
+          <p:cNvSpPr>
+            <a:spLocks noGrp="1"/>
+          </p:cNvSpPr>
+          <p:nvPr>
+            <p:ph type="sldNum" sz="quarter" idx="12"/>
+          </p:nvPr>
+        </p:nvSpPr>
+        <p:spPr/>
+        <p:txBody>
+          <a:bodyPr/>
+          <a:lstStyle/>
+          <a:p>
+            <a:fld id="{D674207F-D268-470F-8874-8C684F840A9A}" type="slidenum">
+              <a:rPr kumimoji="1" lang="ja-JP" altLang="en-US" smtClean="0"/>
+              <a:t>9</a:t>
+            </a:fld>
+            <a:endParaRPr kumimoji="1" lang="ja-JP" altLang="en-US"/>
+          </a:p>
+        </p:txBody>
+      </p:sp>
     </p:spTree>
     <p:extLst>
       <p:ext uri="{BB962C8B-B14F-4D97-AF65-F5344CB8AC3E}">
-        <p14:creationId xmlns:p14="http://schemas.microsoft.com/office/powerpoint/2010/main" val="3439745565"/>
+        <p14:creationId xmlns:p14="http://schemas.microsoft.com/office/powerpoint/2010/main" val="362552906"/>
       </p:ext>
     </p:extLst>
   </p:cSld>
@@ -7162,4 +10547,299 @@
     </a:ext>
   </a:extLst>
 </a:theme>
+</file>
+
+<file path=ppt/theme/theme3.xml><?xml version="1.0" encoding="utf-8"?>
+<a:theme xmlns:a="http://schemas.openxmlformats.org/drawingml/2006/main" name="Office テーマ">
+  <a:themeElements>
+    <a:clrScheme name="Office">
+      <a:dk1>
+        <a:sysClr val="windowText" lastClr="000000"/>
+      </a:dk1>
+      <a:lt1>
+        <a:sysClr val="window" lastClr="FFFFFF"/>
+      </a:lt1>
+      <a:dk2>
+        <a:srgbClr val="44546A"/>
+      </a:dk2>
+      <a:lt2>
+        <a:srgbClr val="E7E6E6"/>
+      </a:lt2>
+      <a:accent1>
+        <a:srgbClr val="4472C4"/>
+      </a:accent1>
+      <a:accent2>
+        <a:srgbClr val="ED7D31"/>
+      </a:accent2>
+      <a:accent3>
+        <a:srgbClr val="A5A5A5"/>
+      </a:accent3>
+      <a:accent4>
+        <a:srgbClr val="FFC000"/>
+      </a:accent4>
+      <a:accent5>
+        <a:srgbClr val="5B9BD5"/>
+      </a:accent5>
+      <a:accent6>
+        <a:srgbClr val="70AD47"/>
+      </a:accent6>
+      <a:hlink>
+        <a:srgbClr val="0563C1"/>
+      </a:hlink>
+      <a:folHlink>
+        <a:srgbClr val="954F72"/>
+      </a:folHlink>
+    </a:clrScheme>
+    <a:fontScheme name="Office">
+      <a:majorFont>
+        <a:latin typeface="游ゴシック Light" panose="020F0302020204030204"/>
+        <a:ea typeface=""/>
+        <a:cs typeface=""/>
+        <a:font script="Jpan" typeface="游ゴシック Light"/>
+        <a:font script="Hang" typeface="맑은 고딕"/>
+        <a:font script="Hans" typeface="等线 Light"/>
+        <a:font script="Hant" typeface="新細明體"/>
+        <a:font script="Arab" typeface="Times New Roman"/>
+        <a:font script="Hebr" typeface="Times New Roman"/>
+        <a:font script="Thai" typeface="Angsana New"/>
+        <a:font script="Ethi" typeface="Nyala"/>
+        <a:font script="Beng" typeface="Vrinda"/>
+        <a:font script="Gujr" typeface="Shruti"/>
+        <a:font script="Khmr" typeface="MoolBoran"/>
+        <a:font script="Knda" typeface="Tunga"/>
+        <a:font script="Guru" typeface="Raavi"/>
+        <a:font script="Cans" typeface="Euphemia"/>
+        <a:font script="Cher" typeface="Plantagenet Cherokee"/>
+        <a:font script="Yiii" typeface="Microsoft Yi Baiti"/>
+        <a:font script="Tibt" typeface="Microsoft Himalaya"/>
+        <a:font script="Thaa" typeface="MV Boli"/>
+        <a:font script="Deva" typeface="Mangal"/>
+        <a:font script="Telu" typeface="Gautami"/>
+        <a:font script="Taml" typeface="Latha"/>
+        <a:font script="Syrc" typeface="Estrangelo Edessa"/>
+        <a:font script="Orya" typeface="Kalinga"/>
+        <a:font script="Mlym" typeface="Kartika"/>
+        <a:font script="Laoo" typeface="DokChampa"/>
+        <a:font script="Sinh" typeface="Iskoola Pota"/>
+        <a:font script="Mong" typeface="Mongolian Baiti"/>
+        <a:font script="Viet" typeface="Times New Roman"/>
+        <a:font script="Uigh" typeface="Microsoft Uighur"/>
+        <a:font script="Geor" typeface="Sylfaen"/>
+        <a:font script="Armn" typeface="Arial"/>
+        <a:font script="Bugi" typeface="Leelawadee UI"/>
+        <a:font script="Bopo" typeface="Microsoft JhengHei"/>
+        <a:font script="Java" typeface="Javanese Text"/>
+        <a:font script="Lisu" typeface="Segoe UI"/>
+        <a:font script="Mymr" typeface="Myanmar Text"/>
+        <a:font script="Nkoo" typeface="Ebrima"/>
+        <a:font script="Olck" typeface="Nirmala UI"/>
+        <a:font script="Osma" typeface="Ebrima"/>
+        <a:font script="Phag" typeface="Phagspa"/>
+        <a:font script="Syrn" typeface="Estrangelo Edessa"/>
+        <a:font script="Syrj" typeface="Estrangelo Edessa"/>
+        <a:font script="Syre" typeface="Estrangelo Edessa"/>
+        <a:font script="Sora" typeface="Nirmala UI"/>
+        <a:font script="Tale" typeface="Microsoft Tai Le"/>
+        <a:font script="Talu" typeface="Microsoft New Tai Lue"/>
+        <a:font script="Tfng" typeface="Ebrima"/>
+      </a:majorFont>
+      <a:minorFont>
+        <a:latin typeface="游ゴシック" panose="020F0502020204030204"/>
+        <a:ea typeface=""/>
+        <a:cs typeface=""/>
+        <a:font script="Jpan" typeface="游ゴシック"/>
+        <a:font script="Hang" typeface="맑은 고딕"/>
+        <a:font script="Hans" typeface="等线"/>
+        <a:font script="Hant" typeface="新細明體"/>
+        <a:font script="Arab" typeface="Arial"/>
+        <a:font script="Hebr" typeface="Arial"/>
+        <a:font script="Thai" typeface="Cordia New"/>
+        <a:font script="Ethi" typeface="Nyala"/>
+        <a:font script="Beng" typeface="Vrinda"/>
+        <a:font script="Gujr" typeface="Shruti"/>
+        <a:font script="Khmr" typeface="DaunPenh"/>
+        <a:font script="Knda" typeface="Tunga"/>
+        <a:font script="Guru" typeface="Raavi"/>
+        <a:font script="Cans" typeface="Euphemia"/>
+        <a:font script="Cher" typeface="Plantagenet Cherokee"/>
+        <a:font script="Yiii" typeface="Microsoft Yi Baiti"/>
+        <a:font script="Tibt" typeface="Microsoft Himalaya"/>
+        <a:font script="Thaa" typeface="MV Boli"/>
+        <a:font script="Deva" typeface="Mangal"/>
+        <a:font script="Telu" typeface="Gautami"/>
+        <a:font script="Taml" typeface="Latha"/>
+        <a:font script="Syrc" typeface="Estrangelo Edessa"/>
+        <a:font script="Orya" typeface="Kalinga"/>
+        <a:font script="Mlym" typeface="Kartika"/>
+        <a:font script="Laoo" typeface="DokChampa"/>
+        <a:font script="Sinh" typeface="Iskoola Pota"/>
+        <a:font script="Mong" typeface="Mongolian Baiti"/>
+        <a:font script="Viet" typeface="Arial"/>
+        <a:font script="Uigh" typeface="Microsoft Uighur"/>
+        <a:font script="Geor" typeface="Sylfaen"/>
+        <a:font script="Armn" typeface="Arial"/>
+        <a:font script="Bugi" typeface="Leelawadee UI"/>
+        <a:font script="Bopo" typeface="Microsoft JhengHei"/>
+        <a:font script="Java" typeface="Javanese Text"/>
+        <a:font script="Lisu" typeface="Segoe UI"/>
+        <a:font script="Mymr" typeface="Myanmar Text"/>
+        <a:font script="Nkoo" typeface="Ebrima"/>
+        <a:font script="Olck" typeface="Nirmala UI"/>
+        <a:font script="Osma" typeface="Ebrima"/>
+        <a:font script="Phag" typeface="Phagspa"/>
+        <a:font script="Syrn" typeface="Estrangelo Edessa"/>
+        <a:font script="Syrj" typeface="Estrangelo Edessa"/>
+        <a:font script="Syre" typeface="Estrangelo Edessa"/>
+        <a:font script="Sora" typeface="Nirmala UI"/>
+        <a:font script="Tale" typeface="Microsoft Tai Le"/>
+        <a:font script="Talu" typeface="Microsoft New Tai Lue"/>
+        <a:font script="Tfng" typeface="Ebrima"/>
+      </a:minorFont>
+    </a:fontScheme>
+    <a:fmtScheme name="Office">
+      <a:fillStyleLst>
+        <a:solidFill>
+          <a:schemeClr val="phClr"/>
+        </a:solidFill>
+        <a:gradFill rotWithShape="1">
+          <a:gsLst>
+            <a:gs pos="0">
+              <a:schemeClr val="phClr">
+                <a:lumMod val="110000"/>
+                <a:satMod val="105000"/>
+                <a:tint val="67000"/>
+              </a:schemeClr>
+            </a:gs>
+            <a:gs pos="50000">
+              <a:schemeClr val="phClr">
+                <a:lumMod val="105000"/>
+                <a:satMod val="103000"/>
+                <a:tint val="73000"/>
+              </a:schemeClr>
+            </a:gs>
+            <a:gs pos="100000">
+              <a:schemeClr val="phClr">
+                <a:lumMod val="105000"/>
+                <a:satMod val="109000"/>
+                <a:tint val="81000"/>
+              </a:schemeClr>
+            </a:gs>
+          </a:gsLst>
+          <a:lin ang="5400000" scaled="0"/>
+        </a:gradFill>
+        <a:gradFill rotWithShape="1">
+          <a:gsLst>
+            <a:gs pos="0">
+              <a:schemeClr val="phClr">
+                <a:satMod val="103000"/>
+                <a:lumMod val="102000"/>
+                <a:tint val="94000"/>
+              </a:schemeClr>
+            </a:gs>
+            <a:gs pos="50000">
+              <a:schemeClr val="phClr">
+                <a:satMod val="110000"/>
+                <a:lumMod val="100000"/>
+                <a:shade val="100000"/>
+              </a:schemeClr>
+            </a:gs>
+            <a:gs pos="100000">
+              <a:schemeClr val="phClr">
+                <a:lumMod val="99000"/>
+                <a:satMod val="120000"/>
+                <a:shade val="78000"/>
+              </a:schemeClr>
+            </a:gs>
+          </a:gsLst>
+          <a:lin ang="5400000" scaled="0"/>
+        </a:gradFill>
+      </a:fillStyleLst>
+      <a:lnStyleLst>
+        <a:ln w="6350" cap="flat" cmpd="sng" algn="ctr">
+          <a:solidFill>
+            <a:schemeClr val="phClr"/>
+          </a:solidFill>
+          <a:prstDash val="solid"/>
+          <a:miter lim="800000"/>
+        </a:ln>
+        <a:ln w="12700" cap="flat" cmpd="sng" algn="ctr">
+          <a:solidFill>
+            <a:schemeClr val="phClr"/>
+          </a:solidFill>
+          <a:prstDash val="solid"/>
+          <a:miter lim="800000"/>
+        </a:ln>
+        <a:ln w="19050" cap="flat" cmpd="sng" algn="ctr">
+          <a:solidFill>
+            <a:schemeClr val="phClr"/>
+          </a:solidFill>
+          <a:prstDash val="solid"/>
+          <a:miter lim="800000"/>
+        </a:ln>
+      </a:lnStyleLst>
+      <a:effectStyleLst>
+        <a:effectStyle>
+          <a:effectLst/>
+        </a:effectStyle>
+        <a:effectStyle>
+          <a:effectLst/>
+        </a:effectStyle>
+        <a:effectStyle>
+          <a:effectLst>
+            <a:outerShdw blurRad="57150" dist="19050" dir="5400000" algn="ctr" rotWithShape="0">
+              <a:srgbClr val="000000">
+                <a:alpha val="63000"/>
+              </a:srgbClr>
+            </a:outerShdw>
+          </a:effectLst>
+        </a:effectStyle>
+      </a:effectStyleLst>
+      <a:bgFillStyleLst>
+        <a:solidFill>
+          <a:schemeClr val="phClr"/>
+        </a:solidFill>
+        <a:solidFill>
+          <a:schemeClr val="phClr">
+            <a:tint val="95000"/>
+            <a:satMod val="170000"/>
+          </a:schemeClr>
+        </a:solidFill>
+        <a:gradFill rotWithShape="1">
+          <a:gsLst>
+            <a:gs pos="0">
+              <a:schemeClr val="phClr">
+                <a:tint val="93000"/>
+                <a:satMod val="150000"/>
+                <a:shade val="98000"/>
+                <a:lumMod val="102000"/>
+              </a:schemeClr>
+            </a:gs>
+            <a:gs pos="50000">
+              <a:schemeClr val="phClr">
+                <a:tint val="98000"/>
+                <a:satMod val="130000"/>
+                <a:shade val="90000"/>
+                <a:lumMod val="103000"/>
+              </a:schemeClr>
+            </a:gs>
+            <a:gs pos="100000">
+              <a:schemeClr val="phClr">
+                <a:shade val="63000"/>
+                <a:satMod val="120000"/>
+              </a:schemeClr>
+            </a:gs>
+          </a:gsLst>
+          <a:lin ang="5400000" scaled="0"/>
+        </a:gradFill>
+      </a:bgFillStyleLst>
+    </a:fmtScheme>
+  </a:themeElements>
+  <a:objectDefaults/>
+  <a:extraClrSchemeLst/>
+  <a:extLst>
+    <a:ext uri="{05A4C25C-085E-4340-85A3-A5531E510DB2}">
+      <thm15:themeFamily xmlns:thm15="http://schemas.microsoft.com/office/thememl/2012/main" name="Office Theme" id="{62F939B6-93AF-4DB8-9C6B-D6C7DFDC589F}" vid="{4A3C46E8-61CC-4603-A589-7422A47A8E4A}"/>
+    </a:ext>
+  </a:extLst>
+</a:theme>
 </file>
--- a/提出物/チーム漢_成果発表会プレゼン資料.pptx
+++ b/提出物/チーム漢_成果発表会プレゼン資料.pptx
@@ -6562,7 +6562,9 @@
         </p:nvSpPr>
         <p:spPr/>
         <p:txBody>
-          <a:bodyPr/>
+          <a:bodyPr>
+            <a:normAutofit fontScale="92500" lnSpcReduction="10000"/>
+          </a:bodyPr>
           <a:lstStyle/>
           <a:p>
             <a:r>
@@ -6578,6 +6580,53 @@
             <a:pPr marL="0" indent="0">
               <a:buNone/>
             </a:pPr>
+            <a:endParaRPr kumimoji="1" lang="en-US" altLang="ja-JP" dirty="0"/>
+          </a:p>
+          <a:p>
+            <a:pPr marL="0" indent="0">
+              <a:buNone/>
+            </a:pPr>
+            <a:r>
+              <a:rPr lang="ja-JP" altLang="en-US" dirty="0"/>
+              <a:t>　カスタム画面でテーマを変更したときに、それに伴い</a:t>
+            </a:r>
+            <a:r>
+              <a:rPr lang="en-US" altLang="ja-JP" dirty="0"/>
+              <a:t>DB</a:t>
+            </a:r>
+            <a:r>
+              <a:rPr lang="ja-JP" altLang="en-US" dirty="0"/>
+              <a:t>も変更される処理。（伊藤）</a:t>
+            </a:r>
+            <a:endParaRPr lang="en-US" altLang="ja-JP" dirty="0"/>
+          </a:p>
+          <a:p>
+            <a:pPr marL="0" indent="0">
+              <a:buNone/>
+            </a:pPr>
+            <a:endParaRPr lang="en-US" altLang="ja-JP" dirty="0"/>
+          </a:p>
+          <a:p>
+            <a:pPr marL="0" indent="0">
+              <a:buNone/>
+            </a:pPr>
+            <a:r>
+              <a:rPr lang="ja-JP" altLang="en-US" dirty="0"/>
+              <a:t>　管理者ページで管理者以外の全ユーザー情報を表示させる処理（秦）</a:t>
+            </a:r>
+            <a:endParaRPr lang="en-US" altLang="ja-JP" dirty="0"/>
+          </a:p>
+          <a:p>
+            <a:endParaRPr kumimoji="1" lang="en-US" altLang="ja-JP" dirty="0"/>
+          </a:p>
+          <a:p>
+            <a:pPr marL="0" indent="0">
+              <a:buNone/>
+            </a:pPr>
+            <a:r>
+              <a:rPr lang="ja-JP" altLang="en-US" dirty="0"/>
+              <a:t>　</a:t>
+            </a:r>
             <a:endParaRPr kumimoji="1" lang="en-US" altLang="ja-JP" dirty="0"/>
           </a:p>
           <a:p>
@@ -6804,7 +6853,9 @@
         </p:nvSpPr>
         <p:spPr/>
         <p:txBody>
-          <a:bodyPr/>
+          <a:bodyPr>
+            <a:normAutofit/>
+          </a:bodyPr>
           <a:lstStyle/>
           <a:p>
             <a:r>
@@ -6815,11 +6866,64 @@
           </a:p>
           <a:p>
             <a:endParaRPr lang="en-US" altLang="ja-JP" dirty="0"/>
+          </a:p>
+          <a:p>
+            <a:endParaRPr kumimoji="1" lang="en-US" altLang="ja-JP" dirty="0"/>
           </a:p>
           <a:p>
             <a:pPr marL="0" indent="0">
               <a:buNone/>
             </a:pPr>
+            <a:endParaRPr kumimoji="1" lang="en-US" altLang="ja-JP" dirty="0"/>
+          </a:p>
+          <a:p>
+            <a:pPr marL="0" indent="0">
+              <a:buNone/>
+            </a:pPr>
+            <a:r>
+              <a:rPr lang="ja-JP" altLang="en-US" dirty="0"/>
+              <a:t>　カスタムページで、スクリプト、関数、</a:t>
+            </a:r>
+            <a:r>
+              <a:rPr lang="en-US" altLang="ja-JP" dirty="0"/>
+              <a:t>DB</a:t>
+            </a:r>
+            <a:r>
+              <a:rPr lang="ja-JP" altLang="en-US" dirty="0" err="1"/>
+              <a:t>、</a:t>
+            </a:r>
+            <a:r>
+              <a:rPr lang="ja-JP" altLang="en-US" dirty="0"/>
+              <a:t>フォームの</a:t>
+            </a:r>
+            <a:r>
+              <a:rPr lang="en-US" altLang="ja-JP" dirty="0"/>
+              <a:t>4</a:t>
+            </a:r>
+            <a:r>
+              <a:rPr lang="ja-JP" altLang="en-US" dirty="0" err="1"/>
+              <a:t>つを</a:t>
+            </a:r>
+            <a:r>
+              <a:rPr lang="ja-JP" altLang="en-US" dirty="0"/>
+              <a:t>組み合わせた。（伊藤）</a:t>
+            </a:r>
+            <a:endParaRPr lang="en-US" altLang="ja-JP" dirty="0"/>
+          </a:p>
+          <a:p>
+            <a:pPr marL="0" indent="0">
+              <a:buNone/>
+            </a:pPr>
+            <a:endParaRPr kumimoji="1" lang="en-US" altLang="ja-JP" dirty="0"/>
+          </a:p>
+          <a:p>
+            <a:pPr marL="0" indent="0">
+              <a:buNone/>
+            </a:pPr>
+            <a:r>
+              <a:rPr lang="ja-JP" altLang="en-US" dirty="0"/>
+              <a:t>　管理者ページでチェックを入れた全ユーザー情報を削除できるようにした。（秦）</a:t>
+            </a:r>
             <a:endParaRPr kumimoji="1" lang="en-US" altLang="ja-JP" dirty="0"/>
           </a:p>
           <a:p>
@@ -7050,6 +7154,41 @@
               <a:rPr lang="ja-JP" altLang="en-US" dirty="0"/>
               <a:t>反省点</a:t>
             </a:r>
+            <a:endParaRPr lang="en-US" altLang="ja-JP" dirty="0"/>
+          </a:p>
+          <a:p>
+            <a:endParaRPr lang="en-US" altLang="ja-JP" dirty="0"/>
+          </a:p>
+          <a:p>
+            <a:pPr marL="0" indent="0">
+              <a:buNone/>
+            </a:pPr>
+            <a:endParaRPr lang="en-US" altLang="ja-JP" dirty="0"/>
+          </a:p>
+          <a:p>
+            <a:pPr marL="0" indent="0">
+              <a:buNone/>
+            </a:pPr>
+            <a:r>
+              <a:rPr lang="ja-JP" altLang="en-US" dirty="0"/>
+              <a:t>　変更の処理を共通関数に上手く纏められず、力不足だった。（伊藤）</a:t>
+            </a:r>
+            <a:endParaRPr lang="en-US" altLang="ja-JP" dirty="0"/>
+          </a:p>
+          <a:p>
+            <a:pPr marL="0" indent="0">
+              <a:buNone/>
+            </a:pPr>
+            <a:endParaRPr kumimoji="1" lang="en-US" altLang="ja-JP" dirty="0"/>
+          </a:p>
+          <a:p>
+            <a:pPr marL="0" indent="0">
+              <a:buNone/>
+            </a:pPr>
+            <a:r>
+              <a:rPr lang="ja-JP" altLang="en-US" dirty="0"/>
+              <a:t>　管理者ページからもユーザ情報を変更できるようにできればよかった。（秦）</a:t>
+            </a:r>
             <a:endParaRPr kumimoji="1" lang="en-US" altLang="ja-JP" dirty="0"/>
           </a:p>
         </p:txBody>
@@ -7270,7 +7409,14 @@
           <a:bodyPr/>
           <a:lstStyle/>
           <a:p>
-            <a:endParaRPr kumimoji="1" lang="ja-JP" altLang="en-US" dirty="0"/>
+            <a:pPr marL="0" indent="0">
+              <a:buNone/>
+            </a:pPr>
+            <a:r>
+              <a:rPr lang="ja-JP" altLang="en-US" dirty="0"/>
+              <a:t>　チーム漢で実際にチーム開発演習を行ってみて、</a:t>
+            </a:r>
+            <a:endParaRPr lang="en-US" altLang="ja-JP" dirty="0"/>
           </a:p>
         </p:txBody>
       </p:sp>

--- a/提出物/チーム漢_成果発表会プレゼン資料.pptx
+++ b/提出物/チーム漢_成果発表会プレゼン資料.pptx
@@ -1796,16 +1796,16 @@
             </a:r>
             <a:r>
               <a:rPr lang="ja-JP" altLang="en-US" dirty="0"/>
-              <a:t>図といった開発の基になる設計書を作成しました。</a:t>
+              <a:t>図といった開発の基になる設計書を作成しました。基本設計書を作ることでチームメンバーのイメージを共有することができました。</a:t>
             </a:r>
             <a:endParaRPr lang="en-US" altLang="ja-JP" dirty="0"/>
           </a:p>
           <a:p>
             <a:r>
               <a:rPr lang="ja-JP" altLang="en-US" dirty="0"/>
-              <a:t>　次に、作業工程表の作成、ここでは、基本設計書を参考にし、作業の細分化や作成、製造にあたってのスケジュール、また、誰がどこの作業を担当するのかという担当者の設定を決定しました。</a:t>
-            </a:r>
-            <a:endParaRPr kumimoji="1" lang="en-US" altLang="ja-JP" dirty="0"/>
+              <a:t>　次に、作業工程表の作成、ここでは、基本設計書を参考にし、作業の細分化や作成、製造にあたってのスケジュール、また、誰がどこの作業を担当するのかという担当者の設定を決定しました。作業の細分化を行うことで、自身のやるべきことが明確になった。</a:t>
+            </a:r>
+            <a:endParaRPr lang="en-US" altLang="ja-JP" dirty="0"/>
           </a:p>
         </p:txBody>
       </p:sp>
@@ -6563,17 +6563,24 @@
         <p:spPr/>
         <p:txBody>
           <a:bodyPr>
-            <a:normAutofit fontScale="92500" lnSpcReduction="10000"/>
+            <a:normAutofit/>
           </a:bodyPr>
           <a:lstStyle/>
           <a:p>
             <a:r>
-              <a:rPr kumimoji="1" lang="ja-JP" altLang="en-US" dirty="0"/>
+              <a:rPr kumimoji="1" lang="ja-JP" altLang="en-US" u="sng" dirty="0"/>
               <a:t>苦労した点</a:t>
             </a:r>
-            <a:endParaRPr kumimoji="1" lang="en-US" altLang="ja-JP" dirty="0"/>
-          </a:p>
-          <a:p>
+            <a:endParaRPr kumimoji="1" lang="en-US" altLang="ja-JP" u="sng" dirty="0"/>
+          </a:p>
+          <a:p>
+            <a:pPr marL="0" indent="0">
+              <a:buNone/>
+            </a:pPr>
+            <a:r>
+              <a:rPr lang="ja-JP" altLang="en-US" dirty="0"/>
+              <a:t>花岡：バグの洗い出し、デザインの考案</a:t>
+            </a:r>
             <a:endParaRPr lang="en-US" altLang="ja-JP" dirty="0"/>
           </a:p>
           <a:p>
@@ -6588,7 +6595,7 @@
             </a:pPr>
             <a:r>
               <a:rPr lang="ja-JP" altLang="en-US" dirty="0"/>
-              <a:t>　カスタム画面でテーマを変更したときに、それに伴い</a:t>
+              <a:t>伊藤：カスタム画面でテーマを変更したときに、それに伴い</a:t>
             </a:r>
             <a:r>
               <a:rPr lang="en-US" altLang="ja-JP" dirty="0"/>
@@ -6596,7 +6603,7 @@
             </a:r>
             <a:r>
               <a:rPr lang="ja-JP" altLang="en-US" dirty="0"/>
-              <a:t>も変更される処理。（伊藤）</a:t>
+              <a:t>　　　　　も変更される処理</a:t>
             </a:r>
             <a:endParaRPr lang="en-US" altLang="ja-JP" dirty="0"/>
           </a:p>
@@ -6612,11 +6619,8 @@
             </a:pPr>
             <a:r>
               <a:rPr lang="ja-JP" altLang="en-US" dirty="0"/>
-              <a:t>　管理者ページで管理者以外の全ユーザー情報を表示させる処理（秦）</a:t>
-            </a:r>
-            <a:endParaRPr lang="en-US" altLang="ja-JP" dirty="0"/>
-          </a:p>
-          <a:p>
+              <a:t>秦：管理者ページで管理者以外の全ユーザー情報を表示させる処理</a:t>
+            </a:r>
             <a:endParaRPr kumimoji="1" lang="en-US" altLang="ja-JP" dirty="0"/>
           </a:p>
           <a:p>
@@ -6859,16 +6863,20 @@
           <a:lstStyle/>
           <a:p>
             <a:r>
-              <a:rPr kumimoji="1" lang="ja-JP" altLang="en-US" dirty="0"/>
+              <a:rPr kumimoji="1" lang="ja-JP" altLang="en-US" u="sng" dirty="0"/>
               <a:t>工夫した点</a:t>
             </a:r>
-            <a:endParaRPr kumimoji="1" lang="en-US" altLang="ja-JP" dirty="0"/>
-          </a:p>
-          <a:p>
+            <a:endParaRPr kumimoji="1" lang="en-US" altLang="ja-JP" u="sng" dirty="0"/>
+          </a:p>
+          <a:p>
+            <a:pPr marL="0" indent="0">
+              <a:buNone/>
+            </a:pPr>
+            <a:r>
+              <a:rPr lang="ja-JP" altLang="en-US" dirty="0"/>
+              <a:t>花岡：ランキングページにおける指定期間ごとの日付の処理</a:t>
+            </a:r>
             <a:endParaRPr lang="en-US" altLang="ja-JP" dirty="0"/>
-          </a:p>
-          <a:p>
-            <a:endParaRPr kumimoji="1" lang="en-US" altLang="ja-JP" dirty="0"/>
           </a:p>
           <a:p>
             <a:pPr marL="0" indent="0">
@@ -6882,7 +6890,7 @@
             </a:pPr>
             <a:r>
               <a:rPr lang="ja-JP" altLang="en-US" dirty="0"/>
-              <a:t>　カスタムページで、スクリプト、関数、</a:t>
+              <a:t>伊藤：カスタムページで、スクリプト、関数、</a:t>
             </a:r>
             <a:r>
               <a:rPr lang="en-US" altLang="ja-JP" dirty="0"/>
@@ -6906,7 +6914,7 @@
             </a:r>
             <a:r>
               <a:rPr lang="ja-JP" altLang="en-US" dirty="0"/>
-              <a:t>組み合わせた。（伊藤）</a:t>
+              <a:t>組み合わせた</a:t>
             </a:r>
             <a:endParaRPr lang="en-US" altLang="ja-JP" dirty="0"/>
           </a:p>
@@ -6922,14 +6930,8 @@
             </a:pPr>
             <a:r>
               <a:rPr lang="ja-JP" altLang="en-US" dirty="0"/>
-              <a:t>　管理者ページでチェックを入れた全ユーザー情報を削除できるようにした。（秦）</a:t>
-            </a:r>
-            <a:endParaRPr kumimoji="1" lang="en-US" altLang="ja-JP" dirty="0"/>
-          </a:p>
-          <a:p>
-            <a:pPr marL="0" indent="0">
-              <a:buNone/>
-            </a:pPr>
+              <a:t>秦：管理者ページでチェックを入れた全ユーザー情報を削除できるようにした。</a:t>
+            </a:r>
             <a:endParaRPr lang="en-US" altLang="ja-JP" dirty="0"/>
           </a:p>
         </p:txBody>
@@ -7151,12 +7153,19 @@
           <a:lstStyle/>
           <a:p>
             <a:r>
+              <a:rPr lang="ja-JP" altLang="en-US" u="sng" dirty="0"/>
+              <a:t>反省点</a:t>
+            </a:r>
+            <a:endParaRPr lang="en-US" altLang="ja-JP" u="sng" dirty="0"/>
+          </a:p>
+          <a:p>
+            <a:pPr marL="0" indent="0">
+              <a:buNone/>
+            </a:pPr>
+            <a:r>
               <a:rPr lang="ja-JP" altLang="en-US" dirty="0"/>
-              <a:t>反省点</a:t>
-            </a:r>
-            <a:endParaRPr lang="en-US" altLang="ja-JP" dirty="0"/>
-          </a:p>
-          <a:p>
+              <a:t>花岡：コードの甘さによるランキングページの処理の遅延</a:t>
+            </a:r>
             <a:endParaRPr lang="en-US" altLang="ja-JP" dirty="0"/>
           </a:p>
           <a:p>
@@ -7171,7 +7180,7 @@
             </a:pPr>
             <a:r>
               <a:rPr lang="ja-JP" altLang="en-US" dirty="0"/>
-              <a:t>　変更の処理を共通関数に上手く纏められず、力不足だった。（伊藤）</a:t>
+              <a:t>伊藤：変更の処理を共通関数に上手く纏められず、力不足だった。</a:t>
             </a:r>
             <a:endParaRPr lang="en-US" altLang="ja-JP" dirty="0"/>
           </a:p>
@@ -7187,7 +7196,7 @@
             </a:pPr>
             <a:r>
               <a:rPr lang="ja-JP" altLang="en-US" dirty="0"/>
-              <a:t>　管理者ページからもユーザ情報を変更できるようにできればよかった。（秦）</a:t>
+              <a:t>秦：管理者ページからもユーザ情報を変更できるようにできればよかった。</a:t>
             </a:r>
             <a:endParaRPr kumimoji="1" lang="en-US" altLang="ja-JP" dirty="0"/>
           </a:p>
@@ -7414,9 +7423,63 @@
             </a:pPr>
             <a:r>
               <a:rPr lang="ja-JP" altLang="en-US" dirty="0"/>
-              <a:t>　チーム漢で実際にチーム開発演習を行ってみて、</a:t>
+              <a:t>　チーム漢で実際にチーム開発演習を行う上で、</a:t>
+            </a:r>
+            <a:r>
+              <a:rPr lang="en-US" altLang="ja-JP" dirty="0"/>
+              <a:t>0</a:t>
+            </a:r>
+            <a:r>
+              <a:rPr lang="ja-JP" altLang="en-US" dirty="0"/>
+              <a:t>から</a:t>
+            </a:r>
+            <a:r>
+              <a:rPr lang="en-US" altLang="ja-JP" dirty="0"/>
+              <a:t>1</a:t>
+            </a:r>
+            <a:r>
+              <a:rPr lang="ja-JP" altLang="en-US" dirty="0"/>
+              <a:t>を生み出すことの難しさや、チームで一体となって一つの目標を達成するという楽しさや達成感を味わうことができた。</a:t>
             </a:r>
             <a:endParaRPr lang="en-US" altLang="ja-JP" dirty="0"/>
+          </a:p>
+          <a:p>
+            <a:pPr marL="0" indent="0">
+              <a:buNone/>
+            </a:pPr>
+            <a:r>
+              <a:rPr lang="ja-JP" altLang="en-US" dirty="0"/>
+              <a:t>　演習をする中で、プログラミングの知識やチームで動くという面も学ぶことができた。</a:t>
+            </a:r>
+            <a:endParaRPr lang="en-US" altLang="ja-JP" dirty="0"/>
+          </a:p>
+          <a:p>
+            <a:pPr marL="0" indent="0">
+              <a:buNone/>
+            </a:pPr>
+            <a:r>
+              <a:rPr lang="ja-JP" altLang="en-US" dirty="0"/>
+              <a:t>　このチーム開発演習で身に着けた経験を少しでも業務に生かすことができるように頑張りたい。</a:t>
+            </a:r>
+            <a:endParaRPr lang="en-US" altLang="ja-JP" dirty="0"/>
+          </a:p>
+          <a:p>
+            <a:pPr marL="0" indent="0">
+              <a:buNone/>
+            </a:pPr>
+            <a:r>
+              <a:rPr lang="ja-JP" altLang="en-US" u="sng" dirty="0">
+                <a:solidFill>
+                  <a:srgbClr val="FF0000"/>
+                </a:solidFill>
+              </a:rPr>
+              <a:t>　漢としての自覚をもち、漢力が磨かれた。</a:t>
+            </a:r>
+            <a:endParaRPr lang="en-US" altLang="ja-JP" u="sng" dirty="0">
+              <a:solidFill>
+                <a:srgbClr val="FF0000"/>
+              </a:solidFill>
+            </a:endParaRPr>
           </a:p>
         </p:txBody>
       </p:sp>
@@ -8535,76 +8598,160 @@
           </a:bodyPr>
           <a:lstStyle/>
           <a:p>
-            <a:pPr marL="0" indent="0">
+            <a:pPr>
+              <a:lnSpc>
+                <a:spcPct val="125000"/>
+              </a:lnSpc>
               <a:buNone/>
             </a:pPr>
             <a:r>
-              <a:rPr lang="ja-JP" altLang="en-US" sz="4000" dirty="0">
+              <a:rPr lang="ja-JP" altLang="ja-JP" b="1" dirty="0">
+                <a:solidFill>
+                  <a:srgbClr val="000000"/>
+                </a:solidFill>
                 <a:latin typeface="メイリオ" panose="020B0604030504040204" pitchFamily="50" charset="-128"/>
-                <a:ea typeface="メイリオ" panose="020B0604030504040204" pitchFamily="50" charset="-128"/>
               </a:rPr>
-              <a:t>チーム漢</a:t>
-            </a:r>
-            <a:endParaRPr lang="en-US" altLang="ja-JP" sz="4000" dirty="0">
-              <a:latin typeface="メイリオ" panose="020B0604030504040204" pitchFamily="50" charset="-128"/>
-              <a:ea typeface="メイリオ" panose="020B0604030504040204" pitchFamily="50" charset="-128"/>
-            </a:endParaRPr>
-          </a:p>
-          <a:p>
-            <a:pPr marL="0" indent="0">
+              <a:t>リーダー</a:t>
+            </a:r>
+          </a:p>
+          <a:p>
+            <a:pPr lvl="1" indent="0">
+              <a:lnSpc>
+                <a:spcPct val="125000"/>
+              </a:lnSpc>
               <a:buNone/>
             </a:pPr>
-            <a:endParaRPr lang="en-US" altLang="ja-JP" sz="3600" dirty="0">
+            <a:r>
+              <a:rPr lang="ja-JP" altLang="en-US" sz="2800" dirty="0">
+                <a:solidFill>
+                  <a:srgbClr val="000000"/>
+                </a:solidFill>
+                <a:latin typeface="メイリオ" panose="020B0604030504040204" pitchFamily="50" charset="-128"/>
+              </a:rPr>
+              <a:t>花岡　宗史</a:t>
+            </a:r>
+            <a:r>
+              <a:rPr lang="ja-JP" altLang="ja-JP" sz="2800" dirty="0">
+                <a:solidFill>
+                  <a:srgbClr val="000000"/>
+                </a:solidFill>
+                <a:latin typeface="メイリオ" panose="020B0604030504040204" pitchFamily="50" charset="-128"/>
+              </a:rPr>
+              <a:t>：</a:t>
+            </a:r>
+            <a:r>
+              <a:rPr lang="ja-JP" altLang="en-US" sz="2800" dirty="0">
+                <a:solidFill>
+                  <a:srgbClr val="000000"/>
+                </a:solidFill>
+                <a:latin typeface="メイリオ" panose="020B0604030504040204" pitchFamily="50" charset="-128"/>
+              </a:rPr>
+              <a:t>ランキング、デザイン</a:t>
+            </a:r>
+            <a:endParaRPr lang="ja-JP" altLang="ja-JP" sz="2800" dirty="0">
+              <a:solidFill>
+                <a:srgbClr val="000000"/>
+              </a:solidFill>
               <a:latin typeface="メイリオ" panose="020B0604030504040204" pitchFamily="50" charset="-128"/>
-              <a:ea typeface="メイリオ" panose="020B0604030504040204" pitchFamily="50" charset="-128"/>
             </a:endParaRPr>
           </a:p>
           <a:p>
-            <a:pPr marL="0" indent="0">
+            <a:pPr>
+              <a:lnSpc>
+                <a:spcPct val="125000"/>
+              </a:lnSpc>
               <a:buNone/>
             </a:pPr>
             <a:r>
-              <a:rPr lang="ja-JP" altLang="en-US" sz="3600" dirty="0">
+              <a:rPr lang="ja-JP" altLang="ja-JP" b="1" dirty="0">
+                <a:solidFill>
+                  <a:srgbClr val="000000"/>
+                </a:solidFill>
                 <a:latin typeface="メイリオ" panose="020B0604030504040204" pitchFamily="50" charset="-128"/>
-                <a:ea typeface="メイリオ" panose="020B0604030504040204" pitchFamily="50" charset="-128"/>
               </a:rPr>
-              <a:t>・花岡　宗史（リーダー）</a:t>
-            </a:r>
-            <a:endParaRPr lang="en-US" altLang="ja-JP" sz="3600" dirty="0">
-              <a:latin typeface="メイリオ" panose="020B0604030504040204" pitchFamily="50" charset="-128"/>
-              <a:ea typeface="メイリオ" panose="020B0604030504040204" pitchFamily="50" charset="-128"/>
-            </a:endParaRPr>
-          </a:p>
-          <a:p>
-            <a:pPr marL="0" indent="0">
+              <a:t>メンバー</a:t>
+            </a:r>
+          </a:p>
+          <a:p>
+            <a:pPr lvl="1" indent="0">
+              <a:lnSpc>
+                <a:spcPct val="125000"/>
+              </a:lnSpc>
               <a:buNone/>
             </a:pPr>
             <a:r>
-              <a:rPr kumimoji="1" lang="ja-JP" altLang="en-US" sz="3600" dirty="0">
+              <a:rPr lang="ja-JP" altLang="en-US" sz="2800" dirty="0">
+                <a:solidFill>
+                  <a:srgbClr val="000000"/>
+                </a:solidFill>
                 <a:latin typeface="メイリオ" panose="020B0604030504040204" pitchFamily="50" charset="-128"/>
-                <a:ea typeface="メイリオ" panose="020B0604030504040204" pitchFamily="50" charset="-128"/>
               </a:rPr>
-              <a:t>・伊藤　明洋（サブリーダー）</a:t>
-            </a:r>
-            <a:endParaRPr kumimoji="1" lang="en-US" altLang="ja-JP" sz="3600" dirty="0">
+              <a:t>伊藤　明洋</a:t>
+            </a:r>
+            <a:r>
+              <a:rPr lang="ja-JP" altLang="ja-JP" sz="2800" dirty="0">
+                <a:solidFill>
+                  <a:srgbClr val="000000"/>
+                </a:solidFill>
+                <a:latin typeface="メイリオ" panose="020B0604030504040204" pitchFamily="50" charset="-128"/>
+              </a:rPr>
+              <a:t>：</a:t>
+            </a:r>
+            <a:r>
+              <a:rPr lang="ja-JP" altLang="en-US" sz="2800" dirty="0">
+                <a:solidFill>
+                  <a:srgbClr val="000000"/>
+                </a:solidFill>
+                <a:latin typeface="メイリオ" panose="020B0604030504040204" pitchFamily="50" charset="-128"/>
+              </a:rPr>
+              <a:t>アカウント情報、カスタム、ショップ</a:t>
+            </a:r>
+            <a:endParaRPr lang="ja-JP" altLang="ja-JP" sz="2800" dirty="0">
+              <a:solidFill>
+                <a:srgbClr val="000000"/>
+              </a:solidFill>
               <a:latin typeface="メイリオ" panose="020B0604030504040204" pitchFamily="50" charset="-128"/>
-              <a:ea typeface="メイリオ" panose="020B0604030504040204" pitchFamily="50" charset="-128"/>
             </a:endParaRPr>
           </a:p>
           <a:p>
-            <a:pPr marL="0" indent="0">
+            <a:pPr lvl="1" indent="0">
+              <a:lnSpc>
+                <a:spcPct val="125000"/>
+              </a:lnSpc>
               <a:buNone/>
             </a:pPr>
             <a:r>
-              <a:rPr kumimoji="1" lang="ja-JP" altLang="en-US" sz="3600" dirty="0">
+              <a:rPr lang="ja-JP" altLang="en-US" sz="2800" dirty="0">
+                <a:solidFill>
+                  <a:srgbClr val="000000"/>
+                </a:solidFill>
                 <a:latin typeface="メイリオ" panose="020B0604030504040204" pitchFamily="50" charset="-128"/>
-                <a:ea typeface="メイリオ" panose="020B0604030504040204" pitchFamily="50" charset="-128"/>
               </a:rPr>
-              <a:t>・秦　伊吹（書記）</a:t>
-            </a:r>
-            <a:endParaRPr kumimoji="1" lang="en-US" altLang="ja-JP" sz="3600" dirty="0">
+              <a:t>秦　伊吹</a:t>
+            </a:r>
+            <a:r>
+              <a:rPr lang="ja-JP" altLang="ja-JP" sz="2800" dirty="0">
+                <a:solidFill>
+                  <a:srgbClr val="000000"/>
+                </a:solidFill>
+                <a:latin typeface="メイリオ" panose="020B0604030504040204" pitchFamily="50" charset="-128"/>
+              </a:rPr>
+              <a:t>：</a:t>
+            </a:r>
+            <a:r>
+              <a:rPr lang="ja-JP" altLang="en-US" sz="2800" dirty="0">
+                <a:solidFill>
+                  <a:srgbClr val="000000"/>
+                </a:solidFill>
+                <a:latin typeface="メイリオ" panose="020B0604030504040204" pitchFamily="50" charset="-128"/>
+              </a:rPr>
+              <a:t>ログイン、管理者</a:t>
+            </a:r>
+            <a:endParaRPr lang="ja-JP" altLang="ja-JP" sz="2800" dirty="0">
+              <a:solidFill>
+                <a:srgbClr val="000000"/>
+              </a:solidFill>
               <a:latin typeface="メイリオ" panose="020B0604030504040204" pitchFamily="50" charset="-128"/>
-              <a:ea typeface="メイリオ" panose="020B0604030504040204" pitchFamily="50" charset="-128"/>
             </a:endParaRPr>
           </a:p>
         </p:txBody>
@@ -8902,6 +9049,17 @@
               </a:rPr>
               <a:t>50</a:t>
             </a:r>
+            <a:r>
+              <a:rPr lang="ja-JP" altLang="en-US" sz="4000" dirty="0">
+                <a:latin typeface="メイリオ" panose="020B0604030504040204" pitchFamily="50" charset="-128"/>
+                <a:ea typeface="メイリオ" panose="020B0604030504040204" pitchFamily="50" charset="-128"/>
+              </a:rPr>
+              <a:t>件</a:t>
+            </a:r>
+            <a:endParaRPr lang="en-US" altLang="ja-JP" sz="4000" dirty="0">
+              <a:latin typeface="メイリオ" panose="020B0604030504040204" pitchFamily="50" charset="-128"/>
+              <a:ea typeface="メイリオ" panose="020B0604030504040204" pitchFamily="50" charset="-128"/>
+            </a:endParaRPr>
           </a:p>
           <a:p>
             <a:pPr marL="0" indent="0">
@@ -8926,7 +9084,7 @@
                 <a:latin typeface="メイリオ" panose="020B0604030504040204" pitchFamily="50" charset="-128"/>
                 <a:ea typeface="メイリオ" panose="020B0604030504040204" pitchFamily="50" charset="-128"/>
               </a:rPr>
-              <a:t>バグは現在修正済み。</a:t>
+              <a:t>発生したバグは現在修正済み。</a:t>
             </a:r>
           </a:p>
         </p:txBody>
@@ -9154,44 +9312,77 @@
           <a:p>
             <a:r>
               <a:rPr kumimoji="1" lang="ja-JP" altLang="en-US" dirty="0"/>
-              <a:t>要件定義書の作成</a:t>
-            </a:r>
-            <a:endParaRPr kumimoji="1" lang="en-US" altLang="ja-JP" dirty="0"/>
-          </a:p>
-          <a:p>
-            <a:pPr marL="0" indent="0">
-              <a:buNone/>
-            </a:pPr>
-            <a:r>
-              <a:rPr kumimoji="1" lang="ja-JP" altLang="en-US" dirty="0"/>
-              <a:t>　</a:t>
-            </a:r>
-            <a:endParaRPr lang="en-US" altLang="ja-JP" dirty="0"/>
-          </a:p>
-          <a:p>
-            <a:r>
-              <a:rPr kumimoji="1" lang="ja-JP" altLang="en-US" dirty="0"/>
-              <a:t>基本設計書の作成</a:t>
-            </a:r>
-            <a:endParaRPr kumimoji="1" lang="en-US" altLang="ja-JP" dirty="0"/>
-          </a:p>
-          <a:p>
-            <a:pPr marL="0" indent="0">
-              <a:buNone/>
-            </a:pPr>
-            <a:r>
-              <a:rPr kumimoji="1" lang="ja-JP" altLang="en-US" dirty="0"/>
-              <a:t>　開発規約や機能一覧、画面遷移図、</a:t>
-            </a:r>
-            <a:r>
-              <a:rPr kumimoji="1" lang="en-US" altLang="ja-JP" dirty="0"/>
-              <a:t>ER</a:t>
-            </a:r>
-            <a:r>
-              <a:rPr kumimoji="1" lang="ja-JP" altLang="en-US" dirty="0"/>
-              <a:t>図を記載。</a:t>
-            </a:r>
-            <a:endParaRPr kumimoji="1" lang="en-US" altLang="ja-JP" dirty="0"/>
+              <a:t>要件定義書の作成　</a:t>
+            </a:r>
+            <a:r>
+              <a:rPr lang="ja-JP" altLang="en-US" dirty="0">
+                <a:solidFill>
+                  <a:srgbClr val="000000"/>
+                </a:solidFill>
+                <a:latin typeface="メイリオ" panose="020B0604030504040204" pitchFamily="50" charset="-128"/>
+              </a:rPr>
+              <a:t>予定</a:t>
+            </a:r>
+            <a:r>
+              <a:rPr lang="en-US" altLang="ja-JP" dirty="0">
+                <a:solidFill>
+                  <a:srgbClr val="000000"/>
+                </a:solidFill>
+                <a:latin typeface="メイリオ" panose="020B0604030504040204" pitchFamily="50" charset="-128"/>
+              </a:rPr>
+              <a:t>1</a:t>
+            </a:r>
+            <a:r>
+              <a:rPr lang="ja-JP" altLang="en-US" dirty="0">
+                <a:solidFill>
+                  <a:srgbClr val="000000"/>
+                </a:solidFill>
+                <a:latin typeface="メイリオ" panose="020B0604030504040204" pitchFamily="50" charset="-128"/>
+              </a:rPr>
+              <a:t>日 </a:t>
+            </a:r>
+            <a:r>
+              <a:rPr lang="en-US" altLang="ja-JP" dirty="0">
+                <a:solidFill>
+                  <a:srgbClr val="000000"/>
+                </a:solidFill>
+                <a:latin typeface="メイリオ" panose="020B0604030504040204" pitchFamily="50" charset="-128"/>
+              </a:rPr>
+              <a:t>/ </a:t>
+            </a:r>
+            <a:r>
+              <a:rPr lang="ja-JP" altLang="en-US" dirty="0">
+                <a:solidFill>
+                  <a:srgbClr val="000000"/>
+                </a:solidFill>
+                <a:latin typeface="メイリオ" panose="020B0604030504040204" pitchFamily="50" charset="-128"/>
+              </a:rPr>
+              <a:t>実績</a:t>
+            </a:r>
+            <a:r>
+              <a:rPr lang="en-US" altLang="ja-JP" dirty="0">
+                <a:solidFill>
+                  <a:srgbClr val="000000"/>
+                </a:solidFill>
+                <a:latin typeface="メイリオ" panose="020B0604030504040204" pitchFamily="50" charset="-128"/>
+              </a:rPr>
+              <a:t>1</a:t>
+            </a:r>
+            <a:r>
+              <a:rPr lang="ja-JP" altLang="en-US" dirty="0">
+                <a:solidFill>
+                  <a:srgbClr val="000000"/>
+                </a:solidFill>
+                <a:latin typeface="メイリオ" panose="020B0604030504040204" pitchFamily="50" charset="-128"/>
+              </a:rPr>
+              <a:t>日</a:t>
+            </a:r>
+            <a:endParaRPr lang="en-US" altLang="ja-JP" dirty="0">
+              <a:solidFill>
+                <a:srgbClr val="000000"/>
+              </a:solidFill>
+              <a:latin typeface="メイリオ" panose="020B0604030504040204" pitchFamily="50" charset="-128"/>
+            </a:endParaRPr>
           </a:p>
           <a:p>
             <a:pPr marL="0" indent="0">
@@ -9202,17 +9393,170 @@
           <a:p>
             <a:r>
               <a:rPr kumimoji="1" lang="ja-JP" altLang="en-US" dirty="0"/>
-              <a:t>作業工程表の作成</a:t>
-            </a:r>
-            <a:endParaRPr kumimoji="1" lang="en-US" altLang="ja-JP" dirty="0"/>
+              <a:t>基本設計書の作成　</a:t>
+            </a:r>
+            <a:r>
+              <a:rPr lang="ja-JP" altLang="en-US" dirty="0">
+                <a:solidFill>
+                  <a:srgbClr val="000000"/>
+                </a:solidFill>
+                <a:latin typeface="メイリオ" panose="020B0604030504040204" pitchFamily="50" charset="-128"/>
+              </a:rPr>
+              <a:t>予定</a:t>
+            </a:r>
+            <a:r>
+              <a:rPr lang="en-US" altLang="ja-JP" dirty="0">
+                <a:solidFill>
+                  <a:srgbClr val="000000"/>
+                </a:solidFill>
+                <a:latin typeface="メイリオ" panose="020B0604030504040204" pitchFamily="50" charset="-128"/>
+              </a:rPr>
+              <a:t>1</a:t>
+            </a:r>
+            <a:r>
+              <a:rPr lang="ja-JP" altLang="en-US" dirty="0">
+                <a:solidFill>
+                  <a:srgbClr val="000000"/>
+                </a:solidFill>
+                <a:latin typeface="メイリオ" panose="020B0604030504040204" pitchFamily="50" charset="-128"/>
+              </a:rPr>
+              <a:t>日 </a:t>
+            </a:r>
+            <a:r>
+              <a:rPr lang="en-US" altLang="ja-JP" dirty="0">
+                <a:solidFill>
+                  <a:srgbClr val="000000"/>
+                </a:solidFill>
+                <a:latin typeface="メイリオ" panose="020B0604030504040204" pitchFamily="50" charset="-128"/>
+              </a:rPr>
+              <a:t>/ </a:t>
+            </a:r>
+            <a:r>
+              <a:rPr lang="ja-JP" altLang="en-US" dirty="0">
+                <a:solidFill>
+                  <a:srgbClr val="000000"/>
+                </a:solidFill>
+                <a:latin typeface="メイリオ" panose="020B0604030504040204" pitchFamily="50" charset="-128"/>
+              </a:rPr>
+              <a:t>実績</a:t>
+            </a:r>
+            <a:r>
+              <a:rPr lang="en-US" altLang="ja-JP" dirty="0">
+                <a:solidFill>
+                  <a:srgbClr val="000000"/>
+                </a:solidFill>
+                <a:latin typeface="メイリオ" panose="020B0604030504040204" pitchFamily="50" charset="-128"/>
+              </a:rPr>
+              <a:t>2</a:t>
+            </a:r>
+            <a:r>
+              <a:rPr lang="ja-JP" altLang="en-US" dirty="0">
+                <a:solidFill>
+                  <a:srgbClr val="000000"/>
+                </a:solidFill>
+                <a:latin typeface="メイリオ" panose="020B0604030504040204" pitchFamily="50" charset="-128"/>
+              </a:rPr>
+              <a:t>日</a:t>
+            </a:r>
+            <a:endParaRPr kumimoji="1" lang="en-US" altLang="ja-JP" b="1" dirty="0"/>
           </a:p>
           <a:p>
             <a:pPr marL="0" indent="0">
               <a:buNone/>
             </a:pPr>
             <a:r>
+              <a:rPr kumimoji="1" lang="ja-JP" altLang="en-US" dirty="0"/>
+              <a:t>　基本設計書</a:t>
+            </a:r>
+            <a:r>
               <a:rPr lang="ja-JP" altLang="en-US" dirty="0"/>
-              <a:t>　作業の細分化やスケジュール、担当者の設定。</a:t>
+              <a:t>を作ることでチームメンバーのイメージを共有できた。</a:t>
+            </a:r>
+            <a:endParaRPr lang="en-US" altLang="ja-JP" dirty="0"/>
+          </a:p>
+          <a:p>
+            <a:pPr marL="0" indent="0">
+              <a:buNone/>
+            </a:pPr>
+            <a:endParaRPr lang="en-US" altLang="ja-JP" dirty="0"/>
+          </a:p>
+          <a:p>
+            <a:r>
+              <a:rPr kumimoji="1" lang="ja-JP" altLang="en-US" dirty="0"/>
+              <a:t>作業工程表の作成　</a:t>
+            </a:r>
+            <a:r>
+              <a:rPr lang="ja-JP" altLang="en-US" dirty="0">
+                <a:solidFill>
+                  <a:srgbClr val="000000"/>
+                </a:solidFill>
+                <a:latin typeface="メイリオ" panose="020B0604030504040204" pitchFamily="50" charset="-128"/>
+              </a:rPr>
+              <a:t>予定</a:t>
+            </a:r>
+            <a:r>
+              <a:rPr lang="en-US" altLang="ja-JP" dirty="0">
+                <a:solidFill>
+                  <a:srgbClr val="000000"/>
+                </a:solidFill>
+                <a:latin typeface="メイリオ" panose="020B0604030504040204" pitchFamily="50" charset="-128"/>
+              </a:rPr>
+              <a:t>1</a:t>
+            </a:r>
+            <a:r>
+              <a:rPr lang="ja-JP" altLang="en-US" dirty="0">
+                <a:solidFill>
+                  <a:srgbClr val="000000"/>
+                </a:solidFill>
+                <a:latin typeface="メイリオ" panose="020B0604030504040204" pitchFamily="50" charset="-128"/>
+              </a:rPr>
+              <a:t>日 </a:t>
+            </a:r>
+            <a:r>
+              <a:rPr lang="en-US" altLang="ja-JP" dirty="0">
+                <a:solidFill>
+                  <a:srgbClr val="000000"/>
+                </a:solidFill>
+                <a:latin typeface="メイリオ" panose="020B0604030504040204" pitchFamily="50" charset="-128"/>
+              </a:rPr>
+              <a:t>/ </a:t>
+            </a:r>
+            <a:r>
+              <a:rPr lang="ja-JP" altLang="en-US" dirty="0">
+                <a:solidFill>
+                  <a:srgbClr val="000000"/>
+                </a:solidFill>
+                <a:latin typeface="メイリオ" panose="020B0604030504040204" pitchFamily="50" charset="-128"/>
+              </a:rPr>
+              <a:t>実績</a:t>
+            </a:r>
+            <a:r>
+              <a:rPr lang="en-US" altLang="ja-JP" dirty="0">
+                <a:solidFill>
+                  <a:srgbClr val="000000"/>
+                </a:solidFill>
+                <a:latin typeface="メイリオ" panose="020B0604030504040204" pitchFamily="50" charset="-128"/>
+              </a:rPr>
+              <a:t>1</a:t>
+            </a:r>
+            <a:r>
+              <a:rPr lang="ja-JP" altLang="en-US" dirty="0">
+                <a:solidFill>
+                  <a:srgbClr val="000000"/>
+                </a:solidFill>
+                <a:latin typeface="メイリオ" panose="020B0604030504040204" pitchFamily="50" charset="-128"/>
+              </a:rPr>
+              <a:t>日</a:t>
+            </a:r>
+            <a:endParaRPr kumimoji="1" lang="en-US" altLang="ja-JP" dirty="0"/>
+          </a:p>
+          <a:p>
+            <a:pPr marL="0" indent="0">
+              <a:buNone/>
+            </a:pPr>
+            <a:r>
+              <a:rPr lang="ja-JP" altLang="en-US" dirty="0"/>
+              <a:t>　作業の細分化を行うことで、自身のやるべきことが明確になった。</a:t>
             </a:r>
             <a:endParaRPr kumimoji="1" lang="ja-JP" altLang="en-US" dirty="0"/>
           </a:p>
@@ -9444,7 +9788,70 @@
             </a:r>
             <a:r>
               <a:rPr kumimoji="1" lang="ja-JP" altLang="en-US" dirty="0"/>
-              <a:t>の作成</a:t>
+              <a:t>の作成　</a:t>
+            </a:r>
+            <a:r>
+              <a:rPr lang="ja-JP" altLang="en-US" dirty="0">
+                <a:solidFill>
+                  <a:srgbClr val="000000"/>
+                </a:solidFill>
+                <a:latin typeface="メイリオ" panose="020B0604030504040204" pitchFamily="50" charset="-128"/>
+              </a:rPr>
+              <a:t>予定</a:t>
+            </a:r>
+            <a:r>
+              <a:rPr lang="en-US" altLang="ja-JP" dirty="0">
+                <a:solidFill>
+                  <a:srgbClr val="000000"/>
+                </a:solidFill>
+                <a:latin typeface="メイリオ" panose="020B0604030504040204" pitchFamily="50" charset="-128"/>
+              </a:rPr>
+              <a:t>2</a:t>
+            </a:r>
+            <a:r>
+              <a:rPr lang="ja-JP" altLang="en-US" dirty="0">
+                <a:solidFill>
+                  <a:srgbClr val="000000"/>
+                </a:solidFill>
+                <a:latin typeface="メイリオ" panose="020B0604030504040204" pitchFamily="50" charset="-128"/>
+              </a:rPr>
+              <a:t>日 </a:t>
+            </a:r>
+            <a:r>
+              <a:rPr lang="en-US" altLang="ja-JP" dirty="0">
+                <a:solidFill>
+                  <a:srgbClr val="000000"/>
+                </a:solidFill>
+                <a:latin typeface="メイリオ" panose="020B0604030504040204" pitchFamily="50" charset="-128"/>
+              </a:rPr>
+              <a:t>/ </a:t>
+            </a:r>
+            <a:r>
+              <a:rPr lang="ja-JP" altLang="en-US" dirty="0">
+                <a:solidFill>
+                  <a:srgbClr val="000000"/>
+                </a:solidFill>
+                <a:latin typeface="メイリオ" panose="020B0604030504040204" pitchFamily="50" charset="-128"/>
+              </a:rPr>
+              <a:t>実績</a:t>
+            </a:r>
+            <a:r>
+              <a:rPr lang="en-US" altLang="ja-JP" dirty="0">
+                <a:solidFill>
+                  <a:srgbClr val="000000"/>
+                </a:solidFill>
+                <a:latin typeface="メイリオ" panose="020B0604030504040204" pitchFamily="50" charset="-128"/>
+              </a:rPr>
+              <a:t>2</a:t>
+            </a:r>
+            <a:r>
+              <a:rPr lang="ja-JP" altLang="en-US" dirty="0">
+                <a:solidFill>
+                  <a:srgbClr val="000000"/>
+                </a:solidFill>
+                <a:latin typeface="メイリオ" panose="020B0604030504040204" pitchFamily="50" charset="-128"/>
+              </a:rPr>
+              <a:t>日</a:t>
             </a:r>
             <a:endParaRPr kumimoji="1" lang="en-US" altLang="ja-JP" dirty="0"/>
           </a:p>
@@ -9454,19 +9861,7 @@
             </a:pPr>
             <a:r>
               <a:rPr lang="ja-JP" altLang="en-US" dirty="0"/>
-              <a:t>　製造のための画面レイアウト（</a:t>
-            </a:r>
-            <a:r>
-              <a:rPr lang="en-US" altLang="ja-JP" dirty="0"/>
-              <a:t>PC</a:t>
-            </a:r>
-            <a:r>
-              <a:rPr lang="ja-JP" altLang="en-US" dirty="0" err="1"/>
-              <a:t>、</a:t>
-            </a:r>
-            <a:r>
-              <a:rPr lang="ja-JP" altLang="en-US" dirty="0"/>
-              <a:t>スマホ）や画面入出力の項目の洗い出し。</a:t>
+              <a:t>　画面のレイアウトを作成することで、スムーズに開発に取り組むことができた。</a:t>
             </a:r>
             <a:endParaRPr lang="en-US" altLang="ja-JP" dirty="0"/>
           </a:p>
@@ -9479,7 +9874,70 @@
           <a:p>
             <a:r>
               <a:rPr kumimoji="1" lang="ja-JP" altLang="en-US" dirty="0"/>
-              <a:t>プログラミング（製造）</a:t>
+              <a:t>プログラミング（製造）　</a:t>
+            </a:r>
+            <a:r>
+              <a:rPr lang="ja-JP" altLang="en-US" dirty="0">
+                <a:solidFill>
+                  <a:srgbClr val="000000"/>
+                </a:solidFill>
+                <a:latin typeface="メイリオ" panose="020B0604030504040204" pitchFamily="50" charset="-128"/>
+              </a:rPr>
+              <a:t>予定</a:t>
+            </a:r>
+            <a:r>
+              <a:rPr lang="en-US" altLang="ja-JP" dirty="0">
+                <a:solidFill>
+                  <a:srgbClr val="000000"/>
+                </a:solidFill>
+                <a:latin typeface="メイリオ" panose="020B0604030504040204" pitchFamily="50" charset="-128"/>
+              </a:rPr>
+              <a:t>3</a:t>
+            </a:r>
+            <a:r>
+              <a:rPr lang="ja-JP" altLang="en-US" dirty="0">
+                <a:solidFill>
+                  <a:srgbClr val="000000"/>
+                </a:solidFill>
+                <a:latin typeface="メイリオ" panose="020B0604030504040204" pitchFamily="50" charset="-128"/>
+              </a:rPr>
+              <a:t>日 </a:t>
+            </a:r>
+            <a:r>
+              <a:rPr lang="en-US" altLang="ja-JP" dirty="0">
+                <a:solidFill>
+                  <a:srgbClr val="000000"/>
+                </a:solidFill>
+                <a:latin typeface="メイリオ" panose="020B0604030504040204" pitchFamily="50" charset="-128"/>
+              </a:rPr>
+              <a:t>/ </a:t>
+            </a:r>
+            <a:r>
+              <a:rPr lang="ja-JP" altLang="en-US" dirty="0">
+                <a:solidFill>
+                  <a:srgbClr val="000000"/>
+                </a:solidFill>
+                <a:latin typeface="メイリオ" panose="020B0604030504040204" pitchFamily="50" charset="-128"/>
+              </a:rPr>
+              <a:t>実績</a:t>
+            </a:r>
+            <a:r>
+              <a:rPr lang="en-US" altLang="ja-JP" dirty="0">
+                <a:solidFill>
+                  <a:srgbClr val="000000"/>
+                </a:solidFill>
+                <a:latin typeface="メイリオ" panose="020B0604030504040204" pitchFamily="50" charset="-128"/>
+              </a:rPr>
+              <a:t>4</a:t>
+            </a:r>
+            <a:r>
+              <a:rPr lang="ja-JP" altLang="en-US" dirty="0">
+                <a:solidFill>
+                  <a:srgbClr val="000000"/>
+                </a:solidFill>
+                <a:latin typeface="メイリオ" panose="020B0604030504040204" pitchFamily="50" charset="-128"/>
+              </a:rPr>
+              <a:t>日</a:t>
             </a:r>
             <a:endParaRPr kumimoji="1" lang="en-US" altLang="ja-JP" dirty="0"/>
           </a:p>
@@ -9489,7 +9947,11 @@
             </a:pPr>
             <a:r>
               <a:rPr kumimoji="1" lang="ja-JP" altLang="en-US" dirty="0"/>
-              <a:t>　詳細設計書に基づき、製造を行った。</a:t>
+              <a:t>　</a:t>
+            </a:r>
+            <a:r>
+              <a:rPr lang="ja-JP" altLang="en-US" dirty="0"/>
+              <a:t>単体テストや結合テストを繰り返すことで、バグやミスをその都度、修正しながら製造を進めることができた。</a:t>
             </a:r>
             <a:endParaRPr kumimoji="1" lang="en-US" altLang="ja-JP" dirty="0"/>
           </a:p>
@@ -9713,7 +10175,70 @@
           <a:p>
             <a:r>
               <a:rPr kumimoji="1" lang="ja-JP" altLang="en-US" dirty="0"/>
-              <a:t>テスト仕様書の作成</a:t>
+              <a:t>テスト仕様書の作成　</a:t>
+            </a:r>
+            <a:r>
+              <a:rPr lang="ja-JP" altLang="en-US" dirty="0">
+                <a:solidFill>
+                  <a:srgbClr val="000000"/>
+                </a:solidFill>
+                <a:latin typeface="メイリオ" panose="020B0604030504040204" pitchFamily="50" charset="-128"/>
+              </a:rPr>
+              <a:t>予定</a:t>
+            </a:r>
+            <a:r>
+              <a:rPr lang="en-US" altLang="ja-JP" dirty="0">
+                <a:solidFill>
+                  <a:srgbClr val="000000"/>
+                </a:solidFill>
+                <a:latin typeface="メイリオ" panose="020B0604030504040204" pitchFamily="50" charset="-128"/>
+              </a:rPr>
+              <a:t>1</a:t>
+            </a:r>
+            <a:r>
+              <a:rPr lang="ja-JP" altLang="en-US" dirty="0">
+                <a:solidFill>
+                  <a:srgbClr val="000000"/>
+                </a:solidFill>
+                <a:latin typeface="メイリオ" panose="020B0604030504040204" pitchFamily="50" charset="-128"/>
+              </a:rPr>
+              <a:t>日 </a:t>
+            </a:r>
+            <a:r>
+              <a:rPr lang="en-US" altLang="ja-JP" dirty="0">
+                <a:solidFill>
+                  <a:srgbClr val="000000"/>
+                </a:solidFill>
+                <a:latin typeface="メイリオ" panose="020B0604030504040204" pitchFamily="50" charset="-128"/>
+              </a:rPr>
+              <a:t>/ </a:t>
+            </a:r>
+            <a:r>
+              <a:rPr lang="ja-JP" altLang="en-US" dirty="0">
+                <a:solidFill>
+                  <a:srgbClr val="000000"/>
+                </a:solidFill>
+                <a:latin typeface="メイリオ" panose="020B0604030504040204" pitchFamily="50" charset="-128"/>
+              </a:rPr>
+              <a:t>実績</a:t>
+            </a:r>
+            <a:r>
+              <a:rPr lang="en-US" altLang="ja-JP" dirty="0">
+                <a:solidFill>
+                  <a:srgbClr val="000000"/>
+                </a:solidFill>
+                <a:latin typeface="メイリオ" panose="020B0604030504040204" pitchFamily="50" charset="-128"/>
+              </a:rPr>
+              <a:t>1</a:t>
+            </a:r>
+            <a:r>
+              <a:rPr lang="ja-JP" altLang="en-US" dirty="0">
+                <a:solidFill>
+                  <a:srgbClr val="000000"/>
+                </a:solidFill>
+                <a:latin typeface="メイリオ" panose="020B0604030504040204" pitchFamily="50" charset="-128"/>
+              </a:rPr>
+              <a:t>日</a:t>
             </a:r>
             <a:endParaRPr kumimoji="1" lang="en-US" altLang="ja-JP" dirty="0"/>
           </a:p>
@@ -9737,7 +10262,17 @@
             </a:r>
             <a:r>
               <a:rPr lang="ja-JP" altLang="en-US" dirty="0"/>
-              <a:t>、作成したテスト仕様書に基づき、システムテストを実施。</a:t>
+              <a:t>、作成したテスト仕様書に基づき、システムテストを実施した。</a:t>
+            </a:r>
+            <a:endParaRPr lang="en-US" altLang="ja-JP" dirty="0"/>
+          </a:p>
+          <a:p>
+            <a:pPr marL="0" indent="0">
+              <a:buNone/>
+            </a:pPr>
+            <a:r>
+              <a:rPr kumimoji="1" lang="ja-JP" altLang="en-US" dirty="0"/>
+              <a:t>　製造の段階でテストを都度、実施していたためバグの発生数を抑えることができた。</a:t>
             </a:r>
             <a:endParaRPr kumimoji="1" lang="en-US" altLang="ja-JP" dirty="0"/>
           </a:p>

--- a/提出物/チーム漢_成果発表会プレゼン資料.pptx
+++ b/提出物/チーム漢_成果発表会プレゼン資料.pptx
@@ -20,9 +20,9 @@
     <p:sldId id="260" r:id="rId8"/>
     <p:sldId id="266" r:id="rId9"/>
     <p:sldId id="261" r:id="rId10"/>
-    <p:sldId id="262" r:id="rId11"/>
-    <p:sldId id="269" r:id="rId12"/>
-    <p:sldId id="267" r:id="rId13"/>
+    <p:sldId id="270" r:id="rId11"/>
+    <p:sldId id="271" r:id="rId12"/>
+    <p:sldId id="272" r:id="rId13"/>
     <p:sldId id="263" r:id="rId14"/>
     <p:sldId id="264" r:id="rId15"/>
   </p:sldIdLst>
@@ -228,7 +228,7 @@
           <a:p>
             <a:fld id="{4CED67AD-833E-4394-A053-51126191BB46}" type="datetimeFigureOut">
               <a:rPr kumimoji="1" lang="ja-JP" altLang="en-US" smtClean="0"/>
-              <a:t>2021/5/27</a:t>
+              <a:t>2021/5/28</a:t>
             </a:fld>
             <a:endParaRPr kumimoji="1" lang="ja-JP" altLang="en-US"/>
           </a:p>
@@ -406,7 +406,7 @@
           <a:p>
             <a:fld id="{6534E251-8A8A-4EC2-8937-554E0E192158}" type="datetimeFigureOut">
               <a:rPr kumimoji="1" lang="ja-JP" altLang="en-US" smtClean="0"/>
-              <a:t>2021/5/27</a:t>
+              <a:t>2021/5/28</a:t>
             </a:fld>
             <a:endParaRPr kumimoji="1" lang="ja-JP" altLang="en-US"/>
           </a:p>
@@ -900,7 +900,7 @@
     </p:spTree>
     <p:extLst>
       <p:ext uri="{BB962C8B-B14F-4D97-AF65-F5344CB8AC3E}">
-        <p14:creationId xmlns:p14="http://schemas.microsoft.com/office/powerpoint/2010/main" val="2758748724"/>
+        <p14:creationId xmlns:p14="http://schemas.microsoft.com/office/powerpoint/2010/main" val="3959005181"/>
       </p:ext>
     </p:extLst>
   </p:cSld>
@@ -956,14 +956,14 @@
           <a:p>
             <a:r>
               <a:rPr kumimoji="1" lang="ja-JP" altLang="en-US" dirty="0"/>
-              <a:t>　続いて、私たちがこのシステムを制作するうえで、苦労した点、工夫した点、反省点を順に発表したいと思います。</a:t>
+              <a:t>　続いて、私たちがこのシステムを制作するうえで、苦労した点、工夫した点、反省点を一人一人、順に発表したいと思います。</a:t>
             </a:r>
             <a:endParaRPr kumimoji="1" lang="en-US" altLang="ja-JP" dirty="0"/>
           </a:p>
           <a:p>
             <a:r>
               <a:rPr lang="ja-JP" altLang="en-US" dirty="0"/>
-              <a:t>　工夫した点は、</a:t>
+              <a:t>　まず、苦労した点は、</a:t>
             </a:r>
             <a:endParaRPr kumimoji="1" lang="ja-JP" altLang="en-US" dirty="0"/>
           </a:p>
@@ -995,7 +995,7 @@
     </p:spTree>
     <p:extLst>
       <p:ext uri="{BB962C8B-B14F-4D97-AF65-F5344CB8AC3E}">
-        <p14:creationId xmlns:p14="http://schemas.microsoft.com/office/powerpoint/2010/main" val="1849524492"/>
+        <p14:creationId xmlns:p14="http://schemas.microsoft.com/office/powerpoint/2010/main" val="793651262"/>
       </p:ext>
     </p:extLst>
   </p:cSld>
@@ -1050,15 +1050,17 @@
           <a:lstStyle/>
           <a:p>
             <a:r>
+              <a:rPr kumimoji="1" lang="ja-JP" altLang="en-US" dirty="0"/>
+              <a:t>　続いて、私たちがこのシステムを制作するうえで、苦労した点、工夫した点、反省点を一人一人、順に発表したいと思います。</a:t>
+            </a:r>
+            <a:endParaRPr kumimoji="1" lang="en-US" altLang="ja-JP" dirty="0"/>
+          </a:p>
+          <a:p>
+            <a:r>
               <a:rPr lang="ja-JP" altLang="en-US" dirty="0"/>
-              <a:t>　続いて、私たちがこのシステムを制作するうえで、苦労した点、工夫した点、反省点を順に発表したいと思います。</a:t>
-            </a:r>
-          </a:p>
-          <a:p>
-            <a:r>
-              <a:rPr kumimoji="1" lang="ja-JP" altLang="en-US" dirty="0"/>
-              <a:t>　反省点は、</a:t>
-            </a:r>
+              <a:t>　まず、苦労した点は、</a:t>
+            </a:r>
+            <a:endParaRPr kumimoji="1" lang="ja-JP" altLang="en-US" dirty="0"/>
           </a:p>
         </p:txBody>
       </p:sp>
@@ -1088,7 +1090,7 @@
     </p:spTree>
     <p:extLst>
       <p:ext uri="{BB962C8B-B14F-4D97-AF65-F5344CB8AC3E}">
-        <p14:creationId xmlns:p14="http://schemas.microsoft.com/office/powerpoint/2010/main" val="1353224975"/>
+        <p14:creationId xmlns:p14="http://schemas.microsoft.com/office/powerpoint/2010/main" val="2672395981"/>
       </p:ext>
     </p:extLst>
   </p:cSld>
@@ -1125,7 +1127,12 @@
             <p:ph type="sldImg"/>
           </p:nvPr>
         </p:nvSpPr>
-        <p:spPr/>
+        <p:spPr>
+          <a:xfrm>
+            <a:off x="685800" y="1143000"/>
+            <a:ext cx="5486400" cy="3086100"/>
+          </a:xfrm>
+        </p:spPr>
       </p:sp>
       <p:sp>
         <p:nvSpPr>
@@ -1144,8 +1151,79 @@
           <a:p>
             <a:r>
               <a:rPr kumimoji="1" lang="ja-JP" altLang="en-US" dirty="0"/>
-              <a:t>　最後にチーム漢でチーム開発演習を行ってきて、～～～～</a:t>
-            </a:r>
+              <a:t>　最後に、</a:t>
+            </a:r>
+            <a:r>
+              <a:rPr lang="ja-JP" altLang="en-US" dirty="0"/>
+              <a:t>チーム漢で実際にチーム開発演習を行う上で、</a:t>
+            </a:r>
+            <a:r>
+              <a:rPr lang="en-US" altLang="ja-JP" dirty="0"/>
+              <a:t>0</a:t>
+            </a:r>
+            <a:r>
+              <a:rPr lang="ja-JP" altLang="en-US" dirty="0"/>
+              <a:t>から</a:t>
+            </a:r>
+            <a:r>
+              <a:rPr lang="en-US" altLang="ja-JP" dirty="0"/>
+              <a:t>1</a:t>
+            </a:r>
+            <a:r>
+              <a:rPr lang="ja-JP" altLang="en-US" dirty="0"/>
+              <a:t>を生み出すことの難しさや、チームで一体となって一つの目標を達成するという楽しさや達成感を味わうことができた。</a:t>
+            </a:r>
+            <a:endParaRPr lang="en-US" altLang="ja-JP" dirty="0"/>
+          </a:p>
+          <a:p>
+            <a:r>
+              <a:rPr lang="ja-JP" altLang="en-US" dirty="0"/>
+              <a:t>　演習をする中で、プログラミングの知識やチームで動くという面も学ぶことができた。</a:t>
+            </a:r>
+            <a:endParaRPr lang="en-US" altLang="ja-JP" dirty="0"/>
+          </a:p>
+          <a:p>
+            <a:r>
+              <a:rPr lang="ja-JP" altLang="en-US" dirty="0"/>
+              <a:t>　このチーム開発演習で身に着けた経験を少しでも業務に生かすことができるように頑張りたい。</a:t>
+            </a:r>
+            <a:endParaRPr lang="en-US" altLang="ja-JP" dirty="0"/>
+          </a:p>
+          <a:p>
+            <a:r>
+              <a:rPr lang="ja-JP" altLang="en-US" dirty="0"/>
+              <a:t>なによりもこのチーム開発演習で一番吸収できたことは、</a:t>
+            </a:r>
+            <a:endParaRPr lang="en-US" altLang="ja-JP" dirty="0"/>
+          </a:p>
+          <a:p>
+            <a:r>
+              <a:rPr lang="ja-JP" altLang="en-US" u="sng" dirty="0">
+                <a:solidFill>
+                  <a:srgbClr val="FF0000"/>
+                </a:solidFill>
+              </a:rPr>
+              <a:t>　漢としての自覚をもち、漢力が磨かれた。</a:t>
+            </a:r>
+            <a:endParaRPr lang="en-US" altLang="ja-JP" u="sng" dirty="0">
+              <a:solidFill>
+                <a:srgbClr val="FF0000"/>
+              </a:solidFill>
+            </a:endParaRPr>
+          </a:p>
+          <a:p>
+            <a:r>
+              <a:rPr lang="ja-JP" altLang="en-US" dirty="0"/>
+              <a:t>これがとても大きいです。</a:t>
+            </a:r>
+            <a:endParaRPr lang="en-US" altLang="ja-JP" dirty="0"/>
+          </a:p>
+          <a:p>
+            <a:r>
+              <a:rPr lang="ja-JP" altLang="en-US" dirty="0"/>
+              <a:t>今後も漢として頑張っていきたいです。</a:t>
+            </a:r>
+            <a:endParaRPr lang="en-US" altLang="ja-JP" dirty="0"/>
           </a:p>
         </p:txBody>
       </p:sp>
@@ -2406,7 +2484,7 @@
           <a:p>
             <a:fld id="{2C62FF21-2326-4700-8268-390BEC3E221B}" type="datetime1">
               <a:rPr kumimoji="1" lang="ja-JP" altLang="en-US" smtClean="0"/>
-              <a:t>2021/5/27</a:t>
+              <a:t>2021/5/28</a:t>
             </a:fld>
             <a:endParaRPr kumimoji="1" lang="ja-JP" altLang="en-US"/>
           </a:p>
@@ -2648,7 +2726,7 @@
           <a:p>
             <a:fld id="{6B7E9110-3B53-4C4B-A429-3F7C813CE798}" type="datetime1">
               <a:rPr kumimoji="1" lang="ja-JP" altLang="en-US" smtClean="0"/>
-              <a:t>2021/5/27</a:t>
+              <a:t>2021/5/28</a:t>
             </a:fld>
             <a:endParaRPr kumimoji="1" lang="ja-JP" altLang="en-US"/>
           </a:p>
@@ -2900,7 +2978,7 @@
           <a:p>
             <a:fld id="{DB58D0B0-C0A3-407A-8BB8-3EC02D141471}" type="datetime1">
               <a:rPr kumimoji="1" lang="ja-JP" altLang="en-US" smtClean="0"/>
-              <a:t>2021/5/27</a:t>
+              <a:t>2021/5/28</a:t>
             </a:fld>
             <a:endParaRPr kumimoji="1" lang="ja-JP" altLang="en-US"/>
           </a:p>
@@ -3310,7 +3388,7 @@
           <a:p>
             <a:fld id="{350012E4-3F19-46A1-B372-61B4BDE65CBF}" type="datetime1">
               <a:rPr kumimoji="1" lang="ja-JP" altLang="en-US" smtClean="0"/>
-              <a:t>2021/5/27</a:t>
+              <a:t>2021/5/28</a:t>
             </a:fld>
             <a:endParaRPr kumimoji="1" lang="ja-JP" altLang="en-US"/>
           </a:p>
@@ -3633,7 +3711,7 @@
           <a:p>
             <a:fld id="{F3BA0D83-E630-46C7-B2C3-8369BD75DB40}" type="datetime1">
               <a:rPr kumimoji="1" lang="ja-JP" altLang="en-US" smtClean="0"/>
-              <a:t>2021/5/27</a:t>
+              <a:t>2021/5/28</a:t>
             </a:fld>
             <a:endParaRPr kumimoji="1" lang="ja-JP" altLang="en-US"/>
           </a:p>
@@ -3974,7 +4052,7 @@
           <a:p>
             <a:fld id="{E51A32F4-D974-4269-9BFB-9A87CCD40522}" type="datetime1">
               <a:rPr kumimoji="1" lang="ja-JP" altLang="en-US" smtClean="0"/>
-              <a:t>2021/5/27</a:t>
+              <a:t>2021/5/28</a:t>
             </a:fld>
             <a:endParaRPr kumimoji="1" lang="ja-JP" altLang="en-US"/>
           </a:p>
@@ -4462,7 +4540,7 @@
           <a:p>
             <a:fld id="{77D3B64B-5411-4E10-B3F1-0A047EF61333}" type="datetime1">
               <a:rPr kumimoji="1" lang="ja-JP" altLang="en-US" smtClean="0"/>
-              <a:t>2021/5/27</a:t>
+              <a:t>2021/5/28</a:t>
             </a:fld>
             <a:endParaRPr kumimoji="1" lang="ja-JP" altLang="en-US"/>
           </a:p>
@@ -4725,7 +4803,7 @@
           <a:p>
             <a:fld id="{D867A0B0-0CFF-45AF-8C62-9A13ED4DAB5B}" type="datetime1">
               <a:rPr kumimoji="1" lang="ja-JP" altLang="en-US" smtClean="0"/>
-              <a:t>2021/5/27</a:t>
+              <a:t>2021/5/28</a:t>
             </a:fld>
             <a:endParaRPr kumimoji="1" lang="ja-JP" altLang="en-US"/>
           </a:p>
@@ -4850,7 +4928,7 @@
           <a:p>
             <a:fld id="{B6FD6580-8722-401D-AC3C-204B4576987E}" type="datetime1">
               <a:rPr kumimoji="1" lang="ja-JP" altLang="en-US" smtClean="0"/>
-              <a:t>2021/5/27</a:t>
+              <a:t>2021/5/28</a:t>
             </a:fld>
             <a:endParaRPr kumimoji="1" lang="ja-JP" altLang="en-US"/>
           </a:p>
@@ -5205,7 +5283,7 @@
           <a:p>
             <a:fld id="{C341192A-712C-40AC-9B6C-AA227D1C2F28}" type="datetime1">
               <a:rPr kumimoji="1" lang="ja-JP" altLang="en-US" smtClean="0"/>
-              <a:t>2021/5/27</a:t>
+              <a:t>2021/5/28</a:t>
             </a:fld>
             <a:endParaRPr kumimoji="1" lang="ja-JP" altLang="en-US"/>
           </a:p>
@@ -5505,7 +5583,7 @@
           <a:p>
             <a:fld id="{4191F092-DE35-4DFD-8CE5-435FDCB03430}" type="datetime1">
               <a:rPr kumimoji="1" lang="ja-JP" altLang="en-US" smtClean="0"/>
-              <a:t>2021/5/27</a:t>
+              <a:t>2021/5/28</a:t>
             </a:fld>
             <a:endParaRPr kumimoji="1" lang="ja-JP" altLang="en-US"/>
           </a:p>
@@ -5790,7 +5868,7 @@
           <a:p>
             <a:fld id="{50D49ECA-AFA2-4A95-9EE4-155B2E9F4BBB}" type="datetime1">
               <a:rPr kumimoji="1" lang="ja-JP" altLang="en-US" smtClean="0"/>
-              <a:t>2021/5/27</a:t>
+              <a:t>2021/5/28</a:t>
             </a:fld>
             <a:endParaRPr kumimoji="1" lang="ja-JP" altLang="en-US"/>
           </a:p>
@@ -6445,7 +6523,7 @@
           <a:p>
             <a:fld id="{75537065-4BF9-4A4F-ACDC-E7FA998B3470}" type="datetime1">
               <a:rPr kumimoji="1" lang="ja-JP" altLang="en-US" smtClean="0"/>
-              <a:t>2021/5/27</a:t>
+              <a:t>2021/5/28</a:t>
             </a:fld>
             <a:endParaRPr kumimoji="1" lang="ja-JP" altLang="en-US"/>
           </a:p>
@@ -6560,7 +6638,12 @@
             <p:ph idx="1"/>
           </p:nvPr>
         </p:nvSpPr>
-        <p:spPr/>
+        <p:spPr>
+          <a:xfrm>
+            <a:off x="838200" y="1825625"/>
+            <a:ext cx="10515600" cy="4351338"/>
+          </a:xfrm>
+        </p:spPr>
         <p:txBody>
           <a:bodyPr>
             <a:normAutofit/>
@@ -6568,8 +6651,8 @@
           <a:lstStyle/>
           <a:p>
             <a:r>
-              <a:rPr kumimoji="1" lang="ja-JP" altLang="en-US" u="sng" dirty="0"/>
-              <a:t>苦労した点</a:t>
+              <a:rPr lang="ja-JP" altLang="en-US" u="sng" dirty="0"/>
+              <a:t>花岡宗史</a:t>
             </a:r>
             <a:endParaRPr kumimoji="1" lang="en-US" altLang="ja-JP" u="sng" dirty="0"/>
           </a:p>
@@ -6579,7 +6662,7 @@
             </a:pPr>
             <a:r>
               <a:rPr lang="ja-JP" altLang="en-US" dirty="0"/>
-              <a:t>花岡：バグの洗い出し、デザインの考案</a:t>
+              <a:t>苦労した点：バグの洗い出し、デザインの考案</a:t>
             </a:r>
             <a:endParaRPr lang="en-US" altLang="ja-JP" dirty="0"/>
           </a:p>
@@ -6595,15 +6678,7 @@
             </a:pPr>
             <a:r>
               <a:rPr lang="ja-JP" altLang="en-US" dirty="0"/>
-              <a:t>伊藤：カスタム画面でテーマを変更したときに、それに伴い</a:t>
-            </a:r>
-            <a:r>
-              <a:rPr lang="en-US" altLang="ja-JP" dirty="0"/>
-              <a:t>DB</a:t>
-            </a:r>
-            <a:r>
-              <a:rPr lang="ja-JP" altLang="en-US" dirty="0"/>
-              <a:t>　　　　　も変更される処理</a:t>
+              <a:t>工夫した点：ランキングページにおける指定期間ごとの日付の処理</a:t>
             </a:r>
             <a:endParaRPr lang="en-US" altLang="ja-JP" dirty="0"/>
           </a:p>
@@ -6619,9 +6694,9 @@
             </a:pPr>
             <a:r>
               <a:rPr lang="ja-JP" altLang="en-US" dirty="0"/>
-              <a:t>秦：管理者ページで管理者以外の全ユーザー情報を表示させる処理</a:t>
-            </a:r>
-            <a:endParaRPr kumimoji="1" lang="en-US" altLang="ja-JP" dirty="0"/>
+              <a:t>反省点：コードの甘さによるランキングページの処理の遅延</a:t>
+            </a:r>
+            <a:endParaRPr lang="en-US" altLang="ja-JP" dirty="0"/>
           </a:p>
           <a:p>
             <a:pPr marL="0" indent="0">
@@ -6740,7 +6815,7 @@
           <a:p>
             <a:fld id="{A8DF7C92-90DF-4CC0-9B6B-7A3CFFE2386F}" type="datetime1">
               <a:rPr kumimoji="1" lang="ja-JP" altLang="en-US" smtClean="0"/>
-              <a:t>2021/5/27</a:t>
+              <a:t>2021/5/28</a:t>
             </a:fld>
             <a:endParaRPr kumimoji="1" lang="ja-JP" altLang="en-US"/>
           </a:p>
@@ -6778,7 +6853,7 @@
     </p:spTree>
     <p:extLst>
       <p:ext uri="{BB962C8B-B14F-4D97-AF65-F5344CB8AC3E}">
-        <p14:creationId xmlns:p14="http://schemas.microsoft.com/office/powerpoint/2010/main" val="3439745565"/>
+        <p14:creationId xmlns:p14="http://schemas.microsoft.com/office/powerpoint/2010/main" val="1850590283"/>
       </p:ext>
     </p:extLst>
   </p:cSld>
@@ -6855,7 +6930,12 @@
             <p:ph idx="1"/>
           </p:nvPr>
         </p:nvSpPr>
-        <p:spPr/>
+        <p:spPr>
+          <a:xfrm>
+            <a:off x="838200" y="1825625"/>
+            <a:ext cx="10515600" cy="4351338"/>
+          </a:xfrm>
+        </p:spPr>
         <p:txBody>
           <a:bodyPr>
             <a:normAutofit/>
@@ -6864,7 +6944,7 @@
           <a:p>
             <a:r>
               <a:rPr kumimoji="1" lang="ja-JP" altLang="en-US" u="sng" dirty="0"/>
-              <a:t>工夫した点</a:t>
+              <a:t>伊藤明洋</a:t>
             </a:r>
             <a:endParaRPr kumimoji="1" lang="en-US" altLang="ja-JP" u="sng" dirty="0"/>
           </a:p>
@@ -6874,7 +6954,15 @@
             </a:pPr>
             <a:r>
               <a:rPr lang="ja-JP" altLang="en-US" dirty="0"/>
-              <a:t>花岡：ランキングページにおける指定期間ごとの日付の処理</a:t>
+              <a:t>苦労した点：カスタム画面でテーマを変更したときに、それに伴い</a:t>
+            </a:r>
+            <a:r>
+              <a:rPr lang="en-US" altLang="ja-JP" dirty="0"/>
+              <a:t>DB</a:t>
+            </a:r>
+            <a:r>
+              <a:rPr lang="ja-JP" altLang="en-US" dirty="0"/>
+              <a:t>も変更される処理</a:t>
             </a:r>
             <a:endParaRPr lang="en-US" altLang="ja-JP" dirty="0"/>
           </a:p>
@@ -6890,7 +6978,7 @@
             </a:pPr>
             <a:r>
               <a:rPr lang="ja-JP" altLang="en-US" dirty="0"/>
-              <a:t>伊藤：カスタムページで、スクリプト、関数、</a:t>
+              <a:t>工夫した点：カスタムページで、スクリプト、関数、</a:t>
             </a:r>
             <a:r>
               <a:rPr lang="en-US" altLang="ja-JP" dirty="0"/>
@@ -6922,7 +7010,7 @@
             <a:pPr marL="0" indent="0">
               <a:buNone/>
             </a:pPr>
-            <a:endParaRPr kumimoji="1" lang="en-US" altLang="ja-JP" dirty="0"/>
+            <a:endParaRPr lang="en-US" altLang="ja-JP" dirty="0"/>
           </a:p>
           <a:p>
             <a:pPr marL="0" indent="0">
@@ -6930,9 +7018,18 @@
             </a:pPr>
             <a:r>
               <a:rPr lang="ja-JP" altLang="en-US" dirty="0"/>
-              <a:t>秦：管理者ページでチェックを入れた全ユーザー情報を削除できるようにした。</a:t>
-            </a:r>
+              <a:t>反省点：変更の処理を共通関数に上手く纏められず、力不足だった。　</a:t>
+            </a:r>
+            <a:endParaRPr kumimoji="1" lang="en-US" altLang="ja-JP" dirty="0"/>
+          </a:p>
+          <a:p>
             <a:endParaRPr lang="en-US" altLang="ja-JP" dirty="0"/>
+          </a:p>
+          <a:p>
+            <a:pPr marL="0" indent="0">
+              <a:buNone/>
+            </a:pPr>
+            <a:endParaRPr kumimoji="1" lang="ja-JP" altLang="en-US" dirty="0"/>
           </a:p>
         </p:txBody>
       </p:sp>
@@ -7032,7 +7129,7 @@
           <a:p>
             <a:fld id="{A8DF7C92-90DF-4CC0-9B6B-7A3CFFE2386F}" type="datetime1">
               <a:rPr kumimoji="1" lang="ja-JP" altLang="en-US" smtClean="0"/>
-              <a:t>2021/5/27</a:t>
+              <a:t>2021/5/28</a:t>
             </a:fld>
             <a:endParaRPr kumimoji="1" lang="ja-JP" altLang="en-US"/>
           </a:p>
@@ -7070,7 +7167,7 @@
     </p:spTree>
     <p:extLst>
       <p:ext uri="{BB962C8B-B14F-4D97-AF65-F5344CB8AC3E}">
-        <p14:creationId xmlns:p14="http://schemas.microsoft.com/office/powerpoint/2010/main" val="734977483"/>
+        <p14:creationId xmlns:p14="http://schemas.microsoft.com/office/powerpoint/2010/main" val="72480061"/>
       </p:ext>
     </p:extLst>
   </p:cSld>
@@ -7147,16 +7244,23 @@
             <p:ph idx="1"/>
           </p:nvPr>
         </p:nvSpPr>
-        <p:spPr/>
-        <p:txBody>
-          <a:bodyPr/>
+        <p:spPr>
+          <a:xfrm>
+            <a:off x="838200" y="1825625"/>
+            <a:ext cx="10515600" cy="4351338"/>
+          </a:xfrm>
+        </p:spPr>
+        <p:txBody>
+          <a:bodyPr>
+            <a:normAutofit/>
+          </a:bodyPr>
           <a:lstStyle/>
           <a:p>
             <a:r>
               <a:rPr lang="ja-JP" altLang="en-US" u="sng" dirty="0"/>
-              <a:t>反省点</a:t>
-            </a:r>
-            <a:endParaRPr lang="en-US" altLang="ja-JP" u="sng" dirty="0"/>
+              <a:t>秦伊吹</a:t>
+            </a:r>
+            <a:endParaRPr kumimoji="1" lang="en-US" altLang="ja-JP" u="sng" dirty="0"/>
           </a:p>
           <a:p>
             <a:pPr marL="0" indent="0">
@@ -7164,7 +7268,23 @@
             </a:pPr>
             <a:r>
               <a:rPr lang="ja-JP" altLang="en-US" dirty="0"/>
-              <a:t>花岡：コードの甘さによるランキングページの処理の遅延</a:t>
+              <a:t>苦労した点：管理者ページで管理者以外の全ユーザー情報を表示させる処理</a:t>
+            </a:r>
+            <a:endParaRPr lang="en-US" altLang="ja-JP" dirty="0"/>
+          </a:p>
+          <a:p>
+            <a:pPr marL="0" indent="0">
+              <a:buNone/>
+            </a:pPr>
+            <a:endParaRPr kumimoji="1" lang="en-US" altLang="ja-JP" dirty="0"/>
+          </a:p>
+          <a:p>
+            <a:pPr marL="0" indent="0">
+              <a:buNone/>
+            </a:pPr>
+            <a:r>
+              <a:rPr lang="ja-JP" altLang="en-US" dirty="0"/>
+              <a:t>工夫した点：管理者ページでチェックを入れた全ユーザー情報を削除できるようにした。</a:t>
             </a:r>
             <a:endParaRPr lang="en-US" altLang="ja-JP" dirty="0"/>
           </a:p>
@@ -7180,7 +7300,7 @@
             </a:pPr>
             <a:r>
               <a:rPr lang="ja-JP" altLang="en-US" dirty="0"/>
-              <a:t>伊藤：変更の処理を共通関数に上手く纏められず、力不足だった。</a:t>
+              <a:t>反省点：管理者ページからもユーザ情報を変更できるようにできればよかった。</a:t>
             </a:r>
             <a:endParaRPr lang="en-US" altLang="ja-JP" dirty="0"/>
           </a:p>
@@ -7188,17 +7308,7 @@
             <a:pPr marL="0" indent="0">
               <a:buNone/>
             </a:pPr>
-            <a:endParaRPr kumimoji="1" lang="en-US" altLang="ja-JP" dirty="0"/>
-          </a:p>
-          <a:p>
-            <a:pPr marL="0" indent="0">
-              <a:buNone/>
-            </a:pPr>
-            <a:r>
-              <a:rPr lang="ja-JP" altLang="en-US" dirty="0"/>
-              <a:t>秦：管理者ページからもユーザ情報を変更できるようにできればよかった。</a:t>
-            </a:r>
-            <a:endParaRPr kumimoji="1" lang="en-US" altLang="ja-JP" dirty="0"/>
+            <a:endParaRPr kumimoji="1" lang="ja-JP" altLang="en-US" dirty="0"/>
           </a:p>
         </p:txBody>
       </p:sp>
@@ -7207,7 +7317,7 @@
           <p:cNvPr id="4" name="図 3">
             <a:extLst>
               <a:ext uri="{FF2B5EF4-FFF2-40B4-BE49-F238E27FC236}">
-                <a16:creationId xmlns:a16="http://schemas.microsoft.com/office/drawing/2014/main" id="{8AEABE03-8D0F-483F-AF5D-72F4741E9044}"/>
+                <a16:creationId xmlns:a16="http://schemas.microsoft.com/office/drawing/2014/main" id="{73461CC8-80FC-4FFA-BDCC-DF1691EC1017}"/>
               </a:ext>
             </a:extLst>
           </p:cNvPr>
@@ -7243,7 +7353,7 @@
           <p:cNvPr id="6" name="フッター プレースホルダー 5">
             <a:extLst>
               <a:ext uri="{FF2B5EF4-FFF2-40B4-BE49-F238E27FC236}">
-                <a16:creationId xmlns:a16="http://schemas.microsoft.com/office/drawing/2014/main" id="{699CD81F-A6E0-4D07-B56C-00BF9AE0DF85}"/>
+                <a16:creationId xmlns:a16="http://schemas.microsoft.com/office/drawing/2014/main" id="{E8BA6522-5952-4D98-997A-AB50A64A0606}"/>
               </a:ext>
             </a:extLst>
           </p:cNvPr>
@@ -7280,7 +7390,7 @@
           <p:cNvPr id="7" name="日付プレースホルダー 6">
             <a:extLst>
               <a:ext uri="{FF2B5EF4-FFF2-40B4-BE49-F238E27FC236}">
-                <a16:creationId xmlns:a16="http://schemas.microsoft.com/office/drawing/2014/main" id="{89AEEC80-FA91-44E2-8ADB-D5629678755E}"/>
+                <a16:creationId xmlns:a16="http://schemas.microsoft.com/office/drawing/2014/main" id="{175A45E7-8EAB-4A32-8B97-FD5EB8C128AB}"/>
               </a:ext>
             </a:extLst>
           </p:cNvPr>
@@ -7296,9 +7406,9 @@
           <a:bodyPr/>
           <a:lstStyle/>
           <a:p>
-            <a:fld id="{865D8649-0DAE-408E-8D13-BD8D7DEAFCC5}" type="datetime1">
+            <a:fld id="{A8DF7C92-90DF-4CC0-9B6B-7A3CFFE2386F}" type="datetime1">
               <a:rPr kumimoji="1" lang="ja-JP" altLang="en-US" smtClean="0"/>
-              <a:t>2021/5/27</a:t>
+              <a:t>2021/5/28</a:t>
             </a:fld>
             <a:endParaRPr kumimoji="1" lang="ja-JP" altLang="en-US"/>
           </a:p>
@@ -7309,7 +7419,7 @@
           <p:cNvPr id="8" name="スライド番号プレースホルダー 7">
             <a:extLst>
               <a:ext uri="{FF2B5EF4-FFF2-40B4-BE49-F238E27FC236}">
-                <a16:creationId xmlns:a16="http://schemas.microsoft.com/office/drawing/2014/main" id="{059A2945-78E0-4466-9CB9-646062ABB20A}"/>
+                <a16:creationId xmlns:a16="http://schemas.microsoft.com/office/drawing/2014/main" id="{1C572DF7-3ACF-49EB-A4B2-E07FA23ED910}"/>
               </a:ext>
             </a:extLst>
           </p:cNvPr>
@@ -7336,7 +7446,7 @@
     </p:spTree>
     <p:extLst>
       <p:ext uri="{BB962C8B-B14F-4D97-AF65-F5344CB8AC3E}">
-        <p14:creationId xmlns:p14="http://schemas.microsoft.com/office/powerpoint/2010/main" val="2501646519"/>
+        <p14:creationId xmlns:p14="http://schemas.microsoft.com/office/powerpoint/2010/main" val="695685274"/>
       </p:ext>
     </p:extLst>
   </p:cSld>
@@ -7579,7 +7689,7 @@
           <a:p>
             <a:fld id="{A3C00A49-8260-46B8-AEBE-5BDEBDBB7B13}" type="datetime1">
               <a:rPr kumimoji="1" lang="ja-JP" altLang="en-US" smtClean="0"/>
-              <a:t>2021/5/27</a:t>
+              <a:t>2021/5/28</a:t>
             </a:fld>
             <a:endParaRPr kumimoji="1" lang="ja-JP" altLang="en-US"/>
           </a:p>
@@ -7774,7 +7884,7 @@
           <a:p>
             <a:fld id="{21693455-9EF6-4C2F-ABC8-BA44E75E5EE0}" type="datetime1">
               <a:rPr kumimoji="1" lang="ja-JP" altLang="en-US" smtClean="0"/>
-              <a:t>2021/5/27</a:t>
+              <a:t>2021/5/28</a:t>
             </a:fld>
             <a:endParaRPr kumimoji="1" lang="ja-JP" altLang="en-US"/>
           </a:p>
@@ -8146,7 +8256,7 @@
           <a:p>
             <a:fld id="{873DE344-8DFD-4570-B3D4-0DFF6CD59ABC}" type="datetime1">
               <a:rPr kumimoji="1" lang="ja-JP" altLang="en-US" smtClean="0"/>
-              <a:t>2021/5/27</a:t>
+              <a:t>2021/5/28</a:t>
             </a:fld>
             <a:endParaRPr kumimoji="1" lang="ja-JP" altLang="en-US"/>
           </a:p>
@@ -8469,7 +8579,7 @@
           <a:p>
             <a:fld id="{05427840-0071-4AAE-A929-6F690A0ED457}" type="datetime1">
               <a:rPr kumimoji="1" lang="ja-JP" altLang="en-US" smtClean="0"/>
-              <a:t>2021/5/27</a:t>
+              <a:t>2021/5/28</a:t>
             </a:fld>
             <a:endParaRPr kumimoji="1" lang="ja-JP" altLang="en-US"/>
           </a:p>
@@ -8852,7 +8962,7 @@
           <a:p>
             <a:fld id="{6D65D75F-71CE-4D2E-94FA-8FDF7A2999C4}" type="datetime1">
               <a:rPr kumimoji="1" lang="ja-JP" altLang="en-US" smtClean="0"/>
-              <a:t>2021/5/27</a:t>
+              <a:t>2021/5/28</a:t>
             </a:fld>
             <a:endParaRPr kumimoji="1" lang="ja-JP" altLang="en-US"/>
           </a:p>
@@ -9185,7 +9295,7 @@
           <a:p>
             <a:fld id="{10FB9CED-4ACB-437E-8352-B4B381866E8C}" type="datetime1">
               <a:rPr kumimoji="1" lang="ja-JP" altLang="en-US" smtClean="0"/>
-              <a:t>2021/5/27</a:t>
+              <a:t>2021/5/28</a:t>
             </a:fld>
             <a:endParaRPr kumimoji="1" lang="ja-JP" altLang="en-US"/>
           </a:p>
@@ -9658,7 +9768,7 @@
           <a:p>
             <a:fld id="{EF23AD8C-A451-488E-AEC1-8EB2879BAF5D}" type="datetime1">
               <a:rPr kumimoji="1" lang="ja-JP" altLang="en-US" smtClean="0"/>
-              <a:t>2021/5/27</a:t>
+              <a:t>2021/5/28</a:t>
             </a:fld>
             <a:endParaRPr kumimoji="1" lang="ja-JP" altLang="en-US"/>
           </a:p>
@@ -10053,7 +10163,7 @@
           <a:p>
             <a:fld id="{86F13F70-260F-421C-9661-17789AEB7163}" type="datetime1">
               <a:rPr kumimoji="1" lang="ja-JP" altLang="en-US" smtClean="0"/>
-              <a:t>2021/5/27</a:t>
+              <a:t>2021/5/28</a:t>
             </a:fld>
             <a:endParaRPr kumimoji="1" lang="ja-JP" altLang="en-US"/>
           </a:p>
@@ -10386,7 +10496,7 @@
           <a:p>
             <a:fld id="{83E78F68-10B6-4D2B-94C4-2A657652BB4A}" type="datetime1">
               <a:rPr kumimoji="1" lang="ja-JP" altLang="en-US" smtClean="0"/>
-              <a:t>2021/5/27</a:t>
+              <a:t>2021/5/28</a:t>
             </a:fld>
             <a:endParaRPr kumimoji="1" lang="ja-JP" altLang="en-US"/>
           </a:p>
@@ -10626,7 +10736,7 @@
           <a:p>
             <a:fld id="{913BF489-C46D-45A4-BB24-79C16966522A}" type="datetime1">
               <a:rPr kumimoji="1" lang="ja-JP" altLang="en-US" smtClean="0"/>
-              <a:t>2021/5/27</a:t>
+              <a:t>2021/5/28</a:t>
             </a:fld>
             <a:endParaRPr kumimoji="1" lang="ja-JP" altLang="en-US"/>
           </a:p>

--- a/提出物/チーム漢_成果発表会プレゼン資料.pptx
+++ b/提出物/チーム漢_成果発表会プレゼン資料.pptx
@@ -861,16 +861,62 @@
           <a:p>
             <a:r>
               <a:rPr kumimoji="1" lang="ja-JP" altLang="en-US" dirty="0"/>
-              <a:t>　続いて、私たちがこのシステムを制作するうえで、苦労した点、工夫した点、反省点を一人一人、順に発表したいと思います。</a:t>
+              <a:t>　続いて、私たちがこのシステムを制作上の、苦労した点、工夫した点、反省点を各自、発表していきたいと思います。</a:t>
             </a:r>
             <a:endParaRPr kumimoji="1" lang="en-US" altLang="ja-JP" dirty="0"/>
           </a:p>
           <a:p>
             <a:r>
               <a:rPr lang="ja-JP" altLang="en-US" dirty="0"/>
-              <a:t>　まず、苦労した点は、</a:t>
-            </a:r>
-            <a:endParaRPr kumimoji="1" lang="ja-JP" altLang="en-US" dirty="0"/>
+              <a:t>　まず、花岡が</a:t>
+            </a:r>
+            <a:r>
+              <a:rPr kumimoji="1" lang="ja-JP" altLang="en-US" dirty="0"/>
+              <a:t>発表致します。</a:t>
+            </a:r>
+            <a:endParaRPr kumimoji="1" lang="en-US" altLang="ja-JP" dirty="0"/>
+          </a:p>
+          <a:p>
+            <a:r>
+              <a:rPr lang="ja-JP" altLang="en-US" dirty="0"/>
+              <a:t>苦労した点としましては、メンバーが作成したコードを一通り読み直し、バグを洗い出して修正したことと、</a:t>
+            </a:r>
+            <a:r>
+              <a:rPr lang="en-US" altLang="ja-JP" dirty="0"/>
+              <a:t>CSS</a:t>
+            </a:r>
+            <a:r>
+              <a:rPr lang="ja-JP" altLang="en-US" dirty="0"/>
+              <a:t>によるデザインを考案し、実装したことです。</a:t>
+            </a:r>
+            <a:endParaRPr lang="en-US" altLang="ja-JP" dirty="0"/>
+          </a:p>
+          <a:p>
+            <a:r>
+              <a:rPr kumimoji="1" lang="ja-JP" altLang="en-US" dirty="0"/>
+              <a:t>工夫した点としましては、ランキングページ作成の際のコード記述時に使用した日付関数を応用し、様々な期間での処理を可能にしたことです。</a:t>
+            </a:r>
+            <a:endParaRPr kumimoji="1" lang="en-US" altLang="ja-JP" dirty="0"/>
+          </a:p>
+          <a:p>
+            <a:endParaRPr kumimoji="1" lang="en-US" altLang="ja-JP" dirty="0"/>
+          </a:p>
+          <a:p>
+            <a:r>
+              <a:rPr kumimoji="1" lang="ja-JP" altLang="en-US" dirty="0"/>
+              <a:t>反省点としましては、ランキングページにおいて、システムの動作は問題ないものの読み込みが遅くなってしまった点です。</a:t>
+            </a:r>
+            <a:endParaRPr kumimoji="1" lang="en-US" altLang="ja-JP" dirty="0"/>
+          </a:p>
+          <a:p>
+            <a:r>
+              <a:rPr kumimoji="1" lang="ja-JP" altLang="en-US" dirty="0"/>
+              <a:t>おそらく、コード記述の甘さが原因だと思われるので、修正する時間がなかったのが心残りです。</a:t>
+            </a:r>
+            <a:endParaRPr kumimoji="1" lang="en-US" altLang="ja-JP" dirty="0"/>
+          </a:p>
+          <a:p>
+            <a:endParaRPr kumimoji="1" lang="en-US" altLang="ja-JP" dirty="0"/>
           </a:p>
         </p:txBody>
       </p:sp>
@@ -956,16 +1002,30 @@
           <a:p>
             <a:r>
               <a:rPr kumimoji="1" lang="ja-JP" altLang="en-US" dirty="0"/>
-              <a:t>　続いて、私たちがこのシステムを制作するうえで、苦労した点、工夫した点、反省点を一人一人、順に発表したいと思います。</a:t>
+              <a:t>　続いて、伊藤明洋が発表致します。</a:t>
             </a:r>
             <a:endParaRPr kumimoji="1" lang="en-US" altLang="ja-JP" dirty="0"/>
           </a:p>
           <a:p>
             <a:r>
               <a:rPr lang="ja-JP" altLang="en-US" dirty="0"/>
-              <a:t>　まず、苦労した点は、</a:t>
-            </a:r>
-            <a:endParaRPr kumimoji="1" lang="ja-JP" altLang="en-US" dirty="0"/>
+              <a:t>　まず、苦労した点は、カスタムページでテーマを変更した際に、それに伴ってデータベースの値も変更される処理です。</a:t>
+            </a:r>
+            <a:endParaRPr kumimoji="1" lang="en-US" altLang="ja-JP" dirty="0"/>
+          </a:p>
+          <a:p>
+            <a:r>
+              <a:rPr kumimoji="1" lang="ja-JP" altLang="en-US" dirty="0"/>
+              <a:t>その処理を作成する際、スクリプトの中でデータベースの処理を行いたかったんですが、なかなか上手くいかず、関数とフォームを組み合わせて処理を行うという工夫をしました。</a:t>
+            </a:r>
+            <a:endParaRPr kumimoji="1" lang="en-US" altLang="ja-JP" dirty="0"/>
+          </a:p>
+          <a:p>
+            <a:r>
+              <a:rPr kumimoji="1" lang="ja-JP" altLang="en-US" dirty="0"/>
+              <a:t>　反省点といたしましては、プロフィール情報の変更やメールアドレス、パスワードの変更の処理が、力不足ゆえ、共通関数にまとめられることができなかったことです。</a:t>
+            </a:r>
+            <a:endParaRPr lang="en-US" altLang="ja-JP" dirty="0"/>
           </a:p>
         </p:txBody>
       </p:sp>
@@ -1051,16 +1111,46 @@
           <a:p>
             <a:r>
               <a:rPr kumimoji="1" lang="ja-JP" altLang="en-US" dirty="0"/>
-              <a:t>　続いて、私たちがこのシステムを制作するうえで、苦労した点、工夫した点、反省点を一人一人、順に発表したいと思います。</a:t>
+              <a:t>　続いて、秦が発表致します。</a:t>
             </a:r>
             <a:endParaRPr kumimoji="1" lang="en-US" altLang="ja-JP" dirty="0"/>
           </a:p>
           <a:p>
             <a:r>
               <a:rPr lang="ja-JP" altLang="en-US" dirty="0"/>
-              <a:t>　まず、苦労した点は、</a:t>
-            </a:r>
-            <a:endParaRPr kumimoji="1" lang="ja-JP" altLang="en-US" dirty="0"/>
+              <a:t>　まず、苦労した点は、管理者ページで管理者以外の全ユーザーを表示させる処理です。この処理では</a:t>
+            </a:r>
+            <a:r>
+              <a:rPr lang="en-US" altLang="ja-JP" dirty="0"/>
+              <a:t>HTML</a:t>
+            </a:r>
+            <a:r>
+              <a:rPr lang="ja-JP" altLang="en-US" dirty="0"/>
+              <a:t>の中で</a:t>
+            </a:r>
+            <a:r>
+              <a:rPr lang="en-US" altLang="ja-JP" dirty="0"/>
+              <a:t>PHP</a:t>
+            </a:r>
+            <a:r>
+              <a:rPr lang="ja-JP" altLang="en-US" dirty="0"/>
+              <a:t>の処理を行わないといけなかったので、どのようにコードを書けばよいか迷い苦労しました。</a:t>
+            </a:r>
+            <a:endParaRPr lang="en-US" altLang="ja-JP" dirty="0"/>
+          </a:p>
+          <a:p>
+            <a:r>
+              <a:rPr lang="ja-JP" altLang="en-US" dirty="0"/>
+              <a:t>次に工夫した点は、同様に管理者ページでチェックを入れた全ユーザー情報を削除できるようにした点です。これにより複数のユーザーをまとめて削除できるようにしました。</a:t>
+            </a:r>
+            <a:endParaRPr lang="en-US" altLang="ja-JP" dirty="0"/>
+          </a:p>
+          <a:p>
+            <a:r>
+              <a:rPr lang="ja-JP" altLang="en-US" dirty="0"/>
+              <a:t>次に反省点は、管理者ページからもユーザー情報を変更できるようにすればよかったと感じました。削除だけしかできないため、アカウント情報の変更等も管理者ページからできるようにすればなおよかったと感じました。</a:t>
+            </a:r>
+            <a:endParaRPr lang="en-US" altLang="ja-JP" dirty="0"/>
           </a:p>
         </p:txBody>
       </p:sp>
@@ -1155,7 +1245,7 @@
             </a:r>
             <a:r>
               <a:rPr lang="ja-JP" altLang="en-US" dirty="0"/>
-              <a:t>チーム漢で実際にチーム開発演習を行う上で、</a:t>
+              <a:t>チーム漢で実際に開発演習を行う上で、</a:t>
             </a:r>
             <a:r>
               <a:rPr lang="en-US" altLang="ja-JP" dirty="0"/>
@@ -1171,28 +1261,28 @@
             </a:r>
             <a:r>
               <a:rPr lang="ja-JP" altLang="en-US" dirty="0"/>
-              <a:t>を生み出すことの難しさや、チームで一体となって一つの目標を達成するという楽しさや達成感を味わうことができた。</a:t>
+              <a:t>を生み出すことの難しさや、チームで一体となって一つの目標を達成するという楽しさや達成感を味わうことができました。　</a:t>
             </a:r>
             <a:endParaRPr lang="en-US" altLang="ja-JP" dirty="0"/>
           </a:p>
           <a:p>
             <a:r>
               <a:rPr lang="ja-JP" altLang="en-US" dirty="0"/>
-              <a:t>　演習をする中で、プログラミングの知識やチームで動くという面も学ぶことができた。</a:t>
+              <a:t>演習を通して、プログラミングの知識やチームで動くことの重要性も学ぶことができました。</a:t>
             </a:r>
             <a:endParaRPr lang="en-US" altLang="ja-JP" dirty="0"/>
           </a:p>
           <a:p>
             <a:r>
               <a:rPr lang="ja-JP" altLang="en-US" dirty="0"/>
-              <a:t>　このチーム開発演習で身に着けた経験を少しでも業務に生かすことができるように頑張りたい。</a:t>
+              <a:t>　身につけた経験を少しでも業務に生かすことができるように頑張りたいと考えています。</a:t>
             </a:r>
             <a:endParaRPr lang="en-US" altLang="ja-JP" dirty="0"/>
           </a:p>
           <a:p>
             <a:r>
               <a:rPr lang="ja-JP" altLang="en-US" dirty="0"/>
-              <a:t>なによりもこのチーム開発演習で一番吸収できたことは、</a:t>
+              <a:t>なによりも一番吸収できたことは、</a:t>
             </a:r>
             <a:endParaRPr lang="en-US" altLang="ja-JP" dirty="0"/>
           </a:p>
@@ -1506,7 +1596,7 @@
             </a:r>
             <a:r>
               <a:rPr lang="ja-JP" altLang="en-US" dirty="0"/>
-              <a:t>アプリのターゲットとしましては、健康志向を持つユーザーの方向けになります。</a:t>
+              <a:t>アプリのターゲットとしましては、健康志向を持つユーザーになります。</a:t>
             </a:r>
             <a:endParaRPr lang="en-US" altLang="ja-JP" dirty="0"/>
           </a:p>
@@ -1623,12 +1713,22 @@
           <a:p>
             <a:r>
               <a:rPr lang="ja-JP" altLang="en-US" dirty="0"/>
-              <a:t>メンバーはリーダーが花岡宗史、サブリーダーが伊藤明洋、書記が秦伊吹です。</a:t>
+              <a:t>メンバーはリーダーがイケてるナイスガイ花岡宗史、サブリーダーが真夜中の一番星伊藤明洋、書記がクールビューティ秦伊吹です。</a:t>
             </a:r>
             <a:endParaRPr lang="en-US" altLang="ja-JP" dirty="0"/>
           </a:p>
           <a:p>
-            <a:endParaRPr kumimoji="1" lang="ja-JP" altLang="en-US" dirty="0"/>
+            <a:r>
+              <a:rPr kumimoji="1" lang="ja-JP" altLang="en-US" dirty="0"/>
+              <a:t>それぞれの担当は、花岡がランキングページや大まかなデザイン、伊藤がアカウント情報の変更と削除、カスタムページやショップページの処理、</a:t>
+            </a:r>
+            <a:endParaRPr kumimoji="1" lang="en-US" altLang="ja-JP" dirty="0"/>
+          </a:p>
+          <a:p>
+            <a:r>
+              <a:rPr kumimoji="1" lang="ja-JP" altLang="en-US" dirty="0"/>
+              <a:t>秦がログインログアウト機能や管理者ページの処理となっております。</a:t>
+            </a:r>
           </a:p>
         </p:txBody>
       </p:sp>
@@ -1737,7 +1837,7 @@
             </a:r>
             <a:r>
               <a:rPr lang="en-US" altLang="ja-JP" dirty="0"/>
-              <a:t>37</a:t>
+              <a:t>38</a:t>
             </a:r>
             <a:r>
               <a:rPr lang="ja-JP" altLang="en-US" dirty="0"/>
@@ -1756,7 +1856,7 @@
             </a:r>
             <a:r>
               <a:rPr lang="ja-JP" altLang="en-US" dirty="0"/>
-              <a:t>回、テスト実施し、出現したバグ数が</a:t>
+              <a:t>回、テストを実施し、出現したバグ数が</a:t>
             </a:r>
             <a:r>
               <a:rPr lang="en-US" altLang="ja-JP" dirty="0"/>
@@ -1764,7 +1864,14 @@
             </a:r>
             <a:r>
               <a:rPr lang="ja-JP" altLang="en-US" dirty="0"/>
-              <a:t>回となっています。バグについては現在修正済みです。</a:t>
+              <a:t>件となっています。バグについてはすべて修正済みです。</a:t>
+            </a:r>
+            <a:endParaRPr lang="en-US" altLang="ja-JP" dirty="0"/>
+          </a:p>
+          <a:p>
+            <a:r>
+              <a:rPr lang="ja-JP" altLang="en-US" dirty="0"/>
+              <a:t>　続いて、開発工程説明について伊藤さんお願いします。</a:t>
             </a:r>
             <a:endParaRPr lang="en-US" altLang="ja-JP" dirty="0"/>
           </a:p>
@@ -1852,7 +1959,14 @@
           <a:p>
             <a:r>
               <a:rPr kumimoji="1" lang="ja-JP" altLang="en-US" dirty="0"/>
-              <a:t>　続いて、開発工程の説明に移ります。</a:t>
+              <a:t>伊藤↓</a:t>
+            </a:r>
+            <a:endParaRPr kumimoji="1" lang="en-US" altLang="ja-JP" dirty="0"/>
+          </a:p>
+          <a:p>
+            <a:r>
+              <a:rPr kumimoji="1" lang="ja-JP" altLang="en-US" dirty="0"/>
+              <a:t>続いて、開発工程の説明に移ります。</a:t>
             </a:r>
             <a:endParaRPr kumimoji="1" lang="en-US" altLang="ja-JP" dirty="0"/>
           </a:p>
@@ -1881,7 +1995,7 @@
           <a:p>
             <a:r>
               <a:rPr lang="ja-JP" altLang="en-US" dirty="0"/>
-              <a:t>　次に、作業工程表の作成、ここでは、基本設計書を参考にし、作業の細分化や作成、製造にあたってのスケジュール、また、誰がどこの作業を担当するのかという担当者の設定を決定しました。作業の細分化を行うことで、自身のやるべきことが明確になった。</a:t>
+              <a:t>　次に、作業工程表の作成、ここでは、基本設計書を参考にし、作業の細分化や作成、製造にあたってのスケジュール、また、誰がどこの作業を担当するのかという分担を決定しました。作業の細分化を行うことで、自身のやるべきことが明確になりました。</a:t>
             </a:r>
             <a:endParaRPr lang="en-US" altLang="ja-JP" dirty="0"/>
           </a:p>
@@ -1969,14 +2083,14 @@
           <a:p>
             <a:r>
               <a:rPr lang="ja-JP" altLang="en-US" dirty="0"/>
-              <a:t>　続いて、詳細設計書の作成を行いました。詳細設計書の作成では基本設計書よりもさらに詳細な製造にあたっての画面のレイアウトや画面入出力の洗い出しを行い、製造をする際に悩むことがないように設計書を作成いたしました。</a:t>
+              <a:t>　続いて、詳細設計書の作成を行いました。詳細設計書の作成では、製造にあたっての画面のレイアウトや画面入出力の洗い出しを行い、製造をする際に悩むことがないように設計をいたしました。</a:t>
             </a:r>
             <a:endParaRPr lang="en-US" altLang="ja-JP" dirty="0"/>
           </a:p>
           <a:p>
             <a:r>
               <a:rPr lang="ja-JP" altLang="en-US" dirty="0"/>
-              <a:t>　そして、詳細設計書に基づきながらプログラミング、製造を行いました。ここでは製造を行いながら並行して、単体テストや結合テストを行い、バグを洗い出しながら進めることでシステムテストを行う際に、バグの発生を少しでも抑えることができるように工夫しました。</a:t>
+              <a:t>　そして、詳細設計書に基づきながらプログラミングなどの製造を行いました。ここでは製造を行いながら並行して、単体テストや結合テストを行い、バグを洗い出しながら進めることで最終のシステムテストを行う際に、バグの発生を少しでも抑えることができるように工夫しました。</a:t>
             </a:r>
             <a:endParaRPr lang="en-US" altLang="ja-JP" dirty="0"/>
           </a:p>
@@ -2081,7 +2195,7 @@
           <a:p>
             <a:r>
               <a:rPr lang="ja-JP" altLang="en-US" dirty="0"/>
-              <a:t>　テスト仕様書を作成した後は、実際にテスト項目通りのテストを行い、テストの結果を記入しながらテストを進めていきました。ここでは、製造の段階で単体テストや結合テストを詳細に行ったこともあり、テストの際にバグの発生数を抑えることができました。</a:t>
+              <a:t>　テスト仕様書を作成した後は、実際にテスト項目通りのテストを行い、テストの結果を記入しながらテストを進めていきました。ここでは、製造の段階で単体テストや結合テストを細めに行ったこともあり、テストの際にバグの発生数を抑えることができました。</a:t>
             </a:r>
             <a:endParaRPr lang="en-US" altLang="ja-JP" dirty="0"/>
           </a:p>
@@ -2173,6 +2287,48 @@
             <a:r>
               <a:rPr kumimoji="1" lang="ja-JP" altLang="en-US" dirty="0"/>
               <a:t>　それでは、実際に私たちのシステムのデモンストレーションを行いたいと思います。</a:t>
+            </a:r>
+            <a:endParaRPr kumimoji="1" lang="en-US" altLang="ja-JP" dirty="0"/>
+          </a:p>
+          <a:p>
+            <a:r>
+              <a:rPr kumimoji="1" lang="ja-JP" altLang="en-US" dirty="0"/>
+              <a:t>　まず、画面遷移図をお見せしたあと、実際のシステム稼働画面をご覧ください。</a:t>
+            </a:r>
+            <a:endParaRPr kumimoji="1" lang="en-US" altLang="ja-JP" dirty="0"/>
+          </a:p>
+          <a:p>
+            <a:r>
+              <a:rPr kumimoji="1" lang="ja-JP" altLang="en-US" dirty="0"/>
+              <a:t>　秦さんお願いします。</a:t>
+            </a:r>
+            <a:endParaRPr kumimoji="1" lang="en-US" altLang="ja-JP" dirty="0"/>
+          </a:p>
+          <a:p>
+            <a:r>
+              <a:rPr kumimoji="1" lang="ja-JP" altLang="en-US" dirty="0"/>
+              <a:t>秦↓</a:t>
+            </a:r>
+            <a:endParaRPr kumimoji="1" lang="en-US" altLang="ja-JP" dirty="0"/>
+          </a:p>
+          <a:p>
+            <a:r>
+              <a:rPr kumimoji="1" lang="ja-JP" altLang="en-US" dirty="0"/>
+              <a:t>　画面遷移図の説明して＾＾＾＾</a:t>
+            </a:r>
+            <a:endParaRPr kumimoji="1" lang="en-US" altLang="ja-JP" dirty="0"/>
+          </a:p>
+          <a:p>
+            <a:r>
+              <a:rPr kumimoji="1" lang="ja-JP" altLang="en-US" dirty="0"/>
+              <a:t>花岡↓</a:t>
+            </a:r>
+            <a:endParaRPr kumimoji="1" lang="en-US" altLang="ja-JP" dirty="0"/>
+          </a:p>
+          <a:p>
+            <a:r>
+              <a:rPr kumimoji="1" lang="ja-JP" altLang="en-US" dirty="0"/>
+              <a:t>　デモンストレーション＾＾＾＾＾</a:t>
             </a:r>
             <a:endParaRPr kumimoji="1" lang="en-US" altLang="ja-JP" dirty="0"/>
           </a:p>
@@ -6954,7 +7110,7 @@
             </a:pPr>
             <a:r>
               <a:rPr lang="ja-JP" altLang="en-US" dirty="0"/>
-              <a:t>苦労した点：カスタム画面でテーマを変更したときに、それに伴い</a:t>
+              <a:t>苦労した点：カスタムページでテーマを変更したときに、それに伴い</a:t>
             </a:r>
             <a:r>
               <a:rPr lang="en-US" altLang="ja-JP" dirty="0"/>
@@ -7528,68 +7684,46 @@
           <a:bodyPr/>
           <a:lstStyle/>
           <a:p>
+            <a:r>
+              <a:rPr lang="en-US" altLang="ja-JP" dirty="0"/>
+              <a:t>0</a:t>
+            </a:r>
+            <a:r>
+              <a:rPr lang="ja-JP" altLang="en-US" dirty="0"/>
+              <a:t>から</a:t>
+            </a:r>
+            <a:r>
+              <a:rPr lang="en-US" altLang="ja-JP" dirty="0"/>
+              <a:t>1</a:t>
+            </a:r>
+            <a:r>
+              <a:rPr lang="ja-JP" altLang="en-US" dirty="0"/>
+              <a:t>を生み出すことの難しさや、チームで一体となって一つの目標を達成するという楽しさや達成感を味わうことができた</a:t>
+            </a:r>
+            <a:endParaRPr lang="en-US" altLang="ja-JP" dirty="0"/>
+          </a:p>
+          <a:p>
+            <a:endParaRPr lang="en-US" altLang="ja-JP" dirty="0"/>
+          </a:p>
+          <a:p>
+            <a:r>
+              <a:rPr lang="ja-JP" altLang="en-US" dirty="0"/>
+              <a:t>プログラミングの知識やチームで動くことの重要性も学ぶことができた</a:t>
+            </a:r>
+            <a:endParaRPr lang="en-US" altLang="ja-JP" dirty="0"/>
+          </a:p>
+          <a:p>
             <a:pPr marL="0" indent="0">
               <a:buNone/>
             </a:pPr>
+            <a:endParaRPr lang="en-US" altLang="ja-JP" dirty="0"/>
+          </a:p>
+          <a:p>
             <a:r>
               <a:rPr lang="ja-JP" altLang="en-US" dirty="0"/>
-              <a:t>　チーム漢で実際にチーム開発演習を行う上で、</a:t>
-            </a:r>
-            <a:r>
-              <a:rPr lang="en-US" altLang="ja-JP" dirty="0"/>
-              <a:t>0</a:t>
-            </a:r>
-            <a:r>
-              <a:rPr lang="ja-JP" altLang="en-US" dirty="0"/>
-              <a:t>から</a:t>
-            </a:r>
-            <a:r>
-              <a:rPr lang="en-US" altLang="ja-JP" dirty="0"/>
-              <a:t>1</a:t>
-            </a:r>
-            <a:r>
-              <a:rPr lang="ja-JP" altLang="en-US" dirty="0"/>
-              <a:t>を生み出すことの難しさや、チームで一体となって一つの目標を達成するという楽しさや達成感を味わうことができた。</a:t>
+              <a:t>身につけた経験を少しでも業務に生かすことができるように頑張りたい</a:t>
             </a:r>
             <a:endParaRPr lang="en-US" altLang="ja-JP" dirty="0"/>
-          </a:p>
-          <a:p>
-            <a:pPr marL="0" indent="0">
-              <a:buNone/>
-            </a:pPr>
-            <a:r>
-              <a:rPr lang="ja-JP" altLang="en-US" dirty="0"/>
-              <a:t>　演習をする中で、プログラミングの知識やチームで動くという面も学ぶことができた。</a:t>
-            </a:r>
-            <a:endParaRPr lang="en-US" altLang="ja-JP" dirty="0"/>
-          </a:p>
-          <a:p>
-            <a:pPr marL="0" indent="0">
-              <a:buNone/>
-            </a:pPr>
-            <a:r>
-              <a:rPr lang="ja-JP" altLang="en-US" dirty="0"/>
-              <a:t>　このチーム開発演習で身に着けた経験を少しでも業務に生かすことができるように頑張りたい。</a:t>
-            </a:r>
-            <a:endParaRPr lang="en-US" altLang="ja-JP" dirty="0"/>
-          </a:p>
-          <a:p>
-            <a:pPr marL="0" indent="0">
-              <a:buNone/>
-            </a:pPr>
-            <a:r>
-              <a:rPr lang="ja-JP" altLang="en-US" u="sng" dirty="0">
-                <a:solidFill>
-                  <a:srgbClr val="FF0000"/>
-                </a:solidFill>
-              </a:rPr>
-              <a:t>　漢としての自覚をもち、漢力が磨かれた。</a:t>
-            </a:r>
-            <a:endParaRPr lang="en-US" altLang="ja-JP" u="sng" dirty="0">
-              <a:solidFill>
-                <a:srgbClr val="FF0000"/>
-              </a:solidFill>
-            </a:endParaRPr>
           </a:p>
         </p:txBody>
       </p:sp>
@@ -8035,7 +8169,7 @@
                 <a:latin typeface="メイリオ" panose="020B0604030504040204" pitchFamily="50" charset="-128"/>
                 <a:ea typeface="メイリオ" panose="020B0604030504040204" pitchFamily="50" charset="-128"/>
               </a:rPr>
-              <a:t>１、コンセプト</a:t>
+              <a:t>１．コンセプト</a:t>
             </a:r>
             <a:endParaRPr kumimoji="1" lang="en-US" altLang="ja-JP" sz="3600" dirty="0">
               <a:latin typeface="メイリオ" panose="020B0604030504040204" pitchFamily="50" charset="-128"/>
@@ -8051,13 +8185,13 @@
                 <a:latin typeface="メイリオ" panose="020B0604030504040204" pitchFamily="50" charset="-128"/>
                 <a:ea typeface="メイリオ" panose="020B0604030504040204" pitchFamily="50" charset="-128"/>
               </a:rPr>
-              <a:t>２、</a:t>
+              <a:t>２</a:t>
             </a:r>
             <a:r>
               <a:rPr lang="ja-JP" altLang="en-US" sz="3600" dirty="0">
                 <a:latin typeface="メイリオ" panose="020B0604030504040204" pitchFamily="50" charset="-128"/>
               </a:rPr>
-              <a:t>チーム紹介</a:t>
+              <a:t>．チーム紹介</a:t>
             </a:r>
             <a:endParaRPr lang="en-US" altLang="ja-JP" sz="3600" dirty="0">
               <a:latin typeface="メイリオ" panose="020B0604030504040204" pitchFamily="50" charset="-128"/>
@@ -8073,7 +8207,20 @@
                 <a:latin typeface="メイリオ" panose="020B0604030504040204" pitchFamily="50" charset="-128"/>
                 <a:ea typeface="メイリオ" panose="020B0604030504040204" pitchFamily="50" charset="-128"/>
               </a:rPr>
-              <a:t>３、システム品質と規模</a:t>
+              <a:t>３</a:t>
+            </a:r>
+            <a:r>
+              <a:rPr lang="ja-JP" altLang="en-US" sz="3600" dirty="0">
+                <a:latin typeface="メイリオ" panose="020B0604030504040204" pitchFamily="50" charset="-128"/>
+              </a:rPr>
+              <a:t>．</a:t>
+            </a:r>
+            <a:r>
+              <a:rPr lang="ja-JP" altLang="en-US" sz="3600" dirty="0">
+                <a:latin typeface="メイリオ" panose="020B0604030504040204" pitchFamily="50" charset="-128"/>
+                <a:ea typeface="メイリオ" panose="020B0604030504040204" pitchFamily="50" charset="-128"/>
+              </a:rPr>
+              <a:t>システム品質と規模</a:t>
             </a:r>
             <a:endParaRPr lang="en-US" altLang="ja-JP" sz="3600" dirty="0">
               <a:latin typeface="メイリオ" panose="020B0604030504040204" pitchFamily="50" charset="-128"/>
@@ -8092,11 +8239,17 @@
               <a:t>４</a:t>
             </a:r>
             <a:r>
+              <a:rPr lang="ja-JP" altLang="en-US" sz="3600" dirty="0">
+                <a:latin typeface="メイリオ" panose="020B0604030504040204" pitchFamily="50" charset="-128"/>
+              </a:rPr>
+              <a:t>．開発</a:t>
+            </a:r>
+            <a:r>
               <a:rPr kumimoji="1" lang="ja-JP" altLang="en-US" sz="3600" dirty="0">
                 <a:latin typeface="メイリオ" panose="020B0604030504040204" pitchFamily="50" charset="-128"/>
                 <a:ea typeface="メイリオ" panose="020B0604030504040204" pitchFamily="50" charset="-128"/>
               </a:rPr>
-              <a:t>、開発工程説明</a:t>
+              <a:t>工程説明</a:t>
             </a:r>
             <a:endParaRPr kumimoji="1" lang="en-US" altLang="ja-JP" sz="3600" dirty="0">
               <a:latin typeface="メイリオ" panose="020B0604030504040204" pitchFamily="50" charset="-128"/>
@@ -8112,7 +8265,20 @@
                 <a:latin typeface="メイリオ" panose="020B0604030504040204" pitchFamily="50" charset="-128"/>
                 <a:ea typeface="メイリオ" panose="020B0604030504040204" pitchFamily="50" charset="-128"/>
               </a:rPr>
-              <a:t>５、デモンストレーション</a:t>
+              <a:t>５</a:t>
+            </a:r>
+            <a:r>
+              <a:rPr lang="ja-JP" altLang="en-US" sz="3600" dirty="0">
+                <a:latin typeface="メイリオ" panose="020B0604030504040204" pitchFamily="50" charset="-128"/>
+              </a:rPr>
+              <a:t>．</a:t>
+            </a:r>
+            <a:r>
+              <a:rPr lang="ja-JP" altLang="en-US" sz="3600" dirty="0">
+                <a:latin typeface="メイリオ" panose="020B0604030504040204" pitchFamily="50" charset="-128"/>
+                <a:ea typeface="メイリオ" panose="020B0604030504040204" pitchFamily="50" charset="-128"/>
+              </a:rPr>
+              <a:t>デモンストレーション</a:t>
             </a:r>
             <a:endParaRPr lang="en-US" altLang="ja-JP" sz="3600" dirty="0">
               <a:latin typeface="メイリオ" panose="020B0604030504040204" pitchFamily="50" charset="-128"/>
@@ -8131,11 +8297,17 @@
               <a:t>６</a:t>
             </a:r>
             <a:r>
+              <a:rPr lang="ja-JP" altLang="en-US" sz="3600" dirty="0">
+                <a:latin typeface="メイリオ" panose="020B0604030504040204" pitchFamily="50" charset="-128"/>
+              </a:rPr>
+              <a:t>．苦労</a:t>
+            </a:r>
+            <a:r>
               <a:rPr kumimoji="1" lang="ja-JP" altLang="en-US" sz="3600" dirty="0">
                 <a:latin typeface="メイリオ" panose="020B0604030504040204" pitchFamily="50" charset="-128"/>
                 <a:ea typeface="メイリオ" panose="020B0604030504040204" pitchFamily="50" charset="-128"/>
               </a:rPr>
-              <a:t>、苦労した点、工夫した点、反省点</a:t>
+              <a:t>した点、工夫した点、反省点</a:t>
             </a:r>
             <a:endParaRPr kumimoji="1" lang="en-US" altLang="ja-JP" sz="3600" dirty="0">
               <a:latin typeface="メイリオ" panose="020B0604030504040204" pitchFamily="50" charset="-128"/>
@@ -8151,7 +8323,20 @@
                 <a:latin typeface="メイリオ" panose="020B0604030504040204" pitchFamily="50" charset="-128"/>
                 <a:ea typeface="メイリオ" panose="020B0604030504040204" pitchFamily="50" charset="-128"/>
               </a:rPr>
-              <a:t>７、最後に（まとめ）</a:t>
+              <a:t>７</a:t>
+            </a:r>
+            <a:r>
+              <a:rPr lang="ja-JP" altLang="en-US" sz="3600" dirty="0">
+                <a:latin typeface="メイリオ" panose="020B0604030504040204" pitchFamily="50" charset="-128"/>
+              </a:rPr>
+              <a:t>．</a:t>
+            </a:r>
+            <a:r>
+              <a:rPr lang="ja-JP" altLang="en-US" sz="3600" dirty="0">
+                <a:latin typeface="メイリオ" panose="020B0604030504040204" pitchFamily="50" charset="-128"/>
+                <a:ea typeface="メイリオ" panose="020B0604030504040204" pitchFamily="50" charset="-128"/>
+              </a:rPr>
+              <a:t>最後に（まとめ）</a:t>
             </a:r>
             <a:endParaRPr kumimoji="1" lang="en-US" altLang="ja-JP" sz="3600" dirty="0">
               <a:latin typeface="メイリオ" panose="020B0604030504040204" pitchFamily="50" charset="-128"/>
@@ -8675,7 +8860,7 @@
                 <a:latin typeface="メイリオ" panose="020B0604030504040204" pitchFamily="50" charset="-128"/>
                 <a:ea typeface="メイリオ" panose="020B0604030504040204" pitchFamily="50" charset="-128"/>
               </a:rPr>
-              <a:t>チーム紹介</a:t>
+              <a:t>チーム漢の紹介</a:t>
             </a:r>
           </a:p>
         </p:txBody>
@@ -8699,7 +8884,7 @@
         <p:spPr>
           <a:xfrm>
             <a:off x="838200" y="2361808"/>
-            <a:ext cx="10515600" cy="2906478"/>
+            <a:ext cx="10515600" cy="3994542"/>
           </a:xfrm>
         </p:spPr>
         <p:txBody>
@@ -8773,14 +8958,20 @@
               <a:buNone/>
             </a:pPr>
             <a:r>
-              <a:rPr lang="ja-JP" altLang="ja-JP" b="1" dirty="0">
+              <a:rPr lang="ja-JP" altLang="en-US" b="1" dirty="0">
                 <a:solidFill>
                   <a:srgbClr val="000000"/>
                 </a:solidFill>
                 <a:latin typeface="メイリオ" panose="020B0604030504040204" pitchFamily="50" charset="-128"/>
               </a:rPr>
-              <a:t>メンバー</a:t>
-            </a:r>
+              <a:t>サブリーダー</a:t>
+            </a:r>
+            <a:endParaRPr lang="ja-JP" altLang="ja-JP" b="1" dirty="0">
+              <a:solidFill>
+                <a:srgbClr val="000000"/>
+              </a:solidFill>
+              <a:latin typeface="メイリオ" panose="020B0604030504040204" pitchFamily="50" charset="-128"/>
+            </a:endParaRPr>
           </a:p>
           <a:p>
             <a:pPr lvl="1" indent="0">
@@ -8816,7 +9007,30 @@
               </a:rPr>
               <a:t>アカウント情報、カスタム、ショップ</a:t>
             </a:r>
-            <a:endParaRPr lang="ja-JP" altLang="ja-JP" sz="2800" dirty="0">
+            <a:endParaRPr lang="en-US" altLang="ja-JP" sz="2800" dirty="0">
+              <a:solidFill>
+                <a:srgbClr val="000000"/>
+              </a:solidFill>
+              <a:latin typeface="メイリオ" panose="020B0604030504040204" pitchFamily="50" charset="-128"/>
+            </a:endParaRPr>
+          </a:p>
+          <a:p>
+            <a:pPr>
+              <a:lnSpc>
+                <a:spcPct val="125000"/>
+              </a:lnSpc>
+              <a:buNone/>
+            </a:pPr>
+            <a:r>
+              <a:rPr lang="ja-JP" altLang="en-US" b="1" dirty="0">
+                <a:solidFill>
+                  <a:srgbClr val="000000"/>
+                </a:solidFill>
+                <a:latin typeface="メイリオ" panose="020B0604030504040204" pitchFamily="50" charset="-128"/>
+              </a:rPr>
+              <a:t>書記</a:t>
+            </a:r>
+            <a:endParaRPr lang="ja-JP" altLang="ja-JP" b="1" dirty="0">
               <a:solidFill>
                 <a:srgbClr val="000000"/>
               </a:solidFill>
@@ -8857,7 +9071,7 @@
               </a:rPr>
               <a:t>ログイン、管理者</a:t>
             </a:r>
-            <a:endParaRPr lang="ja-JP" altLang="ja-JP" sz="2800" dirty="0">
+            <a:endParaRPr lang="en-US" altLang="ja-JP" sz="2800" dirty="0">
               <a:solidFill>
                 <a:srgbClr val="000000"/>
               </a:solidFill>
@@ -9194,7 +9408,21 @@
                 <a:latin typeface="メイリオ" panose="020B0604030504040204" pitchFamily="50" charset="-128"/>
                 <a:ea typeface="メイリオ" panose="020B0604030504040204" pitchFamily="50" charset="-128"/>
               </a:rPr>
-              <a:t>発生したバグは現在修正済み。</a:t>
+              <a:t>発生したバグは</a:t>
+            </a:r>
+            <a:r>
+              <a:rPr lang="ja-JP" altLang="en-US" sz="4000" dirty="0">
+                <a:latin typeface="メイリオ" panose="020B0604030504040204" pitchFamily="50" charset="-128"/>
+                <a:ea typeface="メイリオ" panose="020B0604030504040204" pitchFamily="50" charset="-128"/>
+              </a:rPr>
+              <a:t>すべて</a:t>
+            </a:r>
+            <a:r>
+              <a:rPr kumimoji="1" lang="ja-JP" altLang="en-US" sz="4000" dirty="0">
+                <a:latin typeface="メイリオ" panose="020B0604030504040204" pitchFamily="50" charset="-128"/>
+                <a:ea typeface="メイリオ" panose="020B0604030504040204" pitchFamily="50" charset="-128"/>
+              </a:rPr>
+              <a:t>修正済み。</a:t>
             </a:r>
           </a:p>
         </p:txBody>

--- a/提出物/チーム漢_成果発表会プレゼン資料.pptx
+++ b/提出物/チーム漢_成果発表会プレゼン資料.pptx
@@ -861,7 +861,15 @@
           <a:p>
             <a:r>
               <a:rPr kumimoji="1" lang="ja-JP" altLang="en-US" dirty="0"/>
-              <a:t>　続いて、私たちがこのシステムを制作上の、苦労した点、工夫した点、反省点を各自、発表していきたいと思います。</a:t>
+              <a:t>　続いて、私たちが</a:t>
+            </a:r>
+            <a:r>
+              <a:rPr kumimoji="1" lang="ja-JP" altLang="en-US"/>
+              <a:t>このシステム制作上</a:t>
+            </a:r>
+            <a:r>
+              <a:rPr kumimoji="1" lang="ja-JP" altLang="en-US" dirty="0"/>
+              <a:t>の、苦労した点、工夫した点、反省点を各自、発表していきたいと思います。</a:t>
             </a:r>
             <a:endParaRPr kumimoji="1" lang="en-US" altLang="ja-JP" dirty="0"/>
           </a:p>
@@ -906,16 +914,6 @@
               <a:rPr kumimoji="1" lang="ja-JP" altLang="en-US" dirty="0"/>
               <a:t>反省点としましては、ランキングページにおいて、システムの動作は問題ないものの読み込みが遅くなってしまった点です。</a:t>
             </a:r>
-            <a:endParaRPr kumimoji="1" lang="en-US" altLang="ja-JP" dirty="0"/>
-          </a:p>
-          <a:p>
-            <a:r>
-              <a:rPr kumimoji="1" lang="ja-JP" altLang="en-US" dirty="0"/>
-              <a:t>おそらく、コード記述の甘さが原因だと思われるので、修正する時間がなかったのが心残りです。</a:t>
-            </a:r>
-            <a:endParaRPr kumimoji="1" lang="en-US" altLang="ja-JP" dirty="0"/>
-          </a:p>
-          <a:p>
             <a:endParaRPr kumimoji="1" lang="en-US" altLang="ja-JP" dirty="0"/>
           </a:p>
         </p:txBody>
@@ -1023,7 +1021,7 @@
           <a:p>
             <a:r>
               <a:rPr kumimoji="1" lang="ja-JP" altLang="en-US" dirty="0"/>
-              <a:t>　反省点といたしましては、プロフィール情報の変更やメールアドレス、パスワードの変更の処理が、力不足ゆえ、共通関数にまとめられることができなかったことです。</a:t>
+              <a:t>　反省点といたしましては、プロフィール情報の変更やメールアドレス、パスワードの変更の処理を共通関数にまとめることができなかった点です。</a:t>
             </a:r>
             <a:endParaRPr lang="en-US" altLang="ja-JP" dirty="0"/>
           </a:p>
@@ -1141,14 +1139,14 @@
           <a:p>
             <a:r>
               <a:rPr lang="ja-JP" altLang="en-US" dirty="0"/>
-              <a:t>次に工夫した点は、同様に管理者ページでチェックを入れた全ユーザー情報を削除できるようにした点です。これにより複数のユーザーをまとめて削除できるようにしました。</a:t>
+              <a:t>次に工夫した点は、同様に管理者ページでチェックを入れた全ユーザー情報を削除できるようにした点です。これにより複数のユーザーをまとめて削除できます。</a:t>
             </a:r>
             <a:endParaRPr lang="en-US" altLang="ja-JP" dirty="0"/>
           </a:p>
           <a:p>
             <a:r>
               <a:rPr lang="ja-JP" altLang="en-US" dirty="0"/>
-              <a:t>次に反省点は、管理者ページからもユーザー情報を変更できるようにすればよかったと感じました。削除だけしかできないため、アカウント情報の変更等も管理者ページからできるようにすればなおよかったと感じました。</a:t>
+              <a:t>次に反省点は、管理者ページからもユーザー情報の変更処理を加えられなかった点です。</a:t>
             </a:r>
             <a:endParaRPr lang="en-US" altLang="ja-JP" dirty="0"/>
           </a:p>
@@ -7174,7 +7172,7 @@
             </a:pPr>
             <a:r>
               <a:rPr lang="ja-JP" altLang="en-US" dirty="0"/>
-              <a:t>反省点：変更の処理を共通関数に上手く纏められず、力不足だった。　</a:t>
+              <a:t>反省点：変更の処理を共通関数に上手く纏められなかった。</a:t>
             </a:r>
             <a:endParaRPr kumimoji="1" lang="en-US" altLang="ja-JP" dirty="0"/>
           </a:p>

--- a/提出物/チーム漢_成果発表会プレゼン資料.pptx
+++ b/提出物/チーム漢_成果発表会プレゼン資料.pptx
@@ -228,7 +228,7 @@
           <a:p>
             <a:fld id="{4CED67AD-833E-4394-A053-51126191BB46}" type="datetimeFigureOut">
               <a:rPr kumimoji="1" lang="ja-JP" altLang="en-US" smtClean="0"/>
-              <a:t>2021/5/28</a:t>
+              <a:t>2021/5/31</a:t>
             </a:fld>
             <a:endParaRPr kumimoji="1" lang="ja-JP" altLang="en-US"/>
           </a:p>
@@ -406,7 +406,7 @@
           <a:p>
             <a:fld id="{6534E251-8A8A-4EC2-8937-554E0E192158}" type="datetimeFigureOut">
               <a:rPr kumimoji="1" lang="ja-JP" altLang="en-US" smtClean="0"/>
-              <a:t>2021/5/28</a:t>
+              <a:t>2021/5/31</a:t>
             </a:fld>
             <a:endParaRPr kumimoji="1" lang="ja-JP" altLang="en-US"/>
           </a:p>
@@ -861,15 +861,7 @@
           <a:p>
             <a:r>
               <a:rPr kumimoji="1" lang="ja-JP" altLang="en-US" dirty="0"/>
-              <a:t>　続いて、私たちが</a:t>
-            </a:r>
-            <a:r>
-              <a:rPr kumimoji="1" lang="ja-JP" altLang="en-US"/>
-              <a:t>このシステム制作上</a:t>
-            </a:r>
-            <a:r>
-              <a:rPr kumimoji="1" lang="ja-JP" altLang="en-US" dirty="0"/>
-              <a:t>の、苦労した点、工夫した点、反省点を各自、発表していきたいと思います。</a:t>
+              <a:t>　続いて、私たちがこのシステムを制作した上での、苦労した点、工夫した点、反省点を各自、発表していきたいと思います。</a:t>
             </a:r>
             <a:endParaRPr kumimoji="1" lang="en-US" altLang="ja-JP" dirty="0"/>
           </a:p>
@@ -1279,21 +1271,21 @@
           </a:p>
           <a:p>
             <a:r>
-              <a:rPr lang="ja-JP" altLang="en-US" dirty="0"/>
-              <a:t>なによりも一番吸収できたことは、</a:t>
-            </a:r>
-            <a:endParaRPr lang="en-US" altLang="ja-JP" dirty="0"/>
-          </a:p>
-          <a:p>
-            <a:r>
-              <a:rPr lang="ja-JP" altLang="en-US" u="sng" dirty="0">
+              <a:rPr lang="ja-JP" altLang="en-US" i="1" dirty="0"/>
+              <a:t>なによりも最も吸収できたことは、</a:t>
+            </a:r>
+            <a:endParaRPr lang="en-US" altLang="ja-JP" i="1" dirty="0"/>
+          </a:p>
+          <a:p>
+            <a:r>
+              <a:rPr lang="ja-JP" altLang="en-US" i="1" u="sng" dirty="0">
                 <a:solidFill>
                   <a:srgbClr val="FF0000"/>
                 </a:solidFill>
               </a:rPr>
               <a:t>　漢としての自覚をもち、漢力が磨かれた。</a:t>
             </a:r>
-            <a:endParaRPr lang="en-US" altLang="ja-JP" u="sng" dirty="0">
+            <a:endParaRPr lang="en-US" altLang="ja-JP" i="1" u="sng" dirty="0">
               <a:solidFill>
                 <a:srgbClr val="FF0000"/>
               </a:solidFill>
@@ -1301,17 +1293,17 @@
           </a:p>
           <a:p>
             <a:r>
-              <a:rPr lang="ja-JP" altLang="en-US" dirty="0"/>
-              <a:t>これがとても大きいです。</a:t>
-            </a:r>
-            <a:endParaRPr lang="en-US" altLang="ja-JP" dirty="0"/>
-          </a:p>
-          <a:p>
-            <a:r>
-              <a:rPr lang="ja-JP" altLang="en-US" dirty="0"/>
+              <a:rPr lang="ja-JP" altLang="en-US" i="1" dirty="0"/>
+              <a:t>この要素がとても大きいです。</a:t>
+            </a:r>
+            <a:endParaRPr lang="en-US" altLang="ja-JP" i="1" dirty="0"/>
+          </a:p>
+          <a:p>
+            <a:r>
+              <a:rPr lang="ja-JP" altLang="en-US" i="1" dirty="0"/>
               <a:t>今後も漢として頑張っていきたいです。</a:t>
             </a:r>
-            <a:endParaRPr lang="en-US" altLang="ja-JP" dirty="0"/>
+            <a:endParaRPr lang="en-US" altLang="ja-JP" i="1" dirty="0"/>
           </a:p>
         </p:txBody>
       </p:sp>
@@ -1869,7 +1861,7 @@
           <a:p>
             <a:r>
               <a:rPr lang="ja-JP" altLang="en-US" dirty="0"/>
-              <a:t>　続いて、開発工程説明について伊藤さんお願いします。</a:t>
+              <a:t>　続いて、開発工程説明について真夜中の一番星伊藤さんお願いします。</a:t>
             </a:r>
             <a:endParaRPr lang="en-US" altLang="ja-JP" dirty="0"/>
           </a:p>
@@ -2298,7 +2290,7 @@
           <a:p>
             <a:r>
               <a:rPr kumimoji="1" lang="ja-JP" altLang="en-US" dirty="0"/>
-              <a:t>　秦さんお願いします。</a:t>
+              <a:t>　クールビューティ秦さんお願いします。</a:t>
             </a:r>
             <a:endParaRPr kumimoji="1" lang="en-US" altLang="ja-JP" dirty="0"/>
           </a:p>
@@ -2313,6 +2305,20 @@
             <a:r>
               <a:rPr kumimoji="1" lang="ja-JP" altLang="en-US" dirty="0"/>
               <a:t>　画面遷移図の説明して＾＾＾＾</a:t>
+            </a:r>
+            <a:endParaRPr kumimoji="1" lang="en-US" altLang="ja-JP" dirty="0"/>
+          </a:p>
+          <a:p>
+            <a:r>
+              <a:rPr kumimoji="1" lang="ja-JP" altLang="en-US" dirty="0"/>
+              <a:t>　続いて、実際のシステム稼働画面に移ります。</a:t>
+            </a:r>
+            <a:endParaRPr kumimoji="1" lang="en-US" altLang="ja-JP" dirty="0"/>
+          </a:p>
+          <a:p>
+            <a:r>
+              <a:rPr kumimoji="1" lang="ja-JP" altLang="en-US" dirty="0"/>
+              <a:t>　イケてるナイスガイ花岡さんお願いします。</a:t>
             </a:r>
             <a:endParaRPr kumimoji="1" lang="en-US" altLang="ja-JP" dirty="0"/>
           </a:p>
@@ -2638,7 +2644,7 @@
           <a:p>
             <a:fld id="{2C62FF21-2326-4700-8268-390BEC3E221B}" type="datetime1">
               <a:rPr kumimoji="1" lang="ja-JP" altLang="en-US" smtClean="0"/>
-              <a:t>2021/5/28</a:t>
+              <a:t>2021/5/31</a:t>
             </a:fld>
             <a:endParaRPr kumimoji="1" lang="ja-JP" altLang="en-US"/>
           </a:p>
@@ -2880,7 +2886,7 @@
           <a:p>
             <a:fld id="{6B7E9110-3B53-4C4B-A429-3F7C813CE798}" type="datetime1">
               <a:rPr kumimoji="1" lang="ja-JP" altLang="en-US" smtClean="0"/>
-              <a:t>2021/5/28</a:t>
+              <a:t>2021/5/31</a:t>
             </a:fld>
             <a:endParaRPr kumimoji="1" lang="ja-JP" altLang="en-US"/>
           </a:p>
@@ -3132,7 +3138,7 @@
           <a:p>
             <a:fld id="{DB58D0B0-C0A3-407A-8BB8-3EC02D141471}" type="datetime1">
               <a:rPr kumimoji="1" lang="ja-JP" altLang="en-US" smtClean="0"/>
-              <a:t>2021/5/28</a:t>
+              <a:t>2021/5/31</a:t>
             </a:fld>
             <a:endParaRPr kumimoji="1" lang="ja-JP" altLang="en-US"/>
           </a:p>
@@ -3542,7 +3548,7 @@
           <a:p>
             <a:fld id="{350012E4-3F19-46A1-B372-61B4BDE65CBF}" type="datetime1">
               <a:rPr kumimoji="1" lang="ja-JP" altLang="en-US" smtClean="0"/>
-              <a:t>2021/5/28</a:t>
+              <a:t>2021/5/31</a:t>
             </a:fld>
             <a:endParaRPr kumimoji="1" lang="ja-JP" altLang="en-US"/>
           </a:p>
@@ -3865,7 +3871,7 @@
           <a:p>
             <a:fld id="{F3BA0D83-E630-46C7-B2C3-8369BD75DB40}" type="datetime1">
               <a:rPr kumimoji="1" lang="ja-JP" altLang="en-US" smtClean="0"/>
-              <a:t>2021/5/28</a:t>
+              <a:t>2021/5/31</a:t>
             </a:fld>
             <a:endParaRPr kumimoji="1" lang="ja-JP" altLang="en-US"/>
           </a:p>
@@ -4206,7 +4212,7 @@
           <a:p>
             <a:fld id="{E51A32F4-D974-4269-9BFB-9A87CCD40522}" type="datetime1">
               <a:rPr kumimoji="1" lang="ja-JP" altLang="en-US" smtClean="0"/>
-              <a:t>2021/5/28</a:t>
+              <a:t>2021/5/31</a:t>
             </a:fld>
             <a:endParaRPr kumimoji="1" lang="ja-JP" altLang="en-US"/>
           </a:p>
@@ -4694,7 +4700,7 @@
           <a:p>
             <a:fld id="{77D3B64B-5411-4E10-B3F1-0A047EF61333}" type="datetime1">
               <a:rPr kumimoji="1" lang="ja-JP" altLang="en-US" smtClean="0"/>
-              <a:t>2021/5/28</a:t>
+              <a:t>2021/5/31</a:t>
             </a:fld>
             <a:endParaRPr kumimoji="1" lang="ja-JP" altLang="en-US"/>
           </a:p>
@@ -4957,7 +4963,7 @@
           <a:p>
             <a:fld id="{D867A0B0-0CFF-45AF-8C62-9A13ED4DAB5B}" type="datetime1">
               <a:rPr kumimoji="1" lang="ja-JP" altLang="en-US" smtClean="0"/>
-              <a:t>2021/5/28</a:t>
+              <a:t>2021/5/31</a:t>
             </a:fld>
             <a:endParaRPr kumimoji="1" lang="ja-JP" altLang="en-US"/>
           </a:p>
@@ -5082,7 +5088,7 @@
           <a:p>
             <a:fld id="{B6FD6580-8722-401D-AC3C-204B4576987E}" type="datetime1">
               <a:rPr kumimoji="1" lang="ja-JP" altLang="en-US" smtClean="0"/>
-              <a:t>2021/5/28</a:t>
+              <a:t>2021/5/31</a:t>
             </a:fld>
             <a:endParaRPr kumimoji="1" lang="ja-JP" altLang="en-US"/>
           </a:p>
@@ -5437,7 +5443,7 @@
           <a:p>
             <a:fld id="{C341192A-712C-40AC-9B6C-AA227D1C2F28}" type="datetime1">
               <a:rPr kumimoji="1" lang="ja-JP" altLang="en-US" smtClean="0"/>
-              <a:t>2021/5/28</a:t>
+              <a:t>2021/5/31</a:t>
             </a:fld>
             <a:endParaRPr kumimoji="1" lang="ja-JP" altLang="en-US"/>
           </a:p>
@@ -5737,7 +5743,7 @@
           <a:p>
             <a:fld id="{4191F092-DE35-4DFD-8CE5-435FDCB03430}" type="datetime1">
               <a:rPr kumimoji="1" lang="ja-JP" altLang="en-US" smtClean="0"/>
-              <a:t>2021/5/28</a:t>
+              <a:t>2021/5/31</a:t>
             </a:fld>
             <a:endParaRPr kumimoji="1" lang="ja-JP" altLang="en-US"/>
           </a:p>
@@ -6022,7 +6028,7 @@
           <a:p>
             <a:fld id="{50D49ECA-AFA2-4A95-9EE4-155B2E9F4BBB}" type="datetime1">
               <a:rPr kumimoji="1" lang="ja-JP" altLang="en-US" smtClean="0"/>
-              <a:t>2021/5/28</a:t>
+              <a:t>2021/5/31</a:t>
             </a:fld>
             <a:endParaRPr kumimoji="1" lang="ja-JP" altLang="en-US"/>
           </a:p>
@@ -6677,7 +6683,7 @@
           <a:p>
             <a:fld id="{75537065-4BF9-4A4F-ACDC-E7FA998B3470}" type="datetime1">
               <a:rPr kumimoji="1" lang="ja-JP" altLang="en-US" smtClean="0"/>
-              <a:t>2021/5/28</a:t>
+              <a:t>2021/5/31</a:t>
             </a:fld>
             <a:endParaRPr kumimoji="1" lang="ja-JP" altLang="en-US"/>
           </a:p>
@@ -6969,7 +6975,7 @@
           <a:p>
             <a:fld id="{A8DF7C92-90DF-4CC0-9B6B-7A3CFFE2386F}" type="datetime1">
               <a:rPr kumimoji="1" lang="ja-JP" altLang="en-US" smtClean="0"/>
-              <a:t>2021/5/28</a:t>
+              <a:t>2021/5/31</a:t>
             </a:fld>
             <a:endParaRPr kumimoji="1" lang="ja-JP" altLang="en-US"/>
           </a:p>
@@ -7283,7 +7289,7 @@
           <a:p>
             <a:fld id="{A8DF7C92-90DF-4CC0-9B6B-7A3CFFE2386F}" type="datetime1">
               <a:rPr kumimoji="1" lang="ja-JP" altLang="en-US" smtClean="0"/>
-              <a:t>2021/5/28</a:t>
+              <a:t>2021/5/31</a:t>
             </a:fld>
             <a:endParaRPr kumimoji="1" lang="ja-JP" altLang="en-US"/>
           </a:p>
@@ -7562,7 +7568,7 @@
           <a:p>
             <a:fld id="{A8DF7C92-90DF-4CC0-9B6B-7A3CFFE2386F}" type="datetime1">
               <a:rPr kumimoji="1" lang="ja-JP" altLang="en-US" smtClean="0"/>
-              <a:t>2021/5/28</a:t>
+              <a:t>2021/5/31</a:t>
             </a:fld>
             <a:endParaRPr kumimoji="1" lang="ja-JP" altLang="en-US"/>
           </a:p>
@@ -7821,7 +7827,7 @@
           <a:p>
             <a:fld id="{A3C00A49-8260-46B8-AEBE-5BDEBDBB7B13}" type="datetime1">
               <a:rPr kumimoji="1" lang="ja-JP" altLang="en-US" smtClean="0"/>
-              <a:t>2021/5/28</a:t>
+              <a:t>2021/5/31</a:t>
             </a:fld>
             <a:endParaRPr kumimoji="1" lang="ja-JP" altLang="en-US"/>
           </a:p>
@@ -8016,7 +8022,7 @@
           <a:p>
             <a:fld id="{21693455-9EF6-4C2F-ABC8-BA44E75E5EE0}" type="datetime1">
               <a:rPr kumimoji="1" lang="ja-JP" altLang="en-US" smtClean="0"/>
-              <a:t>2021/5/28</a:t>
+              <a:t>2021/5/31</a:t>
             </a:fld>
             <a:endParaRPr kumimoji="1" lang="ja-JP" altLang="en-US"/>
           </a:p>
@@ -8439,7 +8445,7 @@
           <a:p>
             <a:fld id="{873DE344-8DFD-4570-B3D4-0DFF6CD59ABC}" type="datetime1">
               <a:rPr kumimoji="1" lang="ja-JP" altLang="en-US" smtClean="0"/>
-              <a:t>2021/5/28</a:t>
+              <a:t>2021/5/31</a:t>
             </a:fld>
             <a:endParaRPr kumimoji="1" lang="ja-JP" altLang="en-US"/>
           </a:p>
@@ -8762,7 +8768,7 @@
           <a:p>
             <a:fld id="{05427840-0071-4AAE-A929-6F690A0ED457}" type="datetime1">
               <a:rPr kumimoji="1" lang="ja-JP" altLang="en-US" smtClean="0"/>
-              <a:t>2021/5/28</a:t>
+              <a:t>2021/5/31</a:t>
             </a:fld>
             <a:endParaRPr kumimoji="1" lang="ja-JP" altLang="en-US"/>
           </a:p>
@@ -9174,7 +9180,7 @@
           <a:p>
             <a:fld id="{6D65D75F-71CE-4D2E-94FA-8FDF7A2999C4}" type="datetime1">
               <a:rPr kumimoji="1" lang="ja-JP" altLang="en-US" smtClean="0"/>
-              <a:t>2021/5/28</a:t>
+              <a:t>2021/5/31</a:t>
             </a:fld>
             <a:endParaRPr kumimoji="1" lang="ja-JP" altLang="en-US"/>
           </a:p>
@@ -9521,7 +9527,7 @@
           <a:p>
             <a:fld id="{10FB9CED-4ACB-437E-8352-B4B381866E8C}" type="datetime1">
               <a:rPr kumimoji="1" lang="ja-JP" altLang="en-US" smtClean="0"/>
-              <a:t>2021/5/28</a:t>
+              <a:t>2021/5/31</a:t>
             </a:fld>
             <a:endParaRPr kumimoji="1" lang="ja-JP" altLang="en-US"/>
           </a:p>
@@ -9994,7 +10000,7 @@
           <a:p>
             <a:fld id="{EF23AD8C-A451-488E-AEC1-8EB2879BAF5D}" type="datetime1">
               <a:rPr kumimoji="1" lang="ja-JP" altLang="en-US" smtClean="0"/>
-              <a:t>2021/5/28</a:t>
+              <a:t>2021/5/31</a:t>
             </a:fld>
             <a:endParaRPr kumimoji="1" lang="ja-JP" altLang="en-US"/>
           </a:p>
@@ -10389,7 +10395,7 @@
           <a:p>
             <a:fld id="{86F13F70-260F-421C-9661-17789AEB7163}" type="datetime1">
               <a:rPr kumimoji="1" lang="ja-JP" altLang="en-US" smtClean="0"/>
-              <a:t>2021/5/28</a:t>
+              <a:t>2021/5/31</a:t>
             </a:fld>
             <a:endParaRPr kumimoji="1" lang="ja-JP" altLang="en-US"/>
           </a:p>
@@ -10722,7 +10728,7 @@
           <a:p>
             <a:fld id="{83E78F68-10B6-4D2B-94C4-2A657652BB4A}" type="datetime1">
               <a:rPr kumimoji="1" lang="ja-JP" altLang="en-US" smtClean="0"/>
-              <a:t>2021/5/28</a:t>
+              <a:t>2021/5/31</a:t>
             </a:fld>
             <a:endParaRPr kumimoji="1" lang="ja-JP" altLang="en-US"/>
           </a:p>
@@ -10962,7 +10968,7 @@
           <a:p>
             <a:fld id="{913BF489-C46D-45A4-BB24-79C16966522A}" type="datetime1">
               <a:rPr kumimoji="1" lang="ja-JP" altLang="en-US" smtClean="0"/>
-              <a:t>2021/5/28</a:t>
+              <a:t>2021/5/31</a:t>
             </a:fld>
             <a:endParaRPr kumimoji="1" lang="ja-JP" altLang="en-US"/>
           </a:p>

--- a/提出物/チーム漢_成果発表会プレゼン資料.pptx
+++ b/提出物/チーム漢_成果発表会プレゼン資料.pptx
@@ -1861,7 +1861,7 @@
           <a:p>
             <a:r>
               <a:rPr lang="ja-JP" altLang="en-US" dirty="0"/>
-              <a:t>　続いて、開発工程説明について真夜中の一番星伊藤さんお願いします。</a:t>
+              <a:t>　続いて、開発工程説明について真夜中の一番星伊藤がご説明いたします。</a:t>
             </a:r>
             <a:endParaRPr lang="en-US" altLang="ja-JP" dirty="0"/>
           </a:p>
@@ -1956,6 +1956,13 @@
           <a:p>
             <a:r>
               <a:rPr kumimoji="1" lang="ja-JP" altLang="en-US" dirty="0"/>
+              <a:t>ご指名入りました。真夜中の一番星伊藤です。</a:t>
+            </a:r>
+            <a:endParaRPr kumimoji="1" lang="en-US" altLang="ja-JP" dirty="0"/>
+          </a:p>
+          <a:p>
+            <a:r>
+              <a:rPr kumimoji="1" lang="ja-JP" altLang="en-US" dirty="0"/>
               <a:t>続いて、開発工程の説明に移ります。</a:t>
             </a:r>
             <a:endParaRPr kumimoji="1" lang="en-US" altLang="ja-JP" dirty="0"/>
@@ -2290,7 +2297,7 @@
           <a:p>
             <a:r>
               <a:rPr kumimoji="1" lang="ja-JP" altLang="en-US" dirty="0"/>
-              <a:t>　クールビューティ秦さんお願いします。</a:t>
+              <a:t>　クールビューティ秦がご説明いたします。</a:t>
             </a:r>
             <a:endParaRPr kumimoji="1" lang="en-US" altLang="ja-JP" dirty="0"/>
           </a:p>
@@ -2302,6 +2309,30 @@
             <a:endParaRPr kumimoji="1" lang="en-US" altLang="ja-JP" dirty="0"/>
           </a:p>
           <a:p>
+            <a:pPr marL="0" marR="0" lvl="0" indent="0" algn="l" defTabSz="914400" rtl="0" eaLnBrk="1" fontAlgn="auto" latinLnBrk="0" hangingPunct="1">
+              <a:lnSpc>
+                <a:spcPct val="100000"/>
+              </a:lnSpc>
+              <a:spcBef>
+                <a:spcPts val="0"/>
+              </a:spcBef>
+              <a:spcAft>
+                <a:spcPts val="0"/>
+              </a:spcAft>
+              <a:buClrTx/>
+              <a:buSzTx/>
+              <a:buFontTx/>
+              <a:buNone/>
+              <a:tabLst/>
+              <a:defRPr/>
+            </a:pPr>
+            <a:r>
+              <a:rPr kumimoji="1" lang="ja-JP" altLang="en-US" dirty="0"/>
+              <a:t>　ご指名入りました。クールビューティ秦です。</a:t>
+            </a:r>
+            <a:endParaRPr kumimoji="1" lang="en-US" altLang="ja-JP" dirty="0"/>
+          </a:p>
+          <a:p>
             <a:r>
               <a:rPr kumimoji="1" lang="ja-JP" altLang="en-US" dirty="0"/>
               <a:t>　画面遷移図の説明して＾＾＾＾</a:t>
@@ -2318,7 +2349,7 @@
           <a:p>
             <a:r>
               <a:rPr kumimoji="1" lang="ja-JP" altLang="en-US" dirty="0"/>
-              <a:t>　イケてるナイスガイ花岡さんお願いします。</a:t>
+              <a:t>　イケてるナイスガイ花岡がご説明いたします。</a:t>
             </a:r>
             <a:endParaRPr kumimoji="1" lang="en-US" altLang="ja-JP" dirty="0"/>
           </a:p>
@@ -2326,6 +2357,38 @@
             <a:r>
               <a:rPr kumimoji="1" lang="ja-JP" altLang="en-US" dirty="0"/>
               <a:t>花岡↓</a:t>
+            </a:r>
+            <a:endParaRPr kumimoji="1" lang="en-US" altLang="ja-JP" dirty="0"/>
+          </a:p>
+          <a:p>
+            <a:pPr marL="0" marR="0" lvl="0" indent="0" algn="l" defTabSz="914400" rtl="0" eaLnBrk="1" fontAlgn="auto" latinLnBrk="0" hangingPunct="1">
+              <a:lnSpc>
+                <a:spcPct val="100000"/>
+              </a:lnSpc>
+              <a:spcBef>
+                <a:spcPts val="0"/>
+              </a:spcBef>
+              <a:spcAft>
+                <a:spcPts val="0"/>
+              </a:spcAft>
+              <a:buClrTx/>
+              <a:buSzTx/>
+              <a:buFontTx/>
+              <a:buNone/>
+              <a:tabLst/>
+              <a:defRPr/>
+            </a:pPr>
+            <a:r>
+              <a:rPr kumimoji="1" lang="ja-JP" altLang="en-US" dirty="0"/>
+              <a:t>　ご指名</a:t>
+            </a:r>
+            <a:r>
+              <a:rPr kumimoji="1" lang="ja-JP" altLang="en-US"/>
+              <a:t>入りました。イケてるナイスガイ花岡です</a:t>
+            </a:r>
+            <a:r>
+              <a:rPr kumimoji="1" lang="ja-JP" altLang="en-US" dirty="0"/>
+              <a:t>。</a:t>
             </a:r>
             <a:endParaRPr kumimoji="1" lang="en-US" altLang="ja-JP" dirty="0"/>
           </a:p>
